--- a/KanBan-App/Documents/Abschlusspräsentation/Projektmanagement.pptx
+++ b/KanBan-App/Documents/Abschlusspräsentation/Projektmanagement.pptx
@@ -5,33 +5,37 @@
     <p:sldMasterId id="2147483660" r:id="rId1"/>
   </p:sldMasterIdLst>
   <p:notesMasterIdLst>
-    <p:notesMasterId r:id="rId26"/>
+    <p:notesMasterId r:id="rId30"/>
   </p:notesMasterIdLst>
   <p:sldIdLst>
     <p:sldId id="256" r:id="rId2"/>
     <p:sldId id="257" r:id="rId3"/>
     <p:sldId id="271" r:id="rId4"/>
     <p:sldId id="258" r:id="rId5"/>
-    <p:sldId id="259" r:id="rId6"/>
-    <p:sldId id="268" r:id="rId7"/>
-    <p:sldId id="260" r:id="rId8"/>
-    <p:sldId id="261" r:id="rId9"/>
-    <p:sldId id="267" r:id="rId10"/>
-    <p:sldId id="262" r:id="rId11"/>
-    <p:sldId id="263" r:id="rId12"/>
-    <p:sldId id="270" r:id="rId13"/>
-    <p:sldId id="264" r:id="rId14"/>
-    <p:sldId id="269" r:id="rId15"/>
-    <p:sldId id="272" r:id="rId16"/>
-    <p:sldId id="265" r:id="rId17"/>
-    <p:sldId id="266" r:id="rId18"/>
-    <p:sldId id="273" r:id="rId19"/>
-    <p:sldId id="274" r:id="rId20"/>
-    <p:sldId id="277" r:id="rId21"/>
-    <p:sldId id="275" r:id="rId22"/>
-    <p:sldId id="276" r:id="rId23"/>
-    <p:sldId id="278" r:id="rId24"/>
-    <p:sldId id="279" r:id="rId25"/>
+    <p:sldId id="280" r:id="rId6"/>
+    <p:sldId id="283" r:id="rId7"/>
+    <p:sldId id="259" r:id="rId8"/>
+    <p:sldId id="268" r:id="rId9"/>
+    <p:sldId id="282" r:id="rId10"/>
+    <p:sldId id="260" r:id="rId11"/>
+    <p:sldId id="261" r:id="rId12"/>
+    <p:sldId id="267" r:id="rId13"/>
+    <p:sldId id="262" r:id="rId14"/>
+    <p:sldId id="263" r:id="rId15"/>
+    <p:sldId id="270" r:id="rId16"/>
+    <p:sldId id="264" r:id="rId17"/>
+    <p:sldId id="269" r:id="rId18"/>
+    <p:sldId id="272" r:id="rId19"/>
+    <p:sldId id="265" r:id="rId20"/>
+    <p:sldId id="266" r:id="rId21"/>
+    <p:sldId id="273" r:id="rId22"/>
+    <p:sldId id="274" r:id="rId23"/>
+    <p:sldId id="277" r:id="rId24"/>
+    <p:sldId id="275" r:id="rId25"/>
+    <p:sldId id="279" r:id="rId26"/>
+    <p:sldId id="281" r:id="rId27"/>
+    <p:sldId id="278" r:id="rId28"/>
+    <p:sldId id="284" r:id="rId29"/>
   </p:sldIdLst>
   <p:sldSz cx="12192000" cy="6858000"/>
   <p:notesSz cx="6858000" cy="9144000"/>
@@ -215,6 +219,7 @@
           <a:p>
             <a:fld id="{F0CFA2DF-472B-4F3D-902C-81F3424761EF}" type="datetimeFigureOut">
               <a:rPr lang="de-DE" smtClean="0"/>
+              <a:pPr/>
               <a:t>28.09.2016</a:t>
             </a:fld>
             <a:endParaRPr lang="de-DE"/>
@@ -310,7 +315,6 @@
               <a:rPr lang="de-DE"/>
               <a:t>Fünfte Ebene</a:t>
             </a:r>
-            <a:endParaRPr lang="de-DE"/>
           </a:p>
         </p:txBody>
       </p:sp>
@@ -374,6 +378,7 @@
           <a:p>
             <a:fld id="{B68732DB-8A05-41D1-B8F2-738DFD2104F0}" type="slidenum">
               <a:rPr lang="de-DE" smtClean="0"/>
+              <a:pPr/>
               <a:t>‹Nr.›</a:t>
             </a:fld>
             <a:endParaRPr lang="de-DE"/>
@@ -383,7 +388,7 @@
     </p:spTree>
     <p:extLst>
       <p:ext uri="{BB962C8B-B14F-4D97-AF65-F5344CB8AC3E}">
-        <p14:creationId xmlns:p14="http://schemas.microsoft.com/office/powerpoint/2010/main" val="1265113989"/>
+        <p14:creationId xmlns:p14="http://schemas.microsoft.com/office/powerpoint/2010/main" xmlns="" val="1265113989"/>
       </p:ext>
     </p:extLst>
   </p:cSld>
@@ -548,6 +553,7 @@
           <a:p>
             <a:fld id="{B68732DB-8A05-41D1-B8F2-738DFD2104F0}" type="slidenum">
               <a:rPr lang="de-DE" smtClean="0"/>
+              <a:pPr/>
               <a:t>4</a:t>
             </a:fld>
             <a:endParaRPr lang="de-DE"/>
@@ -557,7 +563,7 @@
     </p:spTree>
     <p:extLst>
       <p:ext uri="{BB962C8B-B14F-4D97-AF65-F5344CB8AC3E}">
-        <p14:creationId xmlns:p14="http://schemas.microsoft.com/office/powerpoint/2010/main" val="1763690643"/>
+        <p14:creationId xmlns:p14="http://schemas.microsoft.com/office/powerpoint/2010/main" xmlns="" val="1763690643"/>
       </p:ext>
     </p:extLst>
   </p:cSld>
@@ -608,18 +614,12 @@
         </p:nvSpPr>
         <p:spPr/>
         <p:txBody>
-          <a:bodyPr/>
-          <a:lstStyle/>
-          <a:p>
-            <a:r>
-              <a:rPr lang="de-DE" dirty="0"/>
-              <a:t>Zusätzlich haben wir Programmablaufpläne</a:t>
-            </a:r>
-            <a:r>
-              <a:rPr lang="de-DE" baseline="0" dirty="0"/>
-              <a:t> erstellt, hier zwei Beispiele</a:t>
-            </a:r>
-            <a:endParaRPr lang="de-DE" dirty="0"/>
+          <a:bodyPr>
+            <a:normAutofit/>
+          </a:bodyPr>
+          <a:lstStyle/>
+          <a:p>
+            <a:endParaRPr lang="en-US" dirty="0"/>
           </a:p>
         </p:txBody>
       </p:sp>
@@ -640,6 +640,125 @@
           <a:p>
             <a:fld id="{B68732DB-8A05-41D1-B8F2-738DFD2104F0}" type="slidenum">
               <a:rPr lang="de-DE" smtClean="0"/>
+              <a:pPr/>
+              <a:t>20</a:t>
+            </a:fld>
+            <a:endParaRPr lang="de-DE"/>
+          </a:p>
+        </p:txBody>
+      </p:sp>
+    </p:spTree>
+  </p:cSld>
+  <p:clrMapOvr>
+    <a:masterClrMapping/>
+  </p:clrMapOvr>
+</p:notes>
+</file>
+
+<file path=ppt/notesSlides/notesSlide11.xml><?xml version="1.0" encoding="utf-8"?>
+<p:notes xmlns:a="http://schemas.openxmlformats.org/drawingml/2006/main" xmlns:r="http://schemas.openxmlformats.org/officeDocument/2006/relationships" xmlns:p="http://schemas.openxmlformats.org/presentationml/2006/main">
+  <p:cSld>
+    <p:spTree>
+      <p:nvGrpSpPr>
+        <p:cNvPr id="1" name=""/>
+        <p:cNvGrpSpPr/>
+        <p:nvPr/>
+      </p:nvGrpSpPr>
+      <p:grpSpPr>
+        <a:xfrm>
+          <a:off x="0" y="0"/>
+          <a:ext cx="0" cy="0"/>
+          <a:chOff x="0" y="0"/>
+          <a:chExt cx="0" cy="0"/>
+        </a:xfrm>
+      </p:grpSpPr>
+      <p:sp>
+        <p:nvSpPr>
+          <p:cNvPr id="2" name="Folienbildplatzhalter 1"/>
+          <p:cNvSpPr>
+            <a:spLocks noGrp="1" noRot="1" noChangeAspect="1"/>
+          </p:cNvSpPr>
+          <p:nvPr>
+            <p:ph type="sldImg"/>
+          </p:nvPr>
+        </p:nvSpPr>
+        <p:spPr/>
+      </p:sp>
+      <p:sp>
+        <p:nvSpPr>
+          <p:cNvPr id="3" name="Notizenplatzhalter 2"/>
+          <p:cNvSpPr>
+            <a:spLocks noGrp="1"/>
+          </p:cNvSpPr>
+          <p:nvPr>
+            <p:ph type="body" idx="1"/>
+          </p:nvPr>
+        </p:nvSpPr>
+        <p:spPr/>
+        <p:txBody>
+          <a:bodyPr/>
+          <a:lstStyle/>
+          <a:p>
+            <a:r>
+              <a:rPr lang="de-DE" dirty="0"/>
+              <a:t>Verwendetes Tool: </a:t>
+            </a:r>
+            <a:r>
+              <a:rPr lang="de-DE" dirty="0" err="1"/>
+              <a:t>Ninjamock</a:t>
+            </a:r>
+            <a:endParaRPr lang="de-DE" dirty="0"/>
+          </a:p>
+          <a:p>
+            <a:endParaRPr lang="de-DE" dirty="0"/>
+          </a:p>
+          <a:p>
+            <a:r>
+              <a:rPr lang="de-DE" dirty="0"/>
+              <a:t>Erste </a:t>
+            </a:r>
+            <a:r>
+              <a:rPr lang="de-DE" dirty="0" err="1"/>
+              <a:t>Mockups</a:t>
+            </a:r>
+            <a:r>
+              <a:rPr lang="de-DE" dirty="0"/>
+              <a:t> waren noch mit </a:t>
+            </a:r>
+            <a:r>
+              <a:rPr lang="de-DE" dirty="0" err="1"/>
+              <a:t>mehrereren</a:t>
+            </a:r>
+            <a:r>
+              <a:rPr lang="de-DE" dirty="0"/>
+              <a:t> Notizen</a:t>
+            </a:r>
+            <a:r>
+              <a:rPr lang="de-DE" baseline="0" dirty="0"/>
+              <a:t> pro Zeile horizontal</a:t>
+            </a:r>
+            <a:endParaRPr lang="de-DE" dirty="0"/>
+          </a:p>
+        </p:txBody>
+      </p:sp>
+      <p:sp>
+        <p:nvSpPr>
+          <p:cNvPr id="4" name="Foliennummernplatzhalter 3"/>
+          <p:cNvSpPr>
+            <a:spLocks noGrp="1"/>
+          </p:cNvSpPr>
+          <p:nvPr>
+            <p:ph type="sldNum" sz="quarter" idx="10"/>
+          </p:nvPr>
+        </p:nvSpPr>
+        <p:spPr/>
+        <p:txBody>
+          <a:bodyPr/>
+          <a:lstStyle/>
+          <a:p>
+            <a:fld id="{B68732DB-8A05-41D1-B8F2-738DFD2104F0}" type="slidenum">
+              <a:rPr lang="de-DE" smtClean="0"/>
+              <a:pPr/>
               <a:t>21</a:t>
             </a:fld>
             <a:endParaRPr lang="de-DE"/>
@@ -649,9 +768,914 @@
     </p:spTree>
     <p:extLst>
       <p:ext uri="{BB962C8B-B14F-4D97-AF65-F5344CB8AC3E}">
-        <p14:creationId xmlns:p14="http://schemas.microsoft.com/office/powerpoint/2010/main" val="2858744506"/>
+        <p14:creationId xmlns:p14="http://schemas.microsoft.com/office/powerpoint/2010/main" xmlns="" val="3160102417"/>
       </p:ext>
     </p:extLst>
+  </p:cSld>
+  <p:clrMapOvr>
+    <a:masterClrMapping/>
+  </p:clrMapOvr>
+</p:notes>
+</file>
+
+<file path=ppt/notesSlides/notesSlide12.xml><?xml version="1.0" encoding="utf-8"?>
+<p:notes xmlns:a="http://schemas.openxmlformats.org/drawingml/2006/main" xmlns:r="http://schemas.openxmlformats.org/officeDocument/2006/relationships" xmlns:p="http://schemas.openxmlformats.org/presentationml/2006/main">
+  <p:cSld>
+    <p:spTree>
+      <p:nvGrpSpPr>
+        <p:cNvPr id="1" name=""/>
+        <p:cNvGrpSpPr/>
+        <p:nvPr/>
+      </p:nvGrpSpPr>
+      <p:grpSpPr>
+        <a:xfrm>
+          <a:off x="0" y="0"/>
+          <a:ext cx="0" cy="0"/>
+          <a:chOff x="0" y="0"/>
+          <a:chExt cx="0" cy="0"/>
+        </a:xfrm>
+      </p:grpSpPr>
+      <p:sp>
+        <p:nvSpPr>
+          <p:cNvPr id="2" name="Folienbildplatzhalter 1"/>
+          <p:cNvSpPr>
+            <a:spLocks noGrp="1" noRot="1" noChangeAspect="1"/>
+          </p:cNvSpPr>
+          <p:nvPr>
+            <p:ph type="sldImg"/>
+          </p:nvPr>
+        </p:nvSpPr>
+        <p:spPr/>
+      </p:sp>
+      <p:sp>
+        <p:nvSpPr>
+          <p:cNvPr id="3" name="Notizenplatzhalter 2"/>
+          <p:cNvSpPr>
+            <a:spLocks noGrp="1"/>
+          </p:cNvSpPr>
+          <p:nvPr>
+            <p:ph type="body" idx="1"/>
+          </p:nvPr>
+        </p:nvSpPr>
+        <p:spPr/>
+        <p:txBody>
+          <a:bodyPr/>
+          <a:lstStyle/>
+          <a:p>
+            <a:r>
+              <a:rPr lang="de-DE" dirty="0"/>
+              <a:t>Zusätzlich haben wir Programmablaufpläne</a:t>
+            </a:r>
+            <a:r>
+              <a:rPr lang="de-DE" baseline="0" dirty="0"/>
+              <a:t> erstellt, hier zwei </a:t>
+            </a:r>
+            <a:r>
+              <a:rPr lang="de-DE" baseline="0" dirty="0" smtClean="0"/>
+              <a:t>Beispiele</a:t>
+            </a:r>
+          </a:p>
+          <a:p>
+            <a:endParaRPr lang="de-DE" baseline="0" dirty="0" smtClean="0"/>
+          </a:p>
+          <a:p>
+            <a:r>
+              <a:rPr lang="de-DE" baseline="0" dirty="0" smtClean="0"/>
+              <a:t>Bei diesen Beispielen sind die Routen komplett – </a:t>
+            </a:r>
+            <a:r>
+              <a:rPr lang="de-DE" baseline="0" dirty="0" err="1" smtClean="0"/>
+              <a:t>beispielCode</a:t>
+            </a:r>
+            <a:r>
+              <a:rPr lang="de-DE" baseline="0" dirty="0" smtClean="0"/>
+              <a:t> folgt auf nächsten Folien</a:t>
+            </a:r>
+            <a:endParaRPr lang="de-DE" dirty="0"/>
+          </a:p>
+        </p:txBody>
+      </p:sp>
+      <p:sp>
+        <p:nvSpPr>
+          <p:cNvPr id="4" name="Foliennummernplatzhalter 3"/>
+          <p:cNvSpPr>
+            <a:spLocks noGrp="1"/>
+          </p:cNvSpPr>
+          <p:nvPr>
+            <p:ph type="sldNum" sz="quarter" idx="10"/>
+          </p:nvPr>
+        </p:nvSpPr>
+        <p:spPr/>
+        <p:txBody>
+          <a:bodyPr/>
+          <a:lstStyle/>
+          <a:p>
+            <a:fld id="{B68732DB-8A05-41D1-B8F2-738DFD2104F0}" type="slidenum">
+              <a:rPr lang="de-DE" smtClean="0"/>
+              <a:pPr/>
+              <a:t>24</a:t>
+            </a:fld>
+            <a:endParaRPr lang="de-DE"/>
+          </a:p>
+        </p:txBody>
+      </p:sp>
+    </p:spTree>
+    <p:extLst>
+      <p:ext uri="{BB962C8B-B14F-4D97-AF65-F5344CB8AC3E}">
+        <p14:creationId xmlns:p14="http://schemas.microsoft.com/office/powerpoint/2010/main" xmlns="" val="2858744506"/>
+      </p:ext>
+    </p:extLst>
+  </p:cSld>
+  <p:clrMapOvr>
+    <a:masterClrMapping/>
+  </p:clrMapOvr>
+</p:notes>
+</file>
+
+<file path=ppt/notesSlides/notesSlide13.xml><?xml version="1.0" encoding="utf-8"?>
+<p:notes xmlns:a="http://schemas.openxmlformats.org/drawingml/2006/main" xmlns:r="http://schemas.openxmlformats.org/officeDocument/2006/relationships" xmlns:p="http://schemas.openxmlformats.org/presentationml/2006/main">
+  <p:cSld>
+    <p:spTree>
+      <p:nvGrpSpPr>
+        <p:cNvPr id="1" name=""/>
+        <p:cNvGrpSpPr/>
+        <p:nvPr/>
+      </p:nvGrpSpPr>
+      <p:grpSpPr>
+        <a:xfrm>
+          <a:off x="0" y="0"/>
+          <a:ext cx="0" cy="0"/>
+          <a:chOff x="0" y="0"/>
+          <a:chExt cx="0" cy="0"/>
+        </a:xfrm>
+      </p:grpSpPr>
+      <p:sp>
+        <p:nvSpPr>
+          <p:cNvPr id="2" name="Folienbildplatzhalter 1"/>
+          <p:cNvSpPr>
+            <a:spLocks noGrp="1" noRot="1" noChangeAspect="1"/>
+          </p:cNvSpPr>
+          <p:nvPr>
+            <p:ph type="sldImg"/>
+          </p:nvPr>
+        </p:nvSpPr>
+        <p:spPr/>
+      </p:sp>
+      <p:sp>
+        <p:nvSpPr>
+          <p:cNvPr id="3" name="Notizenplatzhalter 2"/>
+          <p:cNvSpPr>
+            <a:spLocks noGrp="1"/>
+          </p:cNvSpPr>
+          <p:nvPr>
+            <p:ph type="body" idx="1"/>
+          </p:nvPr>
+        </p:nvSpPr>
+        <p:spPr/>
+        <p:txBody>
+          <a:bodyPr>
+            <a:normAutofit/>
+          </a:bodyPr>
+          <a:lstStyle/>
+          <a:p>
+            <a:r>
+              <a:rPr lang="en-US" dirty="0" err="1" smtClean="0"/>
+              <a:t>Folgendem</a:t>
+            </a:r>
+            <a:r>
+              <a:rPr lang="en-US" baseline="0" dirty="0" smtClean="0"/>
+              <a:t> </a:t>
+            </a:r>
+            <a:r>
+              <a:rPr lang="en-US" baseline="0" dirty="0" err="1" smtClean="0"/>
+              <a:t>NuGet</a:t>
+            </a:r>
+            <a:r>
+              <a:rPr lang="en-US" baseline="0" dirty="0" smtClean="0"/>
+              <a:t>-Packages </a:t>
+            </a:r>
+            <a:r>
+              <a:rPr lang="en-US" baseline="0" dirty="0" err="1" smtClean="0"/>
+              <a:t>haben</a:t>
+            </a:r>
+            <a:r>
+              <a:rPr lang="en-US" baseline="0" dirty="0" smtClean="0"/>
+              <a:t> </a:t>
+            </a:r>
+            <a:r>
+              <a:rPr lang="en-US" baseline="0" dirty="0" err="1" smtClean="0"/>
+              <a:t>wir</a:t>
+            </a:r>
+            <a:r>
+              <a:rPr lang="en-US" baseline="0" dirty="0" smtClean="0"/>
+              <a:t> </a:t>
+            </a:r>
+            <a:r>
+              <a:rPr lang="en-US" baseline="0" dirty="0" err="1" smtClean="0"/>
+              <a:t>verwendet</a:t>
+            </a:r>
+            <a:r>
+              <a:rPr lang="en-US" baseline="0" dirty="0" smtClean="0"/>
+              <a:t>…</a:t>
+            </a:r>
+          </a:p>
+          <a:p>
+            <a:endParaRPr lang="en-US" baseline="0" dirty="0" smtClean="0"/>
+          </a:p>
+          <a:p>
+            <a:endParaRPr lang="en-US" baseline="0" dirty="0" smtClean="0"/>
+          </a:p>
+          <a:p>
+            <a:r>
+              <a:rPr lang="en-US" baseline="0" dirty="0" err="1" smtClean="0"/>
+              <a:t>Abgesehne</a:t>
+            </a:r>
+            <a:r>
+              <a:rPr lang="en-US" baseline="0" dirty="0" smtClean="0"/>
+              <a:t> von </a:t>
+            </a:r>
+            <a:r>
+              <a:rPr lang="en-US" baseline="0" dirty="0" err="1" smtClean="0"/>
+              <a:t>der</a:t>
+            </a:r>
+            <a:r>
+              <a:rPr lang="en-US" baseline="0" dirty="0" smtClean="0"/>
+              <a:t> </a:t>
+            </a:r>
+            <a:r>
+              <a:rPr lang="en-US" baseline="0" dirty="0" err="1" smtClean="0"/>
+              <a:t>üblichen</a:t>
+            </a:r>
+            <a:r>
+              <a:rPr lang="en-US" baseline="0" dirty="0" smtClean="0"/>
+              <a:t> </a:t>
+            </a:r>
+            <a:r>
+              <a:rPr lang="en-US" baseline="0" dirty="0" err="1" smtClean="0"/>
+              <a:t>zusätlichen</a:t>
+            </a:r>
+            <a:r>
+              <a:rPr lang="en-US" baseline="0" dirty="0" smtClean="0"/>
+              <a:t> Software </a:t>
+            </a:r>
+            <a:r>
+              <a:rPr lang="en-US" baseline="0" dirty="0" err="1" smtClean="0"/>
+              <a:t>wie</a:t>
+            </a:r>
+            <a:r>
+              <a:rPr lang="en-US" baseline="0" dirty="0" smtClean="0"/>
+              <a:t> </a:t>
+            </a:r>
+            <a:r>
+              <a:rPr lang="en-US" baseline="0" dirty="0" err="1" smtClean="0"/>
+              <a:t>Editoren</a:t>
+            </a:r>
+            <a:r>
+              <a:rPr lang="en-US" baseline="0" dirty="0" smtClean="0"/>
+              <a:t> etc. </a:t>
+            </a:r>
+            <a:r>
+              <a:rPr lang="en-US" baseline="0" dirty="0" err="1" smtClean="0"/>
+              <a:t>haben</a:t>
+            </a:r>
+            <a:r>
+              <a:rPr lang="en-US" baseline="0" dirty="0" smtClean="0"/>
+              <a:t> </a:t>
+            </a:r>
+            <a:r>
+              <a:rPr lang="en-US" baseline="0" dirty="0" err="1" smtClean="0"/>
+              <a:t>wir</a:t>
+            </a:r>
+            <a:r>
+              <a:rPr lang="en-US" baseline="0" dirty="0" smtClean="0"/>
+              <a:t> </a:t>
+            </a:r>
+            <a:r>
+              <a:rPr lang="en-US" baseline="0" dirty="0" err="1" smtClean="0"/>
+              <a:t>noch</a:t>
+            </a:r>
+            <a:r>
+              <a:rPr lang="en-US" baseline="0" dirty="0" smtClean="0"/>
+              <a:t> den </a:t>
+            </a:r>
+            <a:r>
+              <a:rPr lang="en-US" baseline="0" dirty="0" err="1" smtClean="0"/>
+              <a:t>SQLite</a:t>
+            </a:r>
+            <a:r>
+              <a:rPr lang="en-US" baseline="0" dirty="0" smtClean="0"/>
+              <a:t> Browser </a:t>
+            </a:r>
+            <a:r>
+              <a:rPr lang="en-US" baseline="0" dirty="0" err="1" smtClean="0"/>
+              <a:t>verwendet</a:t>
+            </a:r>
+            <a:r>
+              <a:rPr lang="en-US" baseline="0" dirty="0" smtClean="0"/>
+              <a:t> um die </a:t>
+            </a:r>
+            <a:r>
+              <a:rPr lang="en-US" baseline="0" dirty="0" err="1" smtClean="0"/>
+              <a:t>SQLite</a:t>
+            </a:r>
+            <a:r>
+              <a:rPr lang="en-US" baseline="0" dirty="0" smtClean="0"/>
+              <a:t> </a:t>
+            </a:r>
+            <a:r>
+              <a:rPr lang="en-US" baseline="0" dirty="0" err="1" smtClean="0"/>
+              <a:t>Datenbank</a:t>
+            </a:r>
+            <a:r>
+              <a:rPr lang="en-US" baseline="0" dirty="0" smtClean="0"/>
+              <a:t> </a:t>
+            </a:r>
+            <a:r>
+              <a:rPr lang="en-US" baseline="0" dirty="0" err="1" smtClean="0"/>
+              <a:t>zu</a:t>
+            </a:r>
+            <a:r>
+              <a:rPr lang="en-US" baseline="0" dirty="0" smtClean="0"/>
+              <a:t> </a:t>
+            </a:r>
+            <a:r>
+              <a:rPr lang="en-US" baseline="0" dirty="0" err="1" smtClean="0"/>
+              <a:t>erstellen</a:t>
+            </a:r>
+            <a:r>
+              <a:rPr lang="en-US" baseline="0" dirty="0" smtClean="0"/>
+              <a:t> und </a:t>
+            </a:r>
+            <a:r>
+              <a:rPr lang="en-US" baseline="0" dirty="0" err="1" smtClean="0"/>
+              <a:t>auszulesen</a:t>
+            </a:r>
+            <a:endParaRPr lang="en-US" baseline="0" dirty="0" smtClean="0"/>
+          </a:p>
+        </p:txBody>
+      </p:sp>
+      <p:sp>
+        <p:nvSpPr>
+          <p:cNvPr id="4" name="Foliennummernplatzhalter 3"/>
+          <p:cNvSpPr>
+            <a:spLocks noGrp="1"/>
+          </p:cNvSpPr>
+          <p:nvPr>
+            <p:ph type="sldNum" sz="quarter" idx="10"/>
+          </p:nvPr>
+        </p:nvSpPr>
+        <p:spPr/>
+        <p:txBody>
+          <a:bodyPr/>
+          <a:lstStyle/>
+          <a:p>
+            <a:fld id="{B68732DB-8A05-41D1-B8F2-738DFD2104F0}" type="slidenum">
+              <a:rPr lang="de-DE" smtClean="0"/>
+              <a:pPr/>
+              <a:t>25</a:t>
+            </a:fld>
+            <a:endParaRPr lang="de-DE"/>
+          </a:p>
+        </p:txBody>
+      </p:sp>
+    </p:spTree>
+  </p:cSld>
+  <p:clrMapOvr>
+    <a:masterClrMapping/>
+  </p:clrMapOvr>
+</p:notes>
+</file>
+
+<file path=ppt/notesSlides/notesSlide14.xml><?xml version="1.0" encoding="utf-8"?>
+<p:notes xmlns:a="http://schemas.openxmlformats.org/drawingml/2006/main" xmlns:r="http://schemas.openxmlformats.org/officeDocument/2006/relationships" xmlns:p="http://schemas.openxmlformats.org/presentationml/2006/main">
+  <p:cSld>
+    <p:spTree>
+      <p:nvGrpSpPr>
+        <p:cNvPr id="1" name=""/>
+        <p:cNvGrpSpPr/>
+        <p:nvPr/>
+      </p:nvGrpSpPr>
+      <p:grpSpPr>
+        <a:xfrm>
+          <a:off x="0" y="0"/>
+          <a:ext cx="0" cy="0"/>
+          <a:chOff x="0" y="0"/>
+          <a:chExt cx="0" cy="0"/>
+        </a:xfrm>
+      </p:grpSpPr>
+      <p:sp>
+        <p:nvSpPr>
+          <p:cNvPr id="2" name="Folienbildplatzhalter 1"/>
+          <p:cNvSpPr>
+            <a:spLocks noGrp="1" noRot="1" noChangeAspect="1"/>
+          </p:cNvSpPr>
+          <p:nvPr>
+            <p:ph type="sldImg"/>
+          </p:nvPr>
+        </p:nvSpPr>
+        <p:spPr/>
+      </p:sp>
+      <p:sp>
+        <p:nvSpPr>
+          <p:cNvPr id="3" name="Notizenplatzhalter 2"/>
+          <p:cNvSpPr>
+            <a:spLocks noGrp="1"/>
+          </p:cNvSpPr>
+          <p:nvPr>
+            <p:ph type="body" idx="1"/>
+          </p:nvPr>
+        </p:nvSpPr>
+        <p:spPr/>
+        <p:txBody>
+          <a:bodyPr>
+            <a:normAutofit/>
+          </a:bodyPr>
+          <a:lstStyle/>
+          <a:p>
+            <a:r>
+              <a:rPr lang="en-US" dirty="0" err="1" smtClean="0"/>
+              <a:t>Codebeispiel</a:t>
+            </a:r>
+            <a:r>
+              <a:rPr lang="en-US" dirty="0" smtClean="0"/>
+              <a:t>:</a:t>
+            </a:r>
+          </a:p>
+          <a:p>
+            <a:r>
+              <a:rPr lang="en-US" dirty="0" err="1" smtClean="0"/>
+              <a:t>Einem</a:t>
+            </a:r>
+            <a:r>
+              <a:rPr lang="en-US" baseline="0" dirty="0" smtClean="0"/>
+              <a:t> User </a:t>
+            </a:r>
+            <a:r>
+              <a:rPr lang="en-US" baseline="0" dirty="0" err="1" smtClean="0"/>
+              <a:t>zu</a:t>
+            </a:r>
+            <a:r>
+              <a:rPr lang="en-US" baseline="0" dirty="0" smtClean="0"/>
+              <a:t> </a:t>
+            </a:r>
+            <a:r>
+              <a:rPr lang="en-US" baseline="0" dirty="0" err="1" smtClean="0"/>
+              <a:t>einem</a:t>
+            </a:r>
+            <a:r>
+              <a:rPr lang="en-US" baseline="0" dirty="0" smtClean="0"/>
+              <a:t> Board </a:t>
+            </a:r>
+            <a:r>
+              <a:rPr lang="en-US" baseline="0" dirty="0" err="1" smtClean="0"/>
+              <a:t>Lese</a:t>
+            </a:r>
+            <a:r>
+              <a:rPr lang="en-US" baseline="0" dirty="0" smtClean="0"/>
+              <a:t>- und </a:t>
+            </a:r>
+            <a:r>
+              <a:rPr lang="en-US" baseline="0" dirty="0" err="1" smtClean="0"/>
+              <a:t>Schreibrechte</a:t>
+            </a:r>
+            <a:r>
+              <a:rPr lang="en-US" baseline="0" dirty="0" smtClean="0"/>
+              <a:t> </a:t>
+            </a:r>
+            <a:r>
+              <a:rPr lang="en-US" baseline="0" dirty="0" err="1" smtClean="0"/>
+              <a:t>erteilen</a:t>
+            </a:r>
+            <a:endParaRPr lang="en-US" baseline="0" dirty="0" smtClean="0"/>
+          </a:p>
+          <a:p>
+            <a:endParaRPr lang="en-US" baseline="0" dirty="0" smtClean="0"/>
+          </a:p>
+          <a:p>
+            <a:r>
+              <a:rPr lang="en-US" baseline="0" dirty="0" err="1" smtClean="0"/>
+              <a:t>Roter</a:t>
+            </a:r>
+            <a:r>
+              <a:rPr lang="en-US" baseline="0" dirty="0" smtClean="0"/>
+              <a:t> </a:t>
+            </a:r>
+            <a:r>
+              <a:rPr lang="en-US" baseline="0" dirty="0" err="1" smtClean="0"/>
+              <a:t>Kasten</a:t>
+            </a:r>
+            <a:r>
+              <a:rPr lang="en-US" baseline="0" dirty="0" smtClean="0"/>
+              <a:t>: Request </a:t>
+            </a:r>
+            <a:r>
+              <a:rPr lang="en-US" baseline="0" dirty="0" err="1" smtClean="0"/>
+              <a:t>absenden</a:t>
+            </a:r>
+            <a:endParaRPr lang="en-US" baseline="0" dirty="0" smtClean="0"/>
+          </a:p>
+          <a:p>
+            <a:r>
+              <a:rPr lang="en-US" baseline="0" dirty="0" smtClean="0"/>
+              <a:t>2. </a:t>
+            </a:r>
+            <a:r>
+              <a:rPr lang="en-US" baseline="0" dirty="0" err="1" smtClean="0"/>
+              <a:t>Roter</a:t>
+            </a:r>
+            <a:r>
+              <a:rPr lang="en-US" baseline="0" dirty="0" smtClean="0"/>
+              <a:t> </a:t>
+            </a:r>
+            <a:r>
+              <a:rPr lang="en-US" baseline="0" dirty="0" err="1" smtClean="0"/>
+              <a:t>Kasten</a:t>
+            </a:r>
+            <a:r>
+              <a:rPr lang="en-US" baseline="0" dirty="0" smtClean="0"/>
+              <a:t>: Backend </a:t>
+            </a:r>
+            <a:r>
+              <a:rPr lang="en-US" baseline="0" dirty="0" err="1" smtClean="0"/>
+              <a:t>sendet</a:t>
+            </a:r>
+            <a:r>
+              <a:rPr lang="en-US" baseline="0" dirty="0" smtClean="0"/>
+              <a:t> </a:t>
+            </a:r>
+            <a:r>
+              <a:rPr lang="en-US" baseline="0" dirty="0" err="1" smtClean="0"/>
+              <a:t>neue</a:t>
+            </a:r>
+            <a:r>
+              <a:rPr lang="en-US" baseline="0" dirty="0" smtClean="0"/>
+              <a:t> </a:t>
+            </a:r>
+            <a:r>
+              <a:rPr lang="en-US" baseline="0" dirty="0" err="1" smtClean="0"/>
+              <a:t>UserListe</a:t>
+            </a:r>
+            <a:r>
+              <a:rPr lang="en-US" baseline="0" dirty="0" smtClean="0"/>
+              <a:t> </a:t>
+            </a:r>
+            <a:r>
+              <a:rPr lang="en-US" baseline="0" dirty="0" err="1" smtClean="0"/>
+              <a:t>für</a:t>
+            </a:r>
+            <a:r>
+              <a:rPr lang="en-US" baseline="0" dirty="0" smtClean="0"/>
+              <a:t> dieses Board </a:t>
+            </a:r>
+            <a:r>
+              <a:rPr lang="en-US" baseline="0" dirty="0" err="1" smtClean="0"/>
+              <a:t>zurück</a:t>
+            </a:r>
+            <a:endParaRPr lang="en-US" dirty="0"/>
+          </a:p>
+        </p:txBody>
+      </p:sp>
+      <p:sp>
+        <p:nvSpPr>
+          <p:cNvPr id="4" name="Foliennummernplatzhalter 3"/>
+          <p:cNvSpPr>
+            <a:spLocks noGrp="1"/>
+          </p:cNvSpPr>
+          <p:nvPr>
+            <p:ph type="sldNum" sz="quarter" idx="10"/>
+          </p:nvPr>
+        </p:nvSpPr>
+        <p:spPr/>
+        <p:txBody>
+          <a:bodyPr/>
+          <a:lstStyle/>
+          <a:p>
+            <a:fld id="{B68732DB-8A05-41D1-B8F2-738DFD2104F0}" type="slidenum">
+              <a:rPr lang="de-DE" smtClean="0"/>
+              <a:pPr/>
+              <a:t>26</a:t>
+            </a:fld>
+            <a:endParaRPr lang="de-DE"/>
+          </a:p>
+        </p:txBody>
+      </p:sp>
+    </p:spTree>
+  </p:cSld>
+  <p:clrMapOvr>
+    <a:masterClrMapping/>
+  </p:clrMapOvr>
+</p:notes>
+</file>
+
+<file path=ppt/notesSlides/notesSlide15.xml><?xml version="1.0" encoding="utf-8"?>
+<p:notes xmlns:a="http://schemas.openxmlformats.org/drawingml/2006/main" xmlns:r="http://schemas.openxmlformats.org/officeDocument/2006/relationships" xmlns:p="http://schemas.openxmlformats.org/presentationml/2006/main">
+  <p:cSld>
+    <p:spTree>
+      <p:nvGrpSpPr>
+        <p:cNvPr id="1" name=""/>
+        <p:cNvGrpSpPr/>
+        <p:nvPr/>
+      </p:nvGrpSpPr>
+      <p:grpSpPr>
+        <a:xfrm>
+          <a:off x="0" y="0"/>
+          <a:ext cx="0" cy="0"/>
+          <a:chOff x="0" y="0"/>
+          <a:chExt cx="0" cy="0"/>
+        </a:xfrm>
+      </p:grpSpPr>
+      <p:sp>
+        <p:nvSpPr>
+          <p:cNvPr id="2" name="Folienbildplatzhalter 1"/>
+          <p:cNvSpPr>
+            <a:spLocks noGrp="1" noRot="1" noChangeAspect="1"/>
+          </p:cNvSpPr>
+          <p:nvPr>
+            <p:ph type="sldImg"/>
+          </p:nvPr>
+        </p:nvSpPr>
+        <p:spPr/>
+      </p:sp>
+      <p:sp>
+        <p:nvSpPr>
+          <p:cNvPr id="3" name="Notizenplatzhalter 2"/>
+          <p:cNvSpPr>
+            <a:spLocks noGrp="1"/>
+          </p:cNvSpPr>
+          <p:nvPr>
+            <p:ph type="body" idx="1"/>
+          </p:nvPr>
+        </p:nvSpPr>
+        <p:spPr/>
+        <p:txBody>
+          <a:bodyPr>
+            <a:normAutofit/>
+          </a:bodyPr>
+          <a:lstStyle/>
+          <a:p>
+            <a:r>
+              <a:rPr lang="en-US" dirty="0" err="1" smtClean="0"/>
+              <a:t>Hier</a:t>
+            </a:r>
+            <a:r>
+              <a:rPr lang="en-US" dirty="0" smtClean="0"/>
+              <a:t> </a:t>
+            </a:r>
+            <a:r>
+              <a:rPr lang="en-US" dirty="0" err="1" smtClean="0"/>
+              <a:t>derselbe</a:t>
+            </a:r>
+            <a:r>
+              <a:rPr lang="en-US" baseline="0" dirty="0" smtClean="0"/>
+              <a:t> Code auf Backend </a:t>
+            </a:r>
+            <a:r>
+              <a:rPr lang="en-US" baseline="0" dirty="0" err="1" smtClean="0"/>
+              <a:t>Seite</a:t>
+            </a:r>
+            <a:endParaRPr lang="en-US" baseline="0" dirty="0" smtClean="0"/>
+          </a:p>
+          <a:p>
+            <a:r>
+              <a:rPr lang="en-US" baseline="0" dirty="0" smtClean="0"/>
+              <a:t>Die </a:t>
+            </a:r>
+            <a:r>
+              <a:rPr lang="en-US" baseline="0" dirty="0" err="1" smtClean="0"/>
+              <a:t>neuen</a:t>
+            </a:r>
+            <a:r>
+              <a:rPr lang="en-US" baseline="0" dirty="0" smtClean="0"/>
+              <a:t> </a:t>
+            </a:r>
+            <a:r>
+              <a:rPr lang="en-US" baseline="0" dirty="0" err="1" smtClean="0"/>
+              <a:t>Rechte</a:t>
+            </a:r>
+            <a:r>
+              <a:rPr lang="en-US" baseline="0" dirty="0" smtClean="0"/>
+              <a:t> des Users </a:t>
+            </a:r>
+            <a:r>
+              <a:rPr lang="en-US" baseline="0" dirty="0" err="1" smtClean="0"/>
+              <a:t>werden</a:t>
+            </a:r>
+            <a:r>
+              <a:rPr lang="en-US" baseline="0" dirty="0" smtClean="0"/>
+              <a:t> in die </a:t>
+            </a:r>
+            <a:r>
+              <a:rPr lang="en-US" baseline="0" dirty="0" err="1" smtClean="0"/>
+              <a:t>Datenbank</a:t>
+            </a:r>
+            <a:r>
+              <a:rPr lang="en-US" baseline="0" dirty="0" smtClean="0"/>
+              <a:t> </a:t>
+            </a:r>
+            <a:r>
+              <a:rPr lang="en-US" baseline="0" dirty="0" err="1" smtClean="0"/>
+              <a:t>geschrieben</a:t>
+            </a:r>
+            <a:r>
+              <a:rPr lang="en-US" baseline="0" dirty="0" smtClean="0"/>
+              <a:t>, </a:t>
+            </a:r>
+            <a:r>
+              <a:rPr lang="en-US" baseline="0" dirty="0" err="1" smtClean="0"/>
+              <a:t>sofern</a:t>
+            </a:r>
+            <a:r>
+              <a:rPr lang="en-US" baseline="0" dirty="0" smtClean="0"/>
+              <a:t> </a:t>
+            </a:r>
+            <a:r>
+              <a:rPr lang="en-US" baseline="0" dirty="0" err="1" smtClean="0"/>
+              <a:t>der</a:t>
+            </a:r>
+            <a:r>
+              <a:rPr lang="en-US" baseline="0" dirty="0" smtClean="0"/>
+              <a:t> User </a:t>
+            </a:r>
+            <a:r>
+              <a:rPr lang="en-US" baseline="0" dirty="0" err="1" smtClean="0"/>
+              <a:t>existiert</a:t>
+            </a:r>
+            <a:endParaRPr lang="en-US" dirty="0"/>
+          </a:p>
+        </p:txBody>
+      </p:sp>
+      <p:sp>
+        <p:nvSpPr>
+          <p:cNvPr id="4" name="Foliennummernplatzhalter 3"/>
+          <p:cNvSpPr>
+            <a:spLocks noGrp="1"/>
+          </p:cNvSpPr>
+          <p:nvPr>
+            <p:ph type="sldNum" sz="quarter" idx="10"/>
+          </p:nvPr>
+        </p:nvSpPr>
+        <p:spPr/>
+        <p:txBody>
+          <a:bodyPr/>
+          <a:lstStyle/>
+          <a:p>
+            <a:fld id="{B68732DB-8A05-41D1-B8F2-738DFD2104F0}" type="slidenum">
+              <a:rPr lang="de-DE" smtClean="0"/>
+              <a:pPr/>
+              <a:t>27</a:t>
+            </a:fld>
+            <a:endParaRPr lang="de-DE"/>
+          </a:p>
+        </p:txBody>
+      </p:sp>
+    </p:spTree>
+  </p:cSld>
+  <p:clrMapOvr>
+    <a:masterClrMapping/>
+  </p:clrMapOvr>
+</p:notes>
+</file>
+
+<file path=ppt/notesSlides/notesSlide16.xml><?xml version="1.0" encoding="utf-8"?>
+<p:notes xmlns:a="http://schemas.openxmlformats.org/drawingml/2006/main" xmlns:r="http://schemas.openxmlformats.org/officeDocument/2006/relationships" xmlns:p="http://schemas.openxmlformats.org/presentationml/2006/main">
+  <p:cSld>
+    <p:spTree>
+      <p:nvGrpSpPr>
+        <p:cNvPr id="1" name=""/>
+        <p:cNvGrpSpPr/>
+        <p:nvPr/>
+      </p:nvGrpSpPr>
+      <p:grpSpPr>
+        <a:xfrm>
+          <a:off x="0" y="0"/>
+          <a:ext cx="0" cy="0"/>
+          <a:chOff x="0" y="0"/>
+          <a:chExt cx="0" cy="0"/>
+        </a:xfrm>
+      </p:grpSpPr>
+      <p:sp>
+        <p:nvSpPr>
+          <p:cNvPr id="2" name="Folienbildplatzhalter 1"/>
+          <p:cNvSpPr>
+            <a:spLocks noGrp="1" noRot="1" noChangeAspect="1"/>
+          </p:cNvSpPr>
+          <p:nvPr>
+            <p:ph type="sldImg"/>
+          </p:nvPr>
+        </p:nvSpPr>
+        <p:spPr/>
+      </p:sp>
+      <p:sp>
+        <p:nvSpPr>
+          <p:cNvPr id="3" name="Notizenplatzhalter 2"/>
+          <p:cNvSpPr>
+            <a:spLocks noGrp="1"/>
+          </p:cNvSpPr>
+          <p:nvPr>
+            <p:ph type="body" idx="1"/>
+          </p:nvPr>
+        </p:nvSpPr>
+        <p:spPr/>
+        <p:txBody>
+          <a:bodyPr>
+            <a:normAutofit/>
+          </a:bodyPr>
+          <a:lstStyle/>
+          <a:p>
+            <a:r>
+              <a:rPr lang="en-US" dirty="0" err="1" smtClean="0"/>
+              <a:t>Im</a:t>
+            </a:r>
+            <a:r>
+              <a:rPr lang="en-US" dirty="0" smtClean="0"/>
+              <a:t> Frontend </a:t>
+            </a:r>
+            <a:r>
+              <a:rPr lang="en-US" dirty="0" err="1" smtClean="0"/>
+              <a:t>selbes</a:t>
+            </a:r>
+            <a:r>
+              <a:rPr lang="en-US" dirty="0" smtClean="0"/>
+              <a:t> </a:t>
+            </a:r>
+            <a:r>
+              <a:rPr lang="en-US" dirty="0" err="1" smtClean="0"/>
+              <a:t>Datenmodell</a:t>
+            </a:r>
+            <a:r>
+              <a:rPr lang="en-US" dirty="0" smtClean="0"/>
+              <a:t> </a:t>
+            </a:r>
+            <a:r>
+              <a:rPr lang="en-US" dirty="0" err="1" smtClean="0"/>
+              <a:t>wie</a:t>
+            </a:r>
+            <a:r>
+              <a:rPr lang="en-US" dirty="0" smtClean="0"/>
+              <a:t> </a:t>
+            </a:r>
+            <a:r>
+              <a:rPr lang="en-US" dirty="0" err="1" smtClean="0"/>
+              <a:t>im</a:t>
+            </a:r>
+            <a:r>
+              <a:rPr lang="en-US" dirty="0" smtClean="0"/>
+              <a:t> Backend</a:t>
+            </a:r>
+          </a:p>
+          <a:p>
+            <a:endParaRPr lang="en-US" dirty="0" smtClean="0"/>
+          </a:p>
+          <a:p>
+            <a:r>
+              <a:rPr lang="en-US" dirty="0" smtClean="0"/>
+              <a:t>Backend </a:t>
+            </a:r>
+            <a:r>
+              <a:rPr lang="en-US" dirty="0" err="1" smtClean="0"/>
+              <a:t>durch</a:t>
+            </a:r>
+            <a:r>
+              <a:rPr lang="en-US" dirty="0" smtClean="0"/>
+              <a:t> Entity</a:t>
+            </a:r>
+            <a:r>
+              <a:rPr lang="en-US" baseline="0" dirty="0" smtClean="0"/>
+              <a:t> Framework </a:t>
+            </a:r>
+            <a:r>
+              <a:rPr lang="en-US" baseline="0" dirty="0" err="1" smtClean="0"/>
+              <a:t>erstellt</a:t>
+            </a:r>
+            <a:endParaRPr lang="en-US" dirty="0"/>
+          </a:p>
+        </p:txBody>
+      </p:sp>
+      <p:sp>
+        <p:nvSpPr>
+          <p:cNvPr id="4" name="Foliennummernplatzhalter 3"/>
+          <p:cNvSpPr>
+            <a:spLocks noGrp="1"/>
+          </p:cNvSpPr>
+          <p:nvPr>
+            <p:ph type="sldNum" sz="quarter" idx="10"/>
+          </p:nvPr>
+        </p:nvSpPr>
+        <p:spPr/>
+        <p:txBody>
+          <a:bodyPr/>
+          <a:lstStyle/>
+          <a:p>
+            <a:fld id="{B68732DB-8A05-41D1-B8F2-738DFD2104F0}" type="slidenum">
+              <a:rPr lang="de-DE" smtClean="0"/>
+              <a:pPr/>
+              <a:t>28</a:t>
+            </a:fld>
+            <a:endParaRPr lang="de-DE"/>
+          </a:p>
+        </p:txBody>
+      </p:sp>
+    </p:spTree>
   </p:cSld>
   <p:clrMapOvr>
     <a:masterClrMapping/>
@@ -746,7 +1770,8 @@
           <a:p>
             <a:fld id="{B68732DB-8A05-41D1-B8F2-738DFD2104F0}" type="slidenum">
               <a:rPr lang="de-DE" smtClean="0"/>
-              <a:t>5</a:t>
+              <a:pPr/>
+              <a:t>7</a:t>
             </a:fld>
             <a:endParaRPr lang="de-DE"/>
           </a:p>
@@ -755,7 +1780,7 @@
     </p:spTree>
     <p:extLst>
       <p:ext uri="{BB962C8B-B14F-4D97-AF65-F5344CB8AC3E}">
-        <p14:creationId xmlns:p14="http://schemas.microsoft.com/office/powerpoint/2010/main" val="3241338693"/>
+        <p14:creationId xmlns:p14="http://schemas.microsoft.com/office/powerpoint/2010/main" xmlns="" val="3241338693"/>
       </p:ext>
     </p:extLst>
   </p:cSld>
@@ -806,22 +1831,64 @@
         </p:nvSpPr>
         <p:spPr/>
         <p:txBody>
-          <a:bodyPr/>
-          <a:lstStyle/>
-          <a:p>
-            <a:r>
-              <a:rPr lang="de-DE" dirty="0" err="1"/>
+          <a:bodyPr>
+            <a:normAutofit/>
+          </a:bodyPr>
+          <a:lstStyle/>
+          <a:p>
+            <a:r>
+              <a:rPr lang="en-US" dirty="0" err="1" smtClean="0"/>
+              <a:t>Zur</a:t>
+            </a:r>
+            <a:r>
+              <a:rPr lang="en-US" dirty="0" smtClean="0"/>
+              <a:t> </a:t>
+            </a:r>
+            <a:r>
+              <a:rPr lang="en-US" dirty="0" err="1" smtClean="0"/>
+              <a:t>Informationssammlung</a:t>
+            </a:r>
+            <a:r>
+              <a:rPr lang="en-US" dirty="0" smtClean="0"/>
+              <a:t> </a:t>
+            </a:r>
+            <a:r>
+              <a:rPr lang="en-US" dirty="0" err="1" smtClean="0"/>
+              <a:t>haben</a:t>
+            </a:r>
+            <a:r>
+              <a:rPr lang="en-US" dirty="0" smtClean="0"/>
+              <a:t> </a:t>
+            </a:r>
+            <a:r>
+              <a:rPr lang="en-US" dirty="0" err="1" smtClean="0"/>
+              <a:t>wir</a:t>
+            </a:r>
+            <a:r>
+              <a:rPr lang="en-US" dirty="0" smtClean="0"/>
+              <a:t> das WIKI von </a:t>
+            </a:r>
+            <a:r>
+              <a:rPr lang="en-US" dirty="0" err="1" smtClean="0"/>
+              <a:t>unserem</a:t>
+            </a:r>
+            <a:r>
+              <a:rPr lang="en-US" baseline="0" dirty="0" smtClean="0"/>
+              <a:t> </a:t>
+            </a:r>
+            <a:r>
+              <a:rPr lang="en-US" baseline="0" dirty="0" err="1" smtClean="0"/>
               <a:t>GitHub</a:t>
             </a:r>
             <a:r>
-              <a:rPr lang="de-DE" baseline="0" dirty="0"/>
-              <a:t> als </a:t>
-            </a:r>
-            <a:r>
-              <a:rPr lang="de-DE" baseline="0" dirty="0" err="1"/>
-              <a:t>Versionskontolle</a:t>
-            </a:r>
-            <a:endParaRPr lang="de-DE" dirty="0"/>
+              <a:rPr lang="en-US" baseline="0" dirty="0" smtClean="0"/>
+              <a:t> Repository </a:t>
+            </a:r>
+            <a:r>
+              <a:rPr lang="en-US" baseline="0" dirty="0" err="1" smtClean="0"/>
+              <a:t>verwendet</a:t>
+            </a:r>
+            <a:endParaRPr lang="en-US" dirty="0"/>
           </a:p>
         </p:txBody>
       </p:sp>
@@ -842,18 +1909,14 @@
           <a:p>
             <a:fld id="{B68732DB-8A05-41D1-B8F2-738DFD2104F0}" type="slidenum">
               <a:rPr lang="de-DE" smtClean="0"/>
-              <a:t>7</a:t>
+              <a:pPr/>
+              <a:t>9</a:t>
             </a:fld>
             <a:endParaRPr lang="de-DE"/>
           </a:p>
         </p:txBody>
       </p:sp>
     </p:spTree>
-    <p:extLst>
-      <p:ext uri="{BB962C8B-B14F-4D97-AF65-F5344CB8AC3E}">
-        <p14:creationId xmlns:p14="http://schemas.microsoft.com/office/powerpoint/2010/main" val="3928281295"/>
-      </p:ext>
-    </p:extLst>
   </p:cSld>
   <p:clrMapOvr>
     <a:masterClrMapping/>
@@ -905,6 +1968,18 @@
           <a:bodyPr/>
           <a:lstStyle/>
           <a:p>
+            <a:r>
+              <a:rPr lang="de-DE" dirty="0" err="1"/>
+              <a:t>GitHub</a:t>
+            </a:r>
+            <a:r>
+              <a:rPr lang="de-DE" baseline="0" dirty="0"/>
+              <a:t> als </a:t>
+            </a:r>
+            <a:r>
+              <a:rPr lang="de-DE" baseline="0" dirty="0" err="1"/>
+              <a:t>Versionskontolle</a:t>
+            </a:r>
             <a:endParaRPr lang="de-DE" dirty="0"/>
           </a:p>
         </p:txBody>
@@ -926,6 +2001,7 @@
           <a:p>
             <a:fld id="{B68732DB-8A05-41D1-B8F2-738DFD2104F0}" type="slidenum">
               <a:rPr lang="de-DE" smtClean="0"/>
+              <a:pPr/>
               <a:t>10</a:t>
             </a:fld>
             <a:endParaRPr lang="de-DE"/>
@@ -935,7 +2011,7 @@
     </p:spTree>
     <p:extLst>
       <p:ext uri="{BB962C8B-B14F-4D97-AF65-F5344CB8AC3E}">
-        <p14:creationId xmlns:p14="http://schemas.microsoft.com/office/powerpoint/2010/main" val="2267829941"/>
+        <p14:creationId xmlns:p14="http://schemas.microsoft.com/office/powerpoint/2010/main" xmlns="" val="3928281295"/>
       </p:ext>
     </p:extLst>
   </p:cSld>
@@ -1010,7 +2086,8 @@
           <a:p>
             <a:fld id="{B68732DB-8A05-41D1-B8F2-738DFD2104F0}" type="slidenum">
               <a:rPr lang="de-DE" smtClean="0"/>
-              <a:t>11</a:t>
+              <a:pPr/>
+              <a:t>13</a:t>
             </a:fld>
             <a:endParaRPr lang="de-DE"/>
           </a:p>
@@ -1019,7 +2096,7 @@
     </p:spTree>
     <p:extLst>
       <p:ext uri="{BB962C8B-B14F-4D97-AF65-F5344CB8AC3E}">
-        <p14:creationId xmlns:p14="http://schemas.microsoft.com/office/powerpoint/2010/main" val="3129885300"/>
+        <p14:creationId xmlns:p14="http://schemas.microsoft.com/office/powerpoint/2010/main" xmlns="" val="2267829941"/>
       </p:ext>
     </p:extLst>
   </p:cSld>
@@ -1074,30 +2151,26 @@
           <a:lstStyle/>
           <a:p>
             <a:r>
-              <a:rPr lang="de-DE" dirty="0"/>
-              <a:t>Vorher: Die ganze</a:t>
-            </a:r>
-            <a:r>
-              <a:rPr lang="de-DE" baseline="0" dirty="0"/>
-              <a:t> Logik innerhalb des Projektes geplant</a:t>
-            </a:r>
-          </a:p>
-          <a:p>
-            <a:endParaRPr lang="de-DE" baseline="0" dirty="0"/>
-          </a:p>
-          <a:p>
-            <a:r>
-              <a:rPr lang="de-DE" baseline="0" dirty="0"/>
-              <a:t>-&gt; Es musste umgestellt werden, da die Umsetzung der Logik zeitlich zu eng angesetzt war.</a:t>
-            </a:r>
-          </a:p>
-          <a:p>
-            <a:endParaRPr lang="de-DE" baseline="0" dirty="0"/>
-          </a:p>
-          <a:p>
-            <a:r>
-              <a:rPr lang="de-DE" baseline="0" dirty="0"/>
-              <a:t>Nachher: Ein Großteil der Logik (unteres Bild) wird auf nach dem Modulende angesetzt – bisherige Implementierung nur als Prototyp</a:t>
+              <a:rPr lang="de-DE" dirty="0" smtClean="0"/>
+              <a:t>Gantt Diagramm</a:t>
+            </a:r>
+            <a:r>
+              <a:rPr lang="de-DE" baseline="0" dirty="0" smtClean="0"/>
+              <a:t> vor </a:t>
+            </a:r>
+            <a:r>
+              <a:rPr lang="de-DE" baseline="0" dirty="0" err="1" smtClean="0"/>
+              <a:t>Baseline</a:t>
+            </a:r>
+            <a:endParaRPr lang="de-DE" baseline="0" dirty="0" smtClean="0"/>
+          </a:p>
+          <a:p>
+            <a:endParaRPr lang="de-DE" baseline="0" dirty="0" smtClean="0"/>
+          </a:p>
+          <a:p>
+            <a:r>
+              <a:rPr lang="de-DE" baseline="0" dirty="0" smtClean="0"/>
+              <a:t>-Geordnet, noch nichts umgestellt</a:t>
             </a:r>
             <a:endParaRPr lang="de-DE" dirty="0"/>
           </a:p>
@@ -1120,7 +2193,8 @@
           <a:p>
             <a:fld id="{B68732DB-8A05-41D1-B8F2-738DFD2104F0}" type="slidenum">
               <a:rPr lang="de-DE" smtClean="0"/>
-              <a:t>12</a:t>
+              <a:pPr/>
+              <a:t>14</a:t>
             </a:fld>
             <a:endParaRPr lang="de-DE"/>
           </a:p>
@@ -1129,7 +2203,7 @@
     </p:spTree>
     <p:extLst>
       <p:ext uri="{BB962C8B-B14F-4D97-AF65-F5344CB8AC3E}">
-        <p14:creationId xmlns:p14="http://schemas.microsoft.com/office/powerpoint/2010/main" val="1348060691"/>
+        <p14:creationId xmlns:p14="http://schemas.microsoft.com/office/powerpoint/2010/main" xmlns="" val="3129885300"/>
       </p:ext>
     </p:extLst>
   </p:cSld>
@@ -1185,11 +2259,11 @@
           <a:p>
             <a:r>
               <a:rPr lang="de-DE" dirty="0"/>
-              <a:t>Nach der Baseline</a:t>
+              <a:t>Vorher: Die ganze</a:t>
             </a:r>
             <a:r>
               <a:rPr lang="de-DE" baseline="0" dirty="0"/>
-              <a:t> wurde viel am Plan geändert -&gt; sichtbare Relikte alter Pakete</a:t>
+              <a:t> Logik innerhalb des Projektes geplant</a:t>
             </a:r>
           </a:p>
           <a:p>
@@ -1198,15 +2272,16 @@
           <a:p>
             <a:r>
               <a:rPr lang="de-DE" baseline="0" dirty="0"/>
-              <a:t>Auch sichtbar: Roter Pfad (nur in noch nicht abgeschlossenen </a:t>
-            </a:r>
-            <a:r>
-              <a:rPr lang="de-DE" baseline="0" dirty="0" err="1"/>
-              <a:t>Arbeitpaketen</a:t>
-            </a:r>
+              <a:t>-&gt; Es musste umgestellt werden, da die Umsetzung der Logik zeitlich zu eng angesetzt war.</a:t>
+            </a:r>
+          </a:p>
+          <a:p>
+            <a:endParaRPr lang="de-DE" baseline="0" dirty="0"/>
+          </a:p>
+          <a:p>
             <a:r>
               <a:rPr lang="de-DE" baseline="0" dirty="0"/>
-              <a:t>)</a:t>
+              <a:t>Nachher: Ein Großteil der Logik (unteres Bild) wird auf nach dem Modulende angesetzt – bisherige Implementierung nur als Prototyp</a:t>
             </a:r>
             <a:endParaRPr lang="de-DE" dirty="0"/>
           </a:p>
@@ -1229,7 +2304,8 @@
           <a:p>
             <a:fld id="{B68732DB-8A05-41D1-B8F2-738DFD2104F0}" type="slidenum">
               <a:rPr lang="de-DE" smtClean="0"/>
-              <a:t>13</a:t>
+              <a:pPr/>
+              <a:t>15</a:t>
             </a:fld>
             <a:endParaRPr lang="de-DE"/>
           </a:p>
@@ -1238,7 +2314,7 @@
     </p:spTree>
     <p:extLst>
       <p:ext uri="{BB962C8B-B14F-4D97-AF65-F5344CB8AC3E}">
-        <p14:creationId xmlns:p14="http://schemas.microsoft.com/office/powerpoint/2010/main" val="2601951817"/>
+        <p14:creationId xmlns:p14="http://schemas.microsoft.com/office/powerpoint/2010/main" xmlns="" val="1348060691"/>
       </p:ext>
     </p:extLst>
   </p:cSld>
@@ -1292,6 +2368,39 @@
           <a:bodyPr/>
           <a:lstStyle/>
           <a:p>
+            <a:r>
+              <a:rPr lang="de-DE" dirty="0"/>
+              <a:t>Nach der Baseline</a:t>
+            </a:r>
+            <a:r>
+              <a:rPr lang="de-DE" baseline="0" dirty="0"/>
+              <a:t> wurde viel am Plan geändert -&gt; sichtbare Relikte alter Pakete</a:t>
+            </a:r>
+          </a:p>
+          <a:p>
+            <a:endParaRPr lang="de-DE" baseline="0" dirty="0"/>
+          </a:p>
+          <a:p>
+            <a:r>
+              <a:rPr lang="de-DE" baseline="0" dirty="0"/>
+              <a:t>Auch sichtbar: </a:t>
+            </a:r>
+            <a:r>
+              <a:rPr lang="de-DE" baseline="0" dirty="0" smtClean="0"/>
+              <a:t>Kritischer Pfad </a:t>
+            </a:r>
+            <a:r>
+              <a:rPr lang="de-DE" baseline="0" dirty="0"/>
+              <a:t>(nur in noch nicht abgeschlossenen </a:t>
+            </a:r>
+            <a:r>
+              <a:rPr lang="de-DE" baseline="0" dirty="0" err="1"/>
+              <a:t>Arbeitpaketen</a:t>
+            </a:r>
+            <a:r>
+              <a:rPr lang="de-DE" baseline="0" dirty="0"/>
+              <a:t>)</a:t>
+            </a:r>
             <a:endParaRPr lang="de-DE" dirty="0"/>
           </a:p>
         </p:txBody>
@@ -1313,6 +2422,7 @@
           <a:p>
             <a:fld id="{B68732DB-8A05-41D1-B8F2-738DFD2104F0}" type="slidenum">
               <a:rPr lang="de-DE" smtClean="0"/>
+              <a:pPr/>
               <a:t>16</a:t>
             </a:fld>
             <a:endParaRPr lang="de-DE"/>
@@ -1322,7 +2432,7 @@
     </p:spTree>
     <p:extLst>
       <p:ext uri="{BB962C8B-B14F-4D97-AF65-F5344CB8AC3E}">
-        <p14:creationId xmlns:p14="http://schemas.microsoft.com/office/powerpoint/2010/main" val="3654228399"/>
+        <p14:creationId xmlns:p14="http://schemas.microsoft.com/office/powerpoint/2010/main" xmlns="" val="2601951817"/>
       </p:ext>
     </p:extLst>
   </p:cSld>
@@ -1377,44 +2487,61 @@
           <a:lstStyle/>
           <a:p>
             <a:r>
-              <a:rPr lang="de-DE" dirty="0"/>
-              <a:t>Verwendetes Tool: </a:t>
-            </a:r>
-            <a:r>
-              <a:rPr lang="de-DE" dirty="0" err="1"/>
-              <a:t>Ninjamock</a:t>
-            </a:r>
-            <a:endParaRPr lang="de-DE" dirty="0"/>
-          </a:p>
-          <a:p>
-            <a:endParaRPr lang="de-DE" dirty="0"/>
-          </a:p>
-          <a:p>
-            <a:r>
-              <a:rPr lang="de-DE" dirty="0"/>
-              <a:t>Erste </a:t>
-            </a:r>
-            <a:r>
-              <a:rPr lang="de-DE" dirty="0" err="1"/>
-              <a:t>Mockups</a:t>
-            </a:r>
-            <a:r>
-              <a:rPr lang="de-DE" dirty="0"/>
-              <a:t> waren noch mit </a:t>
-            </a:r>
-            <a:r>
-              <a:rPr lang="de-DE" dirty="0" err="1"/>
-              <a:t>mehrereren</a:t>
-            </a:r>
-            <a:r>
-              <a:rPr lang="de-DE" dirty="0"/>
-              <a:t> Notizen</a:t>
-            </a:r>
-            <a:r>
-              <a:rPr lang="de-DE" baseline="0" dirty="0"/>
-              <a:t> pro Zeile horizontal</a:t>
-            </a:r>
-            <a:endParaRPr lang="de-DE" dirty="0"/>
+              <a:rPr lang="de-DE" dirty="0" smtClean="0"/>
+              <a:t>Genau Themenbeschreibung:</a:t>
+            </a:r>
+            <a:r>
+              <a:rPr lang="de-DE" baseline="0" dirty="0" smtClean="0"/>
+              <a:t> </a:t>
+            </a:r>
+            <a:r>
+              <a:rPr lang="de-DE" dirty="0" smtClean="0"/>
+              <a:t>‚Ein teamorientiertes </a:t>
+            </a:r>
+            <a:r>
+              <a:rPr lang="de-DE" dirty="0" err="1" smtClean="0"/>
+              <a:t>KanBan</a:t>
+            </a:r>
+            <a:r>
+              <a:rPr lang="de-DE" dirty="0" smtClean="0"/>
+              <a:t> „System“ soll konzipiert und erstellt werden‘</a:t>
+            </a:r>
+          </a:p>
+          <a:p>
+            <a:endParaRPr lang="de-DE" dirty="0" smtClean="0"/>
+          </a:p>
+          <a:p>
+            <a:r>
+              <a:rPr lang="de-DE" dirty="0" smtClean="0"/>
+              <a:t>Technologien:</a:t>
+            </a:r>
+          </a:p>
+          <a:p>
+            <a:r>
+              <a:rPr lang="de-DE" dirty="0" smtClean="0"/>
+              <a:t>-Frontend</a:t>
+            </a:r>
+            <a:r>
+              <a:rPr lang="de-DE" baseline="0" dirty="0" smtClean="0"/>
+              <a:t> : UWP</a:t>
+            </a:r>
+          </a:p>
+          <a:p>
+            <a:r>
+              <a:rPr lang="de-DE" baseline="0" dirty="0" smtClean="0"/>
+              <a:t>-Backend: .NET Core</a:t>
+            </a:r>
+          </a:p>
+          <a:p>
+            <a:r>
+              <a:rPr lang="de-DE" baseline="0" dirty="0" smtClean="0"/>
+              <a:t>-Persistenz: </a:t>
+            </a:r>
+            <a:r>
+              <a:rPr lang="de-DE" baseline="0" dirty="0" err="1" smtClean="0"/>
+              <a:t>SQLite</a:t>
+            </a:r>
+            <a:endParaRPr lang="de-DE" baseline="0" dirty="0" smtClean="0"/>
           </a:p>
         </p:txBody>
       </p:sp>
@@ -1435,7 +2562,8 @@
           <a:p>
             <a:fld id="{B68732DB-8A05-41D1-B8F2-738DFD2104F0}" type="slidenum">
               <a:rPr lang="de-DE" smtClean="0"/>
-              <a:t>18</a:t>
+              <a:pPr/>
+              <a:t>19</a:t>
             </a:fld>
             <a:endParaRPr lang="de-DE"/>
           </a:p>
@@ -1444,7 +2572,7 @@
     </p:spTree>
     <p:extLst>
       <p:ext uri="{BB962C8B-B14F-4D97-AF65-F5344CB8AC3E}">
-        <p14:creationId xmlns:p14="http://schemas.microsoft.com/office/powerpoint/2010/main" val="3160102417"/>
+        <p14:creationId xmlns:p14="http://schemas.microsoft.com/office/powerpoint/2010/main" xmlns="" val="3654228399"/>
       </p:ext>
     </p:extLst>
   </p:cSld>
@@ -1650,6 +2778,7 @@
           <a:p>
             <a:fld id="{B0690C51-0975-4DB1-A8F1-911F4CA4E3D0}" type="datetimeFigureOut">
               <a:rPr lang="de-DE" smtClean="0"/>
+              <a:pPr/>
               <a:t>28.09.2016</a:t>
             </a:fld>
             <a:endParaRPr lang="de-DE"/>
@@ -1708,6 +2837,7 @@
           <a:p>
             <a:fld id="{E4F0F35D-A559-4B2F-93A2-E937B3C9D4B3}" type="slidenum">
               <a:rPr lang="de-DE" smtClean="0"/>
+              <a:pPr/>
               <a:t>‹Nr.›</a:t>
             </a:fld>
             <a:endParaRPr lang="de-DE"/>
@@ -1752,7 +2882,7 @@
     </p:spTree>
     <p:extLst>
       <p:ext uri="{BB962C8B-B14F-4D97-AF65-F5344CB8AC3E}">
-        <p14:creationId xmlns:p14="http://schemas.microsoft.com/office/powerpoint/2010/main" val="2840461058"/>
+        <p14:creationId xmlns:p14="http://schemas.microsoft.com/office/powerpoint/2010/main" xmlns="" val="2840461058"/>
       </p:ext>
     </p:extLst>
   </p:cSld>
@@ -1871,6 +3001,7 @@
           <a:p>
             <a:fld id="{B0690C51-0975-4DB1-A8F1-911F4CA4E3D0}" type="datetimeFigureOut">
               <a:rPr lang="de-DE" smtClean="0"/>
+              <a:pPr/>
               <a:t>28.09.2016</a:t>
             </a:fld>
             <a:endParaRPr lang="de-DE"/>
@@ -1913,6 +3044,7 @@
           <a:p>
             <a:fld id="{E4F0F35D-A559-4B2F-93A2-E937B3C9D4B3}" type="slidenum">
               <a:rPr lang="de-DE" smtClean="0"/>
+              <a:pPr/>
               <a:t>‹Nr.›</a:t>
             </a:fld>
             <a:endParaRPr lang="de-DE"/>
@@ -1922,7 +3054,7 @@
     </p:spTree>
     <p:extLst>
       <p:ext uri="{BB962C8B-B14F-4D97-AF65-F5344CB8AC3E}">
-        <p14:creationId xmlns:p14="http://schemas.microsoft.com/office/powerpoint/2010/main" val="63968042"/>
+        <p14:creationId xmlns:p14="http://schemas.microsoft.com/office/powerpoint/2010/main" xmlns="" val="63968042"/>
       </p:ext>
     </p:extLst>
   </p:cSld>
@@ -2051,6 +3183,7 @@
           <a:p>
             <a:fld id="{B0690C51-0975-4DB1-A8F1-911F4CA4E3D0}" type="datetimeFigureOut">
               <a:rPr lang="de-DE" smtClean="0"/>
+              <a:pPr/>
               <a:t>28.09.2016</a:t>
             </a:fld>
             <a:endParaRPr lang="de-DE"/>
@@ -2093,6 +3226,7 @@
           <a:p>
             <a:fld id="{E4F0F35D-A559-4B2F-93A2-E937B3C9D4B3}" type="slidenum">
               <a:rPr lang="de-DE" smtClean="0"/>
+              <a:pPr/>
               <a:t>‹Nr.›</a:t>
             </a:fld>
             <a:endParaRPr lang="de-DE"/>
@@ -2102,7 +3236,7 @@
     </p:spTree>
     <p:extLst>
       <p:ext uri="{BB962C8B-B14F-4D97-AF65-F5344CB8AC3E}">
-        <p14:creationId xmlns:p14="http://schemas.microsoft.com/office/powerpoint/2010/main" val="1012647373"/>
+        <p14:creationId xmlns:p14="http://schemas.microsoft.com/office/powerpoint/2010/main" xmlns="" val="1012647373"/>
       </p:ext>
     </p:extLst>
   </p:cSld>
@@ -2221,6 +3355,7 @@
           <a:p>
             <a:fld id="{B0690C51-0975-4DB1-A8F1-911F4CA4E3D0}" type="datetimeFigureOut">
               <a:rPr lang="de-DE" smtClean="0"/>
+              <a:pPr/>
               <a:t>28.09.2016</a:t>
             </a:fld>
             <a:endParaRPr lang="de-DE"/>
@@ -2263,6 +3398,7 @@
           <a:p>
             <a:fld id="{E4F0F35D-A559-4B2F-93A2-E937B3C9D4B3}" type="slidenum">
               <a:rPr lang="de-DE" smtClean="0"/>
+              <a:pPr/>
               <a:t>‹Nr.›</a:t>
             </a:fld>
             <a:endParaRPr lang="de-DE"/>
@@ -2272,7 +3408,7 @@
     </p:spTree>
     <p:extLst>
       <p:ext uri="{BB962C8B-B14F-4D97-AF65-F5344CB8AC3E}">
-        <p14:creationId xmlns:p14="http://schemas.microsoft.com/office/powerpoint/2010/main" val="3015082626"/>
+        <p14:creationId xmlns:p14="http://schemas.microsoft.com/office/powerpoint/2010/main" xmlns="" val="3015082626"/>
       </p:ext>
     </p:extLst>
   </p:cSld>
@@ -2472,6 +3608,7 @@
           <a:p>
             <a:fld id="{B0690C51-0975-4DB1-A8F1-911F4CA4E3D0}" type="datetimeFigureOut">
               <a:rPr lang="de-DE" smtClean="0"/>
+              <a:pPr/>
               <a:t>28.09.2016</a:t>
             </a:fld>
             <a:endParaRPr lang="de-DE"/>
@@ -2514,6 +3651,7 @@
           <a:p>
             <a:fld id="{E4F0F35D-A559-4B2F-93A2-E937B3C9D4B3}" type="slidenum">
               <a:rPr lang="de-DE" smtClean="0"/>
+              <a:pPr/>
               <a:t>‹Nr.›</a:t>
             </a:fld>
             <a:endParaRPr lang="de-DE"/>
@@ -2558,7 +3696,7 @@
     </p:spTree>
     <p:extLst>
       <p:ext uri="{BB962C8B-B14F-4D97-AF65-F5344CB8AC3E}">
-        <p14:creationId xmlns:p14="http://schemas.microsoft.com/office/powerpoint/2010/main" val="2893945749"/>
+        <p14:creationId xmlns:p14="http://schemas.microsoft.com/office/powerpoint/2010/main" xmlns="" val="2893945749"/>
       </p:ext>
     </p:extLst>
   </p:cSld>
@@ -2795,6 +3933,7 @@
           <a:p>
             <a:fld id="{B0690C51-0975-4DB1-A8F1-911F4CA4E3D0}" type="datetimeFigureOut">
               <a:rPr lang="de-DE" smtClean="0"/>
+              <a:pPr/>
               <a:t>28.09.2016</a:t>
             </a:fld>
             <a:endParaRPr lang="de-DE"/>
@@ -2837,6 +3976,7 @@
           <a:p>
             <a:fld id="{E4F0F35D-A559-4B2F-93A2-E937B3C9D4B3}" type="slidenum">
               <a:rPr lang="de-DE" smtClean="0"/>
+              <a:pPr/>
               <a:t>‹Nr.›</a:t>
             </a:fld>
             <a:endParaRPr lang="de-DE"/>
@@ -2846,7 +3986,7 @@
     </p:spTree>
     <p:extLst>
       <p:ext uri="{BB962C8B-B14F-4D97-AF65-F5344CB8AC3E}">
-        <p14:creationId xmlns:p14="http://schemas.microsoft.com/office/powerpoint/2010/main" val="2674789931"/>
+        <p14:creationId xmlns:p14="http://schemas.microsoft.com/office/powerpoint/2010/main" xmlns="" val="2674789931"/>
       </p:ext>
     </p:extLst>
   </p:cSld>
@@ -3219,6 +4359,7 @@
           <a:p>
             <a:fld id="{B0690C51-0975-4DB1-A8F1-911F4CA4E3D0}" type="datetimeFigureOut">
               <a:rPr lang="de-DE" smtClean="0"/>
+              <a:pPr/>
               <a:t>28.09.2016</a:t>
             </a:fld>
             <a:endParaRPr lang="de-DE"/>
@@ -3261,6 +4402,7 @@
           <a:p>
             <a:fld id="{E4F0F35D-A559-4B2F-93A2-E937B3C9D4B3}" type="slidenum">
               <a:rPr lang="de-DE" smtClean="0"/>
+              <a:pPr/>
               <a:t>‹Nr.›</a:t>
             </a:fld>
             <a:endParaRPr lang="de-DE"/>
@@ -3270,7 +4412,7 @@
     </p:spTree>
     <p:extLst>
       <p:ext uri="{BB962C8B-B14F-4D97-AF65-F5344CB8AC3E}">
-        <p14:creationId xmlns:p14="http://schemas.microsoft.com/office/powerpoint/2010/main" val="1845923028"/>
+        <p14:creationId xmlns:p14="http://schemas.microsoft.com/office/powerpoint/2010/main" xmlns="" val="1845923028"/>
       </p:ext>
     </p:extLst>
   </p:cSld>
@@ -3337,6 +4479,7 @@
           <a:p>
             <a:fld id="{B0690C51-0975-4DB1-A8F1-911F4CA4E3D0}" type="datetimeFigureOut">
               <a:rPr lang="de-DE" smtClean="0"/>
+              <a:pPr/>
               <a:t>28.09.2016</a:t>
             </a:fld>
             <a:endParaRPr lang="de-DE"/>
@@ -3379,6 +4522,7 @@
           <a:p>
             <a:fld id="{E4F0F35D-A559-4B2F-93A2-E937B3C9D4B3}" type="slidenum">
               <a:rPr lang="de-DE" smtClean="0"/>
+              <a:pPr/>
               <a:t>‹Nr.›</a:t>
             </a:fld>
             <a:endParaRPr lang="de-DE"/>
@@ -3388,7 +4532,7 @@
     </p:spTree>
     <p:extLst>
       <p:ext uri="{BB962C8B-B14F-4D97-AF65-F5344CB8AC3E}">
-        <p14:creationId xmlns:p14="http://schemas.microsoft.com/office/powerpoint/2010/main" val="2194376602"/>
+        <p14:creationId xmlns:p14="http://schemas.microsoft.com/office/powerpoint/2010/main" xmlns="" val="2194376602"/>
       </p:ext>
     </p:extLst>
   </p:cSld>
@@ -3432,6 +4576,7 @@
           <a:p>
             <a:fld id="{B0690C51-0975-4DB1-A8F1-911F4CA4E3D0}" type="datetimeFigureOut">
               <a:rPr lang="de-DE" smtClean="0"/>
+              <a:pPr/>
               <a:t>28.09.2016</a:t>
             </a:fld>
             <a:endParaRPr lang="de-DE"/>
@@ -3474,6 +4619,7 @@
           <a:p>
             <a:fld id="{E4F0F35D-A559-4B2F-93A2-E937B3C9D4B3}" type="slidenum">
               <a:rPr lang="de-DE" smtClean="0"/>
+              <a:pPr/>
               <a:t>‹Nr.›</a:t>
             </a:fld>
             <a:endParaRPr lang="de-DE"/>
@@ -3483,7 +4629,7 @@
     </p:spTree>
     <p:extLst>
       <p:ext uri="{BB962C8B-B14F-4D97-AF65-F5344CB8AC3E}">
-        <p14:creationId xmlns:p14="http://schemas.microsoft.com/office/powerpoint/2010/main" val="1772680045"/>
+        <p14:creationId xmlns:p14="http://schemas.microsoft.com/office/powerpoint/2010/main" xmlns="" val="1772680045"/>
       </p:ext>
     </p:extLst>
   </p:cSld>
@@ -3722,6 +4868,7 @@
           <a:p>
             <a:fld id="{B0690C51-0975-4DB1-A8F1-911F4CA4E3D0}" type="datetimeFigureOut">
               <a:rPr lang="de-DE" smtClean="0"/>
+              <a:pPr/>
               <a:t>28.09.2016</a:t>
             </a:fld>
             <a:endParaRPr lang="de-DE"/>
@@ -3764,6 +4911,7 @@
           <a:p>
             <a:fld id="{E4F0F35D-A559-4B2F-93A2-E937B3C9D4B3}" type="slidenum">
               <a:rPr lang="de-DE" smtClean="0"/>
+              <a:pPr/>
               <a:t>‹Nr.›</a:t>
             </a:fld>
             <a:endParaRPr lang="de-DE"/>
@@ -3773,7 +4921,7 @@
     </p:spTree>
     <p:extLst>
       <p:ext uri="{BB962C8B-B14F-4D97-AF65-F5344CB8AC3E}">
-        <p14:creationId xmlns:p14="http://schemas.microsoft.com/office/powerpoint/2010/main" val="4220076666"/>
+        <p14:creationId xmlns:p14="http://schemas.microsoft.com/office/powerpoint/2010/main" xmlns="" val="4220076666"/>
       </p:ext>
     </p:extLst>
   </p:cSld>
@@ -3994,6 +5142,7 @@
           <a:p>
             <a:fld id="{B0690C51-0975-4DB1-A8F1-911F4CA4E3D0}" type="datetimeFigureOut">
               <a:rPr lang="de-DE" smtClean="0"/>
+              <a:pPr/>
               <a:t>28.09.2016</a:t>
             </a:fld>
             <a:endParaRPr lang="de-DE"/>
@@ -4036,6 +5185,7 @@
           <a:p>
             <a:fld id="{E4F0F35D-A559-4B2F-93A2-E937B3C9D4B3}" type="slidenum">
               <a:rPr lang="de-DE" smtClean="0"/>
+              <a:pPr/>
               <a:t>‹Nr.›</a:t>
             </a:fld>
             <a:endParaRPr lang="de-DE"/>
@@ -4045,7 +5195,7 @@
     </p:spTree>
     <p:extLst>
       <p:ext uri="{BB962C8B-B14F-4D97-AF65-F5344CB8AC3E}">
-        <p14:creationId xmlns:p14="http://schemas.microsoft.com/office/powerpoint/2010/main" val="1778146660"/>
+        <p14:creationId xmlns:p14="http://schemas.microsoft.com/office/powerpoint/2010/main" xmlns="" val="1778146660"/>
       </p:ext>
     </p:extLst>
   </p:cSld>
@@ -4248,6 +5398,7 @@
           <a:p>
             <a:fld id="{B0690C51-0975-4DB1-A8F1-911F4CA4E3D0}" type="datetimeFigureOut">
               <a:rPr lang="de-DE" smtClean="0"/>
+              <a:pPr/>
               <a:t>28.09.2016</a:t>
             </a:fld>
             <a:endParaRPr lang="de-DE"/>
@@ -4322,6 +5473,7 @@
           <a:p>
             <a:fld id="{E4F0F35D-A559-4B2F-93A2-E937B3C9D4B3}" type="slidenum">
               <a:rPr lang="de-DE" smtClean="0"/>
+              <a:pPr/>
               <a:t>‹Nr.›</a:t>
             </a:fld>
             <a:endParaRPr lang="de-DE"/>
@@ -4331,7 +5483,7 @@
     </p:spTree>
     <p:extLst>
       <p:ext uri="{BB962C8B-B14F-4D97-AF65-F5344CB8AC3E}">
-        <p14:creationId xmlns:p14="http://schemas.microsoft.com/office/powerpoint/2010/main" val="3120955094"/>
+        <p14:creationId xmlns:p14="http://schemas.microsoft.com/office/powerpoint/2010/main" xmlns="" val="3120955094"/>
       </p:ext>
     </p:extLst>
   </p:cSld>
@@ -4735,6 +5887,10 @@
               <a:rPr lang="en-US" sz="6600" dirty="0" err="1"/>
               <a:t>Projektmanagement</a:t>
             </a:r>
+            <a:r>
+              <a:rPr lang="en-US" sz="6600" dirty="0"/>
+              <a:t/>
+            </a:r>
             <a:br>
               <a:rPr lang="en-US" sz="6600" dirty="0"/>
             </a:br>
@@ -4818,7 +5974,7 @@
     </p:spTree>
     <p:extLst>
       <p:ext uri="{BB962C8B-B14F-4D97-AF65-F5344CB8AC3E}">
-        <p14:creationId xmlns:p14="http://schemas.microsoft.com/office/powerpoint/2010/main" val="473900123"/>
+        <p14:creationId xmlns:p14="http://schemas.microsoft.com/office/powerpoint/2010/main" xmlns="" val="473900123"/>
       </p:ext>
     </p:extLst>
   </p:cSld>
@@ -4855,65 +6011,104 @@
             <p:ph type="title"/>
           </p:nvPr>
         </p:nvSpPr>
-        <p:spPr/>
+        <p:spPr>
+          <a:xfrm>
+            <a:off x="1143000" y="609600"/>
+            <a:ext cx="9875520" cy="1356360"/>
+          </a:xfrm>
+        </p:spPr>
         <p:txBody>
           <a:bodyPr/>
           <a:lstStyle/>
           <a:p>
             <a:r>
-              <a:rPr lang="de-DE" dirty="0"/>
-              <a:t>Beispiel Arbeitspaket</a:t>
-            </a:r>
-          </a:p>
-        </p:txBody>
-      </p:sp>
-      <p:sp>
-        <p:nvSpPr>
-          <p:cNvPr id="3" name="Inhaltsplatzhalter 2"/>
-          <p:cNvSpPr>
-            <a:spLocks noGrp="1"/>
-          </p:cNvSpPr>
-          <p:nvPr>
-            <p:ph idx="1"/>
-          </p:nvPr>
-        </p:nvSpPr>
-        <p:spPr/>
-        <p:txBody>
-          <a:bodyPr/>
-          <a:lstStyle/>
-          <a:p>
+              <a:rPr lang="de-DE" dirty="0" smtClean="0"/>
+              <a:t>Versionskontrolle: </a:t>
+            </a:r>
+            <a:r>
+              <a:rPr lang="de-DE" dirty="0" err="1" smtClean="0"/>
+              <a:t>Git</a:t>
+            </a:r>
+            <a:r>
+              <a:rPr lang="de-DE" dirty="0" smtClean="0"/>
+              <a:t>(Hub)</a:t>
+            </a:r>
             <a:endParaRPr lang="de-DE" dirty="0"/>
           </a:p>
         </p:txBody>
       </p:sp>
       <p:pic>
         <p:nvPicPr>
-          <p:cNvPr id="7" name="Grafik 6"/>
+          <p:cNvPr id="4" name="Inhaltsplatzhalter 3">
+            <a:hlinkClick r:id="rId3"/>
+          </p:cNvPr>
           <p:cNvPicPr>
-            <a:picLocks noChangeAspect="1"/>
+            <a:picLocks noGrp="1" noChangeAspect="1"/>
           </p:cNvPicPr>
-          <p:nvPr/>
+          <p:nvPr>
+            <p:ph idx="1"/>
+          </p:nvPr>
         </p:nvPicPr>
         <p:blipFill>
-          <a:blip r:embed="rId3"/>
+          <a:blip r:embed="rId4" cstate="print">
+            <a:extLst>
+              <a:ext uri="{28A0092B-C50C-407E-A947-70E740481C1C}">
+                <a14:useLocalDpi xmlns:a14="http://schemas.microsoft.com/office/drawing/2010/main" xmlns="" val="0"/>
+              </a:ext>
+            </a:extLst>
+          </a:blip>
           <a:stretch>
             <a:fillRect/>
           </a:stretch>
         </p:blipFill>
         <p:spPr>
           <a:xfrm>
-            <a:off x="931172" y="3386137"/>
-            <a:ext cx="10296525" cy="1381125"/>
+            <a:off x="1323089" y="2380307"/>
+            <a:ext cx="9515341" cy="2780345"/>
+          </a:xfrm>
+          <a:ln>
+            <a:solidFill>
+              <a:schemeClr val="tx1"/>
+            </a:solidFill>
+          </a:ln>
+        </p:spPr>
+      </p:pic>
+      <p:sp>
+        <p:nvSpPr>
+          <p:cNvPr id="3" name="Textfeld 2"/>
+          <p:cNvSpPr txBox="1"/>
+          <p:nvPr/>
+        </p:nvSpPr>
+        <p:spPr>
+          <a:xfrm>
+            <a:off x="3879273" y="5652655"/>
+            <a:ext cx="8229600" cy="369332"/>
           </a:xfrm>
           <a:prstGeom prst="rect">
             <a:avLst/>
           </a:prstGeom>
+          <a:noFill/>
         </p:spPr>
-      </p:pic>
+        <p:txBody>
+          <a:bodyPr wrap="square" rtlCol="0">
+            <a:spAutoFit/>
+          </a:bodyPr>
+          <a:lstStyle/>
+          <a:p>
+            <a:r>
+              <a:rPr lang="de-DE" dirty="0">
+                <a:hlinkClick r:id="rId3"/>
+              </a:rPr>
+              <a:t>https://github.com/Kulu-M/KanBan-App</a:t>
+            </a:r>
+            <a:endParaRPr lang="de-DE" dirty="0"/>
+          </a:p>
+        </p:txBody>
+      </p:sp>
     </p:spTree>
     <p:extLst>
       <p:ext uri="{BB962C8B-B14F-4D97-AF65-F5344CB8AC3E}">
-        <p14:creationId xmlns:p14="http://schemas.microsoft.com/office/powerpoint/2010/main" val="1506023394"/>
+        <p14:creationId xmlns:p14="http://schemas.microsoft.com/office/powerpoint/2010/main" xmlns="" val="2572582620"/>
       </p:ext>
     </p:extLst>
   </p:cSld>
@@ -4957,38 +6152,52 @@
           <a:p>
             <a:r>
               <a:rPr lang="de-DE" dirty="0"/>
-              <a:t>Gantt-Diagramm</a:t>
-            </a:r>
+              <a:t>Projektstrukturplan</a:t>
+            </a:r>
+          </a:p>
+        </p:txBody>
+      </p:sp>
+      <p:sp>
+        <p:nvSpPr>
+          <p:cNvPr id="3" name="Inhaltsplatzhalter 2"/>
+          <p:cNvSpPr>
+            <a:spLocks noGrp="1"/>
+          </p:cNvSpPr>
+          <p:nvPr>
+            <p:ph idx="1"/>
+          </p:nvPr>
+        </p:nvSpPr>
+        <p:spPr/>
+        <p:txBody>
+          <a:bodyPr/>
+          <a:lstStyle/>
+          <a:p>
+            <a:endParaRPr lang="de-DE"/>
           </a:p>
         </p:txBody>
       </p:sp>
       <p:pic>
         <p:nvPicPr>
-          <p:cNvPr id="4" name="Inhaltsplatzhalter 3"/>
+          <p:cNvPr id="5" name="Grafik 4"/>
           <p:cNvPicPr>
-            <a:picLocks noGrp="1" noChangeAspect="1"/>
+            <a:picLocks noChangeAspect="1"/>
           </p:cNvPicPr>
-          <p:nvPr>
-            <p:ph idx="1"/>
-          </p:nvPr>
+          <p:nvPr/>
         </p:nvPicPr>
         <p:blipFill>
-          <a:blip r:embed="rId3">
-            <a:extLst>
-              <a:ext uri="{28A0092B-C50C-407E-A947-70E740481C1C}">
-                <a14:useLocalDpi xmlns:a14="http://schemas.microsoft.com/office/drawing/2010/main" val="0"/>
-              </a:ext>
-            </a:extLst>
-          </a:blip>
+          <a:blip r:embed="rId2" cstate="print"/>
           <a:stretch>
             <a:fillRect/>
           </a:stretch>
         </p:blipFill>
         <p:spPr>
           <a:xfrm>
-            <a:off x="1275080" y="1642420"/>
-            <a:ext cx="9611359" cy="4828641"/>
+            <a:off x="1355035" y="2466542"/>
+            <a:ext cx="9448800" cy="2943225"/>
           </a:xfrm>
+          <a:prstGeom prst="rect">
+            <a:avLst/>
+          </a:prstGeom>
           <a:ln>
             <a:solidFill>
               <a:schemeClr val="tx1"/>
@@ -4999,7 +6208,7 @@
     </p:spTree>
     <p:extLst>
       <p:ext uri="{BB962C8B-B14F-4D97-AF65-F5344CB8AC3E}">
-        <p14:creationId xmlns:p14="http://schemas.microsoft.com/office/powerpoint/2010/main" val="3742195399"/>
+        <p14:creationId xmlns:p14="http://schemas.microsoft.com/office/powerpoint/2010/main" xmlns="" val="346870178"/>
       </p:ext>
     </p:extLst>
   </p:cSld>
@@ -5026,6 +6235,270 @@
           <a:chExt cx="0" cy="0"/>
         </a:xfrm>
       </p:grpSpPr>
+      <p:sp>
+        <p:nvSpPr>
+          <p:cNvPr id="2" name="Titel 1"/>
+          <p:cNvSpPr>
+            <a:spLocks noGrp="1"/>
+          </p:cNvSpPr>
+          <p:nvPr>
+            <p:ph type="title"/>
+          </p:nvPr>
+        </p:nvSpPr>
+        <p:spPr/>
+        <p:txBody>
+          <a:bodyPr/>
+          <a:lstStyle/>
+          <a:p>
+            <a:r>
+              <a:rPr lang="de-DE" dirty="0"/>
+              <a:t>Projektstrukturplan</a:t>
+            </a:r>
+          </a:p>
+        </p:txBody>
+      </p:sp>
+      <p:pic>
+        <p:nvPicPr>
+          <p:cNvPr id="4" name="Inhaltsplatzhalter 3"/>
+          <p:cNvPicPr>
+            <a:picLocks noGrp="1" noChangeAspect="1"/>
+          </p:cNvPicPr>
+          <p:nvPr>
+            <p:ph idx="1"/>
+          </p:nvPr>
+        </p:nvPicPr>
+        <p:blipFill>
+          <a:blip r:embed="rId2" cstate="print"/>
+          <a:stretch>
+            <a:fillRect/>
+          </a:stretch>
+        </p:blipFill>
+        <p:spPr>
+          <a:xfrm>
+            <a:off x="2931683" y="1708123"/>
+            <a:ext cx="6298154" cy="4688819"/>
+          </a:xfrm>
+          <a:prstGeom prst="rect">
+            <a:avLst/>
+          </a:prstGeom>
+          <a:ln>
+            <a:solidFill>
+              <a:schemeClr val="tx1"/>
+            </a:solidFill>
+          </a:ln>
+        </p:spPr>
+      </p:pic>
+    </p:spTree>
+    <p:extLst>
+      <p:ext uri="{BB962C8B-B14F-4D97-AF65-F5344CB8AC3E}">
+        <p14:creationId xmlns:p14="http://schemas.microsoft.com/office/powerpoint/2010/main" xmlns="" val="711080358"/>
+      </p:ext>
+    </p:extLst>
+  </p:cSld>
+  <p:clrMapOvr>
+    <a:masterClrMapping/>
+  </p:clrMapOvr>
+</p:sld>
+</file>
+
+<file path=ppt/slides/slide13.xml><?xml version="1.0" encoding="utf-8"?>
+<p:sld xmlns:a="http://schemas.openxmlformats.org/drawingml/2006/main" xmlns:r="http://schemas.openxmlformats.org/officeDocument/2006/relationships" xmlns:p="http://schemas.openxmlformats.org/presentationml/2006/main">
+  <p:cSld>
+    <p:spTree>
+      <p:nvGrpSpPr>
+        <p:cNvPr id="1" name=""/>
+        <p:cNvGrpSpPr/>
+        <p:nvPr/>
+      </p:nvGrpSpPr>
+      <p:grpSpPr>
+        <a:xfrm>
+          <a:off x="0" y="0"/>
+          <a:ext cx="0" cy="0"/>
+          <a:chOff x="0" y="0"/>
+          <a:chExt cx="0" cy="0"/>
+        </a:xfrm>
+      </p:grpSpPr>
+      <p:sp>
+        <p:nvSpPr>
+          <p:cNvPr id="2" name="Titel 1"/>
+          <p:cNvSpPr>
+            <a:spLocks noGrp="1"/>
+          </p:cNvSpPr>
+          <p:nvPr>
+            <p:ph type="title"/>
+          </p:nvPr>
+        </p:nvSpPr>
+        <p:spPr/>
+        <p:txBody>
+          <a:bodyPr/>
+          <a:lstStyle/>
+          <a:p>
+            <a:r>
+              <a:rPr lang="de-DE" dirty="0"/>
+              <a:t>Beispiel Arbeitspaket</a:t>
+            </a:r>
+          </a:p>
+        </p:txBody>
+      </p:sp>
+      <p:sp>
+        <p:nvSpPr>
+          <p:cNvPr id="3" name="Inhaltsplatzhalter 2"/>
+          <p:cNvSpPr>
+            <a:spLocks noGrp="1"/>
+          </p:cNvSpPr>
+          <p:nvPr>
+            <p:ph idx="1"/>
+          </p:nvPr>
+        </p:nvSpPr>
+        <p:spPr/>
+        <p:txBody>
+          <a:bodyPr/>
+          <a:lstStyle/>
+          <a:p>
+            <a:endParaRPr lang="de-DE" dirty="0"/>
+          </a:p>
+        </p:txBody>
+      </p:sp>
+      <p:pic>
+        <p:nvPicPr>
+          <p:cNvPr id="7" name="Grafik 6"/>
+          <p:cNvPicPr>
+            <a:picLocks noChangeAspect="1"/>
+          </p:cNvPicPr>
+          <p:nvPr/>
+        </p:nvPicPr>
+        <p:blipFill>
+          <a:blip r:embed="rId3" cstate="print"/>
+          <a:stretch>
+            <a:fillRect/>
+          </a:stretch>
+        </p:blipFill>
+        <p:spPr>
+          <a:xfrm>
+            <a:off x="931172" y="3386137"/>
+            <a:ext cx="10296525" cy="1381125"/>
+          </a:xfrm>
+          <a:prstGeom prst="rect">
+            <a:avLst/>
+          </a:prstGeom>
+        </p:spPr>
+      </p:pic>
+    </p:spTree>
+    <p:extLst>
+      <p:ext uri="{BB962C8B-B14F-4D97-AF65-F5344CB8AC3E}">
+        <p14:creationId xmlns:p14="http://schemas.microsoft.com/office/powerpoint/2010/main" xmlns="" val="1506023394"/>
+      </p:ext>
+    </p:extLst>
+  </p:cSld>
+  <p:clrMapOvr>
+    <a:masterClrMapping/>
+  </p:clrMapOvr>
+</p:sld>
+</file>
+
+<file path=ppt/slides/slide14.xml><?xml version="1.0" encoding="utf-8"?>
+<p:sld xmlns:a="http://schemas.openxmlformats.org/drawingml/2006/main" xmlns:r="http://schemas.openxmlformats.org/officeDocument/2006/relationships" xmlns:p="http://schemas.openxmlformats.org/presentationml/2006/main">
+  <p:cSld>
+    <p:spTree>
+      <p:nvGrpSpPr>
+        <p:cNvPr id="1" name=""/>
+        <p:cNvGrpSpPr/>
+        <p:nvPr/>
+      </p:nvGrpSpPr>
+      <p:grpSpPr>
+        <a:xfrm>
+          <a:off x="0" y="0"/>
+          <a:ext cx="0" cy="0"/>
+          <a:chOff x="0" y="0"/>
+          <a:chExt cx="0" cy="0"/>
+        </a:xfrm>
+      </p:grpSpPr>
+      <p:sp>
+        <p:nvSpPr>
+          <p:cNvPr id="2" name="Titel 1"/>
+          <p:cNvSpPr>
+            <a:spLocks noGrp="1"/>
+          </p:cNvSpPr>
+          <p:nvPr>
+            <p:ph type="title"/>
+          </p:nvPr>
+        </p:nvSpPr>
+        <p:spPr/>
+        <p:txBody>
+          <a:bodyPr/>
+          <a:lstStyle/>
+          <a:p>
+            <a:r>
+              <a:rPr lang="de-DE" dirty="0"/>
+              <a:t>Gantt-Diagramm</a:t>
+            </a:r>
+          </a:p>
+        </p:txBody>
+      </p:sp>
+      <p:pic>
+        <p:nvPicPr>
+          <p:cNvPr id="4" name="Inhaltsplatzhalter 3"/>
+          <p:cNvPicPr>
+            <a:picLocks noGrp="1" noChangeAspect="1"/>
+          </p:cNvPicPr>
+          <p:nvPr>
+            <p:ph idx="1"/>
+          </p:nvPr>
+        </p:nvPicPr>
+        <p:blipFill>
+          <a:blip r:embed="rId3" cstate="print">
+            <a:extLst>
+              <a:ext uri="{28A0092B-C50C-407E-A947-70E740481C1C}">
+                <a14:useLocalDpi xmlns:a14="http://schemas.microsoft.com/office/drawing/2010/main" xmlns="" val="0"/>
+              </a:ext>
+            </a:extLst>
+          </a:blip>
+          <a:stretch>
+            <a:fillRect/>
+          </a:stretch>
+        </p:blipFill>
+        <p:spPr>
+          <a:xfrm>
+            <a:off x="1275080" y="1642420"/>
+            <a:ext cx="9611359" cy="4828641"/>
+          </a:xfrm>
+          <a:ln>
+            <a:solidFill>
+              <a:schemeClr val="tx1"/>
+            </a:solidFill>
+          </a:ln>
+        </p:spPr>
+      </p:pic>
+    </p:spTree>
+    <p:extLst>
+      <p:ext uri="{BB962C8B-B14F-4D97-AF65-F5344CB8AC3E}">
+        <p14:creationId xmlns:p14="http://schemas.microsoft.com/office/powerpoint/2010/main" xmlns="" val="3742195399"/>
+      </p:ext>
+    </p:extLst>
+  </p:cSld>
+  <p:clrMapOvr>
+    <a:masterClrMapping/>
+  </p:clrMapOvr>
+</p:sld>
+</file>
+
+<file path=ppt/slides/slide15.xml><?xml version="1.0" encoding="utf-8"?>
+<p:sld xmlns:a="http://schemas.openxmlformats.org/drawingml/2006/main" xmlns:r="http://schemas.openxmlformats.org/officeDocument/2006/relationships" xmlns:p="http://schemas.openxmlformats.org/presentationml/2006/main">
+  <p:cSld>
+    <p:spTree>
+      <p:nvGrpSpPr>
+        <p:cNvPr id="1" name=""/>
+        <p:cNvGrpSpPr/>
+        <p:nvPr/>
+      </p:nvGrpSpPr>
+      <p:grpSpPr>
+        <a:xfrm>
+          <a:off x="0" y="0"/>
+          <a:ext cx="0" cy="0"/>
+          <a:chOff x="0" y="0"/>
+          <a:chExt cx="0" cy="0"/>
+        </a:xfrm>
+      </p:grpSpPr>
       <p:pic>
         <p:nvPicPr>
           <p:cNvPr id="8" name="Inhaltsplatzhalter 7"/>
@@ -5037,7 +6510,7 @@
           </p:nvPr>
         </p:nvPicPr>
         <p:blipFill>
-          <a:blip r:embed="rId3"/>
+          <a:blip r:embed="rId3" cstate="print"/>
           <a:stretch>
             <a:fillRect/>
           </a:stretch>
@@ -5066,7 +6539,7 @@
           <p:nvPr/>
         </p:nvPicPr>
         <p:blipFill>
-          <a:blip r:embed="rId4"/>
+          <a:blip r:embed="rId4" cstate="print"/>
           <a:stretch>
             <a:fillRect/>
           </a:stretch>
@@ -5095,7 +6568,7 @@
           <p:nvPr/>
         </p:nvPicPr>
         <p:blipFill>
-          <a:blip r:embed="rId5"/>
+          <a:blip r:embed="rId5" cstate="print"/>
           <a:stretch>
             <a:fillRect/>
           </a:stretch>
@@ -5210,17 +6683,173 @@
     </p:spTree>
     <p:extLst>
       <p:ext uri="{BB962C8B-B14F-4D97-AF65-F5344CB8AC3E}">
-        <p14:creationId xmlns:p14="http://schemas.microsoft.com/office/powerpoint/2010/main" val="1372815145"/>
+        <p14:creationId xmlns:p14="http://schemas.microsoft.com/office/powerpoint/2010/main" xmlns="" val="1372815145"/>
       </p:ext>
     </p:extLst>
   </p:cSld>
   <p:clrMapOvr>
     <a:masterClrMapping/>
   </p:clrMapOvr>
+  <p:timing>
+    <p:tnLst>
+      <p:par>
+        <p:cTn id="1" dur="indefinite" restart="never" nodeType="tmRoot">
+          <p:childTnLst>
+            <p:seq concurrent="1" nextAc="seek">
+              <p:cTn id="2" dur="indefinite" nodeType="mainSeq">
+                <p:childTnLst>
+                  <p:par>
+                    <p:cTn id="3" fill="hold">
+                      <p:stCondLst>
+                        <p:cond delay="indefinite"/>
+                      </p:stCondLst>
+                      <p:childTnLst>
+                        <p:par>
+                          <p:cTn id="4" fill="hold">
+                            <p:stCondLst>
+                              <p:cond delay="0"/>
+                            </p:stCondLst>
+                            <p:childTnLst>
+                              <p:par>
+                                <p:cTn id="5" presetID="10" presetClass="entr" presetSubtype="0" fill="hold" grpId="0" nodeType="clickEffect">
+                                  <p:stCondLst>
+                                    <p:cond delay="0"/>
+                                  </p:stCondLst>
+                                  <p:childTnLst>
+                                    <p:set>
+                                      <p:cBhvr>
+                                        <p:cTn id="6" dur="1" fill="hold">
+                                          <p:stCondLst>
+                                            <p:cond delay="0"/>
+                                          </p:stCondLst>
+                                        </p:cTn>
+                                        <p:tgtEl>
+                                          <p:spTgt spid="11"/>
+                                        </p:tgtEl>
+                                        <p:attrNameLst>
+                                          <p:attrName>style.visibility</p:attrName>
+                                        </p:attrNameLst>
+                                      </p:cBhvr>
+                                      <p:to>
+                                        <p:strVal val="visible"/>
+                                      </p:to>
+                                    </p:set>
+                                    <p:animEffect transition="in" filter="fade">
+                                      <p:cBhvr>
+                                        <p:cTn id="7" dur="2000"/>
+                                        <p:tgtEl>
+                                          <p:spTgt spid="11"/>
+                                        </p:tgtEl>
+                                      </p:cBhvr>
+                                    </p:animEffect>
+                                  </p:childTnLst>
+                                </p:cTn>
+                              </p:par>
+                              <p:par>
+                                <p:cTn id="8" presetID="10" presetClass="entr" presetSubtype="0" fill="hold" nodeType="withEffect">
+                                  <p:stCondLst>
+                                    <p:cond delay="0"/>
+                                  </p:stCondLst>
+                                  <p:childTnLst>
+                                    <p:set>
+                                      <p:cBhvr>
+                                        <p:cTn id="9" dur="1" fill="hold">
+                                          <p:stCondLst>
+                                            <p:cond delay="0"/>
+                                          </p:stCondLst>
+                                        </p:cTn>
+                                        <p:tgtEl>
+                                          <p:spTgt spid="6"/>
+                                        </p:tgtEl>
+                                        <p:attrNameLst>
+                                          <p:attrName>style.visibility</p:attrName>
+                                        </p:attrNameLst>
+                                      </p:cBhvr>
+                                      <p:to>
+                                        <p:strVal val="visible"/>
+                                      </p:to>
+                                    </p:set>
+                                    <p:animEffect transition="in" filter="fade">
+                                      <p:cBhvr>
+                                        <p:cTn id="10" dur="2000"/>
+                                        <p:tgtEl>
+                                          <p:spTgt spid="6"/>
+                                        </p:tgtEl>
+                                      </p:cBhvr>
+                                    </p:animEffect>
+                                  </p:childTnLst>
+                                </p:cTn>
+                              </p:par>
+                              <p:par>
+                                <p:cTn id="11" presetID="10" presetClass="entr" presetSubtype="0" fill="hold" nodeType="withEffect">
+                                  <p:stCondLst>
+                                    <p:cond delay="0"/>
+                                  </p:stCondLst>
+                                  <p:childTnLst>
+                                    <p:set>
+                                      <p:cBhvr>
+                                        <p:cTn id="12" dur="1" fill="hold">
+                                          <p:stCondLst>
+                                            <p:cond delay="0"/>
+                                          </p:stCondLst>
+                                        </p:cTn>
+                                        <p:tgtEl>
+                                          <p:spTgt spid="7"/>
+                                        </p:tgtEl>
+                                        <p:attrNameLst>
+                                          <p:attrName>style.visibility</p:attrName>
+                                        </p:attrNameLst>
+                                      </p:cBhvr>
+                                      <p:to>
+                                        <p:strVal val="visible"/>
+                                      </p:to>
+                                    </p:set>
+                                    <p:animEffect transition="in" filter="fade">
+                                      <p:cBhvr>
+                                        <p:cTn id="13" dur="2000"/>
+                                        <p:tgtEl>
+                                          <p:spTgt spid="7"/>
+                                        </p:tgtEl>
+                                      </p:cBhvr>
+                                    </p:animEffect>
+                                  </p:childTnLst>
+                                </p:cTn>
+                              </p:par>
+                            </p:childTnLst>
+                          </p:cTn>
+                        </p:par>
+                      </p:childTnLst>
+                    </p:cTn>
+                  </p:par>
+                </p:childTnLst>
+              </p:cTn>
+              <p:prevCondLst>
+                <p:cond evt="onPrev" delay="0">
+                  <p:tgtEl>
+                    <p:sldTgt/>
+                  </p:tgtEl>
+                </p:cond>
+              </p:prevCondLst>
+              <p:nextCondLst>
+                <p:cond evt="onNext" delay="0">
+                  <p:tgtEl>
+                    <p:sldTgt/>
+                  </p:tgtEl>
+                </p:cond>
+              </p:nextCondLst>
+            </p:seq>
+          </p:childTnLst>
+        </p:cTn>
+      </p:par>
+    </p:tnLst>
+    <p:bldLst>
+      <p:bldP spid="11" grpId="0"/>
+    </p:bldLst>
+  </p:timing>
 </p:sld>
 </file>
 
-<file path=ppt/slides/slide13.xml><?xml version="1.0" encoding="utf-8"?>
+<file path=ppt/slides/slide16.xml><?xml version="1.0" encoding="utf-8"?>
 <p:sld xmlns:a="http://schemas.openxmlformats.org/drawingml/2006/main" xmlns:r="http://schemas.openxmlformats.org/officeDocument/2006/relationships" xmlns:p="http://schemas.openxmlformats.org/presentationml/2006/main">
   <p:cSld>
     <p:spTree>
@@ -5270,10 +6899,10 @@
           </p:nvPr>
         </p:nvPicPr>
         <p:blipFill>
-          <a:blip r:embed="rId3">
+          <a:blip r:embed="rId3" cstate="print">
             <a:extLst>
               <a:ext uri="{28A0092B-C50C-407E-A947-70E740481C1C}">
-                <a14:useLocalDpi xmlns:a14="http://schemas.microsoft.com/office/drawing/2010/main" val="0"/>
+                <a14:useLocalDpi xmlns:a14="http://schemas.microsoft.com/office/drawing/2010/main" xmlns="" val="0"/>
               </a:ext>
             </a:extLst>
           </a:blip>
@@ -5296,363 +6925,20 @@
     </p:spTree>
     <p:extLst>
       <p:ext uri="{BB962C8B-B14F-4D97-AF65-F5344CB8AC3E}">
-        <p14:creationId xmlns:p14="http://schemas.microsoft.com/office/powerpoint/2010/main" val="2912283461"/>
+        <p14:creationId xmlns:p14="http://schemas.microsoft.com/office/powerpoint/2010/main" xmlns="" val="2912283461"/>
       </p:ext>
     </p:extLst>
   </p:cSld>
   <p:clrMapOvr>
     <a:masterClrMapping/>
   </p:clrMapOvr>
-</p:sld>
-</file>
-
-<file path=ppt/slides/slide14.xml><?xml version="1.0" encoding="utf-8"?>
-<p:sld xmlns:a="http://schemas.openxmlformats.org/drawingml/2006/main" xmlns:r="http://schemas.openxmlformats.org/officeDocument/2006/relationships" xmlns:p="http://schemas.openxmlformats.org/presentationml/2006/main">
-  <p:cSld>
-    <p:spTree>
-      <p:nvGrpSpPr>
-        <p:cNvPr id="1" name=""/>
-        <p:cNvGrpSpPr/>
-        <p:nvPr/>
-      </p:nvGrpSpPr>
-      <p:grpSpPr>
-        <a:xfrm>
-          <a:off x="0" y="0"/>
-          <a:ext cx="0" cy="0"/>
-          <a:chOff x="0" y="0"/>
-          <a:chExt cx="0" cy="0"/>
-        </a:xfrm>
-      </p:grpSpPr>
-      <p:sp>
-        <p:nvSpPr>
-          <p:cNvPr id="2" name="Titel 1"/>
-          <p:cNvSpPr>
-            <a:spLocks noGrp="1"/>
-          </p:cNvSpPr>
-          <p:nvPr>
-            <p:ph type="title"/>
-          </p:nvPr>
-        </p:nvSpPr>
-        <p:spPr/>
-        <p:txBody>
-          <a:bodyPr/>
-          <a:lstStyle/>
-          <a:p>
-            <a:r>
-              <a:rPr lang="de-DE" dirty="0"/>
-              <a:t>Gantt-Ressourcen</a:t>
-            </a:r>
-          </a:p>
-        </p:txBody>
-      </p:sp>
-      <p:pic>
-        <p:nvPicPr>
-          <p:cNvPr id="4" name="Inhaltsplatzhalter 3"/>
-          <p:cNvPicPr>
-            <a:picLocks noGrp="1" noChangeAspect="1"/>
-          </p:cNvPicPr>
-          <p:nvPr>
-            <p:ph idx="1"/>
-          </p:nvPr>
-        </p:nvPicPr>
-        <p:blipFill>
-          <a:blip r:embed="rId2"/>
-          <a:stretch>
-            <a:fillRect/>
-          </a:stretch>
-        </p:blipFill>
-        <p:spPr>
-          <a:xfrm>
-            <a:off x="6629618" y="2691246"/>
-            <a:ext cx="3968027" cy="2441863"/>
-          </a:xfrm>
-          <a:prstGeom prst="rect">
-            <a:avLst/>
-          </a:prstGeom>
-        </p:spPr>
-      </p:pic>
-    </p:spTree>
-    <p:extLst>
-      <p:ext uri="{BB962C8B-B14F-4D97-AF65-F5344CB8AC3E}">
-        <p14:creationId xmlns:p14="http://schemas.microsoft.com/office/powerpoint/2010/main" val="1061265197"/>
-      </p:ext>
-    </p:extLst>
-  </p:cSld>
-  <p:clrMapOvr>
-    <a:masterClrMapping/>
-  </p:clrMapOvr>
-</p:sld>
-</file>
-
-<file path=ppt/slides/slide15.xml><?xml version="1.0" encoding="utf-8"?>
-<p:sld xmlns:a="http://schemas.openxmlformats.org/drawingml/2006/main" xmlns:r="http://schemas.openxmlformats.org/officeDocument/2006/relationships" xmlns:p="http://schemas.openxmlformats.org/presentationml/2006/main">
-  <p:cSld>
-    <p:spTree>
-      <p:nvGrpSpPr>
-        <p:cNvPr id="1" name=""/>
-        <p:cNvGrpSpPr/>
-        <p:nvPr/>
-      </p:nvGrpSpPr>
-      <p:grpSpPr>
-        <a:xfrm>
-          <a:off x="0" y="0"/>
-          <a:ext cx="0" cy="0"/>
-          <a:chOff x="0" y="0"/>
-          <a:chExt cx="0" cy="0"/>
-        </a:xfrm>
-      </p:grpSpPr>
-      <p:sp>
-        <p:nvSpPr>
-          <p:cNvPr id="2" name="Titel 1"/>
-          <p:cNvSpPr>
-            <a:spLocks noGrp="1"/>
-          </p:cNvSpPr>
-          <p:nvPr>
-            <p:ph type="title"/>
-          </p:nvPr>
-        </p:nvSpPr>
-        <p:spPr/>
-        <p:txBody>
-          <a:bodyPr/>
-          <a:lstStyle/>
-          <a:p>
-            <a:r>
-              <a:rPr lang="de-DE" dirty="0"/>
-              <a:t>II. Umsetzung</a:t>
-            </a:r>
-          </a:p>
-        </p:txBody>
-      </p:sp>
-      <p:sp>
-        <p:nvSpPr>
-          <p:cNvPr id="3" name="Inhaltsplatzhalter 2"/>
-          <p:cNvSpPr>
-            <a:spLocks noGrp="1"/>
-          </p:cNvSpPr>
-          <p:nvPr>
-            <p:ph idx="1"/>
-          </p:nvPr>
-        </p:nvSpPr>
-        <p:spPr/>
-        <p:txBody>
-          <a:bodyPr/>
-          <a:lstStyle/>
-          <a:p>
-            <a:endParaRPr lang="de-DE"/>
-          </a:p>
-        </p:txBody>
-      </p:sp>
-    </p:spTree>
-    <p:extLst>
-      <p:ext uri="{BB962C8B-B14F-4D97-AF65-F5344CB8AC3E}">
-        <p14:creationId xmlns:p14="http://schemas.microsoft.com/office/powerpoint/2010/main" val="1069150620"/>
-      </p:ext>
-    </p:extLst>
-  </p:cSld>
-  <p:clrMapOvr>
-    <a:masterClrMapping/>
-  </p:clrMapOvr>
-</p:sld>
-</file>
-
-<file path=ppt/slides/slide16.xml><?xml version="1.0" encoding="utf-8"?>
-<p:sld xmlns:a="http://schemas.openxmlformats.org/drawingml/2006/main" xmlns:r="http://schemas.openxmlformats.org/officeDocument/2006/relationships" xmlns:p="http://schemas.openxmlformats.org/presentationml/2006/main">
-  <p:cSld>
-    <p:spTree>
-      <p:nvGrpSpPr>
-        <p:cNvPr id="1" name=""/>
-        <p:cNvGrpSpPr/>
-        <p:nvPr/>
-      </p:nvGrpSpPr>
-      <p:grpSpPr>
-        <a:xfrm>
-          <a:off x="0" y="0"/>
-          <a:ext cx="0" cy="0"/>
-          <a:chOff x="0" y="0"/>
-          <a:chExt cx="0" cy="0"/>
-        </a:xfrm>
-      </p:grpSpPr>
-      <p:sp>
-        <p:nvSpPr>
-          <p:cNvPr id="2" name="Titel 1"/>
-          <p:cNvSpPr>
-            <a:spLocks noGrp="1"/>
-          </p:cNvSpPr>
-          <p:nvPr>
-            <p:ph type="title"/>
-          </p:nvPr>
-        </p:nvSpPr>
-        <p:spPr/>
-        <p:txBody>
-          <a:bodyPr/>
-          <a:lstStyle/>
-          <a:p>
-            <a:r>
-              <a:rPr lang="de-DE" dirty="0"/>
-              <a:t>Aufgabenstellung</a:t>
-            </a:r>
-          </a:p>
-        </p:txBody>
-      </p:sp>
-      <p:sp>
-        <p:nvSpPr>
-          <p:cNvPr id="3" name="Inhaltsplatzhalter 2"/>
-          <p:cNvSpPr>
-            <a:spLocks noGrp="1"/>
-          </p:cNvSpPr>
-          <p:nvPr>
-            <p:ph idx="1"/>
-          </p:nvPr>
-        </p:nvSpPr>
-        <p:spPr/>
-        <p:txBody>
-          <a:bodyPr/>
-          <a:lstStyle/>
-          <a:p>
-            <a:pPr marL="45720" indent="0">
-              <a:buNone/>
-            </a:pPr>
-            <a:r>
-              <a:rPr lang="de-DE" dirty="0"/>
-              <a:t>Thema: ‚Ein teamorientiertes </a:t>
-            </a:r>
-            <a:r>
-              <a:rPr lang="de-DE" dirty="0" err="1"/>
-              <a:t>KanBan</a:t>
-            </a:r>
-            <a:r>
-              <a:rPr lang="de-DE" dirty="0"/>
-              <a:t> „System“ soll konzipiert und erstellt werden‘</a:t>
-            </a:r>
-          </a:p>
-          <a:p>
-            <a:pPr marL="45720" indent="0">
-              <a:buNone/>
-            </a:pPr>
-            <a:r>
-              <a:rPr lang="de-DE" dirty="0"/>
-              <a:t>Technologien: </a:t>
-            </a:r>
-          </a:p>
-          <a:p>
-            <a:pPr marL="45720" indent="0">
-              <a:buNone/>
-            </a:pPr>
-            <a:endParaRPr lang="de-DE" dirty="0"/>
-          </a:p>
-          <a:p>
-            <a:pPr lvl="2"/>
-            <a:r>
-              <a:rPr lang="de-DE" sz="2000" dirty="0"/>
-              <a:t>Frontend: Universal Windows </a:t>
-            </a:r>
-            <a:r>
-              <a:rPr lang="de-DE" sz="2000" dirty="0" err="1"/>
-              <a:t>Platform</a:t>
-            </a:r>
-            <a:endParaRPr lang="de-DE" sz="2000" dirty="0"/>
-          </a:p>
-          <a:p>
-            <a:pPr lvl="2"/>
-            <a:r>
-              <a:rPr lang="de-DE" sz="2000" dirty="0"/>
-              <a:t>Backend: .NET Core</a:t>
-            </a:r>
-          </a:p>
-        </p:txBody>
-      </p:sp>
-      <p:pic>
-        <p:nvPicPr>
-          <p:cNvPr id="3076" name="Picture 4" descr="http://cdn1.tnwcdn.com/wp-content/blogs.dir/1/files/2016/03/UWP-Small-Windows-10.jpg"/>
-          <p:cNvPicPr>
-            <a:picLocks noChangeAspect="1" noChangeArrowheads="1"/>
-          </p:cNvPicPr>
-          <p:nvPr/>
-        </p:nvPicPr>
-        <p:blipFill>
-          <a:blip r:embed="rId3">
-            <a:extLst>
-              <a:ext uri="{28A0092B-C50C-407E-A947-70E740481C1C}">
-                <a14:useLocalDpi xmlns:a14="http://schemas.microsoft.com/office/drawing/2010/main" val="0"/>
-              </a:ext>
-            </a:extLst>
-          </a:blip>
-          <a:srcRect/>
-          <a:stretch>
-            <a:fillRect/>
-          </a:stretch>
-        </p:blipFill>
-        <p:spPr bwMode="auto">
-          <a:xfrm>
-            <a:off x="1267690" y="4833695"/>
-            <a:ext cx="3426960" cy="1326902"/>
-          </a:xfrm>
-          <a:prstGeom prst="rect">
-            <a:avLst/>
-          </a:prstGeom>
-          <a:noFill/>
-          <a:extLst>
-            <a:ext uri="{909E8E84-426E-40DD-AFC4-6F175D3DCCD1}">
-              <a14:hiddenFill xmlns:a14="http://schemas.microsoft.com/office/drawing/2010/main">
-                <a:solidFill>
-                  <a:srgbClr val="FFFFFF"/>
-                </a:solidFill>
-              </a14:hiddenFill>
-            </a:ext>
-          </a:extLst>
-        </p:spPr>
-      </p:pic>
-      <p:pic>
-        <p:nvPicPr>
-          <p:cNvPr id="3082" name="Picture 10" descr="http://codeopinion.com/wp-content/uploads/2016/02/aspnetcore.png"/>
-          <p:cNvPicPr>
-            <a:picLocks noChangeAspect="1" noChangeArrowheads="1"/>
-          </p:cNvPicPr>
-          <p:nvPr/>
-        </p:nvPicPr>
-        <p:blipFill>
-          <a:blip r:embed="rId4">
-            <a:extLst>
-              <a:ext uri="{28A0092B-C50C-407E-A947-70E740481C1C}">
-                <a14:useLocalDpi xmlns:a14="http://schemas.microsoft.com/office/drawing/2010/main" val="0"/>
-              </a:ext>
-            </a:extLst>
-          </a:blip>
-          <a:srcRect/>
-          <a:stretch>
-            <a:fillRect/>
-          </a:stretch>
-        </p:blipFill>
-        <p:spPr bwMode="auto">
-          <a:xfrm>
-            <a:off x="6857713" y="4370763"/>
-            <a:ext cx="2857500" cy="2076450"/>
-          </a:xfrm>
-          <a:prstGeom prst="rect">
-            <a:avLst/>
-          </a:prstGeom>
-          <a:noFill/>
-          <a:extLst>
-            <a:ext uri="{909E8E84-426E-40DD-AFC4-6F175D3DCCD1}">
-              <a14:hiddenFill xmlns:a14="http://schemas.microsoft.com/office/drawing/2010/main">
-                <a:solidFill>
-                  <a:srgbClr val="FFFFFF"/>
-                </a:solidFill>
-              </a14:hiddenFill>
-            </a:ext>
-          </a:extLst>
-        </p:spPr>
-      </p:pic>
-    </p:spTree>
-    <p:extLst>
-      <p:ext uri="{BB962C8B-B14F-4D97-AF65-F5344CB8AC3E}">
-        <p14:creationId xmlns:p14="http://schemas.microsoft.com/office/powerpoint/2010/main" val="1750012079"/>
-      </p:ext>
-    </p:extLst>
-  </p:cSld>
-  <p:clrMapOvr>
-    <a:masterClrMapping/>
-  </p:clrMapOvr>
+  <p:timing>
+    <p:tnLst>
+      <p:par>
+        <p:cTn id="1" dur="indefinite" restart="never" nodeType="tmRoot"/>
+      </p:par>
+    </p:tnLst>
+  </p:timing>
 </p:sld>
 </file>
 
@@ -5688,47 +6974,33 @@
           <a:bodyPr/>
           <a:lstStyle/>
           <a:p>
-            <a:endParaRPr lang="de-DE"/>
-          </a:p>
-        </p:txBody>
-      </p:sp>
-      <p:sp>
-        <p:nvSpPr>
-          <p:cNvPr id="3" name="Inhaltsplatzhalter 2"/>
-          <p:cNvSpPr>
-            <a:spLocks noGrp="1"/>
-          </p:cNvSpPr>
-          <p:nvPr>
-            <p:ph idx="1"/>
-          </p:nvPr>
-        </p:nvSpPr>
-        <p:spPr/>
-        <p:txBody>
-          <a:bodyPr/>
-          <a:lstStyle/>
-          <a:p>
-            <a:endParaRPr lang="de-DE"/>
+            <a:r>
+              <a:rPr lang="de-DE" dirty="0"/>
+              <a:t>Gantt-Ressourcen</a:t>
+            </a:r>
           </a:p>
         </p:txBody>
       </p:sp>
       <p:pic>
         <p:nvPicPr>
-          <p:cNvPr id="4" name="Grafik 3"/>
+          <p:cNvPr id="4" name="Inhaltsplatzhalter 3"/>
           <p:cNvPicPr>
-            <a:picLocks noChangeAspect="1"/>
+            <a:picLocks noGrp="1" noChangeAspect="1"/>
           </p:cNvPicPr>
-          <p:nvPr/>
+          <p:nvPr>
+            <p:ph idx="1"/>
+          </p:nvPr>
         </p:nvPicPr>
         <p:blipFill>
-          <a:blip r:embed="rId2"/>
+          <a:blip r:embed="rId2" cstate="print"/>
           <a:stretch>
             <a:fillRect/>
           </a:stretch>
         </p:blipFill>
         <p:spPr>
           <a:xfrm>
-            <a:off x="744136" y="1810338"/>
-            <a:ext cx="10670598" cy="4532724"/>
+            <a:off x="6629618" y="2691246"/>
+            <a:ext cx="3968027" cy="2441863"/>
           </a:xfrm>
           <a:prstGeom prst="rect">
             <a:avLst/>
@@ -5738,7 +7010,7 @@
     </p:spTree>
     <p:extLst>
       <p:ext uri="{BB962C8B-B14F-4D97-AF65-F5344CB8AC3E}">
-        <p14:creationId xmlns:p14="http://schemas.microsoft.com/office/powerpoint/2010/main" val="1345858624"/>
+        <p14:creationId xmlns:p14="http://schemas.microsoft.com/office/powerpoint/2010/main" xmlns="" val="1061265197"/>
       </p:ext>
     </p:extLst>
   </p:cSld>
@@ -5782,13 +7054,8 @@
           <a:p>
             <a:r>
               <a:rPr lang="de-DE" dirty="0"/>
-              <a:t>Konzeption: </a:t>
-            </a:r>
-            <a:r>
-              <a:rPr lang="de-DE" dirty="0" err="1"/>
-              <a:t>Mockups</a:t>
-            </a:r>
-            <a:endParaRPr lang="de-DE" dirty="0"/>
+              <a:t>II. Umsetzung</a:t>
+            </a:r>
           </a:p>
         </p:txBody>
       </p:sp>
@@ -5807,49 +7074,106 @@
           <a:bodyPr/>
           <a:lstStyle/>
           <a:p>
-            <a:endParaRPr lang="de-DE" dirty="0"/>
-          </a:p>
-          <a:p>
-            <a:r>
-              <a:rPr lang="de-DE" dirty="0"/>
-              <a:t>Tool: </a:t>
-            </a:r>
-            <a:r>
-              <a:rPr lang="de-DE" dirty="0" err="1"/>
-              <a:t>Ninjamock</a:t>
-            </a:r>
+            <a:pPr marL="788670" lvl="1" indent="-514350">
+              <a:buFont typeface="+mj-lt"/>
+              <a:buAutoNum type="arabicPeriod"/>
+            </a:pPr>
+            <a:endParaRPr lang="en-US" dirty="0" smtClean="0"/>
+          </a:p>
+          <a:p>
+            <a:pPr marL="788670" lvl="1" indent="-514350">
+              <a:buFont typeface="+mj-lt"/>
+              <a:buAutoNum type="arabicPeriod"/>
+            </a:pPr>
+            <a:endParaRPr lang="en-US" dirty="0" smtClean="0"/>
+          </a:p>
+          <a:p>
+            <a:pPr marL="788670" lvl="1" indent="-514350">
+              <a:buFont typeface="+mj-lt"/>
+              <a:buAutoNum type="arabicPeriod"/>
+            </a:pPr>
+            <a:endParaRPr lang="en-US" dirty="0" smtClean="0"/>
+          </a:p>
+          <a:p>
+            <a:pPr marL="788670" lvl="1" indent="-514350">
+              <a:buFont typeface="+mj-lt"/>
+              <a:buAutoNum type="arabicPeriod"/>
+            </a:pPr>
+            <a:endParaRPr lang="en-US" dirty="0" smtClean="0"/>
+          </a:p>
+          <a:p>
+            <a:pPr marL="788670" lvl="1" indent="-514350">
+              <a:buFont typeface="+mj-lt"/>
+              <a:buAutoNum type="arabicPeriod"/>
+            </a:pPr>
+            <a:r>
+              <a:rPr lang="en-US" dirty="0" err="1" smtClean="0"/>
+              <a:t>Aufgabenstellung</a:t>
+            </a:r>
+            <a:endParaRPr lang="en-US" dirty="0" smtClean="0"/>
+          </a:p>
+          <a:p>
+            <a:pPr marL="788670" lvl="1" indent="-514350">
+              <a:buFont typeface="+mj-lt"/>
+              <a:buAutoNum type="arabicPeriod"/>
+            </a:pPr>
+            <a:r>
+              <a:rPr lang="en-US" dirty="0" err="1" smtClean="0"/>
+              <a:t>Konzeption</a:t>
+            </a:r>
+            <a:endParaRPr lang="en-US" dirty="0" smtClean="0"/>
+          </a:p>
+          <a:p>
+            <a:pPr marL="788670" lvl="1" indent="-514350">
+              <a:buFont typeface="+mj-lt"/>
+              <a:buAutoNum type="arabicPeriod"/>
+            </a:pPr>
+            <a:r>
+              <a:rPr lang="en-US" dirty="0" err="1" smtClean="0"/>
+              <a:t>Realisierung</a:t>
+            </a:r>
+            <a:endParaRPr lang="en-US" dirty="0" smtClean="0"/>
+          </a:p>
+          <a:p>
             <a:endParaRPr lang="de-DE" dirty="0"/>
           </a:p>
         </p:txBody>
       </p:sp>
       <p:pic>
         <p:nvPicPr>
-          <p:cNvPr id="5" name="Grafik 4"/>
+          <p:cNvPr id="13314" name="Picture 2" descr="http://developer.telerik.com/wp-content/uploads/2015/12/DotNETSourceMeme.jpg"/>
           <p:cNvPicPr>
-            <a:picLocks noChangeAspect="1"/>
+            <a:picLocks noChangeAspect="1" noChangeArrowheads="1"/>
           </p:cNvPicPr>
           <p:nvPr/>
         </p:nvPicPr>
         <p:blipFill>
-          <a:blip r:embed="rId3"/>
+          <a:blip r:embed="rId2" cstate="print"/>
+          <a:srcRect/>
           <a:stretch>
             <a:fillRect/>
           </a:stretch>
         </p:blipFill>
-        <p:spPr>
+        <p:spPr bwMode="auto">
           <a:xfrm>
-            <a:off x="7412722" y="238991"/>
-            <a:ext cx="3426503" cy="6253162"/>
+            <a:off x="6315743" y="2156209"/>
+            <a:ext cx="3581400" cy="2895601"/>
           </a:xfrm>
           <a:prstGeom prst="rect">
             <a:avLst/>
           </a:prstGeom>
+          <a:noFill/>
+          <a:ln>
+            <a:solidFill>
+              <a:schemeClr val="tx1"/>
+            </a:solidFill>
+          </a:ln>
         </p:spPr>
       </p:pic>
     </p:spTree>
     <p:extLst>
       <p:ext uri="{BB962C8B-B14F-4D97-AF65-F5344CB8AC3E}">
-        <p14:creationId xmlns:p14="http://schemas.microsoft.com/office/powerpoint/2010/main" val="1556886400"/>
+        <p14:creationId xmlns:p14="http://schemas.microsoft.com/office/powerpoint/2010/main" xmlns="" val="1069150620"/>
       </p:ext>
     </p:extLst>
   </p:cSld>
@@ -5893,167 +7217,225 @@
           <a:p>
             <a:r>
               <a:rPr lang="de-DE" dirty="0"/>
-              <a:t>Konzeption: </a:t>
+              <a:t>Aufgabenstellung</a:t>
+            </a:r>
+          </a:p>
+        </p:txBody>
+      </p:sp>
+      <p:sp>
+        <p:nvSpPr>
+          <p:cNvPr id="3" name="Inhaltsplatzhalter 2"/>
+          <p:cNvSpPr>
+            <a:spLocks noGrp="1"/>
+          </p:cNvSpPr>
+          <p:nvPr>
+            <p:ph idx="1"/>
+          </p:nvPr>
+        </p:nvSpPr>
+        <p:spPr/>
+        <p:txBody>
+          <a:bodyPr/>
+          <a:lstStyle/>
+          <a:p>
+            <a:pPr marL="45720" indent="0">
+              <a:buNone/>
+            </a:pPr>
+            <a:r>
+              <a:rPr lang="de-DE" dirty="0"/>
+              <a:t>Thema: ‚Ein teamorientiertes </a:t>
             </a:r>
             <a:r>
               <a:rPr lang="de-DE" dirty="0" err="1"/>
-              <a:t>Mockups</a:t>
-            </a:r>
+              <a:t>KanBan</a:t>
+            </a:r>
+            <a:r>
+              <a:rPr lang="de-DE" dirty="0"/>
+              <a:t> „System“ soll konzipiert und erstellt werden‘</a:t>
+            </a:r>
+          </a:p>
+          <a:p>
+            <a:pPr marL="45720" indent="0">
+              <a:buNone/>
+            </a:pPr>
+            <a:r>
+              <a:rPr lang="de-DE" dirty="0"/>
+              <a:t>Technologien: </a:t>
+            </a:r>
+          </a:p>
+          <a:p>
+            <a:pPr marL="45720" indent="0">
+              <a:buNone/>
+            </a:pPr>
             <a:endParaRPr lang="de-DE" dirty="0"/>
+          </a:p>
+          <a:p>
+            <a:pPr lvl="2"/>
+            <a:r>
+              <a:rPr lang="de-DE" sz="2000" dirty="0"/>
+              <a:t>Frontend: Universal Windows </a:t>
+            </a:r>
+            <a:r>
+              <a:rPr lang="de-DE" sz="2000" dirty="0" err="1"/>
+              <a:t>Platform</a:t>
+            </a:r>
+            <a:endParaRPr lang="de-DE" sz="2000" dirty="0"/>
+          </a:p>
+          <a:p>
+            <a:pPr lvl="2"/>
+            <a:r>
+              <a:rPr lang="de-DE" sz="2000" dirty="0"/>
+              <a:t>Backend: .NET </a:t>
+            </a:r>
+            <a:r>
+              <a:rPr lang="de-DE" sz="2000" dirty="0" smtClean="0"/>
+              <a:t>Core</a:t>
+            </a:r>
+          </a:p>
+          <a:p>
+            <a:pPr lvl="2"/>
+            <a:r>
+              <a:rPr lang="de-DE" sz="2000" dirty="0" err="1" smtClean="0"/>
+              <a:t>Persistenzschicht</a:t>
+            </a:r>
+            <a:r>
+              <a:rPr lang="de-DE" sz="2000" dirty="0" smtClean="0"/>
+              <a:t>: </a:t>
+            </a:r>
+            <a:r>
+              <a:rPr lang="de-DE" sz="2000" dirty="0" err="1" smtClean="0"/>
+              <a:t>SQLite</a:t>
+            </a:r>
+            <a:endParaRPr lang="de-DE" sz="2000" dirty="0"/>
           </a:p>
         </p:txBody>
       </p:sp>
       <p:pic>
         <p:nvPicPr>
-          <p:cNvPr id="4" name="Grafik 3"/>
+          <p:cNvPr id="3076" name="Picture 4" descr="http://cdn1.tnwcdn.com/wp-content/blogs.dir/1/files/2016/03/UWP-Small-Windows-10.jpg"/>
           <p:cNvPicPr>
-            <a:picLocks noChangeAspect="1"/>
+            <a:picLocks noChangeAspect="1" noChangeArrowheads="1"/>
           </p:cNvPicPr>
           <p:nvPr/>
         </p:nvPicPr>
         <p:blipFill>
-          <a:blip r:embed="rId2"/>
+          <a:blip r:embed="rId3" cstate="print">
+            <a:extLst>
+              <a:ext uri="{28A0092B-C50C-407E-A947-70E740481C1C}">
+                <a14:useLocalDpi xmlns:a14="http://schemas.microsoft.com/office/drawing/2010/main" xmlns="" val="0"/>
+              </a:ext>
+            </a:extLst>
+          </a:blip>
+          <a:srcRect/>
           <a:stretch>
             <a:fillRect/>
           </a:stretch>
         </p:blipFill>
-        <p:spPr>
+        <p:spPr bwMode="auto">
           <a:xfrm>
-            <a:off x="601807" y="1628775"/>
-            <a:ext cx="3028950" cy="4895850"/>
-          </a:xfrm>
-          <a:prstGeom prst="rect">
-            <a:avLst/>
-          </a:prstGeom>
-        </p:spPr>
-      </p:pic>
-      <p:pic>
-        <p:nvPicPr>
-          <p:cNvPr id="5" name="Grafik 4"/>
-          <p:cNvPicPr>
-            <a:picLocks noChangeAspect="1"/>
-          </p:cNvPicPr>
-          <p:nvPr/>
-        </p:nvPicPr>
-        <p:blipFill>
-          <a:blip r:embed="rId3"/>
-          <a:stretch>
-            <a:fillRect/>
-          </a:stretch>
-        </p:blipFill>
-        <p:spPr>
-          <a:xfrm>
-            <a:off x="8824912" y="1514475"/>
-            <a:ext cx="3000375" cy="5010150"/>
-          </a:xfrm>
-          <a:prstGeom prst="rect">
-            <a:avLst/>
-          </a:prstGeom>
-        </p:spPr>
-      </p:pic>
-      <p:sp>
-        <p:nvSpPr>
-          <p:cNvPr id="6" name="Textfeld 5"/>
-          <p:cNvSpPr txBox="1"/>
-          <p:nvPr/>
-        </p:nvSpPr>
-        <p:spPr>
-          <a:xfrm>
-            <a:off x="3958936" y="1965960"/>
-            <a:ext cx="2171700" cy="369332"/>
+            <a:off x="696784" y="4706754"/>
+            <a:ext cx="3680233" cy="1424968"/>
           </a:xfrm>
           <a:prstGeom prst="rect">
             <a:avLst/>
           </a:prstGeom>
           <a:noFill/>
+          <a:ln>
+            <a:solidFill>
+              <a:schemeClr val="tx1"/>
+            </a:solidFill>
+          </a:ln>
+          <a:extLst>
+            <a:ext uri="{909E8E84-426E-40DD-AFC4-6F175D3DCCD1}">
+              <a14:hiddenFill xmlns:a14="http://schemas.microsoft.com/office/drawing/2010/main" xmlns="">
+                <a:solidFill>
+                  <a:srgbClr val="FFFFFF"/>
+                </a:solidFill>
+              </a14:hiddenFill>
+            </a:ext>
+          </a:extLst>
         </p:spPr>
-        <p:txBody>
-          <a:bodyPr wrap="square" rtlCol="0">
-            <a:spAutoFit/>
-          </a:bodyPr>
-          <a:lstStyle/>
-          <a:p>
-            <a:r>
-              <a:rPr lang="de-DE" dirty="0" err="1"/>
-              <a:t>Boardansicht</a:t>
-            </a:r>
-            <a:endParaRPr lang="de-DE" dirty="0"/>
-          </a:p>
-        </p:txBody>
-      </p:sp>
-      <p:sp>
-        <p:nvSpPr>
-          <p:cNvPr id="7" name="Textfeld 6"/>
-          <p:cNvSpPr txBox="1"/>
+      </p:pic>
+      <p:pic>
+        <p:nvPicPr>
+          <p:cNvPr id="3082" name="Picture 10" descr="http://codeopinion.com/wp-content/uploads/2016/02/aspnetcore.png"/>
+          <p:cNvPicPr>
+            <a:picLocks noChangeAspect="1" noChangeArrowheads="1"/>
+          </p:cNvPicPr>
           <p:nvPr/>
-        </p:nvSpPr>
-        <p:spPr>
+        </p:nvPicPr>
+        <p:blipFill>
+          <a:blip r:embed="rId4" cstate="print">
+            <a:extLst>
+              <a:ext uri="{28A0092B-C50C-407E-A947-70E740481C1C}">
+                <a14:useLocalDpi xmlns:a14="http://schemas.microsoft.com/office/drawing/2010/main" xmlns="" val="0"/>
+              </a:ext>
+            </a:extLst>
+          </a:blip>
+          <a:srcRect/>
+          <a:stretch>
+            <a:fillRect/>
+          </a:stretch>
+        </p:blipFill>
+        <p:spPr bwMode="auto">
           <a:xfrm>
-            <a:off x="7155006" y="1968038"/>
-            <a:ext cx="2171700" cy="369332"/>
+            <a:off x="5163143" y="4706754"/>
+            <a:ext cx="2010999" cy="1461326"/>
           </a:xfrm>
           <a:prstGeom prst="rect">
             <a:avLst/>
           </a:prstGeom>
           <a:noFill/>
+          <a:ln>
+            <a:solidFill>
+              <a:schemeClr val="tx1"/>
+            </a:solidFill>
+          </a:ln>
+          <a:extLst>
+            <a:ext uri="{909E8E84-426E-40DD-AFC4-6F175D3DCCD1}">
+              <a14:hiddenFill xmlns:a14="http://schemas.microsoft.com/office/drawing/2010/main" xmlns="">
+                <a:solidFill>
+                  <a:srgbClr val="FFFFFF"/>
+                </a:solidFill>
+              </a14:hiddenFill>
+            </a:ext>
+          </a:extLst>
         </p:spPr>
-        <p:txBody>
-          <a:bodyPr wrap="square" rtlCol="0">
-            <a:spAutoFit/>
-          </a:bodyPr>
-          <a:lstStyle/>
-          <a:p>
-            <a:r>
-              <a:rPr lang="de-DE" dirty="0"/>
-              <a:t>Notizansicht</a:t>
-            </a:r>
-          </a:p>
-        </p:txBody>
-      </p:sp>
-      <p:sp>
-        <p:nvSpPr>
-          <p:cNvPr id="8" name="Eingekerbter Pfeil nach rechts 7"/>
-          <p:cNvSpPr/>
+      </p:pic>
+      <p:pic>
+        <p:nvPicPr>
+          <p:cNvPr id="12290" name="Picture 2" descr="https://upload.wikimedia.org/wikipedia/commons/thumb/3/38/SQLite370.svg/1280px-SQLite370.svg.png"/>
+          <p:cNvPicPr>
+            <a:picLocks noChangeAspect="1" noChangeArrowheads="1"/>
+          </p:cNvPicPr>
           <p:nvPr/>
-        </p:nvSpPr>
-        <p:spPr>
+        </p:nvPicPr>
+        <p:blipFill>
+          <a:blip r:embed="rId5" cstate="print"/>
+          <a:srcRect/>
+          <a:stretch>
+            <a:fillRect/>
+          </a:stretch>
+        </p:blipFill>
+        <p:spPr bwMode="auto">
           <a:xfrm>
-            <a:off x="4471770" y="3532908"/>
-            <a:ext cx="3512128" cy="789709"/>
+            <a:off x="8157350" y="4697130"/>
+            <a:ext cx="3141072" cy="1487102"/>
           </a:xfrm>
-          <a:prstGeom prst="notchedRightArrow">
+          <a:prstGeom prst="rect">
             <a:avLst/>
           </a:prstGeom>
+          <a:noFill/>
+          <a:ln>
+            <a:solidFill>
+              <a:schemeClr val="tx1"/>
+            </a:solidFill>
+          </a:ln>
         </p:spPr>
-        <p:style>
-          <a:lnRef idx="2">
-            <a:schemeClr val="accent1">
-              <a:shade val="50000"/>
-            </a:schemeClr>
-          </a:lnRef>
-          <a:fillRef idx="1">
-            <a:schemeClr val="accent1"/>
-          </a:fillRef>
-          <a:effectRef idx="0">
-            <a:schemeClr val="accent1"/>
-          </a:effectRef>
-          <a:fontRef idx="minor">
-            <a:schemeClr val="lt1"/>
-          </a:fontRef>
-        </p:style>
-        <p:txBody>
-          <a:bodyPr rtlCol="0" anchor="ctr"/>
-          <a:lstStyle/>
-          <a:p>
-            <a:pPr algn="ctr"/>
-            <a:endParaRPr lang="de-DE"/>
-          </a:p>
-        </p:txBody>
-      </p:sp>
+      </p:pic>
     </p:spTree>
     <p:extLst>
       <p:ext uri="{BB962C8B-B14F-4D97-AF65-F5344CB8AC3E}">
-        <p14:creationId xmlns:p14="http://schemas.microsoft.com/office/powerpoint/2010/main" val="3941722786"/>
+        <p14:creationId xmlns:p14="http://schemas.microsoft.com/office/powerpoint/2010/main" xmlns="" val="1750012079"/>
       </p:ext>
     </p:extLst>
   </p:cSld>
@@ -6123,38 +7505,39 @@
               <a:buAutoNum type="romanUcPeriod"/>
             </a:pPr>
             <a:r>
-              <a:rPr lang="en-US" dirty="0"/>
+              <a:rPr lang="en-US" dirty="0" smtClean="0"/>
               <a:t>Management</a:t>
             </a:r>
+            <a:endParaRPr lang="en-US" dirty="0"/>
           </a:p>
           <a:p>
             <a:pPr marL="731520" lvl="1" indent="-457200">
               <a:buAutoNum type="arabicPeriod"/>
             </a:pPr>
             <a:r>
-              <a:rPr lang="en-US" dirty="0" err="1"/>
+              <a:rPr lang="en-US" dirty="0" err="1" smtClean="0"/>
               <a:t>Projektthema</a:t>
             </a:r>
-            <a:endParaRPr lang="en-US" dirty="0"/>
+            <a:endParaRPr lang="en-US" dirty="0" smtClean="0"/>
           </a:p>
           <a:p>
             <a:pPr marL="731520" lvl="1" indent="-457200">
               <a:buAutoNum type="arabicPeriod"/>
             </a:pPr>
             <a:r>
-              <a:rPr lang="en-US" dirty="0" err="1"/>
+              <a:rPr lang="en-US" dirty="0" err="1" smtClean="0"/>
               <a:t>Arbeitsweise</a:t>
             </a:r>
             <a:r>
-              <a:rPr lang="en-US" dirty="0"/>
+              <a:rPr lang="en-US" dirty="0" smtClean="0"/>
               <a:t> </a:t>
             </a:r>
             <a:r>
-              <a:rPr lang="en-US" dirty="0" err="1"/>
+              <a:rPr lang="en-US" dirty="0" err="1" smtClean="0"/>
               <a:t>im</a:t>
             </a:r>
             <a:r>
-              <a:rPr lang="en-US" dirty="0"/>
+              <a:rPr lang="en-US" dirty="0" smtClean="0"/>
               <a:t> Team</a:t>
             </a:r>
           </a:p>
@@ -6163,35 +7546,35 @@
               <a:buAutoNum type="arabicPeriod"/>
             </a:pPr>
             <a:r>
-              <a:rPr lang="en-US" dirty="0" err="1"/>
+              <a:rPr lang="en-US" dirty="0" err="1" smtClean="0"/>
               <a:t>Projektstrukturplan</a:t>
             </a:r>
-            <a:endParaRPr lang="en-US" dirty="0"/>
+            <a:endParaRPr lang="en-US" dirty="0" smtClean="0"/>
           </a:p>
           <a:p>
             <a:pPr marL="731520" lvl="1" indent="-457200">
               <a:buAutoNum type="arabicPeriod"/>
             </a:pPr>
             <a:r>
-              <a:rPr lang="en-US" dirty="0" err="1"/>
+              <a:rPr lang="en-US" dirty="0" err="1" smtClean="0"/>
               <a:t>Beispiel-Arbeitspaket</a:t>
             </a:r>
-            <a:endParaRPr lang="en-US" dirty="0"/>
+            <a:endParaRPr lang="en-US" dirty="0" smtClean="0"/>
           </a:p>
           <a:p>
             <a:pPr marL="731520" lvl="1" indent="-457200">
               <a:buAutoNum type="arabicPeriod"/>
             </a:pPr>
             <a:r>
-              <a:rPr lang="en-US" dirty="0"/>
+              <a:rPr lang="en-US" dirty="0" smtClean="0"/>
               <a:t>Gantt-</a:t>
             </a:r>
             <a:r>
-              <a:rPr lang="en-US" dirty="0" err="1"/>
+              <a:rPr lang="en-US" dirty="0" err="1" smtClean="0"/>
               <a:t>Diagramm</a:t>
             </a:r>
             <a:r>
-              <a:rPr lang="en-US" dirty="0"/>
+              <a:rPr lang="en-US" dirty="0" smtClean="0"/>
               <a:t> &amp; MS-Project</a:t>
             </a:r>
           </a:p>
@@ -6218,10 +7601,10 @@
               <a:buAutoNum type="arabicPeriod"/>
             </a:pPr>
             <a:r>
-              <a:rPr lang="en-US" dirty="0" err="1"/>
+              <a:rPr lang="en-US" dirty="0" err="1" smtClean="0"/>
               <a:t>Aufgabenstellung</a:t>
             </a:r>
-            <a:endParaRPr lang="en-US" dirty="0"/>
+            <a:endParaRPr lang="en-US" dirty="0" smtClean="0"/>
           </a:p>
           <a:p>
             <a:pPr marL="788670" lvl="1" indent="-514350">
@@ -6229,10 +7612,10 @@
               <a:buAutoNum type="arabicPeriod"/>
             </a:pPr>
             <a:r>
-              <a:rPr lang="en-US" dirty="0" err="1"/>
+              <a:rPr lang="en-US" dirty="0" err="1" smtClean="0"/>
               <a:t>Konzeption</a:t>
             </a:r>
-            <a:endParaRPr lang="en-US" dirty="0"/>
+            <a:endParaRPr lang="en-US" dirty="0" smtClean="0"/>
           </a:p>
           <a:p>
             <a:pPr marL="788670" lvl="1" indent="-514350">
@@ -6240,10 +7623,10 @@
               <a:buAutoNum type="arabicPeriod"/>
             </a:pPr>
             <a:r>
-              <a:rPr lang="en-US" dirty="0" err="1"/>
+              <a:rPr lang="en-US" dirty="0" err="1" smtClean="0"/>
               <a:t>Realisierung</a:t>
             </a:r>
-            <a:endParaRPr lang="en-US" dirty="0"/>
+            <a:endParaRPr lang="en-US" dirty="0" smtClean="0"/>
           </a:p>
           <a:p>
             <a:pPr marL="502920" indent="-457200">
@@ -6262,10 +7645,10 @@
           <p:nvPr/>
         </p:nvPicPr>
         <p:blipFill>
-          <a:blip r:embed="rId2">
+          <a:blip r:embed="rId2" cstate="print">
             <a:extLst>
               <a:ext uri="{28A0092B-C50C-407E-A947-70E740481C1C}">
-                <a14:useLocalDpi xmlns:a14="http://schemas.microsoft.com/office/drawing/2010/main" val="0"/>
+                <a14:useLocalDpi xmlns:a14="http://schemas.microsoft.com/office/drawing/2010/main" xmlns="" val="0"/>
               </a:ext>
             </a:extLst>
           </a:blip>
@@ -6285,7 +7668,7 @@
           <a:noFill/>
           <a:extLst>
             <a:ext uri="{909E8E84-426E-40DD-AFC4-6F175D3DCCD1}">
-              <a14:hiddenFill xmlns:a14="http://schemas.microsoft.com/office/drawing/2010/main">
+              <a14:hiddenFill xmlns:a14="http://schemas.microsoft.com/office/drawing/2010/main" xmlns="">
                 <a:solidFill>
                   <a:srgbClr val="FFFFFF"/>
                 </a:solidFill>
@@ -6297,7 +7680,7 @@
     </p:spTree>
     <p:extLst>
       <p:ext uri="{BB962C8B-B14F-4D97-AF65-F5344CB8AC3E}">
-        <p14:creationId xmlns:p14="http://schemas.microsoft.com/office/powerpoint/2010/main" val="735082833"/>
+        <p14:creationId xmlns:p14="http://schemas.microsoft.com/office/powerpoint/2010/main" xmlns="" val="735082833"/>
       </p:ext>
     </p:extLst>
   </p:cSld>
@@ -6340,9 +7723,10 @@
           <a:lstStyle/>
           <a:p>
             <a:r>
-              <a:rPr lang="de-DE" dirty="0"/>
-              <a:t>Projektdefinition</a:t>
-            </a:r>
+              <a:rPr lang="de-DE" dirty="0" smtClean="0"/>
+              <a:t>.NET Core</a:t>
+            </a:r>
+            <a:endParaRPr lang="de-DE" dirty="0"/>
           </a:p>
         </p:txBody>
       </p:sp>
@@ -6361,77 +7745,43 @@
           <a:bodyPr/>
           <a:lstStyle/>
           <a:p>
-            <a:endParaRPr lang="de-DE" dirty="0"/>
-          </a:p>
-          <a:p>
-            <a:pPr marL="45720" indent="0">
-              <a:buNone/>
-            </a:pPr>
-            <a:r>
-              <a:rPr lang="de-DE" dirty="0" err="1"/>
-              <a:t>Scope</a:t>
-            </a:r>
-            <a:r>
-              <a:rPr lang="de-DE" dirty="0"/>
-              <a:t>: Einfache Anwendung um </a:t>
-            </a:r>
-            <a:r>
-              <a:rPr lang="de-DE" dirty="0" err="1"/>
-              <a:t>KanBan</a:t>
-            </a:r>
-            <a:r>
-              <a:rPr lang="de-DE" dirty="0"/>
-              <a:t>-Board zu verwenden</a:t>
-            </a:r>
-          </a:p>
-          <a:p>
-            <a:pPr marL="45720" indent="0">
-              <a:buNone/>
-            </a:pPr>
-            <a:endParaRPr lang="de-DE" dirty="0"/>
-          </a:p>
-          <a:p>
-            <a:pPr marL="45720" indent="0">
-              <a:buNone/>
-            </a:pPr>
-            <a:endParaRPr lang="de-DE" dirty="0"/>
-          </a:p>
-          <a:p>
-            <a:pPr marL="45720" indent="0">
-              <a:buNone/>
-            </a:pPr>
-            <a:r>
-              <a:rPr lang="de-DE" dirty="0"/>
-              <a:t>Kernfeatures:</a:t>
-            </a:r>
-          </a:p>
-          <a:p>
-            <a:pPr lvl="1"/>
-            <a:r>
-              <a:rPr lang="de-DE" dirty="0"/>
-              <a:t>Boards erstellen</a:t>
-            </a:r>
-          </a:p>
-          <a:p>
-            <a:pPr lvl="1"/>
-            <a:r>
-              <a:rPr lang="de-DE" dirty="0"/>
-              <a:t>Notes erstellen</a:t>
-            </a:r>
-          </a:p>
-          <a:p>
-            <a:pPr lvl="1"/>
-            <a:r>
-              <a:rPr lang="de-DE" dirty="0"/>
-              <a:t>Nutzer einladen</a:t>
-            </a:r>
-          </a:p>
-        </p:txBody>
-      </p:sp>
+            <a:endParaRPr lang="de-DE"/>
+          </a:p>
+        </p:txBody>
+      </p:sp>
+      <p:pic>
+        <p:nvPicPr>
+          <p:cNvPr id="4" name="Grafik 3"/>
+          <p:cNvPicPr>
+            <a:picLocks noChangeAspect="1"/>
+          </p:cNvPicPr>
+          <p:nvPr/>
+        </p:nvPicPr>
+        <p:blipFill>
+          <a:blip r:embed="rId3" cstate="print"/>
+          <a:stretch>
+            <a:fillRect/>
+          </a:stretch>
+        </p:blipFill>
+        <p:spPr>
+          <a:xfrm>
+            <a:off x="744136" y="1810338"/>
+            <a:ext cx="10670598" cy="4532724"/>
+          </a:xfrm>
+          <a:prstGeom prst="rect">
+            <a:avLst/>
+          </a:prstGeom>
+          <a:ln>
+            <a:solidFill>
+              <a:schemeClr val="tx1"/>
+            </a:solidFill>
+          </a:ln>
+        </p:spPr>
+      </p:pic>
     </p:spTree>
     <p:extLst>
       <p:ext uri="{BB962C8B-B14F-4D97-AF65-F5344CB8AC3E}">
-        <p14:creationId xmlns:p14="http://schemas.microsoft.com/office/powerpoint/2010/main" val="2107344923"/>
+        <p14:creationId xmlns:p14="http://schemas.microsoft.com/office/powerpoint/2010/main" xmlns="" val="1345858624"/>
       </p:ext>
     </p:extLst>
   </p:cSld>
@@ -6475,113 +7825,87 @@
           <a:p>
             <a:r>
               <a:rPr lang="de-DE" dirty="0"/>
-              <a:t>Programmablauf</a:t>
-            </a:r>
+              <a:t>Konzeption: </a:t>
+            </a:r>
+            <a:r>
+              <a:rPr lang="de-DE" dirty="0" err="1"/>
+              <a:t>Mockups</a:t>
+            </a:r>
+            <a:endParaRPr lang="de-DE" dirty="0"/>
+          </a:p>
+        </p:txBody>
+      </p:sp>
+      <p:sp>
+        <p:nvSpPr>
+          <p:cNvPr id="3" name="Inhaltsplatzhalter 2"/>
+          <p:cNvSpPr>
+            <a:spLocks noGrp="1"/>
+          </p:cNvSpPr>
+          <p:nvPr>
+            <p:ph idx="1"/>
+          </p:nvPr>
+        </p:nvSpPr>
+        <p:spPr/>
+        <p:txBody>
+          <a:bodyPr/>
+          <a:lstStyle/>
+          <a:p>
+            <a:endParaRPr lang="de-DE" dirty="0" smtClean="0"/>
+          </a:p>
+          <a:p>
+            <a:endParaRPr lang="de-DE" dirty="0" smtClean="0"/>
+          </a:p>
+          <a:p>
+            <a:endParaRPr lang="de-DE" dirty="0" smtClean="0"/>
+          </a:p>
+          <a:p>
+            <a:r>
+              <a:rPr lang="de-DE" dirty="0" smtClean="0"/>
+              <a:t>Stift und Papier</a:t>
+            </a:r>
+            <a:endParaRPr lang="de-DE" dirty="0"/>
+          </a:p>
+          <a:p>
+            <a:r>
+              <a:rPr lang="de-DE" dirty="0"/>
+              <a:t>Tool: </a:t>
+            </a:r>
+            <a:r>
+              <a:rPr lang="de-DE" dirty="0" err="1"/>
+              <a:t>Ninjamock</a:t>
+            </a:r>
+            <a:endParaRPr lang="de-DE" dirty="0"/>
           </a:p>
         </p:txBody>
       </p:sp>
       <p:pic>
         <p:nvPicPr>
-          <p:cNvPr id="4098" name="Picture 2" descr="Note erstellen"/>
+          <p:cNvPr id="5" name="Grafik 4"/>
           <p:cNvPicPr>
-            <a:picLocks noChangeAspect="1" noChangeArrowheads="1"/>
+            <a:picLocks noChangeAspect="1"/>
           </p:cNvPicPr>
           <p:nvPr/>
         </p:nvPicPr>
         <p:blipFill>
-          <a:blip r:embed="rId3">
-            <a:extLst>
-              <a:ext uri="{28A0092B-C50C-407E-A947-70E740481C1C}">
-                <a14:useLocalDpi xmlns:a14="http://schemas.microsoft.com/office/drawing/2010/main" val="0"/>
-              </a:ext>
-            </a:extLst>
-          </a:blip>
-          <a:srcRect/>
+          <a:blip r:embed="rId3" cstate="print"/>
           <a:stretch>
             <a:fillRect/>
           </a:stretch>
         </p:blipFill>
-        <p:spPr bwMode="auto">
+        <p:spPr>
           <a:xfrm>
-            <a:off x="2871099" y="1965960"/>
-            <a:ext cx="3343272" cy="4364903"/>
+            <a:off x="7412722" y="238991"/>
+            <a:ext cx="3426503" cy="6253162"/>
           </a:xfrm>
           <a:prstGeom prst="rect">
             <a:avLst/>
           </a:prstGeom>
-          <a:noFill/>
-          <a:ln w="9525">
-            <a:solidFill>
-              <a:srgbClr val="000000"/>
-            </a:solidFill>
-            <a:miter lim="800000"/>
-            <a:headEnd/>
-            <a:tailEnd/>
-          </a:ln>
-          <a:extLst>
-            <a:ext uri="{909E8E84-426E-40DD-AFC4-6F175D3DCCD1}">
-              <a14:hiddenFill xmlns:a14="http://schemas.microsoft.com/office/drawing/2010/main">
-                <a:solidFill>
-                  <a:srgbClr val="FFFFFF"/>
-                </a:solidFill>
-              </a14:hiddenFill>
-            </a:ext>
-          </a:extLst>
-        </p:spPr>
-      </p:pic>
-      <p:pic>
-        <p:nvPicPr>
-          <p:cNvPr id="4099" name="Picture 3" descr="Person zu Board einladen"/>
-          <p:cNvPicPr>
-            <a:picLocks noChangeAspect="1" noChangeArrowheads="1"/>
-          </p:cNvPicPr>
-          <p:nvPr/>
-        </p:nvPicPr>
-        <p:blipFill>
-          <a:blip r:embed="rId4">
-            <a:extLst>
-              <a:ext uri="{28A0092B-C50C-407E-A947-70E740481C1C}">
-                <a14:useLocalDpi xmlns:a14="http://schemas.microsoft.com/office/drawing/2010/main" val="0"/>
-              </a:ext>
-            </a:extLst>
-          </a:blip>
-          <a:srcRect/>
-          <a:stretch>
-            <a:fillRect/>
-          </a:stretch>
-        </p:blipFill>
-        <p:spPr bwMode="auto">
-          <a:xfrm>
-            <a:off x="8364682" y="609600"/>
-            <a:ext cx="3269961" cy="5811522"/>
-          </a:xfrm>
-          <a:prstGeom prst="rect">
-            <a:avLst/>
-          </a:prstGeom>
-          <a:noFill/>
-          <a:ln w="9525">
-            <a:solidFill>
-              <a:srgbClr val="000000"/>
-            </a:solidFill>
-            <a:miter lim="800000"/>
-            <a:headEnd/>
-            <a:tailEnd/>
-          </a:ln>
-          <a:extLst>
-            <a:ext uri="{909E8E84-426E-40DD-AFC4-6F175D3DCCD1}">
-              <a14:hiddenFill xmlns:a14="http://schemas.microsoft.com/office/drawing/2010/main">
-                <a:solidFill>
-                  <a:srgbClr val="FFFFFF"/>
-                </a:solidFill>
-              </a14:hiddenFill>
-            </a:ext>
-          </a:extLst>
         </p:spPr>
       </p:pic>
     </p:spTree>
     <p:extLst>
       <p:ext uri="{BB962C8B-B14F-4D97-AF65-F5344CB8AC3E}">
-        <p14:creationId xmlns:p14="http://schemas.microsoft.com/office/powerpoint/2010/main" val="2902332026"/>
+        <p14:creationId xmlns:p14="http://schemas.microsoft.com/office/powerpoint/2010/main" xmlns="" val="1556886400"/>
       </p:ext>
     </p:extLst>
   </p:cSld>
@@ -6625,26 +7949,159 @@
           <a:p>
             <a:r>
               <a:rPr lang="de-DE" dirty="0"/>
-              <a:t>Realisierung</a:t>
-            </a:r>
-          </a:p>
-        </p:txBody>
-      </p:sp>
-      <p:sp>
-        <p:nvSpPr>
-          <p:cNvPr id="3" name="Inhaltsplatzhalter 2"/>
-          <p:cNvSpPr>
-            <a:spLocks noGrp="1"/>
-          </p:cNvSpPr>
-          <p:nvPr>
-            <p:ph idx="1"/>
-          </p:nvPr>
-        </p:nvSpPr>
-        <p:spPr/>
-        <p:txBody>
-          <a:bodyPr/>
-          <a:lstStyle/>
-          <a:p>
+              <a:t>Konzeption: </a:t>
+            </a:r>
+            <a:r>
+              <a:rPr lang="de-DE" dirty="0" err="1"/>
+              <a:t>Mockups</a:t>
+            </a:r>
+            <a:endParaRPr lang="de-DE" dirty="0"/>
+          </a:p>
+        </p:txBody>
+      </p:sp>
+      <p:pic>
+        <p:nvPicPr>
+          <p:cNvPr id="4" name="Grafik 3"/>
+          <p:cNvPicPr>
+            <a:picLocks noChangeAspect="1"/>
+          </p:cNvPicPr>
+          <p:nvPr/>
+        </p:nvPicPr>
+        <p:blipFill>
+          <a:blip r:embed="rId2" cstate="print"/>
+          <a:stretch>
+            <a:fillRect/>
+          </a:stretch>
+        </p:blipFill>
+        <p:spPr>
+          <a:xfrm>
+            <a:off x="601807" y="1628775"/>
+            <a:ext cx="3028950" cy="4895850"/>
+          </a:xfrm>
+          <a:prstGeom prst="rect">
+            <a:avLst/>
+          </a:prstGeom>
+        </p:spPr>
+      </p:pic>
+      <p:pic>
+        <p:nvPicPr>
+          <p:cNvPr id="5" name="Grafik 4"/>
+          <p:cNvPicPr>
+            <a:picLocks noChangeAspect="1"/>
+          </p:cNvPicPr>
+          <p:nvPr/>
+        </p:nvPicPr>
+        <p:blipFill>
+          <a:blip r:embed="rId3" cstate="print"/>
+          <a:stretch>
+            <a:fillRect/>
+          </a:stretch>
+        </p:blipFill>
+        <p:spPr>
+          <a:xfrm>
+            <a:off x="8103017" y="1514475"/>
+            <a:ext cx="3000375" cy="5010150"/>
+          </a:xfrm>
+          <a:prstGeom prst="rect">
+            <a:avLst/>
+          </a:prstGeom>
+        </p:spPr>
+      </p:pic>
+      <p:sp>
+        <p:nvSpPr>
+          <p:cNvPr id="6" name="Textfeld 5"/>
+          <p:cNvSpPr txBox="1"/>
+          <p:nvPr/>
+        </p:nvSpPr>
+        <p:spPr>
+          <a:xfrm>
+            <a:off x="3958936" y="1965960"/>
+            <a:ext cx="2171700" cy="369332"/>
+          </a:xfrm>
+          <a:prstGeom prst="rect">
+            <a:avLst/>
+          </a:prstGeom>
+          <a:noFill/>
+        </p:spPr>
+        <p:txBody>
+          <a:bodyPr wrap="square" rtlCol="0">
+            <a:spAutoFit/>
+          </a:bodyPr>
+          <a:lstStyle/>
+          <a:p>
+            <a:r>
+              <a:rPr lang="de-DE" dirty="0" err="1"/>
+              <a:t>Boardansicht</a:t>
+            </a:r>
+            <a:endParaRPr lang="de-DE" dirty="0"/>
+          </a:p>
+        </p:txBody>
+      </p:sp>
+      <p:sp>
+        <p:nvSpPr>
+          <p:cNvPr id="7" name="Textfeld 6"/>
+          <p:cNvSpPr txBox="1"/>
+          <p:nvPr/>
+        </p:nvSpPr>
+        <p:spPr>
+          <a:xfrm>
+            <a:off x="6510114" y="1968038"/>
+            <a:ext cx="2171700" cy="369332"/>
+          </a:xfrm>
+          <a:prstGeom prst="rect">
+            <a:avLst/>
+          </a:prstGeom>
+          <a:noFill/>
+        </p:spPr>
+        <p:txBody>
+          <a:bodyPr wrap="square" rtlCol="0">
+            <a:spAutoFit/>
+          </a:bodyPr>
+          <a:lstStyle/>
+          <a:p>
+            <a:r>
+              <a:rPr lang="de-DE" dirty="0"/>
+              <a:t>Notizansicht</a:t>
+            </a:r>
+          </a:p>
+        </p:txBody>
+      </p:sp>
+      <p:sp>
+        <p:nvSpPr>
+          <p:cNvPr id="8" name="Eingekerbter Pfeil nach rechts 7"/>
+          <p:cNvSpPr/>
+          <p:nvPr/>
+        </p:nvSpPr>
+        <p:spPr>
+          <a:xfrm>
+            <a:off x="4077134" y="3532908"/>
+            <a:ext cx="3512128" cy="789709"/>
+          </a:xfrm>
+          <a:prstGeom prst="notchedRightArrow">
+            <a:avLst/>
+          </a:prstGeom>
+        </p:spPr>
+        <p:style>
+          <a:lnRef idx="2">
+            <a:schemeClr val="accent1">
+              <a:shade val="50000"/>
+            </a:schemeClr>
+          </a:lnRef>
+          <a:fillRef idx="1">
+            <a:schemeClr val="accent1"/>
+          </a:fillRef>
+          <a:effectRef idx="0">
+            <a:schemeClr val="accent1"/>
+          </a:effectRef>
+          <a:fontRef idx="minor">
+            <a:schemeClr val="lt1"/>
+          </a:fontRef>
+        </p:style>
+        <p:txBody>
+          <a:bodyPr rtlCol="0" anchor="ctr"/>
+          <a:lstStyle/>
+          <a:p>
+            <a:pPr algn="ctr"/>
             <a:endParaRPr lang="de-DE"/>
           </a:p>
         </p:txBody>
@@ -6652,7 +8109,7 @@
     </p:spTree>
     <p:extLst>
       <p:ext uri="{BB962C8B-B14F-4D97-AF65-F5344CB8AC3E}">
-        <p14:creationId xmlns:p14="http://schemas.microsoft.com/office/powerpoint/2010/main" val="2840420625"/>
+        <p14:creationId xmlns:p14="http://schemas.microsoft.com/office/powerpoint/2010/main" xmlns="" val="3941722786"/>
       </p:ext>
     </p:extLst>
   </p:cSld>
@@ -6696,7 +8153,7 @@
           <a:p>
             <a:r>
               <a:rPr lang="de-DE" dirty="0"/>
-              <a:t>Realisierung</a:t>
+              <a:t>Projektdefinition</a:t>
             </a:r>
           </a:p>
         </p:txBody>
@@ -6716,14 +8173,81 @@
           <a:bodyPr/>
           <a:lstStyle/>
           <a:p>
-            <a:endParaRPr lang="de-DE"/>
+            <a:endParaRPr lang="de-DE" dirty="0"/>
+          </a:p>
+          <a:p>
+            <a:pPr marL="45720" indent="0">
+              <a:buNone/>
+            </a:pPr>
+            <a:r>
+              <a:rPr lang="de-DE" dirty="0" smtClean="0"/>
+              <a:t>Rahmen: Schlanke Anwendung </a:t>
+            </a:r>
+            <a:r>
+              <a:rPr lang="de-DE" dirty="0"/>
+              <a:t>um </a:t>
+            </a:r>
+            <a:r>
+              <a:rPr lang="de-DE" dirty="0" err="1" smtClean="0"/>
+              <a:t>KanBan</a:t>
+            </a:r>
+            <a:r>
+              <a:rPr lang="de-DE" dirty="0" smtClean="0"/>
+              <a:t>-Boards </a:t>
+            </a:r>
+            <a:r>
+              <a:rPr lang="de-DE" dirty="0"/>
+              <a:t>zu verwenden</a:t>
+            </a:r>
+          </a:p>
+          <a:p>
+            <a:pPr marL="45720" indent="0">
+              <a:buNone/>
+            </a:pPr>
+            <a:endParaRPr lang="de-DE" dirty="0"/>
+          </a:p>
+          <a:p>
+            <a:pPr marL="45720" indent="0">
+              <a:buNone/>
+            </a:pPr>
+            <a:endParaRPr lang="de-DE" dirty="0"/>
+          </a:p>
+          <a:p>
+            <a:pPr marL="45720" indent="0">
+              <a:buNone/>
+            </a:pPr>
+            <a:r>
+              <a:rPr lang="de-DE" dirty="0"/>
+              <a:t>Kernfeatures:</a:t>
+            </a:r>
+          </a:p>
+          <a:p>
+            <a:pPr lvl="1"/>
+            <a:r>
+              <a:rPr lang="de-DE" dirty="0"/>
+              <a:t>Boards erstellen</a:t>
+            </a:r>
+          </a:p>
+          <a:p>
+            <a:pPr lvl="1"/>
+            <a:r>
+              <a:rPr lang="de-DE" dirty="0"/>
+              <a:t>Notes erstellen</a:t>
+            </a:r>
+          </a:p>
+          <a:p>
+            <a:pPr lvl="1"/>
+            <a:r>
+              <a:rPr lang="de-DE" dirty="0"/>
+              <a:t>Nutzer einladen</a:t>
+            </a:r>
           </a:p>
         </p:txBody>
       </p:sp>
     </p:spTree>
     <p:extLst>
       <p:ext uri="{BB962C8B-B14F-4D97-AF65-F5344CB8AC3E}">
-        <p14:creationId xmlns:p14="http://schemas.microsoft.com/office/powerpoint/2010/main" val="2047263359"/>
+        <p14:creationId xmlns:p14="http://schemas.microsoft.com/office/powerpoint/2010/main" xmlns="" val="2107344923"/>
       </p:ext>
     </p:extLst>
   </p:cSld>
@@ -6767,40 +8291,1236 @@
           <a:p>
             <a:r>
               <a:rPr lang="de-DE" dirty="0"/>
-              <a:t>Realisierung</a:t>
-            </a:r>
-          </a:p>
-        </p:txBody>
-      </p:sp>
-      <p:sp>
-        <p:nvSpPr>
-          <p:cNvPr id="3" name="Inhaltsplatzhalter 2"/>
-          <p:cNvSpPr>
-            <a:spLocks noGrp="1"/>
-          </p:cNvSpPr>
-          <p:nvPr>
-            <p:ph idx="1"/>
-          </p:nvPr>
-        </p:nvSpPr>
-        <p:spPr/>
-        <p:txBody>
-          <a:bodyPr/>
-          <a:lstStyle/>
-          <a:p>
-            <a:endParaRPr lang="de-DE"/>
-          </a:p>
-        </p:txBody>
-      </p:sp>
+              <a:t>Programmablauf</a:t>
+            </a:r>
+          </a:p>
+        </p:txBody>
+      </p:sp>
+      <p:pic>
+        <p:nvPicPr>
+          <p:cNvPr id="4098" name="Picture 2" descr="Note erstellen"/>
+          <p:cNvPicPr>
+            <a:picLocks noChangeAspect="1" noChangeArrowheads="1"/>
+          </p:cNvPicPr>
+          <p:nvPr/>
+        </p:nvPicPr>
+        <p:blipFill>
+          <a:blip r:embed="rId3" cstate="print">
+            <a:extLst>
+              <a:ext uri="{28A0092B-C50C-407E-A947-70E740481C1C}">
+                <a14:useLocalDpi xmlns:a14="http://schemas.microsoft.com/office/drawing/2010/main" xmlns="" val="0"/>
+              </a:ext>
+            </a:extLst>
+          </a:blip>
+          <a:srcRect/>
+          <a:stretch>
+            <a:fillRect/>
+          </a:stretch>
+        </p:blipFill>
+        <p:spPr bwMode="auto">
+          <a:xfrm>
+            <a:off x="1773819" y="2014086"/>
+            <a:ext cx="3343272" cy="4364903"/>
+          </a:xfrm>
+          <a:prstGeom prst="rect">
+            <a:avLst/>
+          </a:prstGeom>
+          <a:noFill/>
+          <a:ln w="9525">
+            <a:solidFill>
+              <a:srgbClr val="000000"/>
+            </a:solidFill>
+            <a:miter lim="800000"/>
+            <a:headEnd/>
+            <a:tailEnd/>
+          </a:ln>
+          <a:extLst>
+            <a:ext uri="{909E8E84-426E-40DD-AFC4-6F175D3DCCD1}">
+              <a14:hiddenFill xmlns:a14="http://schemas.microsoft.com/office/drawing/2010/main" xmlns="">
+                <a:solidFill>
+                  <a:srgbClr val="FFFFFF"/>
+                </a:solidFill>
+              </a14:hiddenFill>
+            </a:ext>
+          </a:extLst>
+        </p:spPr>
+      </p:pic>
+      <p:pic>
+        <p:nvPicPr>
+          <p:cNvPr id="4099" name="Picture 3" descr="Person zu Board einladen"/>
+          <p:cNvPicPr>
+            <a:picLocks noChangeAspect="1" noChangeArrowheads="1"/>
+          </p:cNvPicPr>
+          <p:nvPr/>
+        </p:nvPicPr>
+        <p:blipFill>
+          <a:blip r:embed="rId4" cstate="print">
+            <a:extLst>
+              <a:ext uri="{28A0092B-C50C-407E-A947-70E740481C1C}">
+                <a14:useLocalDpi xmlns:a14="http://schemas.microsoft.com/office/drawing/2010/main" xmlns="" val="0"/>
+              </a:ext>
+            </a:extLst>
+          </a:blip>
+          <a:srcRect/>
+          <a:stretch>
+            <a:fillRect/>
+          </a:stretch>
+        </p:blipFill>
+        <p:spPr bwMode="auto">
+          <a:xfrm>
+            <a:off x="7074897" y="571099"/>
+            <a:ext cx="3269961" cy="5811522"/>
+          </a:xfrm>
+          <a:prstGeom prst="rect">
+            <a:avLst/>
+          </a:prstGeom>
+          <a:noFill/>
+          <a:ln w="9525">
+            <a:solidFill>
+              <a:srgbClr val="000000"/>
+            </a:solidFill>
+            <a:miter lim="800000"/>
+            <a:headEnd/>
+            <a:tailEnd/>
+          </a:ln>
+          <a:extLst>
+            <a:ext uri="{909E8E84-426E-40DD-AFC4-6F175D3DCCD1}">
+              <a14:hiddenFill xmlns:a14="http://schemas.microsoft.com/office/drawing/2010/main" xmlns="">
+                <a:solidFill>
+                  <a:srgbClr val="FFFFFF"/>
+                </a:solidFill>
+              </a14:hiddenFill>
+            </a:ext>
+          </a:extLst>
+        </p:spPr>
+      </p:pic>
     </p:spTree>
     <p:extLst>
       <p:ext uri="{BB962C8B-B14F-4D97-AF65-F5344CB8AC3E}">
-        <p14:creationId xmlns:p14="http://schemas.microsoft.com/office/powerpoint/2010/main" val="4210756027"/>
+        <p14:creationId xmlns:p14="http://schemas.microsoft.com/office/powerpoint/2010/main" xmlns="" val="2902332026"/>
       </p:ext>
     </p:extLst>
   </p:cSld>
   <p:clrMapOvr>
     <a:masterClrMapping/>
   </p:clrMapOvr>
+</p:sld>
+</file>
+
+<file path=ppt/slides/slide25.xml><?xml version="1.0" encoding="utf-8"?>
+<p:sld xmlns:a="http://schemas.openxmlformats.org/drawingml/2006/main" xmlns:r="http://schemas.openxmlformats.org/officeDocument/2006/relationships" xmlns:p="http://schemas.openxmlformats.org/presentationml/2006/main">
+  <p:cSld>
+    <p:spTree>
+      <p:nvGrpSpPr>
+        <p:cNvPr id="1" name=""/>
+        <p:cNvGrpSpPr/>
+        <p:nvPr/>
+      </p:nvGrpSpPr>
+      <p:grpSpPr>
+        <a:xfrm>
+          <a:off x="0" y="0"/>
+          <a:ext cx="0" cy="0"/>
+          <a:chOff x="0" y="0"/>
+          <a:chExt cx="0" cy="0"/>
+        </a:xfrm>
+      </p:grpSpPr>
+      <p:sp>
+        <p:nvSpPr>
+          <p:cNvPr id="2" name="Titel 1"/>
+          <p:cNvSpPr>
+            <a:spLocks noGrp="1"/>
+          </p:cNvSpPr>
+          <p:nvPr>
+            <p:ph type="title"/>
+          </p:nvPr>
+        </p:nvSpPr>
+        <p:spPr/>
+        <p:txBody>
+          <a:bodyPr/>
+          <a:lstStyle/>
+          <a:p>
+            <a:r>
+              <a:rPr lang="de-DE" dirty="0" smtClean="0"/>
+              <a:t>Verwendete Software</a:t>
+            </a:r>
+            <a:endParaRPr lang="de-DE" dirty="0"/>
+          </a:p>
+        </p:txBody>
+      </p:sp>
+      <p:sp>
+        <p:nvSpPr>
+          <p:cNvPr id="3" name="Inhaltsplatzhalter 2"/>
+          <p:cNvSpPr>
+            <a:spLocks noGrp="1"/>
+          </p:cNvSpPr>
+          <p:nvPr>
+            <p:ph idx="1"/>
+          </p:nvPr>
+        </p:nvSpPr>
+        <p:spPr/>
+        <p:txBody>
+          <a:bodyPr>
+            <a:normAutofit fontScale="85000" lnSpcReduction="20000"/>
+          </a:bodyPr>
+          <a:lstStyle/>
+          <a:p>
+            <a:pPr>
+              <a:buNone/>
+            </a:pPr>
+            <a:r>
+              <a:rPr lang="de-DE" sz="2800" dirty="0" smtClean="0"/>
+              <a:t>Entwicklungsumgebung</a:t>
+            </a:r>
+          </a:p>
+          <a:p>
+            <a:r>
+              <a:rPr lang="de-DE" sz="2000" dirty="0" smtClean="0"/>
+              <a:t>Visual Studio Community</a:t>
+            </a:r>
+            <a:endParaRPr lang="de-DE" sz="2000" dirty="0" smtClean="0"/>
+          </a:p>
+          <a:p>
+            <a:pPr>
+              <a:buNone/>
+            </a:pPr>
+            <a:endParaRPr lang="de-DE" b="1" dirty="0" smtClean="0"/>
+          </a:p>
+          <a:p>
+            <a:pPr>
+              <a:buNone/>
+            </a:pPr>
+            <a:r>
+              <a:rPr lang="de-DE" sz="2800" dirty="0" err="1" smtClean="0"/>
+              <a:t>NuGet-Packages</a:t>
+            </a:r>
+            <a:endParaRPr lang="de-DE" sz="2800" dirty="0" smtClean="0"/>
+          </a:p>
+          <a:p>
+            <a:r>
+              <a:rPr lang="de-DE" sz="2000" dirty="0" err="1" smtClean="0"/>
+              <a:t>Entity</a:t>
+            </a:r>
+            <a:r>
+              <a:rPr lang="de-DE" sz="2000" dirty="0" smtClean="0"/>
+              <a:t>-Framework</a:t>
+            </a:r>
+          </a:p>
+          <a:p>
+            <a:r>
+              <a:rPr lang="de-DE" sz="2000" dirty="0" err="1" smtClean="0"/>
+              <a:t>Newtonsoft.Json</a:t>
+            </a:r>
+            <a:endParaRPr lang="de-DE" sz="2000" dirty="0" smtClean="0"/>
+          </a:p>
+          <a:p>
+            <a:r>
+              <a:rPr lang="de-DE" sz="2000" dirty="0" smtClean="0"/>
+              <a:t>.NET </a:t>
+            </a:r>
+            <a:r>
+              <a:rPr lang="de-DE" sz="2000" dirty="0" err="1" smtClean="0"/>
+              <a:t>Core.UniversalWindowsPlatform</a:t>
+            </a:r>
+            <a:endParaRPr lang="de-DE" dirty="0" smtClean="0"/>
+          </a:p>
+          <a:p>
+            <a:pPr>
+              <a:buNone/>
+            </a:pPr>
+            <a:endParaRPr lang="de-DE" dirty="0"/>
+          </a:p>
+          <a:p>
+            <a:pPr>
+              <a:buNone/>
+            </a:pPr>
+            <a:r>
+              <a:rPr lang="de-DE" sz="2800" dirty="0" smtClean="0"/>
+              <a:t>Zusätzliche Software</a:t>
+            </a:r>
+          </a:p>
+          <a:p>
+            <a:r>
+              <a:rPr lang="de-DE" sz="2000" dirty="0" err="1" smtClean="0"/>
+              <a:t>SQLite</a:t>
+            </a:r>
+            <a:r>
+              <a:rPr lang="de-DE" sz="2000" dirty="0" smtClean="0"/>
+              <a:t> Browser</a:t>
+            </a:r>
+            <a:endParaRPr lang="de-DE" sz="2000" dirty="0" smtClean="0"/>
+          </a:p>
+        </p:txBody>
+      </p:sp>
+      <p:pic>
+        <p:nvPicPr>
+          <p:cNvPr id="1026" name="Picture 2" descr="https://i.ytimg.com/vi/DUGtcWNlrv8/maxresdefault.jpg"/>
+          <p:cNvPicPr>
+            <a:picLocks noChangeAspect="1" noChangeArrowheads="1"/>
+          </p:cNvPicPr>
+          <p:nvPr/>
+        </p:nvPicPr>
+        <p:blipFill>
+          <a:blip r:embed="rId3" cstate="print"/>
+          <a:srcRect/>
+          <a:stretch>
+            <a:fillRect/>
+          </a:stretch>
+        </p:blipFill>
+        <p:spPr bwMode="auto">
+          <a:xfrm>
+            <a:off x="8306601" y="4480025"/>
+            <a:ext cx="3312037" cy="1863021"/>
+          </a:xfrm>
+          <a:prstGeom prst="rect">
+            <a:avLst/>
+          </a:prstGeom>
+          <a:noFill/>
+          <a:ln>
+            <a:solidFill>
+              <a:schemeClr val="tx1"/>
+            </a:solidFill>
+          </a:ln>
+        </p:spPr>
+      </p:pic>
+      <p:pic>
+        <p:nvPicPr>
+          <p:cNvPr id="1028" name="Picture 4" descr="https://mallibone.com/posts/files/173388cb-4329-42a5-ab05-b9ae6746fa2c.png"/>
+          <p:cNvPicPr>
+            <a:picLocks noChangeAspect="1" noChangeArrowheads="1"/>
+          </p:cNvPicPr>
+          <p:nvPr/>
+        </p:nvPicPr>
+        <p:blipFill>
+          <a:blip r:embed="rId4" cstate="print"/>
+          <a:srcRect/>
+          <a:stretch>
+            <a:fillRect/>
+          </a:stretch>
+        </p:blipFill>
+        <p:spPr bwMode="auto">
+          <a:xfrm>
+            <a:off x="8672362" y="3247657"/>
+            <a:ext cx="2781467" cy="802192"/>
+          </a:xfrm>
+          <a:prstGeom prst="rect">
+            <a:avLst/>
+          </a:prstGeom>
+          <a:noFill/>
+          <a:ln>
+            <a:noFill/>
+          </a:ln>
+        </p:spPr>
+      </p:pic>
+      <p:pic>
+        <p:nvPicPr>
+          <p:cNvPr id="1031" name="Picture 7" descr="https://lh3.ggpht.com/RCBr2WQuMVgbIQrdkohJc40Km9s1QnaUFhnM01day0QYf4S6_hLATprUZJA1F-6d-P_m=w300"/>
+          <p:cNvPicPr>
+            <a:picLocks noChangeAspect="1" noChangeArrowheads="1"/>
+          </p:cNvPicPr>
+          <p:nvPr/>
+        </p:nvPicPr>
+        <p:blipFill>
+          <a:blip r:embed="rId5" cstate="print"/>
+          <a:srcRect/>
+          <a:stretch>
+            <a:fillRect/>
+          </a:stretch>
+        </p:blipFill>
+        <p:spPr bwMode="auto">
+          <a:xfrm>
+            <a:off x="5829666" y="4494996"/>
+            <a:ext cx="1832410" cy="1832410"/>
+          </a:xfrm>
+          <a:prstGeom prst="rect">
+            <a:avLst/>
+          </a:prstGeom>
+          <a:noFill/>
+          <a:ln>
+            <a:solidFill>
+              <a:schemeClr val="tx1"/>
+            </a:solidFill>
+          </a:ln>
+        </p:spPr>
+      </p:pic>
+      <p:pic>
+        <p:nvPicPr>
+          <p:cNvPr id="1033" name="Picture 9" descr="https://upload.wikimedia.org/wikipedia/commons/thumb/1/19/Visual_Studio_2012_logo_and_wordmark.svg/2000px-Visual_Studio_2012_logo_and_wordmark.svg.png"/>
+          <p:cNvPicPr>
+            <a:picLocks noChangeAspect="1" noChangeArrowheads="1"/>
+          </p:cNvPicPr>
+          <p:nvPr/>
+        </p:nvPicPr>
+        <p:blipFill>
+          <a:blip r:embed="rId6" cstate="print"/>
+          <a:srcRect/>
+          <a:stretch>
+            <a:fillRect/>
+          </a:stretch>
+        </p:blipFill>
+        <p:spPr bwMode="auto">
+          <a:xfrm>
+            <a:off x="7777211" y="2182227"/>
+            <a:ext cx="3688305" cy="619635"/>
+          </a:xfrm>
+          <a:prstGeom prst="rect">
+            <a:avLst/>
+          </a:prstGeom>
+          <a:noFill/>
+        </p:spPr>
+      </p:pic>
+    </p:spTree>
+    <p:extLst>
+      <p:ext uri="{BB962C8B-B14F-4D97-AF65-F5344CB8AC3E}">
+        <p14:creationId xmlns:p14="http://schemas.microsoft.com/office/powerpoint/2010/main" xmlns="" val="4210756027"/>
+      </p:ext>
+    </p:extLst>
+  </p:cSld>
+  <p:clrMapOvr>
+    <a:masterClrMapping/>
+  </p:clrMapOvr>
+  <p:timing>
+    <p:tnLst>
+      <p:par>
+        <p:cTn id="1" dur="indefinite" restart="never" nodeType="tmRoot"/>
+      </p:par>
+    </p:tnLst>
+  </p:timing>
+</p:sld>
+</file>
+
+<file path=ppt/slides/slide26.xml><?xml version="1.0" encoding="utf-8"?>
+<p:sld xmlns:a="http://schemas.openxmlformats.org/drawingml/2006/main" xmlns:r="http://schemas.openxmlformats.org/officeDocument/2006/relationships" xmlns:p="http://schemas.openxmlformats.org/presentationml/2006/main">
+  <p:cSld>
+    <p:spTree>
+      <p:nvGrpSpPr>
+        <p:cNvPr id="1" name=""/>
+        <p:cNvGrpSpPr/>
+        <p:nvPr/>
+      </p:nvGrpSpPr>
+      <p:grpSpPr>
+        <a:xfrm>
+          <a:off x="0" y="0"/>
+          <a:ext cx="0" cy="0"/>
+          <a:chOff x="0" y="0"/>
+          <a:chExt cx="0" cy="0"/>
+        </a:xfrm>
+      </p:grpSpPr>
+      <p:sp>
+        <p:nvSpPr>
+          <p:cNvPr id="2" name="Titel 1"/>
+          <p:cNvSpPr>
+            <a:spLocks noGrp="1"/>
+          </p:cNvSpPr>
+          <p:nvPr>
+            <p:ph type="title"/>
+          </p:nvPr>
+        </p:nvSpPr>
+        <p:spPr/>
+        <p:txBody>
+          <a:bodyPr/>
+          <a:lstStyle/>
+          <a:p>
+            <a:r>
+              <a:rPr lang="en-US" dirty="0" err="1" smtClean="0"/>
+              <a:t>Codebeispiel</a:t>
+            </a:r>
+            <a:r>
+              <a:rPr lang="en-US" dirty="0" smtClean="0"/>
+              <a:t>: Request</a:t>
+            </a:r>
+            <a:endParaRPr lang="en-US" dirty="0"/>
+          </a:p>
+        </p:txBody>
+      </p:sp>
+      <p:sp>
+        <p:nvSpPr>
+          <p:cNvPr id="3" name="Inhaltsplatzhalter 2"/>
+          <p:cNvSpPr>
+            <a:spLocks noGrp="1"/>
+          </p:cNvSpPr>
+          <p:nvPr>
+            <p:ph idx="1"/>
+          </p:nvPr>
+        </p:nvSpPr>
+        <p:spPr/>
+        <p:txBody>
+          <a:bodyPr/>
+          <a:lstStyle/>
+          <a:p>
+            <a:endParaRPr lang="en-US" dirty="0"/>
+          </a:p>
+        </p:txBody>
+      </p:sp>
+      <p:pic>
+        <p:nvPicPr>
+          <p:cNvPr id="51202" name="Picture 2"/>
+          <p:cNvPicPr>
+            <a:picLocks noChangeAspect="1" noChangeArrowheads="1"/>
+          </p:cNvPicPr>
+          <p:nvPr/>
+        </p:nvPicPr>
+        <p:blipFill>
+          <a:blip r:embed="rId3" cstate="print"/>
+          <a:srcRect/>
+          <a:stretch>
+            <a:fillRect/>
+          </a:stretch>
+        </p:blipFill>
+        <p:spPr bwMode="auto">
+          <a:xfrm>
+            <a:off x="2839453" y="1720518"/>
+            <a:ext cx="6202076" cy="4651557"/>
+          </a:xfrm>
+          <a:prstGeom prst="rect">
+            <a:avLst/>
+          </a:prstGeom>
+          <a:noFill/>
+          <a:ln w="9525">
+            <a:solidFill>
+              <a:schemeClr val="tx1"/>
+            </a:solidFill>
+            <a:miter lim="800000"/>
+            <a:headEnd/>
+            <a:tailEnd/>
+          </a:ln>
+          <a:effectLst/>
+        </p:spPr>
+      </p:pic>
+      <p:sp>
+        <p:nvSpPr>
+          <p:cNvPr id="5" name="Rechteck 4"/>
+          <p:cNvSpPr/>
+          <p:nvPr/>
+        </p:nvSpPr>
+        <p:spPr>
+          <a:xfrm>
+            <a:off x="3243714" y="4899259"/>
+            <a:ext cx="4514248" cy="404261"/>
+          </a:xfrm>
+          <a:prstGeom prst="rect">
+            <a:avLst/>
+          </a:prstGeom>
+          <a:noFill/>
+          <a:ln w="38100">
+            <a:solidFill>
+              <a:schemeClr val="accent2"/>
+            </a:solidFill>
+          </a:ln>
+        </p:spPr>
+        <p:style>
+          <a:lnRef idx="2">
+            <a:schemeClr val="accent1">
+              <a:shade val="50000"/>
+            </a:schemeClr>
+          </a:lnRef>
+          <a:fillRef idx="1">
+            <a:schemeClr val="accent1"/>
+          </a:fillRef>
+          <a:effectRef idx="0">
+            <a:schemeClr val="accent1"/>
+          </a:effectRef>
+          <a:fontRef idx="minor">
+            <a:schemeClr val="lt1"/>
+          </a:fontRef>
+        </p:style>
+        <p:txBody>
+          <a:bodyPr rtlCol="0" anchor="ctr"/>
+          <a:lstStyle/>
+          <a:p>
+            <a:pPr algn="ctr"/>
+            <a:endParaRPr lang="en-US"/>
+          </a:p>
+        </p:txBody>
+      </p:sp>
+      <p:sp>
+        <p:nvSpPr>
+          <p:cNvPr id="6" name="Rechteck 5"/>
+          <p:cNvSpPr/>
+          <p:nvPr/>
+        </p:nvSpPr>
+        <p:spPr>
+          <a:xfrm>
+            <a:off x="3311089" y="5919537"/>
+            <a:ext cx="3994485" cy="250257"/>
+          </a:xfrm>
+          <a:prstGeom prst="rect">
+            <a:avLst/>
+          </a:prstGeom>
+          <a:noFill/>
+          <a:ln w="38100">
+            <a:solidFill>
+              <a:schemeClr val="accent2"/>
+            </a:solidFill>
+          </a:ln>
+        </p:spPr>
+        <p:style>
+          <a:lnRef idx="2">
+            <a:schemeClr val="accent1">
+              <a:shade val="50000"/>
+            </a:schemeClr>
+          </a:lnRef>
+          <a:fillRef idx="1">
+            <a:schemeClr val="accent1"/>
+          </a:fillRef>
+          <a:effectRef idx="0">
+            <a:schemeClr val="accent1"/>
+          </a:effectRef>
+          <a:fontRef idx="minor">
+            <a:schemeClr val="lt1"/>
+          </a:fontRef>
+        </p:style>
+        <p:txBody>
+          <a:bodyPr rtlCol="0" anchor="ctr"/>
+          <a:lstStyle/>
+          <a:p>
+            <a:pPr algn="ctr"/>
+            <a:endParaRPr lang="en-US"/>
+          </a:p>
+        </p:txBody>
+      </p:sp>
+    </p:spTree>
+  </p:cSld>
+  <p:clrMapOvr>
+    <a:masterClrMapping/>
+  </p:clrMapOvr>
+  <p:timing>
+    <p:tnLst>
+      <p:par>
+        <p:cTn id="1" dur="indefinite" restart="never" nodeType="tmRoot">
+          <p:childTnLst>
+            <p:seq concurrent="1" nextAc="seek">
+              <p:cTn id="2" dur="indefinite" nodeType="mainSeq">
+                <p:childTnLst>
+                  <p:par>
+                    <p:cTn id="3" fill="hold">
+                      <p:stCondLst>
+                        <p:cond delay="indefinite"/>
+                      </p:stCondLst>
+                      <p:childTnLst>
+                        <p:par>
+                          <p:cTn id="4" fill="hold">
+                            <p:stCondLst>
+                              <p:cond delay="0"/>
+                            </p:stCondLst>
+                            <p:childTnLst>
+                              <p:par>
+                                <p:cTn id="5" presetID="10" presetClass="entr" presetSubtype="0" fill="hold" grpId="0" nodeType="clickEffect">
+                                  <p:stCondLst>
+                                    <p:cond delay="0"/>
+                                  </p:stCondLst>
+                                  <p:childTnLst>
+                                    <p:set>
+                                      <p:cBhvr>
+                                        <p:cTn id="6" dur="1" fill="hold">
+                                          <p:stCondLst>
+                                            <p:cond delay="0"/>
+                                          </p:stCondLst>
+                                        </p:cTn>
+                                        <p:tgtEl>
+                                          <p:spTgt spid="5"/>
+                                        </p:tgtEl>
+                                        <p:attrNameLst>
+                                          <p:attrName>style.visibility</p:attrName>
+                                        </p:attrNameLst>
+                                      </p:cBhvr>
+                                      <p:to>
+                                        <p:strVal val="visible"/>
+                                      </p:to>
+                                    </p:set>
+                                    <p:animEffect transition="in" filter="fade">
+                                      <p:cBhvr>
+                                        <p:cTn id="7" dur="2000"/>
+                                        <p:tgtEl>
+                                          <p:spTgt spid="5"/>
+                                        </p:tgtEl>
+                                      </p:cBhvr>
+                                    </p:animEffect>
+                                  </p:childTnLst>
+                                </p:cTn>
+                              </p:par>
+                            </p:childTnLst>
+                          </p:cTn>
+                        </p:par>
+                      </p:childTnLst>
+                    </p:cTn>
+                  </p:par>
+                  <p:par>
+                    <p:cTn id="8" fill="hold">
+                      <p:stCondLst>
+                        <p:cond delay="indefinite"/>
+                      </p:stCondLst>
+                      <p:childTnLst>
+                        <p:par>
+                          <p:cTn id="9" fill="hold">
+                            <p:stCondLst>
+                              <p:cond delay="0"/>
+                            </p:stCondLst>
+                            <p:childTnLst>
+                              <p:par>
+                                <p:cTn id="10" presetID="10" presetClass="entr" presetSubtype="0" fill="hold" grpId="0" nodeType="clickEffect">
+                                  <p:stCondLst>
+                                    <p:cond delay="0"/>
+                                  </p:stCondLst>
+                                  <p:childTnLst>
+                                    <p:set>
+                                      <p:cBhvr>
+                                        <p:cTn id="11" dur="1" fill="hold">
+                                          <p:stCondLst>
+                                            <p:cond delay="0"/>
+                                          </p:stCondLst>
+                                        </p:cTn>
+                                        <p:tgtEl>
+                                          <p:spTgt spid="6"/>
+                                        </p:tgtEl>
+                                        <p:attrNameLst>
+                                          <p:attrName>style.visibility</p:attrName>
+                                        </p:attrNameLst>
+                                      </p:cBhvr>
+                                      <p:to>
+                                        <p:strVal val="visible"/>
+                                      </p:to>
+                                    </p:set>
+                                    <p:animEffect transition="in" filter="fade">
+                                      <p:cBhvr>
+                                        <p:cTn id="12" dur="2000"/>
+                                        <p:tgtEl>
+                                          <p:spTgt spid="6"/>
+                                        </p:tgtEl>
+                                      </p:cBhvr>
+                                    </p:animEffect>
+                                  </p:childTnLst>
+                                </p:cTn>
+                              </p:par>
+                            </p:childTnLst>
+                          </p:cTn>
+                        </p:par>
+                      </p:childTnLst>
+                    </p:cTn>
+                  </p:par>
+                </p:childTnLst>
+              </p:cTn>
+              <p:prevCondLst>
+                <p:cond evt="onPrev" delay="0">
+                  <p:tgtEl>
+                    <p:sldTgt/>
+                  </p:tgtEl>
+                </p:cond>
+              </p:prevCondLst>
+              <p:nextCondLst>
+                <p:cond evt="onNext" delay="0">
+                  <p:tgtEl>
+                    <p:sldTgt/>
+                  </p:tgtEl>
+                </p:cond>
+              </p:nextCondLst>
+            </p:seq>
+          </p:childTnLst>
+        </p:cTn>
+      </p:par>
+    </p:tnLst>
+    <p:bldLst>
+      <p:bldP spid="5" grpId="0" animBg="1"/>
+      <p:bldP spid="6" grpId="0" animBg="1"/>
+    </p:bldLst>
+  </p:timing>
+</p:sld>
+</file>
+
+<file path=ppt/slides/slide27.xml><?xml version="1.0" encoding="utf-8"?>
+<p:sld xmlns:a="http://schemas.openxmlformats.org/drawingml/2006/main" xmlns:r="http://schemas.openxmlformats.org/officeDocument/2006/relationships" xmlns:p="http://schemas.openxmlformats.org/presentationml/2006/main">
+  <p:cSld>
+    <p:spTree>
+      <p:nvGrpSpPr>
+        <p:cNvPr id="1" name=""/>
+        <p:cNvGrpSpPr/>
+        <p:nvPr/>
+      </p:nvGrpSpPr>
+      <p:grpSpPr>
+        <a:xfrm>
+          <a:off x="0" y="0"/>
+          <a:ext cx="0" cy="0"/>
+          <a:chOff x="0" y="0"/>
+          <a:chExt cx="0" cy="0"/>
+        </a:xfrm>
+      </p:grpSpPr>
+      <p:sp>
+        <p:nvSpPr>
+          <p:cNvPr id="2" name="Titel 1"/>
+          <p:cNvSpPr>
+            <a:spLocks noGrp="1"/>
+          </p:cNvSpPr>
+          <p:nvPr>
+            <p:ph type="title"/>
+          </p:nvPr>
+        </p:nvSpPr>
+        <p:spPr/>
+        <p:txBody>
+          <a:bodyPr/>
+          <a:lstStyle/>
+          <a:p>
+            <a:r>
+              <a:rPr lang="de-DE" dirty="0" smtClean="0"/>
+              <a:t>Codebeispiel: Response</a:t>
+            </a:r>
+            <a:endParaRPr lang="de-DE" dirty="0"/>
+          </a:p>
+        </p:txBody>
+      </p:sp>
+      <p:sp>
+        <p:nvSpPr>
+          <p:cNvPr id="3" name="Inhaltsplatzhalter 2"/>
+          <p:cNvSpPr>
+            <a:spLocks noGrp="1"/>
+          </p:cNvSpPr>
+          <p:nvPr>
+            <p:ph idx="1"/>
+          </p:nvPr>
+        </p:nvSpPr>
+        <p:spPr/>
+        <p:txBody>
+          <a:bodyPr/>
+          <a:lstStyle/>
+          <a:p>
+            <a:endParaRPr lang="de-DE" dirty="0"/>
+          </a:p>
+        </p:txBody>
+      </p:sp>
+      <p:pic>
+        <p:nvPicPr>
+          <p:cNvPr id="2049" name="Picture 1"/>
+          <p:cNvPicPr>
+            <a:picLocks noChangeAspect="1" noChangeArrowheads="1"/>
+          </p:cNvPicPr>
+          <p:nvPr/>
+        </p:nvPicPr>
+        <p:blipFill>
+          <a:blip r:embed="rId3" cstate="print"/>
+          <a:srcRect/>
+          <a:stretch>
+            <a:fillRect/>
+          </a:stretch>
+        </p:blipFill>
+        <p:spPr bwMode="auto">
+          <a:xfrm>
+            <a:off x="2846742" y="1828800"/>
+            <a:ext cx="6418327" cy="4529087"/>
+          </a:xfrm>
+          <a:prstGeom prst="rect">
+            <a:avLst/>
+          </a:prstGeom>
+          <a:noFill/>
+          <a:ln w="9525">
+            <a:solidFill>
+              <a:schemeClr val="tx1"/>
+            </a:solidFill>
+            <a:miter lim="800000"/>
+            <a:headEnd/>
+            <a:tailEnd/>
+          </a:ln>
+          <a:effectLst/>
+        </p:spPr>
+      </p:pic>
+      <p:sp>
+        <p:nvSpPr>
+          <p:cNvPr id="5" name="Rechteck 4"/>
+          <p:cNvSpPr/>
+          <p:nvPr/>
+        </p:nvSpPr>
+        <p:spPr>
+          <a:xfrm>
+            <a:off x="3253339" y="5505651"/>
+            <a:ext cx="2425566" cy="510138"/>
+          </a:xfrm>
+          <a:prstGeom prst="rect">
+            <a:avLst/>
+          </a:prstGeom>
+          <a:noFill/>
+          <a:ln w="38100">
+            <a:solidFill>
+              <a:schemeClr val="accent2"/>
+            </a:solidFill>
+          </a:ln>
+        </p:spPr>
+        <p:style>
+          <a:lnRef idx="2">
+            <a:schemeClr val="accent1">
+              <a:shade val="50000"/>
+            </a:schemeClr>
+          </a:lnRef>
+          <a:fillRef idx="1">
+            <a:schemeClr val="accent1"/>
+          </a:fillRef>
+          <a:effectRef idx="0">
+            <a:schemeClr val="accent1"/>
+          </a:effectRef>
+          <a:fontRef idx="minor">
+            <a:schemeClr val="lt1"/>
+          </a:fontRef>
+        </p:style>
+        <p:txBody>
+          <a:bodyPr rtlCol="0" anchor="ctr"/>
+          <a:lstStyle/>
+          <a:p>
+            <a:pPr algn="ctr"/>
+            <a:endParaRPr lang="en-US"/>
+          </a:p>
+        </p:txBody>
+      </p:sp>
+    </p:spTree>
+    <p:extLst>
+      <p:ext uri="{BB962C8B-B14F-4D97-AF65-F5344CB8AC3E}">
+        <p14:creationId xmlns:p14="http://schemas.microsoft.com/office/powerpoint/2010/main" xmlns="" val="2047263359"/>
+      </p:ext>
+    </p:extLst>
+  </p:cSld>
+  <p:clrMapOvr>
+    <a:masterClrMapping/>
+  </p:clrMapOvr>
+  <p:timing>
+    <p:tnLst>
+      <p:par>
+        <p:cTn id="1" dur="indefinite" restart="never" nodeType="tmRoot">
+          <p:childTnLst>
+            <p:seq concurrent="1" nextAc="seek">
+              <p:cTn id="2" dur="indefinite" nodeType="mainSeq">
+                <p:childTnLst>
+                  <p:par>
+                    <p:cTn id="3" fill="hold">
+                      <p:stCondLst>
+                        <p:cond delay="indefinite"/>
+                      </p:stCondLst>
+                      <p:childTnLst>
+                        <p:par>
+                          <p:cTn id="4" fill="hold">
+                            <p:stCondLst>
+                              <p:cond delay="0"/>
+                            </p:stCondLst>
+                            <p:childTnLst>
+                              <p:par>
+                                <p:cTn id="5" presetID="10" presetClass="entr" presetSubtype="0" fill="hold" grpId="0" nodeType="clickEffect">
+                                  <p:stCondLst>
+                                    <p:cond delay="0"/>
+                                  </p:stCondLst>
+                                  <p:childTnLst>
+                                    <p:set>
+                                      <p:cBhvr>
+                                        <p:cTn id="6" dur="1" fill="hold">
+                                          <p:stCondLst>
+                                            <p:cond delay="0"/>
+                                          </p:stCondLst>
+                                        </p:cTn>
+                                        <p:tgtEl>
+                                          <p:spTgt spid="5"/>
+                                        </p:tgtEl>
+                                        <p:attrNameLst>
+                                          <p:attrName>style.visibility</p:attrName>
+                                        </p:attrNameLst>
+                                      </p:cBhvr>
+                                      <p:to>
+                                        <p:strVal val="visible"/>
+                                      </p:to>
+                                    </p:set>
+                                    <p:animEffect transition="in" filter="fade">
+                                      <p:cBhvr>
+                                        <p:cTn id="7" dur="2000"/>
+                                        <p:tgtEl>
+                                          <p:spTgt spid="5"/>
+                                        </p:tgtEl>
+                                      </p:cBhvr>
+                                    </p:animEffect>
+                                  </p:childTnLst>
+                                </p:cTn>
+                              </p:par>
+                            </p:childTnLst>
+                          </p:cTn>
+                        </p:par>
+                      </p:childTnLst>
+                    </p:cTn>
+                  </p:par>
+                </p:childTnLst>
+              </p:cTn>
+              <p:prevCondLst>
+                <p:cond evt="onPrev" delay="0">
+                  <p:tgtEl>
+                    <p:sldTgt/>
+                  </p:tgtEl>
+                </p:cond>
+              </p:prevCondLst>
+              <p:nextCondLst>
+                <p:cond evt="onNext" delay="0">
+                  <p:tgtEl>
+                    <p:sldTgt/>
+                  </p:tgtEl>
+                </p:cond>
+              </p:nextCondLst>
+            </p:seq>
+          </p:childTnLst>
+        </p:cTn>
+      </p:par>
+    </p:tnLst>
+    <p:bldLst>
+      <p:bldP spid="5" grpId="0" animBg="1"/>
+    </p:bldLst>
+  </p:timing>
+</p:sld>
+</file>
+
+<file path=ppt/slides/slide28.xml><?xml version="1.0" encoding="utf-8"?>
+<p:sld xmlns:a="http://schemas.openxmlformats.org/drawingml/2006/main" xmlns:r="http://schemas.openxmlformats.org/officeDocument/2006/relationships" xmlns:p="http://schemas.openxmlformats.org/presentationml/2006/main">
+  <p:cSld>
+    <p:spTree>
+      <p:nvGrpSpPr>
+        <p:cNvPr id="1" name=""/>
+        <p:cNvGrpSpPr/>
+        <p:nvPr/>
+      </p:nvGrpSpPr>
+      <p:grpSpPr>
+        <a:xfrm>
+          <a:off x="0" y="0"/>
+          <a:ext cx="0" cy="0"/>
+          <a:chOff x="0" y="0"/>
+          <a:chExt cx="0" cy="0"/>
+        </a:xfrm>
+      </p:grpSpPr>
+      <p:sp>
+        <p:nvSpPr>
+          <p:cNvPr id="2" name="Titel 1"/>
+          <p:cNvSpPr>
+            <a:spLocks noGrp="1"/>
+          </p:cNvSpPr>
+          <p:nvPr>
+            <p:ph type="title"/>
+          </p:nvPr>
+        </p:nvSpPr>
+        <p:spPr/>
+        <p:txBody>
+          <a:bodyPr/>
+          <a:lstStyle/>
+          <a:p>
+            <a:r>
+              <a:rPr lang="en-US" dirty="0" err="1" smtClean="0"/>
+              <a:t>Codebeispiel</a:t>
+            </a:r>
+            <a:r>
+              <a:rPr lang="en-US" dirty="0" smtClean="0"/>
+              <a:t>: </a:t>
+            </a:r>
+            <a:r>
+              <a:rPr lang="en-US" dirty="0" err="1" smtClean="0"/>
+              <a:t>Modelle</a:t>
+            </a:r>
+            <a:endParaRPr lang="en-US" dirty="0"/>
+          </a:p>
+        </p:txBody>
+      </p:sp>
+      <p:pic>
+        <p:nvPicPr>
+          <p:cNvPr id="58370" name="Picture 2"/>
+          <p:cNvPicPr>
+            <a:picLocks noChangeAspect="1" noChangeArrowheads="1"/>
+          </p:cNvPicPr>
+          <p:nvPr/>
+        </p:nvPicPr>
+        <p:blipFill>
+          <a:blip r:embed="rId3" cstate="print"/>
+          <a:srcRect/>
+          <a:stretch>
+            <a:fillRect/>
+          </a:stretch>
+        </p:blipFill>
+        <p:spPr bwMode="auto">
+          <a:xfrm>
+            <a:off x="1371899" y="4649402"/>
+            <a:ext cx="2190750" cy="1447800"/>
+          </a:xfrm>
+          <a:prstGeom prst="rect">
+            <a:avLst/>
+          </a:prstGeom>
+          <a:noFill/>
+          <a:ln w="9525">
+            <a:solidFill>
+              <a:schemeClr val="tx1"/>
+            </a:solidFill>
+            <a:miter lim="800000"/>
+            <a:headEnd/>
+            <a:tailEnd/>
+          </a:ln>
+          <a:effectLst/>
+        </p:spPr>
+      </p:pic>
+      <p:pic>
+        <p:nvPicPr>
+          <p:cNvPr id="58371" name="Picture 3"/>
+          <p:cNvPicPr>
+            <a:picLocks noGrp="1" noChangeAspect="1" noChangeArrowheads="1"/>
+          </p:cNvPicPr>
+          <p:nvPr>
+            <p:ph idx="1"/>
+          </p:nvPr>
+        </p:nvPicPr>
+        <p:blipFill>
+          <a:blip r:embed="rId4" cstate="print"/>
+          <a:srcRect/>
+          <a:stretch>
+            <a:fillRect/>
+          </a:stretch>
+        </p:blipFill>
+        <p:spPr bwMode="auto">
+          <a:xfrm>
+            <a:off x="8345930" y="4760946"/>
+            <a:ext cx="1986117" cy="1187467"/>
+          </a:xfrm>
+          <a:prstGeom prst="rect">
+            <a:avLst/>
+          </a:prstGeom>
+          <a:noFill/>
+          <a:ln w="9525">
+            <a:solidFill>
+              <a:schemeClr val="tx1"/>
+            </a:solidFill>
+            <a:miter lim="800000"/>
+            <a:headEnd/>
+            <a:tailEnd/>
+          </a:ln>
+          <a:effectLst/>
+        </p:spPr>
+      </p:pic>
+      <p:sp>
+        <p:nvSpPr>
+          <p:cNvPr id="6" name="Textfeld 5"/>
+          <p:cNvSpPr txBox="1"/>
+          <p:nvPr/>
+        </p:nvSpPr>
+        <p:spPr>
+          <a:xfrm>
+            <a:off x="1944302" y="4167737"/>
+            <a:ext cx="3397718" cy="369332"/>
+          </a:xfrm>
+          <a:prstGeom prst="rect">
+            <a:avLst/>
+          </a:prstGeom>
+          <a:noFill/>
+        </p:spPr>
+        <p:txBody>
+          <a:bodyPr wrap="square" rtlCol="0">
+            <a:spAutoFit/>
+          </a:bodyPr>
+          <a:lstStyle/>
+          <a:p>
+            <a:r>
+              <a:rPr lang="en-US" dirty="0" smtClean="0"/>
+              <a:t>Backend</a:t>
+            </a:r>
+            <a:endParaRPr lang="en-US" dirty="0"/>
+          </a:p>
+        </p:txBody>
+      </p:sp>
+      <p:sp>
+        <p:nvSpPr>
+          <p:cNvPr id="7" name="Textfeld 6"/>
+          <p:cNvSpPr txBox="1"/>
+          <p:nvPr/>
+        </p:nvSpPr>
+        <p:spPr>
+          <a:xfrm>
+            <a:off x="8720488" y="4254366"/>
+            <a:ext cx="2175309" cy="369332"/>
+          </a:xfrm>
+          <a:prstGeom prst="rect">
+            <a:avLst/>
+          </a:prstGeom>
+          <a:noFill/>
+        </p:spPr>
+        <p:txBody>
+          <a:bodyPr wrap="square" rtlCol="0">
+            <a:spAutoFit/>
+          </a:bodyPr>
+          <a:lstStyle/>
+          <a:p>
+            <a:r>
+              <a:rPr lang="en-US" dirty="0" smtClean="0"/>
+              <a:t>Frontend</a:t>
+            </a:r>
+          </a:p>
+        </p:txBody>
+      </p:sp>
+      <p:pic>
+        <p:nvPicPr>
+          <p:cNvPr id="58372" name="Picture 4"/>
+          <p:cNvPicPr>
+            <a:picLocks noChangeAspect="1" noChangeArrowheads="1"/>
+          </p:cNvPicPr>
+          <p:nvPr/>
+        </p:nvPicPr>
+        <p:blipFill>
+          <a:blip r:embed="rId5" cstate="print"/>
+          <a:srcRect/>
+          <a:stretch>
+            <a:fillRect/>
+          </a:stretch>
+        </p:blipFill>
+        <p:spPr bwMode="auto">
+          <a:xfrm>
+            <a:off x="3907858" y="2492208"/>
+            <a:ext cx="4291061" cy="1631364"/>
+          </a:xfrm>
+          <a:prstGeom prst="rect">
+            <a:avLst/>
+          </a:prstGeom>
+          <a:noFill/>
+          <a:ln w="9525">
+            <a:solidFill>
+              <a:schemeClr val="tx1"/>
+            </a:solidFill>
+            <a:miter lim="800000"/>
+            <a:headEnd/>
+            <a:tailEnd/>
+          </a:ln>
+          <a:effectLst/>
+        </p:spPr>
+      </p:pic>
+      <p:sp>
+        <p:nvSpPr>
+          <p:cNvPr id="9" name="Textfeld 8"/>
+          <p:cNvSpPr txBox="1"/>
+          <p:nvPr/>
+        </p:nvSpPr>
+        <p:spPr>
+          <a:xfrm>
+            <a:off x="4995512" y="1973178"/>
+            <a:ext cx="3513221" cy="369332"/>
+          </a:xfrm>
+          <a:prstGeom prst="rect">
+            <a:avLst/>
+          </a:prstGeom>
+          <a:noFill/>
+        </p:spPr>
+        <p:txBody>
+          <a:bodyPr wrap="square" rtlCol="0">
+            <a:spAutoFit/>
+          </a:bodyPr>
+          <a:lstStyle/>
+          <a:p>
+            <a:r>
+              <a:rPr lang="en-US" dirty="0" err="1" smtClean="0"/>
+              <a:t>SQLite-Datenbank</a:t>
+            </a:r>
+            <a:endParaRPr lang="en-US" dirty="0"/>
+          </a:p>
+        </p:txBody>
+      </p:sp>
+    </p:spTree>
+  </p:cSld>
+  <p:clrMapOvr>
+    <a:masterClrMapping/>
+  </p:clrMapOvr>
+  <p:timing>
+    <p:tnLst>
+      <p:par>
+        <p:cTn id="1" dur="indefinite" restart="never" nodeType="tmRoot"/>
+      </p:par>
+    </p:tnLst>
+  </p:timing>
 </p:sld>
 </file>
 
@@ -6858,14 +9578,126 @@
           <a:bodyPr/>
           <a:lstStyle/>
           <a:p>
-            <a:endParaRPr lang="de-DE"/>
-          </a:p>
-        </p:txBody>
-      </p:sp>
+            <a:pPr marL="731520" lvl="1" indent="-457200">
+              <a:buAutoNum type="arabicPeriod"/>
+            </a:pPr>
+            <a:endParaRPr lang="en-US" dirty="0" smtClean="0"/>
+          </a:p>
+          <a:p>
+            <a:pPr marL="731520" lvl="1" indent="-457200">
+              <a:buAutoNum type="arabicPeriod"/>
+            </a:pPr>
+            <a:endParaRPr lang="en-US" dirty="0" smtClean="0"/>
+          </a:p>
+          <a:p>
+            <a:pPr marL="731520" lvl="1" indent="-457200">
+              <a:buAutoNum type="arabicPeriod"/>
+            </a:pPr>
+            <a:endParaRPr lang="en-US" dirty="0" smtClean="0"/>
+          </a:p>
+          <a:p>
+            <a:pPr marL="731520" lvl="1" indent="-457200">
+              <a:buAutoNum type="arabicPeriod"/>
+            </a:pPr>
+            <a:r>
+              <a:rPr lang="en-US" dirty="0" err="1" smtClean="0"/>
+              <a:t>Projektthema</a:t>
+            </a:r>
+            <a:endParaRPr lang="en-US" dirty="0" smtClean="0"/>
+          </a:p>
+          <a:p>
+            <a:pPr marL="731520" lvl="1" indent="-457200">
+              <a:buAutoNum type="arabicPeriod"/>
+            </a:pPr>
+            <a:r>
+              <a:rPr lang="en-US" dirty="0" err="1" smtClean="0"/>
+              <a:t>Arbeitsweise</a:t>
+            </a:r>
+            <a:r>
+              <a:rPr lang="en-US" dirty="0" smtClean="0"/>
+              <a:t> </a:t>
+            </a:r>
+            <a:r>
+              <a:rPr lang="en-US" dirty="0" err="1" smtClean="0"/>
+              <a:t>im</a:t>
+            </a:r>
+            <a:r>
+              <a:rPr lang="en-US" dirty="0" smtClean="0"/>
+              <a:t> Team</a:t>
+            </a:r>
+          </a:p>
+          <a:p>
+            <a:pPr marL="731520" lvl="1" indent="-457200">
+              <a:buAutoNum type="arabicPeriod"/>
+            </a:pPr>
+            <a:r>
+              <a:rPr lang="en-US" dirty="0" err="1" smtClean="0"/>
+              <a:t>Projektstrukturplan</a:t>
+            </a:r>
+            <a:endParaRPr lang="en-US" dirty="0" smtClean="0"/>
+          </a:p>
+          <a:p>
+            <a:pPr marL="731520" lvl="1" indent="-457200">
+              <a:buAutoNum type="arabicPeriod"/>
+            </a:pPr>
+            <a:r>
+              <a:rPr lang="en-US" dirty="0" err="1" smtClean="0"/>
+              <a:t>Beispiel-Arbeitspaket</a:t>
+            </a:r>
+            <a:endParaRPr lang="en-US" dirty="0" smtClean="0"/>
+          </a:p>
+          <a:p>
+            <a:pPr marL="731520" lvl="1" indent="-457200">
+              <a:buAutoNum type="arabicPeriod"/>
+            </a:pPr>
+            <a:r>
+              <a:rPr lang="en-US" dirty="0" smtClean="0"/>
+              <a:t>Gantt-</a:t>
+            </a:r>
+            <a:r>
+              <a:rPr lang="en-US" dirty="0" err="1" smtClean="0"/>
+              <a:t>Diagramm</a:t>
+            </a:r>
+            <a:r>
+              <a:rPr lang="en-US" dirty="0" smtClean="0"/>
+              <a:t> &amp; MS-Project</a:t>
+            </a:r>
+          </a:p>
+          <a:p>
+            <a:endParaRPr lang="de-DE" dirty="0"/>
+          </a:p>
+        </p:txBody>
+      </p:sp>
+      <p:pic>
+        <p:nvPicPr>
+          <p:cNvPr id="32770" name="Picture 2" descr="https://s-media-cache-ak0.pinimg.com/originals/7b/83/0f/7b830f63e35bc03388b8f54e47bdb006.png"/>
+          <p:cNvPicPr>
+            <a:picLocks noChangeAspect="1" noChangeArrowheads="1"/>
+          </p:cNvPicPr>
+          <p:nvPr/>
+        </p:nvPicPr>
+        <p:blipFill>
+          <a:blip r:embed="rId2" cstate="print"/>
+          <a:srcRect/>
+          <a:stretch>
+            <a:fillRect/>
+          </a:stretch>
+        </p:blipFill>
+        <p:spPr bwMode="auto">
+          <a:xfrm>
+            <a:off x="5969234" y="2537543"/>
+            <a:ext cx="4000500" cy="2800351"/>
+          </a:xfrm>
+          <a:prstGeom prst="rect">
+            <a:avLst/>
+          </a:prstGeom>
+          <a:noFill/>
+        </p:spPr>
+      </p:pic>
     </p:spTree>
     <p:extLst>
       <p:ext uri="{BB962C8B-B14F-4D97-AF65-F5344CB8AC3E}">
-        <p14:creationId xmlns:p14="http://schemas.microsoft.com/office/powerpoint/2010/main" val="1283623021"/>
+        <p14:creationId xmlns:p14="http://schemas.microsoft.com/office/powerpoint/2010/main" xmlns="" val="1283623021"/>
       </p:ext>
     </p:extLst>
   </p:cSld>
@@ -7092,7 +9924,7 @@
           <p:nvPr/>
         </p:nvPicPr>
         <p:blipFill>
-          <a:blip r:embed="rId3"/>
+          <a:blip r:embed="rId3" cstate="print"/>
           <a:stretch>
             <a:fillRect/>
           </a:stretch>
@@ -7110,7 +9942,7 @@
     </p:spTree>
     <p:extLst>
       <p:ext uri="{BB962C8B-B14F-4D97-AF65-F5344CB8AC3E}">
-        <p14:creationId xmlns:p14="http://schemas.microsoft.com/office/powerpoint/2010/main" val="1365594880"/>
+        <p14:creationId xmlns:p14="http://schemas.microsoft.com/office/powerpoint/2010/main" xmlns="" val="1365594880"/>
       </p:ext>
     </p:extLst>
   </p:cSld>
@@ -7153,72 +9985,27 @@
           <a:lstStyle/>
           <a:p>
             <a:r>
-              <a:rPr lang="en-US" dirty="0" err="1"/>
-              <a:t>Arbeitsweise</a:t>
-            </a:r>
-            <a:r>
-              <a:rPr lang="en-US" dirty="0"/>
-              <a:t> </a:t>
-            </a:r>
-            <a:r>
-              <a:rPr lang="en-US" dirty="0" err="1"/>
-              <a:t>im</a:t>
-            </a:r>
-            <a:r>
-              <a:rPr lang="en-US" dirty="0"/>
-              <a:t> Team</a:t>
-            </a:r>
-            <a:endParaRPr lang="de-DE" dirty="0"/>
-          </a:p>
-        </p:txBody>
-      </p:sp>
-      <p:sp>
-        <p:nvSpPr>
-          <p:cNvPr id="3" name="Inhaltsplatzhalter 2"/>
-          <p:cNvSpPr>
-            <a:spLocks noGrp="1"/>
-          </p:cNvSpPr>
-          <p:nvPr>
-            <p:ph idx="1"/>
-          </p:nvPr>
-        </p:nvSpPr>
-        <p:spPr/>
-        <p:txBody>
-          <a:bodyPr/>
-          <a:lstStyle/>
-          <a:p>
-            <a:endParaRPr lang="de-DE" dirty="0"/>
-          </a:p>
-          <a:p>
-            <a:r>
-              <a:rPr lang="de-DE" dirty="0"/>
-              <a:t>Übliche Kommunikationswege</a:t>
-            </a:r>
-          </a:p>
-          <a:p>
-            <a:r>
-              <a:rPr lang="de-DE" dirty="0"/>
-              <a:t>Team-Meetings: Persönlich, jeden Mittwoch</a:t>
-            </a:r>
+              <a:rPr lang="en-US" dirty="0" err="1" smtClean="0"/>
+              <a:t>Ähnliche</a:t>
+            </a:r>
+            <a:r>
+              <a:rPr lang="en-US" dirty="0" smtClean="0"/>
+              <a:t> Software: </a:t>
+            </a:r>
+            <a:endParaRPr lang="en-US" dirty="0"/>
           </a:p>
         </p:txBody>
       </p:sp>
       <p:pic>
         <p:nvPicPr>
-          <p:cNvPr id="2050" name="Picture 2" descr="http://www.freeiconspng.com/uploads/meeting-icon-11.png"/>
+          <p:cNvPr id="49154" name="Picture 2"/>
           <p:cNvPicPr>
             <a:picLocks noChangeAspect="1" noChangeArrowheads="1"/>
           </p:cNvPicPr>
           <p:nvPr/>
         </p:nvPicPr>
         <p:blipFill>
-          <a:blip r:embed="rId3">
-            <a:extLst>
-              <a:ext uri="{28A0092B-C50C-407E-A947-70E740481C1C}">
-                <a14:useLocalDpi xmlns:a14="http://schemas.microsoft.com/office/drawing/2010/main" val="0"/>
-              </a:ext>
-            </a:extLst>
-          </a:blip>
+          <a:blip r:embed="rId2" cstate="print"/>
           <a:srcRect/>
           <a:stretch>
             <a:fillRect/>
@@ -7226,34 +10013,100 @@
         </p:blipFill>
         <p:spPr bwMode="auto">
           <a:xfrm>
-            <a:off x="6483639" y="1063336"/>
-            <a:ext cx="5032664" cy="5032664"/>
+            <a:off x="1116529" y="3204431"/>
+            <a:ext cx="7295952" cy="1597124"/>
           </a:xfrm>
           <a:prstGeom prst="rect">
             <a:avLst/>
           </a:prstGeom>
           <a:noFill/>
-          <a:extLst>
-            <a:ext uri="{909E8E84-426E-40DD-AFC4-6F175D3DCCD1}">
-              <a14:hiddenFill xmlns:a14="http://schemas.microsoft.com/office/drawing/2010/main">
-                <a:solidFill>
-                  <a:srgbClr val="FFFFFF"/>
-                </a:solidFill>
-              </a14:hiddenFill>
-            </a:ext>
-          </a:extLst>
+          <a:ln w="9525">
+            <a:solidFill>
+              <a:schemeClr val="tx1"/>
+            </a:solidFill>
+            <a:miter lim="800000"/>
+            <a:headEnd/>
+            <a:tailEnd/>
+          </a:ln>
+          <a:effectLst/>
+        </p:spPr>
+      </p:pic>
+      <p:pic>
+        <p:nvPicPr>
+          <p:cNvPr id="49156" name="Picture 4" descr="http://www.extendedvolume.com/wp-content/uploads/2015/02/trello-logo-blue.png"/>
+          <p:cNvPicPr>
+            <a:picLocks noChangeAspect="1" noChangeArrowheads="1"/>
+          </p:cNvPicPr>
+          <p:nvPr/>
+        </p:nvPicPr>
+        <p:blipFill>
+          <a:blip r:embed="rId3" cstate="print"/>
+          <a:srcRect/>
+          <a:stretch>
+            <a:fillRect/>
+          </a:stretch>
+        </p:blipFill>
+        <p:spPr bwMode="auto">
+          <a:xfrm>
+            <a:off x="5669278" y="755898"/>
+            <a:ext cx="3177704" cy="976650"/>
+          </a:xfrm>
+          <a:prstGeom prst="rect">
+            <a:avLst/>
+          </a:prstGeom>
+          <a:noFill/>
+          <a:ln>
+            <a:noFill/>
+          </a:ln>
+        </p:spPr>
+      </p:pic>
+      <p:pic>
+        <p:nvPicPr>
+          <p:cNvPr id="49157" name="Picture 5"/>
+          <p:cNvPicPr>
+            <a:picLocks noChangeAspect="1" noChangeArrowheads="1"/>
+          </p:cNvPicPr>
+          <p:nvPr/>
+        </p:nvPicPr>
+        <p:blipFill>
+          <a:blip r:embed="rId4" cstate="print"/>
+          <a:srcRect/>
+          <a:stretch>
+            <a:fillRect/>
+          </a:stretch>
+        </p:blipFill>
+        <p:spPr bwMode="auto">
+          <a:xfrm>
+            <a:off x="9389013" y="1232034"/>
+            <a:ext cx="1712374" cy="5112920"/>
+          </a:xfrm>
+          <a:prstGeom prst="rect">
+            <a:avLst/>
+          </a:prstGeom>
+          <a:noFill/>
+          <a:ln w="9525">
+            <a:solidFill>
+              <a:schemeClr val="tx1"/>
+            </a:solidFill>
+            <a:miter lim="800000"/>
+            <a:headEnd/>
+            <a:tailEnd/>
+          </a:ln>
+          <a:effectLst/>
         </p:spPr>
       </p:pic>
     </p:spTree>
-    <p:extLst>
-      <p:ext uri="{BB962C8B-B14F-4D97-AF65-F5344CB8AC3E}">
-        <p14:creationId xmlns:p14="http://schemas.microsoft.com/office/powerpoint/2010/main" val="926776740"/>
-      </p:ext>
-    </p:extLst>
   </p:cSld>
   <p:clrMapOvr>
     <a:masterClrMapping/>
   </p:clrMapOvr>
+  <p:timing>
+    <p:tnLst>
+      <p:par>
+        <p:cTn id="1" dur="indefinite" restart="never" nodeType="tmRoot"/>
+      </p:par>
+    </p:tnLst>
+  </p:timing>
 </p:sld>
 </file>
 
@@ -7290,9 +10143,14 @@
           <a:lstStyle/>
           <a:p>
             <a:r>
-              <a:rPr lang="de-DE" dirty="0"/>
-              <a:t>Arbeitsweise im Team</a:t>
-            </a:r>
+              <a:rPr lang="en-US" dirty="0" err="1" smtClean="0"/>
+              <a:t>Ähnliche</a:t>
+            </a:r>
+            <a:r>
+              <a:rPr lang="en-US" dirty="0" smtClean="0"/>
+              <a:t> Software: 	</a:t>
+            </a:r>
+            <a:endParaRPr lang="en-US" dirty="0"/>
           </a:p>
         </p:txBody>
       </p:sp>
@@ -7311,49 +10169,83 @@
           <a:bodyPr/>
           <a:lstStyle/>
           <a:p>
-            <a:endParaRPr lang="de-DE"/>
+            <a:endParaRPr lang="en-US"/>
           </a:p>
         </p:txBody>
       </p:sp>
       <p:pic>
         <p:nvPicPr>
-          <p:cNvPr id="4" name="Grafik 3"/>
+          <p:cNvPr id="53250" name="Picture 2"/>
           <p:cNvPicPr>
-            <a:picLocks noChangeAspect="1"/>
+            <a:picLocks noChangeAspect="1" noChangeArrowheads="1"/>
           </p:cNvPicPr>
           <p:nvPr/>
         </p:nvPicPr>
         <p:blipFill>
-          <a:blip r:embed="rId2"/>
+          <a:blip r:embed="rId2" cstate="print"/>
+          <a:srcRect/>
           <a:stretch>
             <a:fillRect/>
           </a:stretch>
         </p:blipFill>
-        <p:spPr>
+        <p:spPr bwMode="auto">
           <a:xfrm>
-            <a:off x="3034834" y="1783010"/>
-            <a:ext cx="6089201" cy="4587380"/>
+            <a:off x="3195587" y="2108961"/>
+            <a:ext cx="6102416" cy="4233476"/>
           </a:xfrm>
           <a:prstGeom prst="rect">
             <a:avLst/>
           </a:prstGeom>
-          <a:ln>
+          <a:noFill/>
+          <a:ln w="9525">
             <a:solidFill>
               <a:schemeClr val="tx1"/>
             </a:solidFill>
+            <a:miter lim="800000"/>
+            <a:headEnd/>
+            <a:tailEnd/>
           </a:ln>
+          <a:effectLst/>
+        </p:spPr>
+      </p:pic>
+      <p:pic>
+        <p:nvPicPr>
+          <p:cNvPr id="53252" name="Picture 4" descr="https://upload.wikimedia.org/wikipedia/en/thumb/b/bf/JIRA_logo.svg/800px-JIRA_logo.svg.png"/>
+          <p:cNvPicPr>
+            <a:picLocks noChangeAspect="1" noChangeArrowheads="1"/>
+          </p:cNvPicPr>
+          <p:nvPr/>
+        </p:nvPicPr>
+        <p:blipFill>
+          <a:blip r:embed="rId3" cstate="print"/>
+          <a:srcRect/>
+          <a:stretch>
+            <a:fillRect/>
+          </a:stretch>
+        </p:blipFill>
+        <p:spPr bwMode="auto">
+          <a:xfrm>
+            <a:off x="5582653" y="480479"/>
+            <a:ext cx="2866690" cy="1433345"/>
+          </a:xfrm>
+          <a:prstGeom prst="rect">
+            <a:avLst/>
+          </a:prstGeom>
+          <a:noFill/>
         </p:spPr>
       </p:pic>
     </p:spTree>
-    <p:extLst>
-      <p:ext uri="{BB962C8B-B14F-4D97-AF65-F5344CB8AC3E}">
-        <p14:creationId xmlns:p14="http://schemas.microsoft.com/office/powerpoint/2010/main" val="1356553071"/>
-      </p:ext>
-    </p:extLst>
   </p:cSld>
   <p:clrMapOvr>
     <a:masterClrMapping/>
   </p:clrMapOvr>
+  <p:timing>
+    <p:tnLst>
+      <p:par>
+        <p:cTn id="1" dur="indefinite" restart="never" nodeType="tmRoot"/>
+      </p:par>
+    </p:tnLst>
+  </p:timing>
 </p:sld>
 </file>
 
@@ -7384,95 +10276,107 @@
             <p:ph type="title"/>
           </p:nvPr>
         </p:nvSpPr>
-        <p:spPr>
-          <a:xfrm>
-            <a:off x="1143000" y="609600"/>
-            <a:ext cx="9875520" cy="1356360"/>
-          </a:xfrm>
-        </p:spPr>
+        <p:spPr/>
         <p:txBody>
           <a:bodyPr/>
           <a:lstStyle/>
           <a:p>
             <a:r>
+              <a:rPr lang="en-US" dirty="0" err="1"/>
+              <a:t>Arbeitsweise</a:t>
+            </a:r>
+            <a:r>
+              <a:rPr lang="en-US" dirty="0"/>
+              <a:t> </a:t>
+            </a:r>
+            <a:r>
+              <a:rPr lang="en-US" dirty="0" err="1"/>
+              <a:t>im</a:t>
+            </a:r>
+            <a:r>
+              <a:rPr lang="en-US" dirty="0"/>
+              <a:t> Team</a:t>
+            </a:r>
+            <a:endParaRPr lang="de-DE" dirty="0"/>
+          </a:p>
+        </p:txBody>
+      </p:sp>
+      <p:sp>
+        <p:nvSpPr>
+          <p:cNvPr id="3" name="Inhaltsplatzhalter 2"/>
+          <p:cNvSpPr>
+            <a:spLocks noGrp="1"/>
+          </p:cNvSpPr>
+          <p:nvPr>
+            <p:ph idx="1"/>
+          </p:nvPr>
+        </p:nvSpPr>
+        <p:spPr/>
+        <p:txBody>
+          <a:bodyPr/>
+          <a:lstStyle/>
+          <a:p>
+            <a:endParaRPr lang="de-DE" dirty="0"/>
+          </a:p>
+          <a:p>
+            <a:r>
               <a:rPr lang="de-DE" dirty="0"/>
-              <a:t>Arbeitsweise im Team</a:t>
+              <a:t>Übliche Kommunikationswege</a:t>
+            </a:r>
+          </a:p>
+          <a:p>
+            <a:r>
+              <a:rPr lang="de-DE" dirty="0"/>
+              <a:t>Team-Meetings: Persönlich, jeden Mittwoch</a:t>
             </a:r>
           </a:p>
         </p:txBody>
       </p:sp>
       <p:pic>
         <p:nvPicPr>
-          <p:cNvPr id="4" name="Inhaltsplatzhalter 3">
-            <a:hlinkClick r:id="rId3"/>
-          </p:cNvPr>
+          <p:cNvPr id="2050" name="Picture 2" descr="http://www.freeiconspng.com/uploads/meeting-icon-11.png"/>
           <p:cNvPicPr>
-            <a:picLocks noGrp="1" noChangeAspect="1"/>
+            <a:picLocks noChangeAspect="1" noChangeArrowheads="1"/>
           </p:cNvPicPr>
-          <p:nvPr>
-            <p:ph idx="1"/>
-          </p:nvPr>
+          <p:nvPr/>
         </p:nvPicPr>
         <p:blipFill>
-          <a:blip r:embed="rId4">
+          <a:blip r:embed="rId3" cstate="print">
             <a:extLst>
               <a:ext uri="{28A0092B-C50C-407E-A947-70E740481C1C}">
-                <a14:useLocalDpi xmlns:a14="http://schemas.microsoft.com/office/drawing/2010/main" val="0"/>
+                <a14:useLocalDpi xmlns:a14="http://schemas.microsoft.com/office/drawing/2010/main" xmlns="" val="0"/>
               </a:ext>
             </a:extLst>
           </a:blip>
+          <a:srcRect/>
           <a:stretch>
             <a:fillRect/>
           </a:stretch>
         </p:blipFill>
-        <p:spPr>
+        <p:spPr bwMode="auto">
           <a:xfrm>
-            <a:off x="1323089" y="2380307"/>
-            <a:ext cx="9515341" cy="2780345"/>
-          </a:xfrm>
-          <a:ln>
-            <a:solidFill>
-              <a:schemeClr val="tx1"/>
-            </a:solidFill>
-          </a:ln>
-        </p:spPr>
-      </p:pic>
-      <p:sp>
-        <p:nvSpPr>
-          <p:cNvPr id="3" name="Textfeld 2"/>
-          <p:cNvSpPr txBox="1"/>
-          <p:nvPr/>
-        </p:nvSpPr>
-        <p:spPr>
-          <a:xfrm>
-            <a:off x="3879273" y="5652655"/>
-            <a:ext cx="8229600" cy="369332"/>
+            <a:off x="6483639" y="1063336"/>
+            <a:ext cx="5032664" cy="5032664"/>
           </a:xfrm>
           <a:prstGeom prst="rect">
             <a:avLst/>
           </a:prstGeom>
           <a:noFill/>
+          <a:extLst>
+            <a:ext uri="{909E8E84-426E-40DD-AFC4-6F175D3DCCD1}">
+              <a14:hiddenFill xmlns:a14="http://schemas.microsoft.com/office/drawing/2010/main" xmlns="">
+                <a:solidFill>
+                  <a:srgbClr val="FFFFFF"/>
+                </a:solidFill>
+              </a14:hiddenFill>
+            </a:ext>
+          </a:extLst>
         </p:spPr>
-        <p:txBody>
-          <a:bodyPr wrap="square" rtlCol="0">
-            <a:spAutoFit/>
-          </a:bodyPr>
-          <a:lstStyle/>
-          <a:p>
-            <a:r>
-              <a:rPr lang="de-DE" dirty="0">
-                <a:hlinkClick r:id="rId3"/>
-              </a:rPr>
-              <a:t>https://github.com/Kulu-M/KanBan-App</a:t>
-            </a:r>
-            <a:endParaRPr lang="de-DE" dirty="0"/>
-          </a:p>
-        </p:txBody>
-      </p:sp>
+      </p:pic>
     </p:spTree>
     <p:extLst>
       <p:ext uri="{BB962C8B-B14F-4D97-AF65-F5344CB8AC3E}">
-        <p14:creationId xmlns:p14="http://schemas.microsoft.com/office/powerpoint/2010/main" val="2572582620"/>
+        <p14:creationId xmlns:p14="http://schemas.microsoft.com/office/powerpoint/2010/main" xmlns="" val="926776740"/>
       </p:ext>
     </p:extLst>
   </p:cSld>
@@ -7515,49 +10419,31 @@
           <a:lstStyle/>
           <a:p>
             <a:r>
-              <a:rPr lang="de-DE" dirty="0"/>
-              <a:t>Projektstrukturplan</a:t>
-            </a:r>
-          </a:p>
-        </p:txBody>
-      </p:sp>
-      <p:sp>
-        <p:nvSpPr>
-          <p:cNvPr id="3" name="Inhaltsplatzhalter 2"/>
-          <p:cNvSpPr>
-            <a:spLocks noGrp="1"/>
-          </p:cNvSpPr>
-          <p:nvPr>
-            <p:ph idx="1"/>
-          </p:nvPr>
-        </p:nvSpPr>
-        <p:spPr/>
-        <p:txBody>
-          <a:bodyPr/>
-          <a:lstStyle/>
-          <a:p>
-            <a:endParaRPr lang="de-DE"/>
+              <a:rPr lang="de-DE" dirty="0" smtClean="0"/>
+              <a:t>Meeting-Protokoll</a:t>
+            </a:r>
+            <a:endParaRPr lang="de-DE" dirty="0"/>
           </a:p>
         </p:txBody>
       </p:sp>
       <p:pic>
         <p:nvPicPr>
-          <p:cNvPr id="5" name="Grafik 4"/>
+          <p:cNvPr id="4" name="Grafik 3"/>
           <p:cNvPicPr>
             <a:picLocks noChangeAspect="1"/>
           </p:cNvPicPr>
           <p:nvPr/>
         </p:nvPicPr>
         <p:blipFill>
-          <a:blip r:embed="rId2"/>
+          <a:blip r:embed="rId2" cstate="print"/>
           <a:stretch>
             <a:fillRect/>
           </a:stretch>
         </p:blipFill>
         <p:spPr>
           <a:xfrm>
-            <a:off x="1355035" y="2466542"/>
-            <a:ext cx="9448800" cy="2943225"/>
+            <a:off x="3034834" y="1783010"/>
+            <a:ext cx="6089201" cy="4587380"/>
           </a:xfrm>
           <a:prstGeom prst="rect">
             <a:avLst/>
@@ -7572,7 +10458,7 @@
     </p:spTree>
     <p:extLst>
       <p:ext uri="{BB962C8B-B14F-4D97-AF65-F5344CB8AC3E}">
-        <p14:creationId xmlns:p14="http://schemas.microsoft.com/office/powerpoint/2010/main" val="346870178"/>
+        <p14:creationId xmlns:p14="http://schemas.microsoft.com/office/powerpoint/2010/main" xmlns="" val="1356553071"/>
       </p:ext>
     </p:extLst>
   </p:cSld>
@@ -7615,49 +10501,115 @@
           <a:lstStyle/>
           <a:p>
             <a:r>
-              <a:rPr lang="de-DE" dirty="0"/>
-              <a:t>Projektstrukturplan</a:t>
-            </a:r>
+              <a:rPr lang="en-US" dirty="0" err="1" smtClean="0"/>
+              <a:t>Arbeitsweise</a:t>
+            </a:r>
+            <a:r>
+              <a:rPr lang="en-US" dirty="0" smtClean="0"/>
+              <a:t> </a:t>
+            </a:r>
+            <a:r>
+              <a:rPr lang="en-US" dirty="0" err="1" smtClean="0"/>
+              <a:t>im</a:t>
+            </a:r>
+            <a:r>
+              <a:rPr lang="en-US" dirty="0" smtClean="0"/>
+              <a:t> Team</a:t>
+            </a:r>
+            <a:endParaRPr lang="en-US" dirty="0"/>
+          </a:p>
+        </p:txBody>
+      </p:sp>
+      <p:sp>
+        <p:nvSpPr>
+          <p:cNvPr id="3" name="Inhaltsplatzhalter 2"/>
+          <p:cNvSpPr>
+            <a:spLocks noGrp="1"/>
+          </p:cNvSpPr>
+          <p:nvPr>
+            <p:ph idx="1"/>
+          </p:nvPr>
+        </p:nvSpPr>
+        <p:spPr/>
+        <p:txBody>
+          <a:bodyPr/>
+          <a:lstStyle/>
+          <a:p>
+            <a:endParaRPr lang="en-US" dirty="0"/>
           </a:p>
         </p:txBody>
       </p:sp>
       <p:pic>
         <p:nvPicPr>
-          <p:cNvPr id="4" name="Inhaltsplatzhalter 3"/>
+          <p:cNvPr id="52226" name="Picture 2"/>
           <p:cNvPicPr>
-            <a:picLocks noGrp="1" noChangeAspect="1"/>
+            <a:picLocks noChangeAspect="1" noChangeArrowheads="1"/>
           </p:cNvPicPr>
-          <p:nvPr>
-            <p:ph idx="1"/>
-          </p:nvPr>
+          <p:nvPr/>
         </p:nvPicPr>
         <p:blipFill>
-          <a:blip r:embed="rId2"/>
+          <a:blip r:embed="rId3" cstate="print"/>
+          <a:srcRect/>
           <a:stretch>
             <a:fillRect/>
           </a:stretch>
         </p:blipFill>
-        <p:spPr>
+        <p:spPr bwMode="auto">
           <a:xfrm>
-            <a:off x="2931683" y="1708123"/>
-            <a:ext cx="6298154" cy="4688819"/>
+            <a:off x="7095008" y="779646"/>
+            <a:ext cx="3143965" cy="5562399"/>
           </a:xfrm>
           <a:prstGeom prst="rect">
             <a:avLst/>
           </a:prstGeom>
-          <a:ln>
+          <a:noFill/>
+          <a:ln w="9525">
             <a:solidFill>
               <a:schemeClr val="tx1"/>
             </a:solidFill>
+            <a:miter lim="800000"/>
+            <a:headEnd/>
+            <a:tailEnd/>
           </a:ln>
+          <a:effectLst/>
+        </p:spPr>
+      </p:pic>
+      <p:pic>
+        <p:nvPicPr>
+          <p:cNvPr id="52227" name="Picture 3"/>
+          <p:cNvPicPr>
+            <a:picLocks noChangeAspect="1" noChangeArrowheads="1"/>
+          </p:cNvPicPr>
+          <p:nvPr/>
+        </p:nvPicPr>
+        <p:blipFill>
+          <a:blip r:embed="rId4" cstate="print"/>
+          <a:srcRect/>
+          <a:stretch>
+            <a:fillRect/>
+          </a:stretch>
+        </p:blipFill>
+        <p:spPr bwMode="auto">
+          <a:xfrm>
+            <a:off x="2896401" y="2118360"/>
+            <a:ext cx="2895600" cy="3352800"/>
+          </a:xfrm>
+          <a:prstGeom prst="rect">
+            <a:avLst/>
+          </a:prstGeom>
+          <a:noFill/>
+          <a:ln w="9525">
+            <a:solidFill>
+              <a:schemeClr val="tx1"/>
+            </a:solidFill>
+            <a:miter lim="800000"/>
+            <a:headEnd/>
+            <a:tailEnd/>
+          </a:ln>
+          <a:effectLst/>
         </p:spPr>
       </p:pic>
     </p:spTree>
-    <p:extLst>
-      <p:ext uri="{BB962C8B-B14F-4D97-AF65-F5344CB8AC3E}">
-        <p14:creationId xmlns:p14="http://schemas.microsoft.com/office/powerpoint/2010/main" val="711080358"/>
-      </p:ext>
-    </p:extLst>
   </p:cSld>
   <p:clrMapOvr>
     <a:masterClrMapping/>
@@ -7708,7 +10660,7 @@
     </a:clrScheme>
     <a:fontScheme name="Basis">
       <a:majorFont>
-        <a:latin typeface="Corbel" panose="020B0503020204020204"/>
+        <a:latin typeface="Corbel"/>
         <a:ea typeface=""/>
         <a:cs typeface=""/>
         <a:font script="Jpan" typeface="ＭＳ ゴシック"/>
@@ -7743,7 +10695,7 @@
         <a:font script="Geor" typeface="Sylfaen"/>
       </a:majorFont>
       <a:minorFont>
-        <a:latin typeface="Corbel" panose="020B0503020204020204"/>
+        <a:latin typeface="Corbel"/>
         <a:ea typeface=""/>
         <a:cs typeface=""/>
         <a:font script="Jpan" typeface="ＭＳ ゴシック"/>
@@ -7896,7 +10848,7 @@
   <a:extraClrSchemeLst/>
   <a:extLst>
     <a:ext uri="{05A4C25C-085E-4340-85A3-A5531E510DB2}">
-      <thm15:themeFamily xmlns:thm15="http://schemas.microsoft.com/office/thememl/2012/main" name="Basis" id="{5665723A-49BA-4B57-8411-A56F8F207965}" vid="{90E45F77-AEFC-46EF-A7C1-5B338C297B02}"/>
+      <thm15:themeFamily xmlns:thm15="http://schemas.microsoft.com/office/thememl/2012/main" xmlns="" name="Basis" id="{5665723A-49BA-4B57-8411-A56F8F207965}" vid="{90E45F77-AEFC-46EF-A7C1-5B338C297B02}"/>
     </a:ext>
   </a:extLst>
 </a:theme>
@@ -7945,7 +10897,7 @@
     </a:clrScheme>
     <a:fontScheme name="Office">
       <a:majorFont>
-        <a:latin typeface="Calibri Light" panose="020F0302020204030204"/>
+        <a:latin typeface="Calibri Light"/>
         <a:ea typeface=""/>
         <a:cs typeface=""/>
         <a:font script="Jpan" typeface="游ゴシック Light"/>
@@ -7997,7 +10949,7 @@
         <a:font script="Tfng" typeface="Ebrima"/>
       </a:majorFont>
       <a:minorFont>
-        <a:latin typeface="Calibri" panose="020F0502020204030204"/>
+        <a:latin typeface="Calibri"/>
         <a:ea typeface=""/>
         <a:cs typeface=""/>
         <a:font script="Jpan" typeface="游ゴシック"/>
@@ -8191,7 +11143,7 @@
   <a:extraClrSchemeLst/>
   <a:extLst>
     <a:ext uri="{05A4C25C-085E-4340-85A3-A5531E510DB2}">
-      <thm15:themeFamily xmlns:thm15="http://schemas.microsoft.com/office/thememl/2012/main" name="Office Theme" id="{62F939B6-93AF-4DB8-9C6B-D6C7DFDC589F}" vid="{4A3C46E8-61CC-4603-A589-7422A47A8E4A}"/>
+      <thm15:themeFamily xmlns:thm15="http://schemas.microsoft.com/office/thememl/2012/main" xmlns="" name="Office Theme" id="{62F939B6-93AF-4DB8-9C6B-D6C7DFDC589F}" vid="{4A3C46E8-61CC-4603-A589-7422A47A8E4A}"/>
     </a:ext>
   </a:extLst>
 </a:theme>

--- a/KanBan-App/Documents/Abschlusspräsentation/Projektmanagement.pptx
+++ b/KanBan-App/Documents/Abschlusspräsentation/Projektmanagement.pptx
@@ -5,7 +5,7 @@
     <p:sldMasterId id="2147483660" r:id="rId1"/>
   </p:sldMasterIdLst>
   <p:notesMasterIdLst>
-    <p:notesMasterId r:id="rId37"/>
+    <p:notesMasterId r:id="rId39"/>
   </p:notesMasterIdLst>
   <p:sldIdLst>
     <p:sldId id="256" r:id="rId2"/>
@@ -20,29 +20,31 @@
     <p:sldId id="268" r:id="rId11"/>
     <p:sldId id="282" r:id="rId12"/>
     <p:sldId id="260" r:id="rId13"/>
-    <p:sldId id="261" r:id="rId14"/>
-    <p:sldId id="267" r:id="rId15"/>
-    <p:sldId id="288" r:id="rId16"/>
-    <p:sldId id="263" r:id="rId17"/>
-    <p:sldId id="270" r:id="rId18"/>
-    <p:sldId id="264" r:id="rId19"/>
-    <p:sldId id="272" r:id="rId20"/>
-    <p:sldId id="291" r:id="rId21"/>
-    <p:sldId id="277" r:id="rId22"/>
-    <p:sldId id="292" r:id="rId23"/>
-    <p:sldId id="289" r:id="rId24"/>
-    <p:sldId id="266" r:id="rId25"/>
-    <p:sldId id="279" r:id="rId26"/>
-    <p:sldId id="273" r:id="rId27"/>
-    <p:sldId id="274" r:id="rId28"/>
-    <p:sldId id="290" r:id="rId29"/>
-    <p:sldId id="275" r:id="rId30"/>
-    <p:sldId id="281" r:id="rId31"/>
-    <p:sldId id="278" r:id="rId32"/>
-    <p:sldId id="284" r:id="rId33"/>
-    <p:sldId id="293" r:id="rId34"/>
-    <p:sldId id="286" r:id="rId35"/>
-    <p:sldId id="287" r:id="rId36"/>
+    <p:sldId id="296" r:id="rId14"/>
+    <p:sldId id="261" r:id="rId15"/>
+    <p:sldId id="267" r:id="rId16"/>
+    <p:sldId id="288" r:id="rId17"/>
+    <p:sldId id="263" r:id="rId18"/>
+    <p:sldId id="270" r:id="rId19"/>
+    <p:sldId id="264" r:id="rId20"/>
+    <p:sldId id="272" r:id="rId21"/>
+    <p:sldId id="291" r:id="rId22"/>
+    <p:sldId id="277" r:id="rId23"/>
+    <p:sldId id="292" r:id="rId24"/>
+    <p:sldId id="289" r:id="rId25"/>
+    <p:sldId id="266" r:id="rId26"/>
+    <p:sldId id="279" r:id="rId27"/>
+    <p:sldId id="273" r:id="rId28"/>
+    <p:sldId id="274" r:id="rId29"/>
+    <p:sldId id="290" r:id="rId30"/>
+    <p:sldId id="275" r:id="rId31"/>
+    <p:sldId id="297" r:id="rId32"/>
+    <p:sldId id="281" r:id="rId33"/>
+    <p:sldId id="278" r:id="rId34"/>
+    <p:sldId id="284" r:id="rId35"/>
+    <p:sldId id="293" r:id="rId36"/>
+    <p:sldId id="286" r:id="rId37"/>
+    <p:sldId id="287" r:id="rId38"/>
   </p:sldIdLst>
   <p:sldSz cx="12192000" cy="6858000"/>
   <p:notesSz cx="6858000" cy="9144000"/>
@@ -682,29 +684,25 @@
           <a:p>
             <a:r>
               <a:rPr lang="de-DE" dirty="0"/>
-              <a:t>Vorher: Die ganze</a:t>
+              <a:t>Gantt Diagramm</a:t>
             </a:r>
             <a:r>
               <a:rPr lang="de-DE" baseline="0" dirty="0"/>
-              <a:t> Logik innerhalb des Projektes geplant</a:t>
-            </a:r>
-          </a:p>
-          <a:p>
+              <a:t> vor </a:t>
+            </a:r>
+            <a:r>
+              <a:rPr lang="de-DE" baseline="0" dirty="0" err="1"/>
+              <a:t>Baseline</a:t>
+            </a:r>
             <a:endParaRPr lang="de-DE" baseline="0" dirty="0"/>
           </a:p>
           <a:p>
+            <a:endParaRPr lang="de-DE" baseline="0" dirty="0"/>
+          </a:p>
+          <a:p>
             <a:r>
               <a:rPr lang="de-DE" baseline="0" dirty="0"/>
-              <a:t>-&gt; Es musste umgestellt werden, da die Umsetzung der Logik zeitlich zu eng angesetzt war.</a:t>
-            </a:r>
-          </a:p>
-          <a:p>
-            <a:endParaRPr lang="de-DE" baseline="0" dirty="0"/>
-          </a:p>
-          <a:p>
-            <a:r>
-              <a:rPr lang="de-DE" baseline="0" dirty="0"/>
-              <a:t>Nachher: Ein Großteil der Logik (unteres Bild) wird auf nach dem Modulende angesetzt – bisherige Implementierung nur als Prototyp</a:t>
+              <a:t>-Geordnet, noch nichts umgestellt</a:t>
             </a:r>
             <a:endParaRPr lang="de-DE" dirty="0"/>
           </a:p>
@@ -737,7 +735,7 @@
     </p:spTree>
     <p:extLst>
       <p:ext uri="{BB962C8B-B14F-4D97-AF65-F5344CB8AC3E}">
-        <p14:creationId xmlns:p14="http://schemas.microsoft.com/office/powerpoint/2010/main" val="1348060691"/>
+        <p14:creationId xmlns:p14="http://schemas.microsoft.com/office/powerpoint/2010/main" val="3129885300"/>
       </p:ext>
     </p:extLst>
   </p:cSld>
@@ -793,142 +791,29 @@
           <a:p>
             <a:r>
               <a:rPr lang="de-DE" dirty="0"/>
-              <a:t>Nach der Baseline</a:t>
+              <a:t>Vorher: Die ganze</a:t>
             </a:r>
             <a:r>
               <a:rPr lang="de-DE" baseline="0" dirty="0"/>
-              <a:t> wurde viel am Plan geändert -&gt; sichtbare Relikte alter Pakete</a:t>
-            </a:r>
-          </a:p>
-          <a:p>
-            <a:endParaRPr lang="en-US" baseline="0" dirty="0"/>
-          </a:p>
-          <a:p>
-            <a:r>
-              <a:rPr lang="en-US" baseline="0" dirty="0" err="1"/>
-              <a:t>Diese</a:t>
-            </a:r>
-            <a:r>
-              <a:rPr lang="en-US" baseline="0" dirty="0"/>
-              <a:t> </a:t>
-            </a:r>
-            <a:r>
-              <a:rPr lang="en-US" baseline="0" dirty="0" err="1"/>
-              <a:t>alten</a:t>
-            </a:r>
-            <a:r>
-              <a:rPr lang="en-US" baseline="0" dirty="0"/>
-              <a:t> </a:t>
-            </a:r>
-            <a:r>
-              <a:rPr lang="en-US" baseline="0" dirty="0" err="1"/>
-              <a:t>Pakete</a:t>
-            </a:r>
-            <a:r>
-              <a:rPr lang="en-US" baseline="0" dirty="0"/>
-              <a:t> </a:t>
-            </a:r>
-            <a:r>
-              <a:rPr lang="en-US" baseline="0" dirty="0" err="1"/>
-              <a:t>waren</a:t>
-            </a:r>
-            <a:r>
-              <a:rPr lang="en-US" baseline="0" dirty="0"/>
-              <a:t> </a:t>
-            </a:r>
-            <a:r>
-              <a:rPr lang="en-US" baseline="0" dirty="0" err="1"/>
-              <a:t>eigentlich</a:t>
-            </a:r>
-            <a:r>
-              <a:rPr lang="en-US" baseline="0" dirty="0"/>
-              <a:t> </a:t>
-            </a:r>
-            <a:r>
-              <a:rPr lang="en-US" baseline="0" dirty="0" err="1"/>
-              <a:t>früher</a:t>
-            </a:r>
-            <a:r>
-              <a:rPr lang="en-US" baseline="0" dirty="0"/>
-              <a:t> </a:t>
-            </a:r>
-            <a:r>
-              <a:rPr lang="en-US" baseline="0" dirty="0" err="1"/>
-              <a:t>geplant</a:t>
-            </a:r>
-            <a:r>
-              <a:rPr lang="en-US" baseline="0" dirty="0"/>
-              <a:t> -&gt; </a:t>
-            </a:r>
-            <a:r>
-              <a:rPr lang="en-US" baseline="0" dirty="0" err="1"/>
-              <a:t>durch</a:t>
-            </a:r>
-            <a:r>
-              <a:rPr lang="en-US" baseline="0" dirty="0"/>
-              <a:t> </a:t>
-            </a:r>
-            <a:r>
-              <a:rPr lang="en-US" baseline="0" dirty="0" err="1"/>
-              <a:t>umstellungen</a:t>
-            </a:r>
-            <a:r>
-              <a:rPr lang="en-US" baseline="0" dirty="0"/>
-              <a:t> </a:t>
-            </a:r>
-            <a:r>
-              <a:rPr lang="en-US" baseline="0" dirty="0" err="1"/>
-              <a:t>wurden</a:t>
-            </a:r>
-            <a:r>
-              <a:rPr lang="en-US" baseline="0" dirty="0"/>
-              <a:t> </a:t>
-            </a:r>
-            <a:r>
-              <a:rPr lang="en-US" baseline="0" dirty="0" err="1"/>
-              <a:t>diese</a:t>
-            </a:r>
-            <a:r>
-              <a:rPr lang="en-US" baseline="0" dirty="0"/>
-              <a:t> </a:t>
-            </a:r>
-            <a:r>
-              <a:rPr lang="en-US" baseline="0" dirty="0" err="1"/>
-              <a:t>nach</a:t>
-            </a:r>
-            <a:r>
-              <a:rPr lang="en-US" baseline="0" dirty="0"/>
-              <a:t> </a:t>
-            </a:r>
-            <a:r>
-              <a:rPr lang="en-US" baseline="0" dirty="0" err="1"/>
-              <a:t>hinten</a:t>
-            </a:r>
-            <a:r>
-              <a:rPr lang="en-US" baseline="0" dirty="0"/>
-              <a:t> </a:t>
-            </a:r>
-            <a:r>
-              <a:rPr lang="en-US" baseline="0" dirty="0" err="1"/>
-              <a:t>geschoben</a:t>
-            </a:r>
+              <a:t> Logik innerhalb des Projektes geplant</a:t>
+            </a:r>
+          </a:p>
+          <a:p>
             <a:endParaRPr lang="de-DE" baseline="0" dirty="0"/>
           </a:p>
           <a:p>
+            <a:r>
+              <a:rPr lang="de-DE" baseline="0" dirty="0"/>
+              <a:t>-&gt; Es musste umgestellt werden, da die Umsetzung der Logik zeitlich zu eng angesetzt war.</a:t>
+            </a:r>
+          </a:p>
+          <a:p>
             <a:endParaRPr lang="de-DE" baseline="0" dirty="0"/>
           </a:p>
           <a:p>
             <a:r>
               <a:rPr lang="de-DE" baseline="0" dirty="0"/>
-              <a:t>Auch sichtbar: Kritischer Pfad (nur in noch nicht abgeschlossenen </a:t>
-            </a:r>
-            <a:r>
-              <a:rPr lang="de-DE" baseline="0" dirty="0" err="1"/>
-              <a:t>Arbeitpaketen</a:t>
-            </a:r>
-            <a:r>
-              <a:rPr lang="de-DE" baseline="0" dirty="0"/>
-              <a:t>)</a:t>
+              <a:t>Nachher: Ein Großteil der Logik (unteres Bild) wird auf nach dem Modulende angesetzt – bisherige Implementierung nur als Prototyp</a:t>
             </a:r>
             <a:endParaRPr lang="de-DE" dirty="0"/>
           </a:p>
@@ -961,7 +846,7 @@
     </p:spTree>
     <p:extLst>
       <p:ext uri="{BB962C8B-B14F-4D97-AF65-F5344CB8AC3E}">
-        <p14:creationId xmlns:p14="http://schemas.microsoft.com/office/powerpoint/2010/main" val="2601951817"/>
+        <p14:creationId xmlns:p14="http://schemas.microsoft.com/office/powerpoint/2010/main" val="1348060691"/>
       </p:ext>
     </p:extLst>
   </p:cSld>
@@ -1017,60 +902,144 @@
           <a:p>
             <a:r>
               <a:rPr lang="de-DE" dirty="0"/>
-              <a:t>Genau Themenbeschreibung:</a:t>
+              <a:t>Nach der Baseline</a:t>
             </a:r>
             <a:r>
               <a:rPr lang="de-DE" baseline="0" dirty="0"/>
+              <a:t> wurde viel am Plan geändert -&gt; sichtbare Relikte alter Pakete</a:t>
+            </a:r>
+          </a:p>
+          <a:p>
+            <a:endParaRPr lang="en-US" baseline="0" dirty="0"/>
+          </a:p>
+          <a:p>
+            <a:r>
+              <a:rPr lang="en-US" baseline="0" dirty="0" err="1"/>
+              <a:t>Diese</a:t>
+            </a:r>
+            <a:r>
+              <a:rPr lang="en-US" baseline="0" dirty="0"/>
               <a:t> </a:t>
             </a:r>
             <a:r>
-              <a:rPr lang="de-DE" dirty="0"/>
-              <a:t>‚Ein teamorientiertes </a:t>
-            </a:r>
-            <a:r>
-              <a:rPr lang="de-DE" dirty="0" err="1"/>
-              <a:t>KanBan</a:t>
-            </a:r>
-            <a:r>
-              <a:rPr lang="de-DE" dirty="0"/>
-              <a:t> „System“ soll konzipiert und erstellt werden‘</a:t>
-            </a:r>
-          </a:p>
-          <a:p>
+              <a:rPr lang="en-US" baseline="0" dirty="0" err="1"/>
+              <a:t>alten</a:t>
+            </a:r>
+            <a:r>
+              <a:rPr lang="en-US" baseline="0" dirty="0"/>
+              <a:t> </a:t>
+            </a:r>
+            <a:r>
+              <a:rPr lang="en-US" baseline="0" dirty="0" err="1"/>
+              <a:t>Pakete</a:t>
+            </a:r>
+            <a:r>
+              <a:rPr lang="en-US" baseline="0" dirty="0"/>
+              <a:t> </a:t>
+            </a:r>
+            <a:r>
+              <a:rPr lang="en-US" baseline="0" dirty="0" err="1"/>
+              <a:t>waren</a:t>
+            </a:r>
+            <a:r>
+              <a:rPr lang="en-US" baseline="0" dirty="0"/>
+              <a:t> </a:t>
+            </a:r>
+            <a:r>
+              <a:rPr lang="en-US" baseline="0" dirty="0" err="1"/>
+              <a:t>eigentlich</a:t>
+            </a:r>
+            <a:r>
+              <a:rPr lang="en-US" baseline="0" dirty="0"/>
+              <a:t> </a:t>
+            </a:r>
+            <a:r>
+              <a:rPr lang="en-US" baseline="0" dirty="0" err="1"/>
+              <a:t>früher</a:t>
+            </a:r>
+            <a:r>
+              <a:rPr lang="en-US" baseline="0" dirty="0"/>
+              <a:t> </a:t>
+            </a:r>
+            <a:r>
+              <a:rPr lang="en-US" baseline="0" dirty="0" err="1"/>
+              <a:t>geplant</a:t>
+            </a:r>
+            <a:r>
+              <a:rPr lang="en-US" baseline="0" dirty="0"/>
+              <a:t> -&gt; </a:t>
+            </a:r>
+            <a:r>
+              <a:rPr lang="en-US" baseline="0" dirty="0" err="1"/>
+              <a:t>durch</a:t>
+            </a:r>
+            <a:r>
+              <a:rPr lang="en-US" baseline="0" dirty="0"/>
+              <a:t> </a:t>
+            </a:r>
+            <a:r>
+              <a:rPr lang="en-US" baseline="0" dirty="0" err="1"/>
+              <a:t>umstellungen</a:t>
+            </a:r>
+            <a:r>
+              <a:rPr lang="en-US" baseline="0" dirty="0"/>
+              <a:t> </a:t>
+            </a:r>
+            <a:r>
+              <a:rPr lang="en-US" baseline="0" dirty="0" err="1"/>
+              <a:t>wurden</a:t>
+            </a:r>
+            <a:r>
+              <a:rPr lang="en-US" baseline="0" dirty="0"/>
+              <a:t> </a:t>
+            </a:r>
+            <a:r>
+              <a:rPr lang="en-US" baseline="0" dirty="0" err="1"/>
+              <a:t>diese</a:t>
+            </a:r>
+            <a:r>
+              <a:rPr lang="en-US" baseline="0" dirty="0"/>
+              <a:t> </a:t>
+            </a:r>
+            <a:r>
+              <a:rPr lang="en-US" baseline="0" dirty="0" err="1"/>
+              <a:t>nach</a:t>
+            </a:r>
+            <a:r>
+              <a:rPr lang="en-US" baseline="0" dirty="0"/>
+              <a:t> </a:t>
+            </a:r>
+            <a:r>
+              <a:rPr lang="en-US" baseline="0" dirty="0" err="1"/>
+              <a:t>hinten</a:t>
+            </a:r>
+            <a:r>
+              <a:rPr lang="en-US" baseline="0" dirty="0"/>
+              <a:t> </a:t>
+            </a:r>
+            <a:r>
+              <a:rPr lang="en-US" baseline="0" dirty="0" err="1"/>
+              <a:t>geschoben</a:t>
+            </a:r>
+            <a:endParaRPr lang="de-DE" baseline="0" dirty="0"/>
+          </a:p>
+          <a:p>
+            <a:endParaRPr lang="de-DE" baseline="0" dirty="0"/>
+          </a:p>
+          <a:p>
+            <a:r>
+              <a:rPr lang="de-DE" baseline="0" dirty="0"/>
+              <a:t>Auch sichtbar: Kritischer Pfad (nur in noch nicht abgeschlossenen </a:t>
+            </a:r>
+            <a:r>
+              <a:rPr lang="de-DE" baseline="0" dirty="0" err="1"/>
+              <a:t>Arbeitpaketen</a:t>
+            </a:r>
+            <a:r>
+              <a:rPr lang="de-DE" baseline="0" dirty="0"/>
+              <a:t>)</a:t>
+            </a:r>
             <a:endParaRPr lang="de-DE" dirty="0"/>
-          </a:p>
-          <a:p>
-            <a:r>
-              <a:rPr lang="de-DE" dirty="0"/>
-              <a:t>Technologien:</a:t>
-            </a:r>
-          </a:p>
-          <a:p>
-            <a:r>
-              <a:rPr lang="de-DE" dirty="0"/>
-              <a:t>-Frontend</a:t>
-            </a:r>
-            <a:r>
-              <a:rPr lang="de-DE" baseline="0" dirty="0"/>
-              <a:t> : UWP</a:t>
-            </a:r>
-          </a:p>
-          <a:p>
-            <a:r>
-              <a:rPr lang="de-DE" baseline="0" dirty="0"/>
-              <a:t>-Backend: .NET Core</a:t>
-            </a:r>
-          </a:p>
-          <a:p>
-            <a:r>
-              <a:rPr lang="de-DE" baseline="0" dirty="0"/>
-              <a:t>-Persistenz: </a:t>
-            </a:r>
-            <a:r>
-              <a:rPr lang="de-DE" baseline="0" dirty="0" err="1"/>
-              <a:t>SQLite</a:t>
-            </a:r>
-            <a:endParaRPr lang="de-DE" baseline="0" dirty="0"/>
           </a:p>
         </p:txBody>
       </p:sp>
@@ -1092,7 +1061,7 @@
             <a:fld id="{B68732DB-8A05-41D1-B8F2-738DFD2104F0}" type="slidenum">
               <a:rPr lang="de-DE" smtClean="0"/>
               <a:pPr/>
-              <a:t>23</a:t>
+              <a:t>19</a:t>
             </a:fld>
             <a:endParaRPr lang="de-DE"/>
           </a:p>
@@ -1101,7 +1070,7 @@
     </p:spTree>
     <p:extLst>
       <p:ext uri="{BB962C8B-B14F-4D97-AF65-F5344CB8AC3E}">
-        <p14:creationId xmlns:p14="http://schemas.microsoft.com/office/powerpoint/2010/main" val="115103881"/>
+        <p14:creationId xmlns:p14="http://schemas.microsoft.com/office/powerpoint/2010/main" val="2601951817"/>
       </p:ext>
     </p:extLst>
   </p:cSld>
@@ -1152,208 +1121,18 @@
         </p:nvSpPr>
         <p:spPr/>
         <p:txBody>
-          <a:bodyPr>
-            <a:normAutofit/>
-          </a:bodyPr>
-          <a:lstStyle/>
-          <a:p>
-            <a:r>
-              <a:rPr lang="en-US" dirty="0" err="1"/>
-              <a:t>Für</a:t>
-            </a:r>
-            <a:r>
-              <a:rPr lang="en-US" dirty="0"/>
-              <a:t> </a:t>
-            </a:r>
-            <a:r>
-              <a:rPr lang="en-US" dirty="0" err="1"/>
-              <a:t>Interessierte</a:t>
-            </a:r>
-            <a:r>
-              <a:rPr lang="en-US" dirty="0"/>
-              <a:t> </a:t>
-            </a:r>
-            <a:r>
-              <a:rPr lang="en-US" dirty="0" err="1"/>
-              <a:t>eine</a:t>
-            </a:r>
-            <a:r>
-              <a:rPr lang="en-US" baseline="0" dirty="0"/>
-              <a:t> </a:t>
-            </a:r>
-            <a:r>
-              <a:rPr lang="en-US" baseline="0" dirty="0" err="1"/>
-              <a:t>Inforgrafik</a:t>
-            </a:r>
-            <a:r>
-              <a:rPr lang="en-US" baseline="0" dirty="0"/>
-              <a:t> </a:t>
-            </a:r>
-            <a:r>
-              <a:rPr lang="en-US" baseline="0" dirty="0" err="1"/>
-              <a:t>zu</a:t>
-            </a:r>
-            <a:r>
-              <a:rPr lang="en-US" baseline="0" dirty="0"/>
-              <a:t> .NET Core</a:t>
-            </a:r>
-          </a:p>
-          <a:p>
-            <a:r>
-              <a:rPr lang="en-US" baseline="0" dirty="0"/>
-              <a:t>Man </a:t>
-            </a:r>
-            <a:r>
-              <a:rPr lang="en-US" baseline="0" dirty="0" err="1"/>
-              <a:t>sieht</a:t>
-            </a:r>
-            <a:r>
-              <a:rPr lang="en-US" baseline="0" dirty="0"/>
-              <a:t>, </a:t>
-            </a:r>
-            <a:r>
-              <a:rPr lang="en-US" baseline="0" dirty="0" err="1"/>
-              <a:t>dass</a:t>
-            </a:r>
-            <a:r>
-              <a:rPr lang="en-US" baseline="0" dirty="0"/>
-              <a:t> .NET Core </a:t>
-            </a:r>
-            <a:r>
-              <a:rPr lang="en-US" baseline="0" dirty="0" err="1"/>
-              <a:t>eigenständig</a:t>
-            </a:r>
-            <a:r>
-              <a:rPr lang="en-US" baseline="0" dirty="0"/>
-              <a:t> </a:t>
-            </a:r>
-            <a:r>
-              <a:rPr lang="en-US" baseline="0" dirty="0" err="1"/>
-              <a:t>neben</a:t>
-            </a:r>
-            <a:r>
-              <a:rPr lang="en-US" baseline="0" dirty="0"/>
-              <a:t> </a:t>
-            </a:r>
-            <a:r>
-              <a:rPr lang="en-US" baseline="0" dirty="0" err="1"/>
-              <a:t>dem</a:t>
-            </a:r>
-            <a:r>
-              <a:rPr lang="en-US" baseline="0" dirty="0"/>
-              <a:t> .NET Framework </a:t>
-            </a:r>
-            <a:r>
-              <a:rPr lang="en-US" baseline="0" dirty="0" err="1"/>
-              <a:t>platziert</a:t>
-            </a:r>
-            <a:r>
-              <a:rPr lang="en-US" baseline="0" dirty="0"/>
-              <a:t> </a:t>
-            </a:r>
-            <a:r>
-              <a:rPr lang="en-US" baseline="0" dirty="0" err="1"/>
-              <a:t>wird</a:t>
-            </a:r>
-            <a:endParaRPr lang="en-US" baseline="0" dirty="0"/>
-          </a:p>
-          <a:p>
-            <a:r>
-              <a:rPr lang="en-US" baseline="0" dirty="0"/>
-              <a:t>UWP </a:t>
-            </a:r>
-            <a:r>
-              <a:rPr lang="en-US" baseline="0" dirty="0" err="1"/>
-              <a:t>wäre</a:t>
-            </a:r>
-            <a:r>
-              <a:rPr lang="en-US" baseline="0" dirty="0"/>
-              <a:t> </a:t>
-            </a:r>
-            <a:r>
-              <a:rPr lang="en-US" baseline="0" dirty="0" err="1"/>
-              <a:t>auch</a:t>
-            </a:r>
-            <a:r>
-              <a:rPr lang="en-US" baseline="0" dirty="0"/>
-              <a:t> links </a:t>
-            </a:r>
-            <a:r>
-              <a:rPr lang="en-US" baseline="0" dirty="0" err="1"/>
-              <a:t>vorzufinden</a:t>
-            </a:r>
-            <a:endParaRPr lang="en-US" baseline="0" dirty="0"/>
-          </a:p>
-          <a:p>
-            <a:r>
-              <a:rPr lang="en-US" baseline="0" dirty="0" err="1"/>
-              <a:t>NuGet</a:t>
-            </a:r>
-            <a:r>
-              <a:rPr lang="en-US" baseline="0" dirty="0"/>
-              <a:t> </a:t>
-            </a:r>
-            <a:r>
-              <a:rPr lang="en-US" baseline="0" dirty="0" err="1"/>
-              <a:t>soll</a:t>
-            </a:r>
-            <a:r>
-              <a:rPr lang="en-US" baseline="0" dirty="0"/>
-              <a:t> </a:t>
-            </a:r>
-            <a:r>
-              <a:rPr lang="en-US" baseline="0" dirty="0" err="1"/>
-              <a:t>gemiensam</a:t>
-            </a:r>
-            <a:r>
-              <a:rPr lang="en-US" baseline="0" dirty="0"/>
-              <a:t> </a:t>
-            </a:r>
-            <a:r>
-              <a:rPr lang="en-US" baseline="0" dirty="0" err="1"/>
-              <a:t>genutzt</a:t>
-            </a:r>
-            <a:r>
-              <a:rPr lang="en-US" baseline="0" dirty="0"/>
-              <a:t> </a:t>
-            </a:r>
-            <a:r>
-              <a:rPr lang="en-US" baseline="0" dirty="0" err="1"/>
-              <a:t>werden</a:t>
-            </a:r>
-            <a:r>
-              <a:rPr lang="en-US" baseline="0" dirty="0"/>
-              <a:t> – </a:t>
-            </a:r>
-            <a:r>
-              <a:rPr lang="en-US" baseline="0" dirty="0" err="1"/>
-              <a:t>viele</a:t>
-            </a:r>
-            <a:r>
-              <a:rPr lang="en-US" baseline="0" dirty="0"/>
-              <a:t> Packages </a:t>
-            </a:r>
-            <a:r>
-              <a:rPr lang="en-US" baseline="0" dirty="0" err="1"/>
-              <a:t>gehen</a:t>
-            </a:r>
-            <a:r>
-              <a:rPr lang="en-US" baseline="0" dirty="0"/>
-              <a:t> </a:t>
-            </a:r>
-            <a:r>
-              <a:rPr lang="en-US" baseline="0" dirty="0" err="1"/>
-              <a:t>noch</a:t>
-            </a:r>
-            <a:r>
-              <a:rPr lang="en-US" baseline="0" dirty="0"/>
-              <a:t> </a:t>
-            </a:r>
-            <a:r>
-              <a:rPr lang="en-US" baseline="0" dirty="0" err="1"/>
-              <a:t>nicht</a:t>
-            </a:r>
-            <a:endParaRPr lang="en-US" dirty="0"/>
+          <a:bodyPr/>
+          <a:lstStyle/>
+          <a:p>
+            <a:r>
+              <a:rPr lang="de-DE" dirty="0"/>
+              <a:t>Die</a:t>
+            </a:r>
+            <a:r>
+              <a:rPr lang="de-DE" baseline="0" dirty="0"/>
+              <a:t> Aufgabenstellung des Moduls waren folgende Punkte</a:t>
+            </a:r>
+            <a:endParaRPr lang="de-DE" dirty="0"/>
           </a:p>
         </p:txBody>
       </p:sp>
@@ -1375,13 +1154,18 @@
             <a:fld id="{B68732DB-8A05-41D1-B8F2-738DFD2104F0}" type="slidenum">
               <a:rPr lang="de-DE" smtClean="0"/>
               <a:pPr/>
-              <a:t>24</a:t>
+              <a:t>21</a:t>
             </a:fld>
             <a:endParaRPr lang="de-DE"/>
           </a:p>
         </p:txBody>
       </p:sp>
     </p:spTree>
+    <p:extLst>
+      <p:ext uri="{BB962C8B-B14F-4D97-AF65-F5344CB8AC3E}">
+        <p14:creationId xmlns:p14="http://schemas.microsoft.com/office/powerpoint/2010/main" val="965649443"/>
+      </p:ext>
+    </p:extLst>
   </p:cSld>
   <p:clrMapOvr>
     <a:masterClrMapping/>
@@ -1430,184 +1214,54 @@
         </p:nvSpPr>
         <p:spPr/>
         <p:txBody>
-          <a:bodyPr>
-            <a:normAutofit/>
-          </a:bodyPr>
-          <a:lstStyle/>
-          <a:p>
-            <a:r>
-              <a:rPr lang="en-US" dirty="0" err="1"/>
-              <a:t>Folgendem</a:t>
-            </a:r>
-            <a:r>
-              <a:rPr lang="en-US" baseline="0" dirty="0"/>
-              <a:t> </a:t>
-            </a:r>
-            <a:r>
-              <a:rPr lang="en-US" baseline="0" dirty="0" err="1"/>
-              <a:t>NuGet</a:t>
-            </a:r>
-            <a:r>
-              <a:rPr lang="en-US" baseline="0" dirty="0"/>
-              <a:t>-Packages </a:t>
-            </a:r>
-            <a:r>
-              <a:rPr lang="en-US" baseline="0" dirty="0" err="1"/>
-              <a:t>haben</a:t>
-            </a:r>
-            <a:r>
-              <a:rPr lang="en-US" baseline="0" dirty="0"/>
-              <a:t> </a:t>
-            </a:r>
-            <a:r>
-              <a:rPr lang="en-US" baseline="0" dirty="0" err="1"/>
-              <a:t>wir</a:t>
-            </a:r>
-            <a:r>
-              <a:rPr lang="en-US" baseline="0" dirty="0"/>
-              <a:t> </a:t>
-            </a:r>
-            <a:r>
-              <a:rPr lang="en-US" baseline="0" dirty="0" err="1"/>
-              <a:t>verwendet</a:t>
-            </a:r>
-            <a:r>
-              <a:rPr lang="en-US" baseline="0" dirty="0"/>
-              <a:t>…</a:t>
-            </a:r>
-          </a:p>
-          <a:p>
-            <a:endParaRPr lang="en-US" baseline="0" dirty="0"/>
-          </a:p>
-          <a:p>
-            <a:endParaRPr lang="en-US" baseline="0" dirty="0"/>
-          </a:p>
-          <a:p>
-            <a:r>
-              <a:rPr lang="en-US" baseline="0" dirty="0" err="1"/>
-              <a:t>Abgesehne</a:t>
-            </a:r>
-            <a:r>
-              <a:rPr lang="en-US" baseline="0" dirty="0"/>
-              <a:t> von </a:t>
-            </a:r>
-            <a:r>
-              <a:rPr lang="en-US" baseline="0" dirty="0" err="1"/>
-              <a:t>der</a:t>
-            </a:r>
-            <a:r>
-              <a:rPr lang="en-US" baseline="0" dirty="0"/>
-              <a:t> </a:t>
-            </a:r>
-            <a:r>
-              <a:rPr lang="en-US" baseline="0" dirty="0" err="1"/>
-              <a:t>üblichen</a:t>
-            </a:r>
-            <a:r>
-              <a:rPr lang="en-US" baseline="0" dirty="0"/>
-              <a:t> </a:t>
-            </a:r>
-            <a:r>
-              <a:rPr lang="en-US" baseline="0" dirty="0" err="1"/>
-              <a:t>zusätlichen</a:t>
-            </a:r>
-            <a:r>
-              <a:rPr lang="en-US" baseline="0" dirty="0"/>
-              <a:t> Software </a:t>
-            </a:r>
-            <a:r>
-              <a:rPr lang="en-US" baseline="0" dirty="0" err="1"/>
-              <a:t>wie</a:t>
-            </a:r>
-            <a:r>
-              <a:rPr lang="en-US" baseline="0" dirty="0"/>
-              <a:t> </a:t>
-            </a:r>
-            <a:r>
-              <a:rPr lang="en-US" baseline="0" dirty="0" err="1"/>
-              <a:t>Editoren</a:t>
-            </a:r>
-            <a:r>
-              <a:rPr lang="en-US" baseline="0" dirty="0"/>
-              <a:t> etc. </a:t>
-            </a:r>
-            <a:r>
-              <a:rPr lang="en-US" baseline="0" dirty="0" err="1"/>
-              <a:t>haben</a:t>
-            </a:r>
-            <a:r>
-              <a:rPr lang="en-US" baseline="0" dirty="0"/>
-              <a:t> </a:t>
-            </a:r>
-            <a:r>
-              <a:rPr lang="en-US" baseline="0" dirty="0" err="1"/>
-              <a:t>wir</a:t>
-            </a:r>
-            <a:r>
-              <a:rPr lang="en-US" baseline="0" dirty="0"/>
-              <a:t> </a:t>
-            </a:r>
-            <a:r>
-              <a:rPr lang="en-US" baseline="0" dirty="0" err="1"/>
-              <a:t>noch</a:t>
-            </a:r>
-            <a:r>
-              <a:rPr lang="en-US" baseline="0" dirty="0"/>
-              <a:t> den </a:t>
-            </a:r>
-            <a:r>
-              <a:rPr lang="en-US" baseline="0" dirty="0" err="1"/>
+          <a:bodyPr/>
+          <a:lstStyle/>
+          <a:p>
+            <a:r>
+              <a:rPr lang="de-DE" dirty="0"/>
+              <a:t>Als Technologievorgaben bzw. Anforderungen wurden folgende</a:t>
+            </a:r>
+            <a:r>
+              <a:rPr lang="de-DE" baseline="0" dirty="0"/>
+              <a:t> Punkte festgelegt:</a:t>
+            </a:r>
+            <a:endParaRPr lang="de-DE" dirty="0"/>
+          </a:p>
+          <a:p>
+            <a:endParaRPr lang="de-DE" dirty="0"/>
+          </a:p>
+          <a:p>
+            <a:r>
+              <a:rPr lang="de-DE" dirty="0"/>
+              <a:t>Technologien:</a:t>
+            </a:r>
+          </a:p>
+          <a:p>
+            <a:r>
+              <a:rPr lang="de-DE" dirty="0"/>
+              <a:t>-Frontend</a:t>
+            </a:r>
+            <a:r>
+              <a:rPr lang="de-DE" baseline="0" dirty="0"/>
+              <a:t> : UWP</a:t>
+            </a:r>
+          </a:p>
+          <a:p>
+            <a:r>
+              <a:rPr lang="de-DE" baseline="0" dirty="0"/>
+              <a:t>-Backend: .NET Core</a:t>
+            </a:r>
+          </a:p>
+          <a:p>
+            <a:r>
+              <a:rPr lang="de-DE" baseline="0" dirty="0"/>
+              <a:t>-Persistenz: </a:t>
+            </a:r>
+            <a:r>
+              <a:rPr lang="de-DE" baseline="0" dirty="0" err="1"/>
               <a:t>SQLite</a:t>
             </a:r>
-            <a:r>
-              <a:rPr lang="en-US" baseline="0" dirty="0"/>
-              <a:t> Browser </a:t>
-            </a:r>
-            <a:r>
-              <a:rPr lang="en-US" baseline="0" dirty="0" err="1"/>
-              <a:t>verwendet</a:t>
-            </a:r>
-            <a:r>
-              <a:rPr lang="en-US" baseline="0" dirty="0"/>
-              <a:t> um die </a:t>
-            </a:r>
-            <a:r>
-              <a:rPr lang="en-US" baseline="0" dirty="0" err="1"/>
-              <a:t>SQLite</a:t>
-            </a:r>
-            <a:r>
-              <a:rPr lang="en-US" baseline="0" dirty="0"/>
-              <a:t> </a:t>
-            </a:r>
-            <a:r>
-              <a:rPr lang="en-US" baseline="0" dirty="0" err="1"/>
-              <a:t>Datenbank</a:t>
-            </a:r>
-            <a:r>
-              <a:rPr lang="en-US" baseline="0" dirty="0"/>
-              <a:t> </a:t>
-            </a:r>
-            <a:r>
-              <a:rPr lang="en-US" baseline="0" dirty="0" err="1"/>
-              <a:t>zu</a:t>
-            </a:r>
-            <a:r>
-              <a:rPr lang="en-US" baseline="0" dirty="0"/>
-              <a:t> </a:t>
-            </a:r>
-            <a:r>
-              <a:rPr lang="en-US" baseline="0" dirty="0" err="1"/>
-              <a:t>erstellen</a:t>
-            </a:r>
-            <a:r>
-              <a:rPr lang="en-US" baseline="0" dirty="0"/>
-              <a:t> und </a:t>
-            </a:r>
-            <a:r>
-              <a:rPr lang="en-US" baseline="0" dirty="0" err="1"/>
-              <a:t>auszulesen</a:t>
-            </a:r>
-            <a:endParaRPr lang="en-US" baseline="0" dirty="0"/>
+            <a:endParaRPr lang="de-DE" baseline="0" dirty="0"/>
           </a:p>
         </p:txBody>
       </p:sp>
@@ -1629,13 +1283,18 @@
             <a:fld id="{B68732DB-8A05-41D1-B8F2-738DFD2104F0}" type="slidenum">
               <a:rPr lang="de-DE" smtClean="0"/>
               <a:pPr/>
-              <a:t>25</a:t>
+              <a:t>24</a:t>
             </a:fld>
             <a:endParaRPr lang="de-DE"/>
           </a:p>
         </p:txBody>
       </p:sp>
     </p:spTree>
+    <p:extLst>
+      <p:ext uri="{BB962C8B-B14F-4D97-AF65-F5344CB8AC3E}">
+        <p14:creationId xmlns:p14="http://schemas.microsoft.com/office/powerpoint/2010/main" val="115103881"/>
+      </p:ext>
+    </p:extLst>
   </p:cSld>
   <p:clrMapOvr>
     <a:masterClrMapping/>
@@ -1684,48 +1343,208 @@
         </p:nvSpPr>
         <p:spPr/>
         <p:txBody>
-          <a:bodyPr/>
-          <a:lstStyle/>
-          <a:p>
-            <a:r>
-              <a:rPr lang="de-DE" dirty="0"/>
-              <a:t>Verwendetes Tool: </a:t>
-            </a:r>
-            <a:r>
-              <a:rPr lang="de-DE" dirty="0" err="1"/>
-              <a:t>Ninjamock</a:t>
-            </a:r>
-            <a:endParaRPr lang="de-DE" dirty="0"/>
-          </a:p>
-          <a:p>
-            <a:endParaRPr lang="de-DE" dirty="0"/>
-          </a:p>
-          <a:p>
-            <a:r>
-              <a:rPr lang="de-DE" dirty="0"/>
-              <a:t>Erste </a:t>
-            </a:r>
-            <a:r>
-              <a:rPr lang="de-DE" dirty="0" err="1"/>
-              <a:t>Mockups</a:t>
-            </a:r>
-            <a:r>
-              <a:rPr lang="de-DE" dirty="0"/>
-              <a:t> waren noch mit </a:t>
-            </a:r>
-            <a:r>
-              <a:rPr lang="de-DE" dirty="0" err="1"/>
-              <a:t>mehrereren</a:t>
-            </a:r>
-            <a:r>
-              <a:rPr lang="de-DE" dirty="0"/>
-              <a:t> Notizen</a:t>
-            </a:r>
-            <a:r>
-              <a:rPr lang="de-DE" baseline="0" dirty="0"/>
-              <a:t> pro Zeile horizontal</a:t>
-            </a:r>
-            <a:endParaRPr lang="de-DE" dirty="0"/>
+          <a:bodyPr>
+            <a:normAutofit/>
+          </a:bodyPr>
+          <a:lstStyle/>
+          <a:p>
+            <a:r>
+              <a:rPr lang="en-US" dirty="0" err="1"/>
+              <a:t>Für</a:t>
+            </a:r>
+            <a:r>
+              <a:rPr lang="en-US" dirty="0"/>
+              <a:t> </a:t>
+            </a:r>
+            <a:r>
+              <a:rPr lang="en-US" dirty="0" err="1"/>
+              <a:t>Interessierte</a:t>
+            </a:r>
+            <a:r>
+              <a:rPr lang="en-US" dirty="0"/>
+              <a:t> </a:t>
+            </a:r>
+            <a:r>
+              <a:rPr lang="en-US" dirty="0" err="1"/>
+              <a:t>eine</a:t>
+            </a:r>
+            <a:r>
+              <a:rPr lang="en-US" baseline="0" dirty="0"/>
+              <a:t> </a:t>
+            </a:r>
+            <a:r>
+              <a:rPr lang="en-US" baseline="0" dirty="0" err="1"/>
+              <a:t>Inforgrafik</a:t>
+            </a:r>
+            <a:r>
+              <a:rPr lang="en-US" baseline="0" dirty="0"/>
+              <a:t> </a:t>
+            </a:r>
+            <a:r>
+              <a:rPr lang="en-US" baseline="0" dirty="0" err="1"/>
+              <a:t>zu</a:t>
+            </a:r>
+            <a:r>
+              <a:rPr lang="en-US" baseline="0" dirty="0"/>
+              <a:t> .NET Core</a:t>
+            </a:r>
+          </a:p>
+          <a:p>
+            <a:r>
+              <a:rPr lang="en-US" baseline="0" dirty="0"/>
+              <a:t>Man </a:t>
+            </a:r>
+            <a:r>
+              <a:rPr lang="en-US" baseline="0" dirty="0" err="1"/>
+              <a:t>sieht</a:t>
+            </a:r>
+            <a:r>
+              <a:rPr lang="en-US" baseline="0" dirty="0"/>
+              <a:t>, </a:t>
+            </a:r>
+            <a:r>
+              <a:rPr lang="en-US" baseline="0" dirty="0" err="1"/>
+              <a:t>dass</a:t>
+            </a:r>
+            <a:r>
+              <a:rPr lang="en-US" baseline="0" dirty="0"/>
+              <a:t> .NET Core </a:t>
+            </a:r>
+            <a:r>
+              <a:rPr lang="en-US" baseline="0" dirty="0" err="1"/>
+              <a:t>eigenständig</a:t>
+            </a:r>
+            <a:r>
+              <a:rPr lang="en-US" baseline="0" dirty="0"/>
+              <a:t> </a:t>
+            </a:r>
+            <a:r>
+              <a:rPr lang="en-US" baseline="0" dirty="0" err="1"/>
+              <a:t>neben</a:t>
+            </a:r>
+            <a:r>
+              <a:rPr lang="en-US" baseline="0" dirty="0"/>
+              <a:t> </a:t>
+            </a:r>
+            <a:r>
+              <a:rPr lang="en-US" baseline="0" dirty="0" err="1"/>
+              <a:t>dem</a:t>
+            </a:r>
+            <a:r>
+              <a:rPr lang="en-US" baseline="0" dirty="0"/>
+              <a:t> .NET Framework </a:t>
+            </a:r>
+            <a:r>
+              <a:rPr lang="en-US" baseline="0" dirty="0" err="1"/>
+              <a:t>platziert</a:t>
+            </a:r>
+            <a:r>
+              <a:rPr lang="en-US" baseline="0" dirty="0"/>
+              <a:t> </a:t>
+            </a:r>
+            <a:r>
+              <a:rPr lang="en-US" baseline="0" dirty="0" err="1"/>
+              <a:t>wird</a:t>
+            </a:r>
+            <a:endParaRPr lang="en-US" baseline="0" dirty="0"/>
+          </a:p>
+          <a:p>
+            <a:r>
+              <a:rPr lang="en-US" baseline="0" dirty="0"/>
+              <a:t>UWP </a:t>
+            </a:r>
+            <a:r>
+              <a:rPr lang="en-US" baseline="0" dirty="0" err="1"/>
+              <a:t>wäre</a:t>
+            </a:r>
+            <a:r>
+              <a:rPr lang="en-US" baseline="0" dirty="0"/>
+              <a:t> </a:t>
+            </a:r>
+            <a:r>
+              <a:rPr lang="en-US" baseline="0" dirty="0" err="1"/>
+              <a:t>auch</a:t>
+            </a:r>
+            <a:r>
+              <a:rPr lang="en-US" baseline="0" dirty="0"/>
+              <a:t> links </a:t>
+            </a:r>
+            <a:r>
+              <a:rPr lang="en-US" baseline="0" dirty="0" err="1"/>
+              <a:t>vorzufinden</a:t>
+            </a:r>
+            <a:endParaRPr lang="en-US" baseline="0" dirty="0"/>
+          </a:p>
+          <a:p>
+            <a:r>
+              <a:rPr lang="en-US" baseline="0" dirty="0" err="1"/>
+              <a:t>NuGet</a:t>
+            </a:r>
+            <a:r>
+              <a:rPr lang="en-US" baseline="0" dirty="0"/>
+              <a:t> </a:t>
+            </a:r>
+            <a:r>
+              <a:rPr lang="en-US" baseline="0" dirty="0" err="1"/>
+              <a:t>soll</a:t>
+            </a:r>
+            <a:r>
+              <a:rPr lang="en-US" baseline="0" dirty="0"/>
+              <a:t> </a:t>
+            </a:r>
+            <a:r>
+              <a:rPr lang="en-US" baseline="0" dirty="0" err="1"/>
+              <a:t>gemiensam</a:t>
+            </a:r>
+            <a:r>
+              <a:rPr lang="en-US" baseline="0" dirty="0"/>
+              <a:t> </a:t>
+            </a:r>
+            <a:r>
+              <a:rPr lang="en-US" baseline="0" dirty="0" err="1"/>
+              <a:t>genutzt</a:t>
+            </a:r>
+            <a:r>
+              <a:rPr lang="en-US" baseline="0" dirty="0"/>
+              <a:t> </a:t>
+            </a:r>
+            <a:r>
+              <a:rPr lang="en-US" baseline="0" dirty="0" err="1"/>
+              <a:t>werden</a:t>
+            </a:r>
+            <a:r>
+              <a:rPr lang="en-US" baseline="0" dirty="0"/>
+              <a:t> – </a:t>
+            </a:r>
+            <a:r>
+              <a:rPr lang="en-US" baseline="0" dirty="0" err="1"/>
+              <a:t>viele</a:t>
+            </a:r>
+            <a:r>
+              <a:rPr lang="en-US" baseline="0" dirty="0"/>
+              <a:t> Packages </a:t>
+            </a:r>
+            <a:r>
+              <a:rPr lang="en-US" baseline="0" dirty="0" err="1"/>
+              <a:t>gehen</a:t>
+            </a:r>
+            <a:r>
+              <a:rPr lang="en-US" baseline="0" dirty="0"/>
+              <a:t> </a:t>
+            </a:r>
+            <a:r>
+              <a:rPr lang="en-US" baseline="0" dirty="0" err="1"/>
+              <a:t>noch</a:t>
+            </a:r>
+            <a:r>
+              <a:rPr lang="en-US" baseline="0" dirty="0"/>
+              <a:t> </a:t>
+            </a:r>
+            <a:r>
+              <a:rPr lang="en-US" baseline="0" dirty="0" err="1"/>
+              <a:t>nicht</a:t>
+            </a:r>
+            <a:endParaRPr lang="en-US" dirty="0"/>
           </a:p>
         </p:txBody>
       </p:sp>
@@ -1747,18 +1566,13 @@
             <a:fld id="{B68732DB-8A05-41D1-B8F2-738DFD2104F0}" type="slidenum">
               <a:rPr lang="de-DE" smtClean="0"/>
               <a:pPr/>
-              <a:t>26</a:t>
+              <a:t>25</a:t>
             </a:fld>
             <a:endParaRPr lang="de-DE"/>
           </a:p>
         </p:txBody>
       </p:sp>
     </p:spTree>
-    <p:extLst>
-      <p:ext uri="{BB962C8B-B14F-4D97-AF65-F5344CB8AC3E}">
-        <p14:creationId xmlns:p14="http://schemas.microsoft.com/office/powerpoint/2010/main" val="3160102417"/>
-      </p:ext>
-    </p:extLst>
   </p:cSld>
   <p:clrMapOvr>
     <a:masterClrMapping/>
@@ -1807,28 +1621,14 @@
         </p:nvSpPr>
         <p:spPr/>
         <p:txBody>
-          <a:bodyPr/>
+          <a:bodyPr>
+            <a:normAutofit/>
+          </a:bodyPr>
           <a:lstStyle/>
           <a:p>
             <a:r>
               <a:rPr lang="en-US" dirty="0" err="1"/>
-              <a:t>Danach</a:t>
-            </a:r>
-            <a:r>
-              <a:rPr lang="en-US" dirty="0"/>
-              <a:t> </a:t>
-            </a:r>
-            <a:r>
-              <a:rPr lang="en-US" dirty="0" err="1"/>
-              <a:t>spezifischere</a:t>
-            </a:r>
-            <a:r>
-              <a:rPr lang="en-US" baseline="0" dirty="0"/>
-              <a:t> Mockups, die </a:t>
-            </a:r>
-            <a:r>
-              <a:rPr lang="en-US" baseline="0" dirty="0" err="1"/>
-              <a:t>dann</a:t>
+              <a:t>Folgendem</a:t>
             </a:r>
             <a:r>
               <a:rPr lang="en-US" baseline="0" dirty="0"/>
@@ -1836,23 +1636,159 @@
             </a:r>
             <a:r>
               <a:rPr lang="en-US" baseline="0" dirty="0" err="1"/>
-              <a:t>auch</a:t>
+              <a:t>NuGet</a:t>
             </a:r>
             <a:r>
               <a:rPr lang="en-US" baseline="0" dirty="0"/>
-              <a:t> in </a:t>
+              <a:t>-Packages </a:t>
             </a:r>
             <a:r>
               <a:rPr lang="en-US" baseline="0" dirty="0" err="1"/>
-              <a:t>dieser</a:t>
+              <a:t>haben</a:t>
             </a:r>
             <a:r>
               <a:rPr lang="en-US" baseline="0" dirty="0"/>
-              <a:t> Form </a:t>
+              <a:t> </a:t>
             </a:r>
             <a:r>
               <a:rPr lang="en-US" baseline="0" dirty="0" err="1"/>
-              <a:t>beschlossen</a:t>
+              <a:t>wir</a:t>
+            </a:r>
+            <a:r>
+              <a:rPr lang="en-US" baseline="0" dirty="0"/>
+              <a:t> </a:t>
+            </a:r>
+            <a:r>
+              <a:rPr lang="en-US" baseline="0" dirty="0" err="1"/>
+              <a:t>verwendet</a:t>
+            </a:r>
+            <a:r>
+              <a:rPr lang="en-US" baseline="0" dirty="0"/>
+              <a:t>…</a:t>
+            </a:r>
+          </a:p>
+          <a:p>
+            <a:endParaRPr lang="en-US" baseline="0" dirty="0"/>
+          </a:p>
+          <a:p>
+            <a:endParaRPr lang="en-US" baseline="0" dirty="0"/>
+          </a:p>
+          <a:p>
+            <a:r>
+              <a:rPr lang="en-US" baseline="0" dirty="0" err="1"/>
+              <a:t>Abgesehne</a:t>
+            </a:r>
+            <a:r>
+              <a:rPr lang="en-US" baseline="0" dirty="0"/>
+              <a:t> von </a:t>
+            </a:r>
+            <a:r>
+              <a:rPr lang="en-US" baseline="0" dirty="0" err="1"/>
+              <a:t>der</a:t>
+            </a:r>
+            <a:r>
+              <a:rPr lang="en-US" baseline="0" dirty="0"/>
+              <a:t> </a:t>
+            </a:r>
+            <a:r>
+              <a:rPr lang="en-US" baseline="0" dirty="0" err="1"/>
+              <a:t>üblichen</a:t>
+            </a:r>
+            <a:r>
+              <a:rPr lang="en-US" baseline="0" dirty="0"/>
+              <a:t> </a:t>
+            </a:r>
+            <a:r>
+              <a:rPr lang="en-US" baseline="0" dirty="0" err="1"/>
+              <a:t>zusätlichen</a:t>
+            </a:r>
+            <a:r>
+              <a:rPr lang="en-US" baseline="0" dirty="0"/>
+              <a:t> Software </a:t>
+            </a:r>
+            <a:r>
+              <a:rPr lang="en-US" baseline="0" dirty="0" err="1"/>
+              <a:t>wie</a:t>
+            </a:r>
+            <a:r>
+              <a:rPr lang="en-US" baseline="0" dirty="0"/>
+              <a:t> </a:t>
+            </a:r>
+            <a:r>
+              <a:rPr lang="en-US" baseline="0" dirty="0" err="1"/>
+              <a:t>Editoren</a:t>
+            </a:r>
+            <a:r>
+              <a:rPr lang="en-US" baseline="0" dirty="0"/>
+              <a:t> etc. </a:t>
+            </a:r>
+            <a:r>
+              <a:rPr lang="en-US" baseline="0" dirty="0" err="1"/>
+              <a:t>haben</a:t>
+            </a:r>
+            <a:r>
+              <a:rPr lang="en-US" baseline="0" dirty="0"/>
+              <a:t> </a:t>
+            </a:r>
+            <a:r>
+              <a:rPr lang="en-US" baseline="0" dirty="0" err="1"/>
+              <a:t>wir</a:t>
+            </a:r>
+            <a:r>
+              <a:rPr lang="en-US" baseline="0" dirty="0"/>
+              <a:t> </a:t>
+            </a:r>
+            <a:r>
+              <a:rPr lang="en-US" baseline="0" dirty="0" err="1"/>
+              <a:t>noch</a:t>
+            </a:r>
+            <a:r>
+              <a:rPr lang="en-US" baseline="0" dirty="0"/>
+              <a:t> den </a:t>
+            </a:r>
+            <a:r>
+              <a:rPr lang="en-US" baseline="0" dirty="0" err="1"/>
+              <a:t>SQLite</a:t>
+            </a:r>
+            <a:r>
+              <a:rPr lang="en-US" baseline="0" dirty="0"/>
+              <a:t> Browser </a:t>
+            </a:r>
+            <a:r>
+              <a:rPr lang="en-US" baseline="0" dirty="0" err="1"/>
+              <a:t>verwendet</a:t>
+            </a:r>
+            <a:r>
+              <a:rPr lang="en-US" baseline="0" dirty="0"/>
+              <a:t> um die </a:t>
+            </a:r>
+            <a:r>
+              <a:rPr lang="en-US" baseline="0" dirty="0" err="1"/>
+              <a:t>SQLite</a:t>
+            </a:r>
+            <a:r>
+              <a:rPr lang="en-US" baseline="0" dirty="0"/>
+              <a:t> </a:t>
+            </a:r>
+            <a:r>
+              <a:rPr lang="en-US" baseline="0" dirty="0" err="1"/>
+              <a:t>Datenbank</a:t>
+            </a:r>
+            <a:r>
+              <a:rPr lang="en-US" baseline="0" dirty="0"/>
+              <a:t> </a:t>
+            </a:r>
+            <a:r>
+              <a:rPr lang="en-US" baseline="0" dirty="0" err="1"/>
+              <a:t>zu</a:t>
+            </a:r>
+            <a:r>
+              <a:rPr lang="en-US" baseline="0" dirty="0"/>
+              <a:t> </a:t>
+            </a:r>
+            <a:r>
+              <a:rPr lang="en-US" baseline="0" dirty="0" err="1"/>
+              <a:t>erstellen</a:t>
             </a:r>
             <a:r>
               <a:rPr lang="en-US" baseline="0" dirty="0"/>
@@ -1860,17 +1796,9 @@
             </a:r>
             <a:r>
               <a:rPr lang="en-US" baseline="0" dirty="0" err="1"/>
-              <a:t>umgesetzt</a:t>
-            </a:r>
-            <a:r>
-              <a:rPr lang="en-US" baseline="0" dirty="0"/>
-              <a:t> </a:t>
-            </a:r>
-            <a:r>
-              <a:rPr lang="en-US" baseline="0" dirty="0" err="1"/>
-              <a:t>wurden</a:t>
-            </a:r>
-            <a:endParaRPr lang="de-DE" dirty="0"/>
+              <a:t>auszulesen</a:t>
+            </a:r>
+            <a:endParaRPr lang="en-US" baseline="0" dirty="0"/>
           </a:p>
         </p:txBody>
       </p:sp>
@@ -1892,18 +1820,13 @@
             <a:fld id="{B68732DB-8A05-41D1-B8F2-738DFD2104F0}" type="slidenum">
               <a:rPr lang="de-DE" smtClean="0"/>
               <a:pPr/>
-              <a:t>27</a:t>
+              <a:t>26</a:t>
             </a:fld>
             <a:endParaRPr lang="de-DE"/>
           </a:p>
         </p:txBody>
       </p:sp>
     </p:spTree>
-    <p:extLst>
-      <p:ext uri="{BB962C8B-B14F-4D97-AF65-F5344CB8AC3E}">
-        <p14:creationId xmlns:p14="http://schemas.microsoft.com/office/powerpoint/2010/main" val="406562286"/>
-      </p:ext>
-    </p:extLst>
   </p:cSld>
   <p:clrMapOvr>
     <a:masterClrMapping/>
@@ -1956,36 +1879,42 @@
           <a:lstStyle/>
           <a:p>
             <a:r>
-              <a:rPr lang="en-US" dirty="0" err="1"/>
-              <a:t>Hier</a:t>
-            </a:r>
-            <a:r>
-              <a:rPr lang="en-US" baseline="0" dirty="0"/>
-              <a:t> </a:t>
-            </a:r>
-            <a:r>
-              <a:rPr lang="en-US" baseline="0" dirty="0" err="1"/>
-              <a:t>sieht</a:t>
-            </a:r>
-            <a:r>
-              <a:rPr lang="en-US" baseline="0" dirty="0"/>
-              <a:t> man die </a:t>
-            </a:r>
-            <a:r>
-              <a:rPr lang="en-US" baseline="0" dirty="0" err="1"/>
-              <a:t>umgesetzten</a:t>
-            </a:r>
-            <a:r>
-              <a:rPr lang="en-US" baseline="0" dirty="0"/>
-              <a:t> Mockups </a:t>
-            </a:r>
-            <a:r>
-              <a:rPr lang="en-US" baseline="0" dirty="0" err="1"/>
-              <a:t>als</a:t>
-            </a:r>
-            <a:r>
-              <a:rPr lang="en-US" baseline="0" dirty="0"/>
-              <a:t> WPF - App</a:t>
+              <a:rPr lang="de-DE" dirty="0"/>
+              <a:t>Verwendetes Tool: </a:t>
+            </a:r>
+            <a:r>
+              <a:rPr lang="de-DE" dirty="0" err="1"/>
+              <a:t>Ninjamock</a:t>
+            </a:r>
+            <a:endParaRPr lang="de-DE" dirty="0"/>
+          </a:p>
+          <a:p>
+            <a:endParaRPr lang="de-DE" dirty="0"/>
+          </a:p>
+          <a:p>
+            <a:r>
+              <a:rPr lang="de-DE" dirty="0"/>
+              <a:t>Erste </a:t>
+            </a:r>
+            <a:r>
+              <a:rPr lang="de-DE" dirty="0" err="1"/>
+              <a:t>Mockups</a:t>
+            </a:r>
+            <a:r>
+              <a:rPr lang="de-DE" dirty="0"/>
+              <a:t> waren noch mit </a:t>
+            </a:r>
+            <a:r>
+              <a:rPr lang="de-DE" dirty="0" err="1"/>
+              <a:t>mehrereren</a:t>
+            </a:r>
+            <a:r>
+              <a:rPr lang="de-DE" dirty="0"/>
+              <a:t> Notizen</a:t>
+            </a:r>
+            <a:r>
+              <a:rPr lang="de-DE" baseline="0" dirty="0"/>
+              <a:t> pro Zeile horizontal</a:t>
             </a:r>
             <a:endParaRPr lang="de-DE" dirty="0"/>
           </a:p>
@@ -2009,7 +1938,7 @@
             <a:fld id="{B68732DB-8A05-41D1-B8F2-738DFD2104F0}" type="slidenum">
               <a:rPr lang="de-DE" smtClean="0"/>
               <a:pPr/>
-              <a:t>28</a:t>
+              <a:t>27</a:t>
             </a:fld>
             <a:endParaRPr lang="de-DE"/>
           </a:p>
@@ -2018,7 +1947,7 @@
     </p:spTree>
     <p:extLst>
       <p:ext uri="{BB962C8B-B14F-4D97-AF65-F5344CB8AC3E}">
-        <p14:creationId xmlns:p14="http://schemas.microsoft.com/office/powerpoint/2010/main" val="851868737"/>
+        <p14:creationId xmlns:p14="http://schemas.microsoft.com/office/powerpoint/2010/main" val="3160102417"/>
       </p:ext>
     </p:extLst>
   </p:cSld>
@@ -2073,29 +2002,64 @@
           <a:lstStyle/>
           <a:p>
             <a:r>
-              <a:rPr lang="de-DE" dirty="0"/>
-              <a:t>Zusätzlich haben wir Programmablaufpläne</a:t>
-            </a:r>
-            <a:r>
-              <a:rPr lang="de-DE" baseline="0" dirty="0"/>
-              <a:t> erstellt, hier zwei Beispiele</a:t>
-            </a:r>
-          </a:p>
-          <a:p>
-            <a:endParaRPr lang="de-DE" baseline="0" dirty="0"/>
-          </a:p>
-          <a:p>
-            <a:r>
-              <a:rPr lang="de-DE" baseline="0" dirty="0"/>
-              <a:t>Bei diesen Beispielen sind die Routen komplett – </a:t>
-            </a:r>
-            <a:r>
-              <a:rPr lang="de-DE" baseline="0" dirty="0" err="1"/>
-              <a:t>beispielCode</a:t>
-            </a:r>
-            <a:r>
-              <a:rPr lang="de-DE" baseline="0" dirty="0"/>
-              <a:t> folgt auf nächsten Folien</a:t>
+              <a:rPr lang="en-US" dirty="0" err="1"/>
+              <a:t>Danach</a:t>
+            </a:r>
+            <a:r>
+              <a:rPr lang="en-US" dirty="0"/>
+              <a:t> </a:t>
+            </a:r>
+            <a:r>
+              <a:rPr lang="en-US" dirty="0" err="1"/>
+              <a:t>spezifischere</a:t>
+            </a:r>
+            <a:r>
+              <a:rPr lang="en-US" baseline="0" dirty="0"/>
+              <a:t> Mockups, die </a:t>
+            </a:r>
+            <a:r>
+              <a:rPr lang="en-US" baseline="0" dirty="0" err="1"/>
+              <a:t>dann</a:t>
+            </a:r>
+            <a:r>
+              <a:rPr lang="en-US" baseline="0" dirty="0"/>
+              <a:t> </a:t>
+            </a:r>
+            <a:r>
+              <a:rPr lang="en-US" baseline="0" dirty="0" err="1"/>
+              <a:t>auch</a:t>
+            </a:r>
+            <a:r>
+              <a:rPr lang="en-US" baseline="0" dirty="0"/>
+              <a:t> in </a:t>
+            </a:r>
+            <a:r>
+              <a:rPr lang="en-US" baseline="0" dirty="0" err="1"/>
+              <a:t>dieser</a:t>
+            </a:r>
+            <a:r>
+              <a:rPr lang="en-US" baseline="0" dirty="0"/>
+              <a:t> Form </a:t>
+            </a:r>
+            <a:r>
+              <a:rPr lang="en-US" baseline="0" dirty="0" err="1"/>
+              <a:t>beschlossen</a:t>
+            </a:r>
+            <a:r>
+              <a:rPr lang="en-US" baseline="0" dirty="0"/>
+              <a:t> und </a:t>
+            </a:r>
+            <a:r>
+              <a:rPr lang="en-US" baseline="0" dirty="0" err="1"/>
+              <a:t>umgesetzt</a:t>
+            </a:r>
+            <a:r>
+              <a:rPr lang="en-US" baseline="0" dirty="0"/>
+              <a:t> </a:t>
+            </a:r>
+            <a:r>
+              <a:rPr lang="en-US" baseline="0" dirty="0" err="1"/>
+              <a:t>wurden</a:t>
             </a:r>
             <a:endParaRPr lang="de-DE" dirty="0"/>
           </a:p>
@@ -2119,7 +2083,7 @@
             <a:fld id="{B68732DB-8A05-41D1-B8F2-738DFD2104F0}" type="slidenum">
               <a:rPr lang="de-DE" smtClean="0"/>
               <a:pPr/>
-              <a:t>29</a:t>
+              <a:t>28</a:t>
             </a:fld>
             <a:endParaRPr lang="de-DE"/>
           </a:p>
@@ -2128,7 +2092,7 @@
     </p:spTree>
     <p:extLst>
       <p:ext uri="{BB962C8B-B14F-4D97-AF65-F5344CB8AC3E}">
-        <p14:creationId xmlns:p14="http://schemas.microsoft.com/office/powerpoint/2010/main" val="2858744506"/>
+        <p14:creationId xmlns:p14="http://schemas.microsoft.com/office/powerpoint/2010/main" val="406562286"/>
       </p:ext>
     </p:extLst>
   </p:cSld>
@@ -2179,43 +2143,12 @@
         </p:nvSpPr>
         <p:spPr/>
         <p:txBody>
-          <a:bodyPr>
-            <a:normAutofit/>
-          </a:bodyPr>
-          <a:lstStyle/>
-          <a:p>
-            <a:r>
-              <a:rPr lang="en-US" dirty="0"/>
-              <a:t>Weis </a:t>
-            </a:r>
+          <a:bodyPr/>
+          <a:lstStyle/>
+          <a:p>
             <a:r>
               <a:rPr lang="en-US" dirty="0" err="1"/>
-              <a:t>machen</a:t>
-            </a:r>
-            <a:endParaRPr lang="en-US" dirty="0"/>
-          </a:p>
-          <a:p>
-            <a:r>
-              <a:rPr lang="en-US" dirty="0" err="1"/>
-              <a:t>Codebeispiel</a:t>
-            </a:r>
-            <a:r>
-              <a:rPr lang="en-US" dirty="0"/>
-              <a:t>:</a:t>
-            </a:r>
-          </a:p>
-          <a:p>
-            <a:r>
-              <a:rPr lang="en-US" dirty="0" err="1"/>
-              <a:t>Einem</a:t>
-            </a:r>
-            <a:r>
-              <a:rPr lang="en-US" baseline="0" dirty="0"/>
-              <a:t> User </a:t>
-            </a:r>
-            <a:r>
-              <a:rPr lang="en-US" baseline="0" dirty="0" err="1"/>
-              <a:t>zu</a:t>
+              <a:t>Hier</a:t>
             </a:r>
             <a:r>
               <a:rPr lang="en-US" baseline="0" dirty="0"/>
@@ -2223,122 +2156,29 @@
             </a:r>
             <a:r>
               <a:rPr lang="en-US" baseline="0" dirty="0" err="1"/>
-              <a:t>einem</a:t>
+              <a:t>sieht</a:t>
             </a:r>
             <a:r>
               <a:rPr lang="en-US" baseline="0" dirty="0"/>
-              <a:t> Board </a:t>
+              <a:t> man die </a:t>
             </a:r>
             <a:r>
               <a:rPr lang="en-US" baseline="0" dirty="0" err="1"/>
-              <a:t>Lese</a:t>
+              <a:t>umgesetzten</a:t>
             </a:r>
             <a:r>
               <a:rPr lang="en-US" baseline="0" dirty="0"/>
-              <a:t>- und </a:t>
+              <a:t> Mockups </a:t>
             </a:r>
             <a:r>
               <a:rPr lang="en-US" baseline="0" dirty="0" err="1"/>
-              <a:t>Schreibrechte</a:t>
+              <a:t>als</a:t>
             </a:r>
             <a:r>
               <a:rPr lang="en-US" baseline="0" dirty="0"/>
-              <a:t> </a:t>
-            </a:r>
-            <a:r>
-              <a:rPr lang="en-US" baseline="0" dirty="0" err="1"/>
-              <a:t>erteilen</a:t>
-            </a:r>
-            <a:endParaRPr lang="en-US" baseline="0" dirty="0"/>
-          </a:p>
-          <a:p>
-            <a:endParaRPr lang="en-US" baseline="0" dirty="0"/>
-          </a:p>
-          <a:p>
-            <a:r>
-              <a:rPr lang="en-US" baseline="0" dirty="0"/>
-              <a:t>1. </a:t>
-            </a:r>
-            <a:r>
-              <a:rPr lang="en-US" baseline="0" dirty="0" err="1"/>
-              <a:t>Roter</a:t>
-            </a:r>
-            <a:r>
-              <a:rPr lang="en-US" baseline="0" dirty="0"/>
-              <a:t> </a:t>
-            </a:r>
-            <a:r>
-              <a:rPr lang="en-US" baseline="0" dirty="0" err="1"/>
-              <a:t>Kasten</a:t>
-            </a:r>
-            <a:r>
-              <a:rPr lang="en-US" baseline="0" dirty="0"/>
-              <a:t>: Request </a:t>
-            </a:r>
-            <a:r>
-              <a:rPr lang="en-US" baseline="0" dirty="0" err="1"/>
-              <a:t>absenden</a:t>
-            </a:r>
-            <a:endParaRPr lang="en-US" baseline="0" dirty="0"/>
-          </a:p>
-          <a:p>
-            <a:r>
-              <a:rPr lang="en-US" baseline="0" dirty="0"/>
-              <a:t>2. </a:t>
-            </a:r>
-            <a:r>
-              <a:rPr lang="en-US" baseline="0" dirty="0" err="1"/>
-              <a:t>Roter</a:t>
-            </a:r>
-            <a:r>
-              <a:rPr lang="en-US" baseline="0" dirty="0"/>
-              <a:t> </a:t>
-            </a:r>
-            <a:r>
-              <a:rPr lang="en-US" baseline="0" dirty="0" err="1"/>
-              <a:t>Kasten</a:t>
-            </a:r>
-            <a:r>
-              <a:rPr lang="en-US" baseline="0" dirty="0"/>
-              <a:t>: Backend </a:t>
-            </a:r>
-            <a:r>
-              <a:rPr lang="en-US" baseline="0" dirty="0" err="1"/>
-              <a:t>sendet</a:t>
-            </a:r>
-            <a:r>
-              <a:rPr lang="en-US" baseline="0" dirty="0"/>
-              <a:t> </a:t>
-            </a:r>
-            <a:r>
-              <a:rPr lang="en-US" baseline="0" dirty="0" err="1"/>
-              <a:t>neue</a:t>
-            </a:r>
-            <a:r>
-              <a:rPr lang="en-US" baseline="0" dirty="0"/>
-              <a:t> </a:t>
-            </a:r>
-            <a:r>
-              <a:rPr lang="en-US" baseline="0" dirty="0" err="1"/>
-              <a:t>UserListe</a:t>
-            </a:r>
-            <a:r>
-              <a:rPr lang="en-US" baseline="0" dirty="0"/>
-              <a:t> </a:t>
-            </a:r>
-            <a:r>
-              <a:rPr lang="en-US" baseline="0" dirty="0" err="1"/>
-              <a:t>für</a:t>
-            </a:r>
-            <a:r>
-              <a:rPr lang="en-US" baseline="0" dirty="0"/>
-              <a:t> dieses Board </a:t>
-            </a:r>
-            <a:r>
-              <a:rPr lang="en-US" baseline="0" dirty="0" err="1"/>
-              <a:t>zurück</a:t>
-            </a:r>
-            <a:endParaRPr lang="en-US" dirty="0"/>
+              <a:t> WPF - App</a:t>
+            </a:r>
+            <a:endParaRPr lang="de-DE" dirty="0"/>
           </a:p>
         </p:txBody>
       </p:sp>
@@ -2360,13 +2200,18 @@
             <a:fld id="{B68732DB-8A05-41D1-B8F2-738DFD2104F0}" type="slidenum">
               <a:rPr lang="de-DE" smtClean="0"/>
               <a:pPr/>
-              <a:t>30</a:t>
+              <a:t>29</a:t>
             </a:fld>
             <a:endParaRPr lang="de-DE"/>
           </a:p>
         </p:txBody>
       </p:sp>
     </p:spTree>
+    <p:extLst>
+      <p:ext uri="{BB962C8B-B14F-4D97-AF65-F5344CB8AC3E}">
+        <p14:creationId xmlns:p14="http://schemas.microsoft.com/office/powerpoint/2010/main" val="851868737"/>
+      </p:ext>
+    </p:extLst>
   </p:cSld>
   <p:clrMapOvr>
     <a:masterClrMapping/>
@@ -2500,127 +2345,35 @@
         </p:nvSpPr>
         <p:spPr/>
         <p:txBody>
-          <a:bodyPr>
-            <a:normAutofit/>
-          </a:bodyPr>
-          <a:lstStyle/>
-          <a:p>
-            <a:pPr marL="0" marR="0" indent="0" algn="l" defTabSz="914400" rtl="0" eaLnBrk="1" fontAlgn="auto" latinLnBrk="0" hangingPunct="1">
-              <a:lnSpc>
-                <a:spcPct val="100000"/>
-              </a:lnSpc>
-              <a:spcBef>
-                <a:spcPts val="0"/>
-              </a:spcBef>
-              <a:spcAft>
-                <a:spcPts val="0"/>
-              </a:spcAft>
-              <a:buClrTx/>
-              <a:buSzTx/>
-              <a:buFontTx/>
-              <a:buNone/>
-              <a:tabLst/>
-              <a:defRPr/>
-            </a:pPr>
-            <a:r>
-              <a:rPr lang="en-US" dirty="0"/>
-              <a:t>Weis </a:t>
-            </a:r>
-            <a:r>
-              <a:rPr lang="en-US" dirty="0" err="1"/>
-              <a:t>machen</a:t>
-            </a:r>
-            <a:endParaRPr lang="en-US" dirty="0"/>
-          </a:p>
-          <a:p>
-            <a:r>
-              <a:rPr lang="en-US" dirty="0" err="1"/>
-              <a:t>Hier</a:t>
-            </a:r>
-            <a:r>
-              <a:rPr lang="en-US" dirty="0"/>
-              <a:t> </a:t>
-            </a:r>
-            <a:r>
-              <a:rPr lang="en-US" dirty="0" err="1"/>
-              <a:t>derselbe</a:t>
-            </a:r>
-            <a:r>
-              <a:rPr lang="en-US" baseline="0" dirty="0"/>
-              <a:t> Code auf Backend </a:t>
-            </a:r>
-            <a:r>
-              <a:rPr lang="en-US" baseline="0" dirty="0" err="1"/>
-              <a:t>Seite</a:t>
-            </a:r>
-            <a:endParaRPr lang="en-US" baseline="0" dirty="0"/>
-          </a:p>
-          <a:p>
-            <a:r>
-              <a:rPr lang="en-US" baseline="0" dirty="0"/>
-              <a:t>Die </a:t>
-            </a:r>
-            <a:r>
-              <a:rPr lang="en-US" baseline="0" dirty="0" err="1"/>
-              <a:t>neuen</a:t>
-            </a:r>
-            <a:r>
-              <a:rPr lang="en-US" baseline="0" dirty="0"/>
-              <a:t> </a:t>
-            </a:r>
-            <a:r>
-              <a:rPr lang="en-US" baseline="0" dirty="0" err="1"/>
-              <a:t>Rechte</a:t>
-            </a:r>
-            <a:r>
-              <a:rPr lang="en-US" baseline="0" dirty="0"/>
-              <a:t> des Users </a:t>
-            </a:r>
-            <a:r>
-              <a:rPr lang="en-US" baseline="0" dirty="0" err="1"/>
-              <a:t>werden</a:t>
-            </a:r>
-            <a:r>
-              <a:rPr lang="en-US" baseline="0" dirty="0"/>
-              <a:t> in die </a:t>
-            </a:r>
-            <a:r>
-              <a:rPr lang="en-US" baseline="0" dirty="0" err="1"/>
-              <a:t>Datenbank</a:t>
-            </a:r>
-            <a:r>
-              <a:rPr lang="en-US" baseline="0" dirty="0"/>
-              <a:t> </a:t>
-            </a:r>
-            <a:r>
-              <a:rPr lang="en-US" baseline="0" dirty="0" err="1"/>
-              <a:t>geschrieben</a:t>
-            </a:r>
-            <a:r>
-              <a:rPr lang="en-US" baseline="0" dirty="0"/>
-              <a:t>, </a:t>
-            </a:r>
-            <a:r>
-              <a:rPr lang="en-US" baseline="0" dirty="0" err="1"/>
-              <a:t>sofern</a:t>
-            </a:r>
-            <a:r>
-              <a:rPr lang="en-US" baseline="0" dirty="0"/>
-              <a:t> </a:t>
-            </a:r>
-            <a:r>
-              <a:rPr lang="en-US" baseline="0" dirty="0" err="1"/>
-              <a:t>der</a:t>
-            </a:r>
-            <a:r>
-              <a:rPr lang="en-US" baseline="0" dirty="0"/>
-              <a:t> User </a:t>
-            </a:r>
-            <a:r>
-              <a:rPr lang="en-US" baseline="0" dirty="0" err="1"/>
-              <a:t>existiert</a:t>
-            </a:r>
-            <a:endParaRPr lang="en-US" dirty="0"/>
+          <a:bodyPr/>
+          <a:lstStyle/>
+          <a:p>
+            <a:r>
+              <a:rPr lang="de-DE" dirty="0"/>
+              <a:t>Zusätzlich haben wir Programmablaufpläne</a:t>
+            </a:r>
+            <a:r>
+              <a:rPr lang="de-DE" baseline="0" dirty="0"/>
+              <a:t> erstellt, hier zwei Beispiele</a:t>
+            </a:r>
+          </a:p>
+          <a:p>
+            <a:endParaRPr lang="de-DE" baseline="0" dirty="0"/>
+          </a:p>
+          <a:p>
+            <a:r>
+              <a:rPr lang="de-DE" baseline="0" dirty="0"/>
+              <a:t>Bei diesen Beispielen sind die Routen komplett – </a:t>
+            </a:r>
+            <a:r>
+              <a:rPr lang="de-DE" baseline="0" dirty="0" err="1"/>
+              <a:t>beispielCode</a:t>
+            </a:r>
+            <a:r>
+              <a:rPr lang="de-DE" baseline="0" dirty="0"/>
+              <a:t> folgt auf nächsten Folien</a:t>
+            </a:r>
+            <a:endParaRPr lang="de-DE" dirty="0"/>
           </a:p>
         </p:txBody>
       </p:sp>
@@ -2642,13 +2395,18 @@
             <a:fld id="{B68732DB-8A05-41D1-B8F2-738DFD2104F0}" type="slidenum">
               <a:rPr lang="de-DE" smtClean="0"/>
               <a:pPr/>
-              <a:t>31</a:t>
+              <a:t>30</a:t>
             </a:fld>
             <a:endParaRPr lang="de-DE"/>
           </a:p>
         </p:txBody>
       </p:sp>
     </p:spTree>
+    <p:extLst>
+      <p:ext uri="{BB962C8B-B14F-4D97-AF65-F5344CB8AC3E}">
+        <p14:creationId xmlns:p14="http://schemas.microsoft.com/office/powerpoint/2010/main" val="2858744506"/>
+      </p:ext>
+    </p:extLst>
   </p:cSld>
   <p:clrMapOvr>
     <a:masterClrMapping/>
@@ -2697,77 +2455,18 @@
         </p:nvSpPr>
         <p:spPr/>
         <p:txBody>
-          <a:bodyPr>
-            <a:normAutofit/>
-          </a:bodyPr>
-          <a:lstStyle/>
-          <a:p>
-            <a:r>
-              <a:rPr lang="en-US" dirty="0" err="1"/>
-              <a:t>Im</a:t>
-            </a:r>
-            <a:r>
-              <a:rPr lang="en-US" dirty="0"/>
-              <a:t> Frontend </a:t>
-            </a:r>
-            <a:r>
-              <a:rPr lang="en-US" dirty="0" err="1"/>
-              <a:t>selbes</a:t>
-            </a:r>
-            <a:r>
-              <a:rPr lang="en-US" dirty="0"/>
-              <a:t> </a:t>
-            </a:r>
-            <a:r>
-              <a:rPr lang="en-US" dirty="0" err="1"/>
-              <a:t>Datenmodell</a:t>
-            </a:r>
-            <a:r>
-              <a:rPr lang="en-US" dirty="0"/>
-              <a:t> </a:t>
-            </a:r>
-            <a:r>
-              <a:rPr lang="en-US" dirty="0" err="1"/>
-              <a:t>wie</a:t>
-            </a:r>
-            <a:r>
-              <a:rPr lang="en-US" dirty="0"/>
-              <a:t> </a:t>
-            </a:r>
-            <a:r>
-              <a:rPr lang="en-US" dirty="0" err="1"/>
-              <a:t>im</a:t>
-            </a:r>
-            <a:r>
-              <a:rPr lang="en-US" dirty="0"/>
-              <a:t> Backend</a:t>
-            </a:r>
-          </a:p>
-          <a:p>
-            <a:endParaRPr lang="en-US" dirty="0"/>
-          </a:p>
-          <a:p>
-            <a:r>
-              <a:rPr lang="en-US" dirty="0"/>
-              <a:t>Backend </a:t>
-            </a:r>
-            <a:r>
-              <a:rPr lang="en-US" dirty="0" err="1"/>
-              <a:t>durch</a:t>
-            </a:r>
-            <a:r>
-              <a:rPr lang="en-US" dirty="0"/>
-              <a:t> Entity</a:t>
-            </a:r>
-            <a:r>
-              <a:rPr lang="en-US" baseline="0" dirty="0"/>
-              <a:t> Framework </a:t>
-            </a:r>
-            <a:r>
-              <a:rPr lang="en-US" baseline="0" dirty="0" err="1"/>
-              <a:t>erstellt</a:t>
-            </a:r>
-            <a:endParaRPr lang="en-US" dirty="0"/>
+          <a:bodyPr/>
+          <a:lstStyle/>
+          <a:p>
+            <a:r>
+              <a:rPr lang="de-DE" dirty="0"/>
+              <a:t>Prototyp</a:t>
+            </a:r>
+            <a:r>
+              <a:rPr lang="de-DE" baseline="0" dirty="0"/>
+              <a:t> zeigen</a:t>
+            </a:r>
+            <a:endParaRPr lang="de-DE" dirty="0"/>
           </a:p>
         </p:txBody>
       </p:sp>
@@ -2789,13 +2488,18 @@
             <a:fld id="{B68732DB-8A05-41D1-B8F2-738DFD2104F0}" type="slidenum">
               <a:rPr lang="de-DE" smtClean="0"/>
               <a:pPr/>
-              <a:t>32</a:t>
+              <a:t>31</a:t>
             </a:fld>
             <a:endParaRPr lang="de-DE"/>
           </a:p>
         </p:txBody>
       </p:sp>
     </p:spTree>
+    <p:extLst>
+      <p:ext uri="{BB962C8B-B14F-4D97-AF65-F5344CB8AC3E}">
+        <p14:creationId xmlns:p14="http://schemas.microsoft.com/office/powerpoint/2010/main" val="792622962"/>
+      </p:ext>
+    </p:extLst>
   </p:cSld>
   <p:clrMapOvr>
     <a:masterClrMapping/>
@@ -2844,48 +2548,166 @@
         </p:nvSpPr>
         <p:spPr/>
         <p:txBody>
-          <a:bodyPr/>
+          <a:bodyPr>
+            <a:normAutofit/>
+          </a:bodyPr>
           <a:lstStyle/>
           <a:p>
             <a:r>
               <a:rPr lang="en-US" dirty="0"/>
-              <a:t>Und am </a:t>
+              <a:t>Weis </a:t>
             </a:r>
             <a:r>
               <a:rPr lang="en-US" dirty="0" err="1"/>
-              <a:t>Ende</a:t>
+              <a:t>machen</a:t>
+            </a:r>
+            <a:endParaRPr lang="en-US" dirty="0"/>
+          </a:p>
+          <a:p>
+            <a:r>
+              <a:rPr lang="en-US" dirty="0" err="1"/>
+              <a:t>Codebeispiel</a:t>
             </a:r>
             <a:r>
               <a:rPr lang="en-US" dirty="0"/>
+              <a:t>:</a:t>
+            </a:r>
+          </a:p>
+          <a:p>
+            <a:r>
+              <a:rPr lang="en-US" dirty="0" err="1"/>
+              <a:t>Einem</a:t>
+            </a:r>
+            <a:r>
+              <a:rPr lang="en-US" baseline="0" dirty="0"/>
+              <a:t> User </a:t>
+            </a:r>
+            <a:r>
+              <a:rPr lang="en-US" baseline="0" dirty="0" err="1"/>
+              <a:t>zu</a:t>
+            </a:r>
+            <a:r>
+              <a:rPr lang="en-US" baseline="0" dirty="0"/>
               <a:t> </a:t>
             </a:r>
             <a:r>
-              <a:rPr lang="en-US" dirty="0" err="1"/>
-              <a:t>noch</a:t>
-            </a:r>
-            <a:r>
-              <a:rPr lang="en-US" dirty="0"/>
+              <a:rPr lang="en-US" baseline="0" dirty="0" err="1"/>
+              <a:t>einem</a:t>
+            </a:r>
+            <a:r>
+              <a:rPr lang="en-US" baseline="0" dirty="0"/>
+              <a:t> Board </a:t>
+            </a:r>
+            <a:r>
+              <a:rPr lang="en-US" baseline="0" dirty="0" err="1"/>
+              <a:t>Lese</a:t>
+            </a:r>
+            <a:r>
+              <a:rPr lang="en-US" baseline="0" dirty="0"/>
+              <a:t>- und </a:t>
+            </a:r>
+            <a:r>
+              <a:rPr lang="en-US" baseline="0" dirty="0" err="1"/>
+              <a:t>Schreibrechte</a:t>
+            </a:r>
+            <a:r>
+              <a:rPr lang="en-US" baseline="0" dirty="0"/>
               <a:t> </a:t>
             </a:r>
             <a:r>
-              <a:rPr lang="en-US" dirty="0" err="1"/>
-              <a:t>unser</a:t>
-            </a:r>
-            <a:r>
-              <a:rPr lang="en-US" dirty="0"/>
+              <a:rPr lang="en-US" baseline="0" dirty="0" err="1"/>
+              <a:t>erteilen</a:t>
+            </a:r>
+            <a:endParaRPr lang="en-US" baseline="0" dirty="0"/>
+          </a:p>
+          <a:p>
+            <a:endParaRPr lang="en-US" baseline="0" dirty="0"/>
+          </a:p>
+          <a:p>
+            <a:r>
+              <a:rPr lang="en-US" baseline="0" dirty="0"/>
+              <a:t>1. </a:t>
+            </a:r>
+            <a:r>
+              <a:rPr lang="en-US" baseline="0" dirty="0" err="1"/>
+              <a:t>Roter</a:t>
+            </a:r>
+            <a:r>
+              <a:rPr lang="en-US" baseline="0" dirty="0"/>
               <a:t> </a:t>
             </a:r>
             <a:r>
-              <a:rPr lang="en-US" dirty="0" err="1"/>
-              <a:t>Fazit</a:t>
-            </a:r>
-            <a:r>
-              <a:rPr lang="en-US" dirty="0"/>
-              <a:t>…</a:t>
-            </a:r>
-          </a:p>
-          <a:p>
-            <a:endParaRPr lang="de-DE" dirty="0"/>
+              <a:rPr lang="en-US" baseline="0" dirty="0" err="1"/>
+              <a:t>Kasten</a:t>
+            </a:r>
+            <a:r>
+              <a:rPr lang="en-US" baseline="0" dirty="0"/>
+              <a:t>: Request </a:t>
+            </a:r>
+            <a:r>
+              <a:rPr lang="en-US" baseline="0" dirty="0" err="1"/>
+              <a:t>absenden</a:t>
+            </a:r>
+            <a:endParaRPr lang="en-US" baseline="0" dirty="0"/>
+          </a:p>
+          <a:p>
+            <a:r>
+              <a:rPr lang="en-US" baseline="0" dirty="0"/>
+              <a:t>2. </a:t>
+            </a:r>
+            <a:r>
+              <a:rPr lang="en-US" baseline="0" dirty="0" err="1"/>
+              <a:t>Roter</a:t>
+            </a:r>
+            <a:r>
+              <a:rPr lang="en-US" baseline="0" dirty="0"/>
+              <a:t> </a:t>
+            </a:r>
+            <a:r>
+              <a:rPr lang="en-US" baseline="0" dirty="0" err="1"/>
+              <a:t>Kasten</a:t>
+            </a:r>
+            <a:r>
+              <a:rPr lang="en-US" baseline="0" dirty="0"/>
+              <a:t>: Backend </a:t>
+            </a:r>
+            <a:r>
+              <a:rPr lang="en-US" baseline="0" dirty="0" err="1"/>
+              <a:t>sendet</a:t>
+            </a:r>
+            <a:r>
+              <a:rPr lang="en-US" baseline="0" dirty="0"/>
+              <a:t> </a:t>
+            </a:r>
+            <a:r>
+              <a:rPr lang="en-US" baseline="0" dirty="0" err="1"/>
+              <a:t>neue</a:t>
+            </a:r>
+            <a:r>
+              <a:rPr lang="en-US" baseline="0" dirty="0"/>
+              <a:t> </a:t>
+            </a:r>
+            <a:r>
+              <a:rPr lang="en-US" baseline="0" dirty="0" err="1"/>
+              <a:t>UserListe</a:t>
+            </a:r>
+            <a:r>
+              <a:rPr lang="en-US" baseline="0" dirty="0"/>
+              <a:t> </a:t>
+            </a:r>
+            <a:r>
+              <a:rPr lang="en-US" baseline="0" dirty="0" err="1"/>
+              <a:t>für</a:t>
+            </a:r>
+            <a:r>
+              <a:rPr lang="en-US" baseline="0" dirty="0"/>
+              <a:t> dieses Board </a:t>
+            </a:r>
+            <a:r>
+              <a:rPr lang="en-US" baseline="0" dirty="0" err="1"/>
+              <a:t>zurück</a:t>
+            </a:r>
+            <a:endParaRPr lang="en-US" dirty="0"/>
           </a:p>
         </p:txBody>
       </p:sp>
@@ -2907,18 +2729,13 @@
             <a:fld id="{B68732DB-8A05-41D1-B8F2-738DFD2104F0}" type="slidenum">
               <a:rPr lang="de-DE" smtClean="0"/>
               <a:pPr/>
-              <a:t>33</a:t>
+              <a:t>32</a:t>
             </a:fld>
             <a:endParaRPr lang="de-DE"/>
           </a:p>
         </p:txBody>
       </p:sp>
     </p:spTree>
-    <p:extLst>
-      <p:ext uri="{BB962C8B-B14F-4D97-AF65-F5344CB8AC3E}">
-        <p14:creationId xmlns:p14="http://schemas.microsoft.com/office/powerpoint/2010/main" val="1251892998"/>
-      </p:ext>
-    </p:extLst>
   </p:cSld>
   <p:clrMapOvr>
     <a:masterClrMapping/>
@@ -2967,12 +2784,42 @@
         </p:nvSpPr>
         <p:spPr/>
         <p:txBody>
-          <a:bodyPr/>
-          <a:lstStyle/>
-          <a:p>
+          <a:bodyPr>
+            <a:normAutofit/>
+          </a:bodyPr>
+          <a:lstStyle/>
+          <a:p>
+            <a:pPr marL="0" marR="0" indent="0" algn="l" defTabSz="914400" rtl="0" eaLnBrk="1" fontAlgn="auto" latinLnBrk="0" hangingPunct="1">
+              <a:lnSpc>
+                <a:spcPct val="100000"/>
+              </a:lnSpc>
+              <a:spcBef>
+                <a:spcPts val="0"/>
+              </a:spcBef>
+              <a:spcAft>
+                <a:spcPts val="0"/>
+              </a:spcAft>
+              <a:buClrTx/>
+              <a:buSzTx/>
+              <a:buFontTx/>
+              <a:buNone/>
+              <a:tabLst/>
+              <a:defRPr/>
+            </a:pPr>
+            <a:r>
+              <a:rPr lang="en-US" dirty="0"/>
+              <a:t>Weis </a:t>
+            </a:r>
             <a:r>
               <a:rPr lang="en-US" dirty="0" err="1"/>
-              <a:t>Habn</a:t>
+              <a:t>machen</a:t>
+            </a:r>
+            <a:endParaRPr lang="en-US" dirty="0"/>
+          </a:p>
+          <a:p>
+            <a:r>
+              <a:rPr lang="en-US" dirty="0" err="1"/>
+              <a:t>Hier</a:t>
             </a:r>
             <a:r>
               <a:rPr lang="en-US" dirty="0"/>
@@ -2980,7 +2827,176 @@
             </a:r>
             <a:r>
               <a:rPr lang="en-US" dirty="0" err="1"/>
-              <a:t>Sie</a:t>
+              <a:t>derselbe</a:t>
+            </a:r>
+            <a:r>
+              <a:rPr lang="en-US" baseline="0" dirty="0"/>
+              <a:t> Code auf Backend </a:t>
+            </a:r>
+            <a:r>
+              <a:rPr lang="en-US" baseline="0" dirty="0" err="1"/>
+              <a:t>Seite</a:t>
+            </a:r>
+            <a:endParaRPr lang="en-US" baseline="0" dirty="0"/>
+          </a:p>
+          <a:p>
+            <a:r>
+              <a:rPr lang="en-US" baseline="0" dirty="0"/>
+              <a:t>Die </a:t>
+            </a:r>
+            <a:r>
+              <a:rPr lang="en-US" baseline="0" dirty="0" err="1"/>
+              <a:t>neuen</a:t>
+            </a:r>
+            <a:r>
+              <a:rPr lang="en-US" baseline="0" dirty="0"/>
+              <a:t> </a:t>
+            </a:r>
+            <a:r>
+              <a:rPr lang="en-US" baseline="0" dirty="0" err="1"/>
+              <a:t>Rechte</a:t>
+            </a:r>
+            <a:r>
+              <a:rPr lang="en-US" baseline="0" dirty="0"/>
+              <a:t> des Users </a:t>
+            </a:r>
+            <a:r>
+              <a:rPr lang="en-US" baseline="0" dirty="0" err="1"/>
+              <a:t>werden</a:t>
+            </a:r>
+            <a:r>
+              <a:rPr lang="en-US" baseline="0" dirty="0"/>
+              <a:t> in die </a:t>
+            </a:r>
+            <a:r>
+              <a:rPr lang="en-US" baseline="0" dirty="0" err="1"/>
+              <a:t>Datenbank</a:t>
+            </a:r>
+            <a:r>
+              <a:rPr lang="en-US" baseline="0" dirty="0"/>
+              <a:t> </a:t>
+            </a:r>
+            <a:r>
+              <a:rPr lang="en-US" baseline="0" dirty="0" err="1"/>
+              <a:t>geschrieben</a:t>
+            </a:r>
+            <a:r>
+              <a:rPr lang="en-US" baseline="0" dirty="0"/>
+              <a:t>, </a:t>
+            </a:r>
+            <a:r>
+              <a:rPr lang="en-US" baseline="0" dirty="0" err="1"/>
+              <a:t>sofern</a:t>
+            </a:r>
+            <a:r>
+              <a:rPr lang="en-US" baseline="0" dirty="0"/>
+              <a:t> </a:t>
+            </a:r>
+            <a:r>
+              <a:rPr lang="en-US" baseline="0" dirty="0" err="1"/>
+              <a:t>der</a:t>
+            </a:r>
+            <a:r>
+              <a:rPr lang="en-US" baseline="0" dirty="0"/>
+              <a:t> User </a:t>
+            </a:r>
+            <a:r>
+              <a:rPr lang="en-US" baseline="0" dirty="0" err="1"/>
+              <a:t>existiert</a:t>
+            </a:r>
+            <a:endParaRPr lang="en-US" dirty="0"/>
+          </a:p>
+        </p:txBody>
+      </p:sp>
+      <p:sp>
+        <p:nvSpPr>
+          <p:cNvPr id="4" name="Foliennummernplatzhalter 3"/>
+          <p:cNvSpPr>
+            <a:spLocks noGrp="1"/>
+          </p:cNvSpPr>
+          <p:nvPr>
+            <p:ph type="sldNum" sz="quarter" idx="10"/>
+          </p:nvPr>
+        </p:nvSpPr>
+        <p:spPr/>
+        <p:txBody>
+          <a:bodyPr/>
+          <a:lstStyle/>
+          <a:p>
+            <a:fld id="{B68732DB-8A05-41D1-B8F2-738DFD2104F0}" type="slidenum">
+              <a:rPr lang="de-DE" smtClean="0"/>
+              <a:pPr/>
+              <a:t>33</a:t>
+            </a:fld>
+            <a:endParaRPr lang="de-DE"/>
+          </a:p>
+        </p:txBody>
+      </p:sp>
+    </p:spTree>
+  </p:cSld>
+  <p:clrMapOvr>
+    <a:masterClrMapping/>
+  </p:clrMapOvr>
+</p:notes>
+</file>
+
+<file path=ppt/notesSlides/notesSlide24.xml><?xml version="1.0" encoding="utf-8"?>
+<p:notes xmlns:a="http://schemas.openxmlformats.org/drawingml/2006/main" xmlns:r="http://schemas.openxmlformats.org/officeDocument/2006/relationships" xmlns:p="http://schemas.openxmlformats.org/presentationml/2006/main">
+  <p:cSld>
+    <p:spTree>
+      <p:nvGrpSpPr>
+        <p:cNvPr id="1" name=""/>
+        <p:cNvGrpSpPr/>
+        <p:nvPr/>
+      </p:nvGrpSpPr>
+      <p:grpSpPr>
+        <a:xfrm>
+          <a:off x="0" y="0"/>
+          <a:ext cx="0" cy="0"/>
+          <a:chOff x="0" y="0"/>
+          <a:chExt cx="0" cy="0"/>
+        </a:xfrm>
+      </p:grpSpPr>
+      <p:sp>
+        <p:nvSpPr>
+          <p:cNvPr id="2" name="Folienbildplatzhalter 1"/>
+          <p:cNvSpPr>
+            <a:spLocks noGrp="1" noRot="1" noChangeAspect="1"/>
+          </p:cNvSpPr>
+          <p:nvPr>
+            <p:ph type="sldImg"/>
+          </p:nvPr>
+        </p:nvSpPr>
+        <p:spPr/>
+      </p:sp>
+      <p:sp>
+        <p:nvSpPr>
+          <p:cNvPr id="3" name="Notizenplatzhalter 2"/>
+          <p:cNvSpPr>
+            <a:spLocks noGrp="1"/>
+          </p:cNvSpPr>
+          <p:nvPr>
+            <p:ph type="body" idx="1"/>
+          </p:nvPr>
+        </p:nvSpPr>
+        <p:spPr/>
+        <p:txBody>
+          <a:bodyPr>
+            <a:normAutofit/>
+          </a:bodyPr>
+          <a:lstStyle/>
+          <a:p>
+            <a:r>
+              <a:rPr lang="en-US" dirty="0" err="1"/>
+              <a:t>Im</a:t>
+            </a:r>
+            <a:r>
+              <a:rPr lang="en-US" dirty="0"/>
+              <a:t> Frontend </a:t>
+            </a:r>
+            <a:r>
+              <a:rPr lang="en-US" dirty="0" err="1"/>
+              <a:t>selbes</a:t>
             </a:r>
             <a:r>
               <a:rPr lang="en-US" dirty="0"/>
@@ -2988,7 +3004,7 @@
             </a:r>
             <a:r>
               <a:rPr lang="en-US" dirty="0" err="1"/>
-              <a:t>noch</a:t>
+              <a:t>Datenmodell</a:t>
             </a:r>
             <a:r>
               <a:rPr lang="en-US" dirty="0"/>
@@ -2996,9 +3012,46 @@
             </a:r>
             <a:r>
               <a:rPr lang="en-US" dirty="0" err="1"/>
-              <a:t>Fragen</a:t>
-            </a:r>
-            <a:endParaRPr lang="de-DE" dirty="0"/>
+              <a:t>wie</a:t>
+            </a:r>
+            <a:r>
+              <a:rPr lang="en-US" dirty="0"/>
+              <a:t> </a:t>
+            </a:r>
+            <a:r>
+              <a:rPr lang="en-US" dirty="0" err="1"/>
+              <a:t>im</a:t>
+            </a:r>
+            <a:r>
+              <a:rPr lang="en-US" dirty="0"/>
+              <a:t> Backend</a:t>
+            </a:r>
+          </a:p>
+          <a:p>
+            <a:endParaRPr lang="en-US" dirty="0"/>
+          </a:p>
+          <a:p>
+            <a:r>
+              <a:rPr lang="en-US" dirty="0"/>
+              <a:t>Backend </a:t>
+            </a:r>
+            <a:r>
+              <a:rPr lang="en-US" dirty="0" err="1"/>
+              <a:t>durch</a:t>
+            </a:r>
+            <a:r>
+              <a:rPr lang="en-US" dirty="0"/>
+              <a:t> Entity</a:t>
+            </a:r>
+            <a:r>
+              <a:rPr lang="en-US" baseline="0" dirty="0"/>
+              <a:t> Framework </a:t>
+            </a:r>
+            <a:r>
+              <a:rPr lang="en-US" baseline="0" dirty="0" err="1"/>
+              <a:t>erstellt</a:t>
+            </a:r>
+            <a:endParaRPr lang="en-US" dirty="0"/>
           </a:p>
         </p:txBody>
       </p:sp>
@@ -3021,6 +3074,237 @@
               <a:rPr lang="de-DE" smtClean="0"/>
               <a:pPr/>
               <a:t>34</a:t>
+            </a:fld>
+            <a:endParaRPr lang="de-DE"/>
+          </a:p>
+        </p:txBody>
+      </p:sp>
+    </p:spTree>
+  </p:cSld>
+  <p:clrMapOvr>
+    <a:masterClrMapping/>
+  </p:clrMapOvr>
+</p:notes>
+</file>
+
+<file path=ppt/notesSlides/notesSlide25.xml><?xml version="1.0" encoding="utf-8"?>
+<p:notes xmlns:a="http://schemas.openxmlformats.org/drawingml/2006/main" xmlns:r="http://schemas.openxmlformats.org/officeDocument/2006/relationships" xmlns:p="http://schemas.openxmlformats.org/presentationml/2006/main">
+  <p:cSld>
+    <p:spTree>
+      <p:nvGrpSpPr>
+        <p:cNvPr id="1" name=""/>
+        <p:cNvGrpSpPr/>
+        <p:nvPr/>
+      </p:nvGrpSpPr>
+      <p:grpSpPr>
+        <a:xfrm>
+          <a:off x="0" y="0"/>
+          <a:ext cx="0" cy="0"/>
+          <a:chOff x="0" y="0"/>
+          <a:chExt cx="0" cy="0"/>
+        </a:xfrm>
+      </p:grpSpPr>
+      <p:sp>
+        <p:nvSpPr>
+          <p:cNvPr id="2" name="Folienbildplatzhalter 1"/>
+          <p:cNvSpPr>
+            <a:spLocks noGrp="1" noRot="1" noChangeAspect="1"/>
+          </p:cNvSpPr>
+          <p:nvPr>
+            <p:ph type="sldImg"/>
+          </p:nvPr>
+        </p:nvSpPr>
+        <p:spPr/>
+      </p:sp>
+      <p:sp>
+        <p:nvSpPr>
+          <p:cNvPr id="3" name="Notizenplatzhalter 2"/>
+          <p:cNvSpPr>
+            <a:spLocks noGrp="1"/>
+          </p:cNvSpPr>
+          <p:nvPr>
+            <p:ph type="body" idx="1"/>
+          </p:nvPr>
+        </p:nvSpPr>
+        <p:spPr/>
+        <p:txBody>
+          <a:bodyPr/>
+          <a:lstStyle/>
+          <a:p>
+            <a:r>
+              <a:rPr lang="en-US" dirty="0"/>
+              <a:t>Und am </a:t>
+            </a:r>
+            <a:r>
+              <a:rPr lang="en-US" dirty="0" err="1"/>
+              <a:t>Ende</a:t>
+            </a:r>
+            <a:r>
+              <a:rPr lang="en-US" dirty="0"/>
+              <a:t> </a:t>
+            </a:r>
+            <a:r>
+              <a:rPr lang="en-US" dirty="0" err="1"/>
+              <a:t>noch</a:t>
+            </a:r>
+            <a:r>
+              <a:rPr lang="en-US" dirty="0"/>
+              <a:t> </a:t>
+            </a:r>
+            <a:r>
+              <a:rPr lang="en-US" dirty="0" err="1"/>
+              <a:t>unser</a:t>
+            </a:r>
+            <a:r>
+              <a:rPr lang="en-US" dirty="0"/>
+              <a:t> </a:t>
+            </a:r>
+            <a:r>
+              <a:rPr lang="en-US" dirty="0" err="1"/>
+              <a:t>Fazit</a:t>
+            </a:r>
+            <a:r>
+              <a:rPr lang="en-US" dirty="0"/>
+              <a:t>…</a:t>
+            </a:r>
+          </a:p>
+          <a:p>
+            <a:endParaRPr lang="de-DE" dirty="0"/>
+          </a:p>
+        </p:txBody>
+      </p:sp>
+      <p:sp>
+        <p:nvSpPr>
+          <p:cNvPr id="4" name="Foliennummernplatzhalter 3"/>
+          <p:cNvSpPr>
+            <a:spLocks noGrp="1"/>
+          </p:cNvSpPr>
+          <p:nvPr>
+            <p:ph type="sldNum" sz="quarter" idx="10"/>
+          </p:nvPr>
+        </p:nvSpPr>
+        <p:spPr/>
+        <p:txBody>
+          <a:bodyPr/>
+          <a:lstStyle/>
+          <a:p>
+            <a:fld id="{B68732DB-8A05-41D1-B8F2-738DFD2104F0}" type="slidenum">
+              <a:rPr lang="de-DE" smtClean="0"/>
+              <a:pPr/>
+              <a:t>35</a:t>
+            </a:fld>
+            <a:endParaRPr lang="de-DE"/>
+          </a:p>
+        </p:txBody>
+      </p:sp>
+    </p:spTree>
+    <p:extLst>
+      <p:ext uri="{BB962C8B-B14F-4D97-AF65-F5344CB8AC3E}">
+        <p14:creationId xmlns:p14="http://schemas.microsoft.com/office/powerpoint/2010/main" val="1251892998"/>
+      </p:ext>
+    </p:extLst>
+  </p:cSld>
+  <p:clrMapOvr>
+    <a:masterClrMapping/>
+  </p:clrMapOvr>
+</p:notes>
+</file>
+
+<file path=ppt/notesSlides/notesSlide26.xml><?xml version="1.0" encoding="utf-8"?>
+<p:notes xmlns:a="http://schemas.openxmlformats.org/drawingml/2006/main" xmlns:r="http://schemas.openxmlformats.org/officeDocument/2006/relationships" xmlns:p="http://schemas.openxmlformats.org/presentationml/2006/main">
+  <p:cSld>
+    <p:spTree>
+      <p:nvGrpSpPr>
+        <p:cNvPr id="1" name=""/>
+        <p:cNvGrpSpPr/>
+        <p:nvPr/>
+      </p:nvGrpSpPr>
+      <p:grpSpPr>
+        <a:xfrm>
+          <a:off x="0" y="0"/>
+          <a:ext cx="0" cy="0"/>
+          <a:chOff x="0" y="0"/>
+          <a:chExt cx="0" cy="0"/>
+        </a:xfrm>
+      </p:grpSpPr>
+      <p:sp>
+        <p:nvSpPr>
+          <p:cNvPr id="2" name="Folienbildplatzhalter 1"/>
+          <p:cNvSpPr>
+            <a:spLocks noGrp="1" noRot="1" noChangeAspect="1"/>
+          </p:cNvSpPr>
+          <p:nvPr>
+            <p:ph type="sldImg"/>
+          </p:nvPr>
+        </p:nvSpPr>
+        <p:spPr/>
+      </p:sp>
+      <p:sp>
+        <p:nvSpPr>
+          <p:cNvPr id="3" name="Notizenplatzhalter 2"/>
+          <p:cNvSpPr>
+            <a:spLocks noGrp="1"/>
+          </p:cNvSpPr>
+          <p:nvPr>
+            <p:ph type="body" idx="1"/>
+          </p:nvPr>
+        </p:nvSpPr>
+        <p:spPr/>
+        <p:txBody>
+          <a:bodyPr/>
+          <a:lstStyle/>
+          <a:p>
+            <a:r>
+              <a:rPr lang="en-US" dirty="0" err="1"/>
+              <a:t>Habn</a:t>
+            </a:r>
+            <a:r>
+              <a:rPr lang="en-US" dirty="0"/>
+              <a:t> </a:t>
+            </a:r>
+            <a:r>
+              <a:rPr lang="en-US" dirty="0" err="1"/>
+              <a:t>Sie</a:t>
+            </a:r>
+            <a:r>
+              <a:rPr lang="en-US" dirty="0"/>
+              <a:t> </a:t>
+            </a:r>
+            <a:r>
+              <a:rPr lang="en-US" dirty="0" err="1"/>
+              <a:t>noch</a:t>
+            </a:r>
+            <a:r>
+              <a:rPr lang="en-US" dirty="0"/>
+              <a:t> </a:t>
+            </a:r>
+            <a:r>
+              <a:rPr lang="en-US" dirty="0" err="1"/>
+              <a:t>Fragen</a:t>
+            </a:r>
+            <a:endParaRPr lang="de-DE" dirty="0"/>
+          </a:p>
+        </p:txBody>
+      </p:sp>
+      <p:sp>
+        <p:nvSpPr>
+          <p:cNvPr id="4" name="Foliennummernplatzhalter 3"/>
+          <p:cNvSpPr>
+            <a:spLocks noGrp="1"/>
+          </p:cNvSpPr>
+          <p:nvPr>
+            <p:ph type="sldNum" sz="quarter" idx="10"/>
+          </p:nvPr>
+        </p:nvSpPr>
+        <p:spPr/>
+        <p:txBody>
+          <a:bodyPr/>
+          <a:lstStyle/>
+          <a:p>
+            <a:fld id="{B68732DB-8A05-41D1-B8F2-738DFD2104F0}" type="slidenum">
+              <a:rPr lang="de-DE" smtClean="0"/>
+              <a:pPr/>
+              <a:t>36</a:t>
             </a:fld>
             <a:endParaRPr lang="de-DE"/>
           </a:p>
@@ -3261,6 +3545,28 @@
           <a:bodyPr/>
           <a:lstStyle/>
           <a:p>
+            <a:r>
+              <a:rPr lang="de-DE" dirty="0"/>
+              <a:t>Ein Beispiel aus dem App Store, dort gibt</a:t>
+            </a:r>
+            <a:r>
+              <a:rPr lang="de-DE" baseline="0" dirty="0"/>
+              <a:t> es einige </a:t>
+            </a:r>
+            <a:r>
+              <a:rPr lang="de-DE" baseline="0" dirty="0" err="1"/>
+              <a:t>KanBan</a:t>
+            </a:r>
+            <a:r>
+              <a:rPr lang="de-DE" baseline="0" dirty="0"/>
+              <a:t>-Apps</a:t>
+            </a:r>
+          </a:p>
+          <a:p>
+            <a:r>
+              <a:rPr lang="de-DE" baseline="0" dirty="0"/>
+              <a:t>Diese ist kostenfrei</a:t>
+            </a:r>
             <a:endParaRPr lang="de-DE" dirty="0"/>
           </a:p>
         </p:txBody>
@@ -3450,64 +3756,37 @@
         </p:nvSpPr>
         <p:spPr/>
         <p:txBody>
-          <a:bodyPr>
-            <a:normAutofit/>
-          </a:bodyPr>
-          <a:lstStyle/>
-          <a:p>
-            <a:r>
-              <a:rPr lang="en-US" dirty="0" err="1"/>
-              <a:t>Zur</a:t>
-            </a:r>
-            <a:r>
-              <a:rPr lang="en-US" dirty="0"/>
-              <a:t> </a:t>
-            </a:r>
-            <a:r>
-              <a:rPr lang="en-US" dirty="0" err="1"/>
-              <a:t>Informationssammlung</a:t>
-            </a:r>
-            <a:r>
-              <a:rPr lang="en-US" dirty="0"/>
-              <a:t> </a:t>
-            </a:r>
-            <a:r>
-              <a:rPr lang="en-US" dirty="0" err="1"/>
-              <a:t>haben</a:t>
-            </a:r>
-            <a:r>
-              <a:rPr lang="en-US" dirty="0"/>
-              <a:t> </a:t>
-            </a:r>
-            <a:r>
-              <a:rPr lang="en-US" dirty="0" err="1"/>
-              <a:t>wir</a:t>
-            </a:r>
-            <a:r>
-              <a:rPr lang="en-US" dirty="0"/>
-              <a:t> das WIKI von </a:t>
-            </a:r>
-            <a:r>
-              <a:rPr lang="en-US" dirty="0" err="1"/>
-              <a:t>unserem</a:t>
-            </a:r>
-            <a:r>
-              <a:rPr lang="en-US" baseline="0" dirty="0"/>
-              <a:t> </a:t>
-            </a:r>
-            <a:r>
-              <a:rPr lang="en-US" baseline="0" dirty="0" err="1"/>
-              <a:t>GitHub</a:t>
-            </a:r>
-            <a:r>
-              <a:rPr lang="en-US" baseline="0" dirty="0"/>
-              <a:t> Repository </a:t>
-            </a:r>
-            <a:r>
-              <a:rPr lang="en-US" baseline="0" dirty="0" err="1"/>
-              <a:t>verwendet</a:t>
-            </a:r>
-            <a:endParaRPr lang="en-US" dirty="0"/>
+          <a:bodyPr/>
+          <a:lstStyle/>
+          <a:p>
+            <a:r>
+              <a:rPr lang="de-DE" dirty="0"/>
+              <a:t>Dieses Protokoll</a:t>
+            </a:r>
+            <a:r>
+              <a:rPr lang="de-DE" baseline="0" dirty="0"/>
+              <a:t> nach der Situation, als uns gesagt wurde, dass unsere Routen nicht REST-konform sind.</a:t>
+            </a:r>
+          </a:p>
+          <a:p>
+            <a:endParaRPr lang="de-DE" baseline="0" dirty="0"/>
+          </a:p>
+          <a:p>
+            <a:r>
+              <a:rPr lang="de-DE" baseline="0" dirty="0"/>
+              <a:t>Auf diese Situation haben </a:t>
+            </a:r>
+            <a:r>
+              <a:rPr lang="de-DE" baseline="0" dirty="0" err="1"/>
+              <a:t>wirs</a:t>
+            </a:r>
+            <a:r>
+              <a:rPr lang="de-DE" baseline="0" dirty="0"/>
+              <a:t> dann einstellen müssen</a:t>
+            </a:r>
+          </a:p>
+          <a:p>
+            <a:endParaRPr lang="de-DE" dirty="0"/>
           </a:p>
         </p:txBody>
       </p:sp>
@@ -3529,13 +3808,18 @@
             <a:fld id="{B68732DB-8A05-41D1-B8F2-738DFD2104F0}" type="slidenum">
               <a:rPr lang="de-DE" smtClean="0"/>
               <a:pPr/>
-              <a:t>11</a:t>
+              <a:t>10</a:t>
             </a:fld>
             <a:endParaRPr lang="de-DE"/>
           </a:p>
         </p:txBody>
       </p:sp>
     </p:spTree>
+    <p:extLst>
+      <p:ext uri="{BB962C8B-B14F-4D97-AF65-F5344CB8AC3E}">
+        <p14:creationId xmlns:p14="http://schemas.microsoft.com/office/powerpoint/2010/main" val="3523565374"/>
+      </p:ext>
+    </p:extLst>
   </p:cSld>
   <p:clrMapOvr>
     <a:masterClrMapping/>
@@ -3584,22 +3868,64 @@
         </p:nvSpPr>
         <p:spPr/>
         <p:txBody>
-          <a:bodyPr/>
-          <a:lstStyle/>
-          <a:p>
-            <a:r>
-              <a:rPr lang="de-DE" dirty="0" err="1"/>
+          <a:bodyPr>
+            <a:normAutofit/>
+          </a:bodyPr>
+          <a:lstStyle/>
+          <a:p>
+            <a:r>
+              <a:rPr lang="en-US" dirty="0" err="1"/>
+              <a:t>Zur</a:t>
+            </a:r>
+            <a:r>
+              <a:rPr lang="en-US" dirty="0"/>
+              <a:t> </a:t>
+            </a:r>
+            <a:r>
+              <a:rPr lang="en-US" dirty="0" err="1"/>
+              <a:t>Informationssammlung</a:t>
+            </a:r>
+            <a:r>
+              <a:rPr lang="en-US" dirty="0"/>
+              <a:t> </a:t>
+            </a:r>
+            <a:r>
+              <a:rPr lang="en-US" dirty="0" err="1"/>
+              <a:t>haben</a:t>
+            </a:r>
+            <a:r>
+              <a:rPr lang="en-US" dirty="0"/>
+              <a:t> </a:t>
+            </a:r>
+            <a:r>
+              <a:rPr lang="en-US" dirty="0" err="1"/>
+              <a:t>wir</a:t>
+            </a:r>
+            <a:r>
+              <a:rPr lang="en-US" dirty="0"/>
+              <a:t> das WIKI von </a:t>
+            </a:r>
+            <a:r>
+              <a:rPr lang="en-US" dirty="0" err="1"/>
+              <a:t>unserem</a:t>
+            </a:r>
+            <a:r>
+              <a:rPr lang="en-US" baseline="0" dirty="0"/>
+              <a:t> </a:t>
+            </a:r>
+            <a:r>
+              <a:rPr lang="en-US" baseline="0" dirty="0" err="1"/>
               <a:t>GitHub</a:t>
             </a:r>
             <a:r>
-              <a:rPr lang="de-DE" baseline="0" dirty="0"/>
-              <a:t> als </a:t>
-            </a:r>
-            <a:r>
-              <a:rPr lang="de-DE" baseline="0" dirty="0" err="1"/>
-              <a:t>Versionskontolle</a:t>
-            </a:r>
-            <a:endParaRPr lang="de-DE" dirty="0"/>
+              <a:rPr lang="en-US" baseline="0" dirty="0"/>
+              <a:t> Repository </a:t>
+            </a:r>
+            <a:r>
+              <a:rPr lang="en-US" baseline="0" dirty="0" err="1"/>
+              <a:t>verwendet</a:t>
+            </a:r>
+            <a:endParaRPr lang="en-US" dirty="0"/>
           </a:p>
         </p:txBody>
       </p:sp>
@@ -3621,18 +3947,13 @@
             <a:fld id="{B68732DB-8A05-41D1-B8F2-738DFD2104F0}" type="slidenum">
               <a:rPr lang="de-DE" smtClean="0"/>
               <a:pPr/>
-              <a:t>12</a:t>
+              <a:t>11</a:t>
             </a:fld>
             <a:endParaRPr lang="de-DE"/>
           </a:p>
         </p:txBody>
       </p:sp>
     </p:spTree>
-    <p:extLst>
-      <p:ext uri="{BB962C8B-B14F-4D97-AF65-F5344CB8AC3E}">
-        <p14:creationId xmlns:p14="http://schemas.microsoft.com/office/powerpoint/2010/main" val="3928281295"/>
-      </p:ext>
-    </p:extLst>
   </p:cSld>
   <p:clrMapOvr>
     <a:masterClrMapping/>
@@ -3685,36 +4006,16 @@
           <a:lstStyle/>
           <a:p>
             <a:r>
-              <a:rPr lang="en-US" dirty="0"/>
-              <a:t>PSP </a:t>
-            </a:r>
-            <a:r>
-              <a:rPr lang="en-US" dirty="0" err="1"/>
-              <a:t>wurde</a:t>
-            </a:r>
-            <a:r>
-              <a:rPr lang="en-US" dirty="0"/>
-              <a:t> </a:t>
-            </a:r>
-            <a:r>
-              <a:rPr lang="en-US" dirty="0" err="1"/>
-              <a:t>erstellt</a:t>
-            </a:r>
-            <a:r>
-              <a:rPr lang="en-US" dirty="0"/>
-              <a:t>, </a:t>
-            </a:r>
-            <a:r>
-              <a:rPr lang="en-US" dirty="0" err="1"/>
-              <a:t>mit</a:t>
-            </a:r>
-            <a:r>
-              <a:rPr lang="en-US" dirty="0"/>
-              <a:t> den 3 </a:t>
-            </a:r>
-            <a:r>
-              <a:rPr lang="en-US" dirty="0" err="1"/>
-              <a:t>Hauptpunkten</a:t>
+              <a:rPr lang="de-DE" dirty="0" err="1"/>
+              <a:t>GitHub</a:t>
+            </a:r>
+            <a:r>
+              <a:rPr lang="de-DE" baseline="0" dirty="0"/>
+              <a:t> als </a:t>
+            </a:r>
+            <a:r>
+              <a:rPr lang="de-DE" baseline="0" dirty="0" err="1"/>
+              <a:t>Versionskontolle</a:t>
             </a:r>
             <a:endParaRPr lang="de-DE" dirty="0"/>
           </a:p>
@@ -3738,7 +4039,7 @@
             <a:fld id="{B68732DB-8A05-41D1-B8F2-738DFD2104F0}" type="slidenum">
               <a:rPr lang="de-DE" smtClean="0"/>
               <a:pPr/>
-              <a:t>13</a:t>
+              <a:t>12</a:t>
             </a:fld>
             <a:endParaRPr lang="de-DE"/>
           </a:p>
@@ -3747,7 +4048,7 @@
     </p:spTree>
     <p:extLst>
       <p:ext uri="{BB962C8B-B14F-4D97-AF65-F5344CB8AC3E}">
-        <p14:creationId xmlns:p14="http://schemas.microsoft.com/office/powerpoint/2010/main" val="4023090679"/>
+        <p14:creationId xmlns:p14="http://schemas.microsoft.com/office/powerpoint/2010/main" val="3928281295"/>
       </p:ext>
     </p:extLst>
   </p:cSld>
@@ -3802,26 +4103,36 @@
           <a:lstStyle/>
           <a:p>
             <a:r>
-              <a:rPr lang="de-DE" dirty="0"/>
-              <a:t>Gantt Diagramm</a:t>
-            </a:r>
-            <a:r>
-              <a:rPr lang="de-DE" baseline="0" dirty="0"/>
-              <a:t> vor </a:t>
-            </a:r>
-            <a:r>
-              <a:rPr lang="de-DE" baseline="0" dirty="0" err="1"/>
-              <a:t>Baseline</a:t>
-            </a:r>
-            <a:endParaRPr lang="de-DE" baseline="0" dirty="0"/>
-          </a:p>
-          <a:p>
-            <a:endParaRPr lang="de-DE" baseline="0" dirty="0"/>
-          </a:p>
-          <a:p>
-            <a:r>
-              <a:rPr lang="de-DE" baseline="0" dirty="0"/>
-              <a:t>-Geordnet, noch nichts umgestellt</a:t>
+              <a:rPr lang="en-US" dirty="0"/>
+              <a:t>PSP </a:t>
+            </a:r>
+            <a:r>
+              <a:rPr lang="en-US" dirty="0" err="1"/>
+              <a:t>wurde</a:t>
+            </a:r>
+            <a:r>
+              <a:rPr lang="en-US" dirty="0"/>
+              <a:t> </a:t>
+            </a:r>
+            <a:r>
+              <a:rPr lang="en-US" dirty="0" err="1"/>
+              <a:t>erstellt</a:t>
+            </a:r>
+            <a:r>
+              <a:rPr lang="en-US" dirty="0"/>
+              <a:t>, </a:t>
+            </a:r>
+            <a:r>
+              <a:rPr lang="en-US" dirty="0" err="1"/>
+              <a:t>mit</a:t>
+            </a:r>
+            <a:r>
+              <a:rPr lang="en-US" dirty="0"/>
+              <a:t> den 3 </a:t>
+            </a:r>
+            <a:r>
+              <a:rPr lang="en-US" dirty="0" err="1"/>
+              <a:t>Hauptpunkten</a:t>
             </a:r>
             <a:endParaRPr lang="de-DE" dirty="0"/>
           </a:p>
@@ -3845,7 +4156,7 @@
             <a:fld id="{B68732DB-8A05-41D1-B8F2-738DFD2104F0}" type="slidenum">
               <a:rPr lang="de-DE" smtClean="0"/>
               <a:pPr/>
-              <a:t>16</a:t>
+              <a:t>14</a:t>
             </a:fld>
             <a:endParaRPr lang="de-DE"/>
           </a:p>
@@ -3854,7 +4165,7 @@
     </p:spTree>
     <p:extLst>
       <p:ext uri="{BB962C8B-B14F-4D97-AF65-F5344CB8AC3E}">
-        <p14:creationId xmlns:p14="http://schemas.microsoft.com/office/powerpoint/2010/main" val="3129885300"/>
+        <p14:creationId xmlns:p14="http://schemas.microsoft.com/office/powerpoint/2010/main" val="4023090679"/>
       </p:ext>
     </p:extLst>
   </p:cSld>
@@ -7427,7 +7738,7 @@
           <p:nvPr/>
         </p:nvPicPr>
         <p:blipFill>
-          <a:blip r:embed="rId2"/>
+          <a:blip r:embed="rId3"/>
           <a:stretch>
             <a:fillRect/>
           </a:stretch>
@@ -7906,6 +8217,131 @@
           </a:p>
         </p:txBody>
       </p:sp>
+      <p:sp>
+        <p:nvSpPr>
+          <p:cNvPr id="3" name="Inhaltsplatzhalter 2"/>
+          <p:cNvSpPr>
+            <a:spLocks noGrp="1"/>
+          </p:cNvSpPr>
+          <p:nvPr>
+            <p:ph idx="1"/>
+          </p:nvPr>
+        </p:nvSpPr>
+        <p:spPr/>
+        <p:txBody>
+          <a:bodyPr/>
+          <a:lstStyle/>
+          <a:p>
+            <a:r>
+              <a:rPr lang="de-DE" dirty="0"/>
+              <a:t>Ganzes </a:t>
+            </a:r>
+            <a:r>
+              <a:rPr lang="de-DE" dirty="0" err="1"/>
+              <a:t>bild</a:t>
+            </a:r>
+            <a:endParaRPr lang="de-DE" dirty="0"/>
+          </a:p>
+        </p:txBody>
+      </p:sp>
+      <p:sp>
+        <p:nvSpPr>
+          <p:cNvPr id="4" name="Fußzeilenplatzhalter 3"/>
+          <p:cNvSpPr>
+            <a:spLocks noGrp="1"/>
+          </p:cNvSpPr>
+          <p:nvPr>
+            <p:ph type="ftr" sz="quarter" idx="11"/>
+          </p:nvPr>
+        </p:nvSpPr>
+        <p:spPr/>
+        <p:txBody>
+          <a:bodyPr/>
+          <a:lstStyle/>
+          <a:p>
+            <a:r>
+              <a:rPr lang="de-DE"/>
+              <a:t>Sebastian Strubert &amp; Lloyd Niebel | Projektmanagement | SRH Heidelberg</a:t>
+            </a:r>
+          </a:p>
+        </p:txBody>
+      </p:sp>
+      <p:sp>
+        <p:nvSpPr>
+          <p:cNvPr id="5" name="Foliennummernplatzhalter 4"/>
+          <p:cNvSpPr>
+            <a:spLocks noGrp="1"/>
+          </p:cNvSpPr>
+          <p:nvPr>
+            <p:ph type="sldNum" sz="quarter" idx="12"/>
+          </p:nvPr>
+        </p:nvSpPr>
+        <p:spPr/>
+        <p:txBody>
+          <a:bodyPr/>
+          <a:lstStyle/>
+          <a:p>
+            <a:fld id="{E4F0F35D-A559-4B2F-93A2-E937B3C9D4B3}" type="slidenum">
+              <a:rPr lang="de-DE" smtClean="0"/>
+              <a:pPr/>
+              <a:t>13</a:t>
+            </a:fld>
+            <a:endParaRPr lang="de-DE"/>
+          </a:p>
+        </p:txBody>
+      </p:sp>
+    </p:spTree>
+    <p:extLst>
+      <p:ext uri="{BB962C8B-B14F-4D97-AF65-F5344CB8AC3E}">
+        <p14:creationId xmlns:p14="http://schemas.microsoft.com/office/powerpoint/2010/main" val="608258086"/>
+      </p:ext>
+    </p:extLst>
+  </p:cSld>
+  <p:clrMapOvr>
+    <a:masterClrMapping/>
+  </p:clrMapOvr>
+</p:sld>
+</file>
+
+<file path=ppt/slides/slide14.xml><?xml version="1.0" encoding="utf-8"?>
+<p:sld xmlns:a="http://schemas.openxmlformats.org/drawingml/2006/main" xmlns:r="http://schemas.openxmlformats.org/officeDocument/2006/relationships" xmlns:p="http://schemas.openxmlformats.org/presentationml/2006/main">
+  <p:cSld>
+    <p:spTree>
+      <p:nvGrpSpPr>
+        <p:cNvPr id="1" name=""/>
+        <p:cNvGrpSpPr/>
+        <p:nvPr/>
+      </p:nvGrpSpPr>
+      <p:grpSpPr>
+        <a:xfrm>
+          <a:off x="0" y="0"/>
+          <a:ext cx="0" cy="0"/>
+          <a:chOff x="0" y="0"/>
+          <a:chExt cx="0" cy="0"/>
+        </a:xfrm>
+      </p:grpSpPr>
+      <p:sp>
+        <p:nvSpPr>
+          <p:cNvPr id="2" name="Titel 1"/>
+          <p:cNvSpPr>
+            <a:spLocks noGrp="1"/>
+          </p:cNvSpPr>
+          <p:nvPr>
+            <p:ph type="title"/>
+          </p:nvPr>
+        </p:nvSpPr>
+        <p:spPr/>
+        <p:txBody>
+          <a:bodyPr/>
+          <a:lstStyle/>
+          <a:p>
+            <a:r>
+              <a:rPr lang="de-DE" dirty="0"/>
+              <a:t>Projektstrukturplan</a:t>
+            </a:r>
+          </a:p>
+        </p:txBody>
+      </p:sp>
       <p:pic>
         <p:nvPicPr>
           <p:cNvPr id="5" name="Grafik 4"/>
@@ -7975,7 +8411,7 @@
             <a:fld id="{E4F0F35D-A559-4B2F-93A2-E937B3C9D4B3}" type="slidenum">
               <a:rPr lang="de-DE" smtClean="0"/>
               <a:pPr/>
-              <a:t>13</a:t>
+              <a:t>14</a:t>
             </a:fld>
             <a:endParaRPr lang="de-DE"/>
           </a:p>
@@ -7985,135 +8421,6 @@
     <p:extLst>
       <p:ext uri="{BB962C8B-B14F-4D97-AF65-F5344CB8AC3E}">
         <p14:creationId xmlns:p14="http://schemas.microsoft.com/office/powerpoint/2010/main" val="346870178"/>
-      </p:ext>
-    </p:extLst>
-  </p:cSld>
-  <p:clrMapOvr>
-    <a:masterClrMapping/>
-  </p:clrMapOvr>
-</p:sld>
-</file>
-
-<file path=ppt/slides/slide14.xml><?xml version="1.0" encoding="utf-8"?>
-<p:sld xmlns:a="http://schemas.openxmlformats.org/drawingml/2006/main" xmlns:r="http://schemas.openxmlformats.org/officeDocument/2006/relationships" xmlns:p="http://schemas.openxmlformats.org/presentationml/2006/main">
-  <p:cSld>
-    <p:spTree>
-      <p:nvGrpSpPr>
-        <p:cNvPr id="1" name=""/>
-        <p:cNvGrpSpPr/>
-        <p:nvPr/>
-      </p:nvGrpSpPr>
-      <p:grpSpPr>
-        <a:xfrm>
-          <a:off x="0" y="0"/>
-          <a:ext cx="0" cy="0"/>
-          <a:chOff x="0" y="0"/>
-          <a:chExt cx="0" cy="0"/>
-        </a:xfrm>
-      </p:grpSpPr>
-      <p:sp>
-        <p:nvSpPr>
-          <p:cNvPr id="2" name="Titel 1"/>
-          <p:cNvSpPr>
-            <a:spLocks noGrp="1"/>
-          </p:cNvSpPr>
-          <p:nvPr>
-            <p:ph type="title"/>
-          </p:nvPr>
-        </p:nvSpPr>
-        <p:spPr/>
-        <p:txBody>
-          <a:bodyPr/>
-          <a:lstStyle/>
-          <a:p>
-            <a:r>
-              <a:rPr lang="de-DE" dirty="0"/>
-              <a:t>Projektstrukturplan</a:t>
-            </a:r>
-          </a:p>
-        </p:txBody>
-      </p:sp>
-      <p:pic>
-        <p:nvPicPr>
-          <p:cNvPr id="4" name="Inhaltsplatzhalter 3"/>
-          <p:cNvPicPr>
-            <a:picLocks noGrp="1" noChangeAspect="1"/>
-          </p:cNvPicPr>
-          <p:nvPr>
-            <p:ph idx="1"/>
-          </p:nvPr>
-        </p:nvPicPr>
-        <p:blipFill>
-          <a:blip r:embed="rId2" cstate="print"/>
-          <a:stretch>
-            <a:fillRect/>
-          </a:stretch>
-        </p:blipFill>
-        <p:spPr>
-          <a:xfrm>
-            <a:off x="3211514" y="1854614"/>
-            <a:ext cx="5738492" cy="4272165"/>
-          </a:xfrm>
-          <a:prstGeom prst="rect">
-            <a:avLst/>
-          </a:prstGeom>
-          <a:ln>
-            <a:solidFill>
-              <a:schemeClr val="tx1"/>
-            </a:solidFill>
-          </a:ln>
-        </p:spPr>
-      </p:pic>
-      <p:sp>
-        <p:nvSpPr>
-          <p:cNvPr id="3" name="Fußzeilenplatzhalter 2"/>
-          <p:cNvSpPr>
-            <a:spLocks noGrp="1"/>
-          </p:cNvSpPr>
-          <p:nvPr>
-            <p:ph type="ftr" sz="quarter" idx="11"/>
-          </p:nvPr>
-        </p:nvSpPr>
-        <p:spPr/>
-        <p:txBody>
-          <a:bodyPr/>
-          <a:lstStyle/>
-          <a:p>
-            <a:r>
-              <a:rPr lang="de-DE"/>
-              <a:t>Sebastian Strubert &amp; Lloyd Niebel | Projektmanagement | SRH Heidelberg</a:t>
-            </a:r>
-          </a:p>
-        </p:txBody>
-      </p:sp>
-      <p:sp>
-        <p:nvSpPr>
-          <p:cNvPr id="5" name="Foliennummernplatzhalter 4"/>
-          <p:cNvSpPr>
-            <a:spLocks noGrp="1"/>
-          </p:cNvSpPr>
-          <p:nvPr>
-            <p:ph type="sldNum" sz="quarter" idx="12"/>
-          </p:nvPr>
-        </p:nvSpPr>
-        <p:spPr/>
-        <p:txBody>
-          <a:bodyPr/>
-          <a:lstStyle/>
-          <a:p>
-            <a:fld id="{E4F0F35D-A559-4B2F-93A2-E937B3C9D4B3}" type="slidenum">
-              <a:rPr lang="de-DE" smtClean="0"/>
-              <a:pPr/>
-              <a:t>14</a:t>
-            </a:fld>
-            <a:endParaRPr lang="de-DE"/>
-          </a:p>
-        </p:txBody>
-      </p:sp>
-    </p:spTree>
-    <p:extLst>
-      <p:ext uri="{BB962C8B-B14F-4D97-AF65-F5344CB8AC3E}">
-        <p14:creationId xmlns:p14="http://schemas.microsoft.com/office/powerpoint/2010/main" val="711080358"/>
       </p:ext>
     </p:extLst>
   </p:cSld>
@@ -8157,382 +8464,45 @@
           <a:p>
             <a:r>
               <a:rPr lang="de-DE" dirty="0"/>
-              <a:t>Beispiel Arbeitspaket</a:t>
-            </a:r>
-          </a:p>
-        </p:txBody>
-      </p:sp>
-      <p:sp>
-        <p:nvSpPr>
-          <p:cNvPr id="3" name="Inhaltsplatzhalter 2"/>
-          <p:cNvSpPr>
-            <a:spLocks noGrp="1"/>
-          </p:cNvSpPr>
+              <a:t>Projektstrukturplan</a:t>
+            </a:r>
+          </a:p>
+        </p:txBody>
+      </p:sp>
+      <p:pic>
+        <p:nvPicPr>
+          <p:cNvPr id="4" name="Inhaltsplatzhalter 3"/>
+          <p:cNvPicPr>
+            <a:picLocks noGrp="1" noChangeAspect="1"/>
+          </p:cNvPicPr>
           <p:nvPr>
             <p:ph idx="1"/>
           </p:nvPr>
-        </p:nvSpPr>
-        <p:spPr/>
-        <p:txBody>
-          <a:bodyPr>
-            <a:normAutofit fontScale="92500"/>
-          </a:bodyPr>
-          <a:lstStyle/>
-          <a:p>
-            <a:pPr marL="45720" indent="0">
-              <a:buNone/>
-            </a:pPr>
-            <a:r>
-              <a:rPr lang="en-US" dirty="0"/>
-              <a:t>Name: </a:t>
-            </a:r>
-            <a:r>
-              <a:rPr lang="en-US" dirty="0">
-                <a:solidFill>
-                  <a:schemeClr val="tx1"/>
-                </a:solidFill>
-              </a:rPr>
-              <a:t>Entity-Framework </a:t>
-            </a:r>
-            <a:r>
-              <a:rPr lang="en-US" dirty="0" err="1">
-                <a:solidFill>
-                  <a:schemeClr val="tx1"/>
-                </a:solidFill>
-              </a:rPr>
-              <a:t>umsetzen</a:t>
-            </a:r>
-            <a:endParaRPr lang="en-US" dirty="0">
-              <a:solidFill>
-                <a:schemeClr val="tx1"/>
-              </a:solidFill>
-            </a:endParaRPr>
-          </a:p>
-          <a:p>
-            <a:pPr marL="45720" indent="0">
-              <a:buNone/>
-            </a:pPr>
-            <a:r>
-              <a:rPr lang="en-US" dirty="0" err="1"/>
-              <a:t>Vorgänger</a:t>
-            </a:r>
-            <a:r>
-              <a:rPr lang="en-US" dirty="0"/>
-              <a:t>: </a:t>
-            </a:r>
-            <a:r>
-              <a:rPr lang="en-US" dirty="0">
-                <a:solidFill>
-                  <a:schemeClr val="tx1"/>
-                </a:solidFill>
-              </a:rPr>
-              <a:t>(MS-</a:t>
-            </a:r>
-            <a:r>
-              <a:rPr lang="en-US" dirty="0" err="1">
-                <a:solidFill>
-                  <a:schemeClr val="tx1"/>
-                </a:solidFill>
-              </a:rPr>
-              <a:t>Projekt</a:t>
-            </a:r>
-            <a:r>
-              <a:rPr lang="en-US" dirty="0">
-                <a:solidFill>
-                  <a:schemeClr val="tx1"/>
-                </a:solidFill>
-              </a:rPr>
-              <a:t>) </a:t>
-            </a:r>
-            <a:r>
-              <a:rPr lang="en-US" dirty="0" err="1">
-                <a:solidFill>
-                  <a:schemeClr val="tx1"/>
-                </a:solidFill>
-              </a:rPr>
-              <a:t>Nr</a:t>
-            </a:r>
-            <a:r>
-              <a:rPr lang="en-US" dirty="0">
-                <a:solidFill>
-                  <a:schemeClr val="tx1"/>
-                </a:solidFill>
-              </a:rPr>
-              <a:t>. 62 – “</a:t>
-            </a:r>
-            <a:r>
-              <a:rPr lang="en-US" dirty="0" err="1">
-                <a:solidFill>
-                  <a:schemeClr val="tx1"/>
-                </a:solidFill>
-              </a:rPr>
-              <a:t>Datenbankmodell</a:t>
-            </a:r>
-            <a:r>
-              <a:rPr lang="en-US" dirty="0">
-                <a:solidFill>
-                  <a:schemeClr val="tx1"/>
-                </a:solidFill>
-              </a:rPr>
-              <a:t> </a:t>
-            </a:r>
-            <a:r>
-              <a:rPr lang="en-US" dirty="0" err="1">
-                <a:solidFill>
-                  <a:schemeClr val="tx1"/>
-                </a:solidFill>
-              </a:rPr>
-              <a:t>umsetzen</a:t>
-            </a:r>
-            <a:r>
-              <a:rPr lang="en-US" dirty="0">
-                <a:solidFill>
-                  <a:schemeClr val="tx1"/>
-                </a:solidFill>
-              </a:rPr>
-              <a:t>”</a:t>
-            </a:r>
-            <a:endParaRPr lang="de-DE" dirty="0">
-              <a:solidFill>
-                <a:schemeClr val="tx1"/>
-              </a:solidFill>
-            </a:endParaRPr>
-          </a:p>
-          <a:p>
-            <a:pPr marL="45720" indent="0">
-              <a:buNone/>
-            </a:pPr>
-            <a:r>
-              <a:rPr lang="en-US" dirty="0" err="1"/>
-              <a:t>Geplanter</a:t>
-            </a:r>
-            <a:r>
-              <a:rPr lang="en-US" dirty="0"/>
-              <a:t> </a:t>
-            </a:r>
-            <a:r>
-              <a:rPr lang="en-US" dirty="0" err="1"/>
-              <a:t>Arbeitsaufwand</a:t>
-            </a:r>
-            <a:r>
-              <a:rPr lang="en-US" dirty="0"/>
-              <a:t>: </a:t>
-            </a:r>
-            <a:r>
-              <a:rPr lang="en-US" dirty="0">
-                <a:solidFill>
-                  <a:schemeClr val="tx1"/>
-                </a:solidFill>
-              </a:rPr>
-              <a:t>6 </a:t>
-            </a:r>
-            <a:r>
-              <a:rPr lang="en-US" dirty="0" err="1">
-                <a:solidFill>
-                  <a:schemeClr val="tx1"/>
-                </a:solidFill>
-              </a:rPr>
-              <a:t>Stunden</a:t>
-            </a:r>
-            <a:endParaRPr lang="en-US" dirty="0">
-              <a:solidFill>
-                <a:schemeClr val="tx1"/>
-              </a:solidFill>
-            </a:endParaRPr>
-          </a:p>
-          <a:p>
-            <a:pPr marL="45720" indent="0">
-              <a:buNone/>
-            </a:pPr>
-            <a:r>
-              <a:rPr lang="en-US" dirty="0" err="1"/>
-              <a:t>Themengebiet</a:t>
-            </a:r>
-            <a:r>
-              <a:rPr lang="en-US" dirty="0"/>
-              <a:t>: </a:t>
-            </a:r>
-            <a:r>
-              <a:rPr lang="en-US" dirty="0" err="1">
-                <a:solidFill>
-                  <a:schemeClr val="tx1"/>
-                </a:solidFill>
-              </a:rPr>
-              <a:t>Datenbanken</a:t>
-            </a:r>
-            <a:endParaRPr lang="en-US" dirty="0">
-              <a:solidFill>
-                <a:schemeClr val="tx1"/>
-              </a:solidFill>
-            </a:endParaRPr>
-          </a:p>
-          <a:p>
-            <a:pPr marL="45720" indent="0">
-              <a:buNone/>
-            </a:pPr>
-            <a:r>
-              <a:rPr lang="en-US" dirty="0" err="1"/>
-              <a:t>Benötigte</a:t>
-            </a:r>
-            <a:r>
-              <a:rPr lang="en-US" dirty="0"/>
-              <a:t> </a:t>
-            </a:r>
-            <a:r>
-              <a:rPr lang="en-US" dirty="0" err="1"/>
-              <a:t>Qualifikationen</a:t>
-            </a:r>
-            <a:r>
-              <a:rPr lang="en-US" dirty="0"/>
-              <a:t>: </a:t>
-            </a:r>
-            <a:r>
-              <a:rPr lang="en-US" dirty="0" err="1">
-                <a:solidFill>
-                  <a:schemeClr val="tx1"/>
-                </a:solidFill>
-              </a:rPr>
-              <a:t>Grundverständnis</a:t>
-            </a:r>
-            <a:r>
-              <a:rPr lang="en-US" dirty="0">
-                <a:solidFill>
-                  <a:schemeClr val="tx1"/>
-                </a:solidFill>
-              </a:rPr>
-              <a:t> von </a:t>
-            </a:r>
-            <a:r>
-              <a:rPr lang="en-US" dirty="0" err="1">
-                <a:solidFill>
-                  <a:schemeClr val="tx1"/>
-                </a:solidFill>
-              </a:rPr>
-              <a:t>Datenbanken</a:t>
-            </a:r>
-            <a:r>
-              <a:rPr lang="en-US" dirty="0">
-                <a:solidFill>
-                  <a:schemeClr val="tx1"/>
-                </a:solidFill>
-              </a:rPr>
-              <a:t> und .NET Core, </a:t>
-            </a:r>
-            <a:r>
-              <a:rPr lang="en-US" dirty="0" err="1">
-                <a:solidFill>
-                  <a:schemeClr val="tx1"/>
-                </a:solidFill>
-              </a:rPr>
-              <a:t>Erfahrung</a:t>
-            </a:r>
-            <a:r>
-              <a:rPr lang="en-US" dirty="0">
-                <a:solidFill>
-                  <a:schemeClr val="tx1"/>
-                </a:solidFill>
-              </a:rPr>
-              <a:t> </a:t>
-            </a:r>
-            <a:r>
-              <a:rPr lang="en-US" dirty="0" err="1">
-                <a:solidFill>
-                  <a:schemeClr val="tx1"/>
-                </a:solidFill>
-              </a:rPr>
-              <a:t>mit</a:t>
-            </a:r>
-            <a:r>
-              <a:rPr lang="en-US" dirty="0">
-                <a:solidFill>
-                  <a:schemeClr val="tx1"/>
-                </a:solidFill>
-              </a:rPr>
-              <a:t> Entity-Frameworks </a:t>
-            </a:r>
-            <a:r>
-              <a:rPr lang="en-US" dirty="0" err="1">
-                <a:solidFill>
-                  <a:schemeClr val="tx1"/>
-                </a:solidFill>
-              </a:rPr>
-              <a:t>wünschenswert</a:t>
-            </a:r>
-            <a:r>
-              <a:rPr lang="en-US" dirty="0">
-                <a:solidFill>
-                  <a:schemeClr val="tx1"/>
-                </a:solidFill>
-              </a:rPr>
-              <a:t>.</a:t>
-            </a:r>
-            <a:endParaRPr lang="de-DE" dirty="0">
-              <a:solidFill>
-                <a:schemeClr val="tx1"/>
-              </a:solidFill>
-            </a:endParaRPr>
-          </a:p>
-          <a:p>
-            <a:pPr marL="45720" indent="0">
-              <a:buNone/>
-            </a:pPr>
-            <a:r>
-              <a:rPr lang="de-DE" dirty="0"/>
-              <a:t>Beschreibung: </a:t>
-            </a:r>
-            <a:r>
-              <a:rPr lang="de-DE" dirty="0">
-                <a:solidFill>
-                  <a:schemeClr val="tx1"/>
-                </a:solidFill>
-              </a:rPr>
-              <a:t>Die erstellte Datenbank muss per Entity-Framework (Entity-</a:t>
-            </a:r>
-            <a:r>
-              <a:rPr lang="de-DE" dirty="0" err="1">
-                <a:solidFill>
-                  <a:schemeClr val="tx1"/>
-                </a:solidFill>
-              </a:rPr>
-              <a:t>Relationship</a:t>
-            </a:r>
-            <a:r>
-              <a:rPr lang="de-DE" dirty="0">
-                <a:solidFill>
-                  <a:schemeClr val="tx1"/>
-                </a:solidFill>
-              </a:rPr>
-              <a:t>-Modell) mit dem Backend verknüpft werden. Aufgrund der frühen Version des EF in Verbindung mit .NET Core sind in diesem Arbeitspaket viele Fehler zu erwarten. (siehe: </a:t>
-            </a:r>
-            <a:r>
-              <a:rPr lang="de-DE" dirty="0">
-                <a:solidFill>
-                  <a:schemeClr val="tx1"/>
-                </a:solidFill>
-                <a:hlinkClick r:id="rId2"/>
-              </a:rPr>
-              <a:t>https://github.com/aspnet/EntityFramework.Docs/blob/master/docs/platforms/netcore/new-db-sqlite.rst</a:t>
-            </a:r>
-            <a:r>
-              <a:rPr lang="de-DE" dirty="0">
-                <a:solidFill>
-                  <a:schemeClr val="tx1"/>
-                </a:solidFill>
-              </a:rPr>
-              <a:t>)</a:t>
-            </a:r>
-          </a:p>
-          <a:p>
-            <a:pPr marL="45720" indent="0">
-              <a:buNone/>
-            </a:pPr>
-            <a:endParaRPr lang="de-DE" dirty="0"/>
-          </a:p>
-        </p:txBody>
-      </p:sp>
-      <p:sp>
-        <p:nvSpPr>
-          <p:cNvPr id="4" name="Fußzeilenplatzhalter 3"/>
+        </p:nvPicPr>
+        <p:blipFill>
+          <a:blip r:embed="rId2" cstate="print"/>
+          <a:stretch>
+            <a:fillRect/>
+          </a:stretch>
+        </p:blipFill>
+        <p:spPr>
+          <a:xfrm>
+            <a:off x="3211514" y="1854614"/>
+            <a:ext cx="5738492" cy="4272165"/>
+          </a:xfrm>
+          <a:prstGeom prst="rect">
+            <a:avLst/>
+          </a:prstGeom>
+          <a:ln>
+            <a:solidFill>
+              <a:schemeClr val="tx1"/>
+            </a:solidFill>
+          </a:ln>
+        </p:spPr>
+      </p:pic>
+      <p:sp>
+        <p:nvSpPr>
+          <p:cNvPr id="3" name="Fußzeilenplatzhalter 2"/>
           <p:cNvSpPr>
             <a:spLocks noGrp="1"/>
           </p:cNvSpPr>
@@ -8579,7 +8549,7 @@
     </p:spTree>
     <p:extLst>
       <p:ext uri="{BB962C8B-B14F-4D97-AF65-F5344CB8AC3E}">
-        <p14:creationId xmlns:p14="http://schemas.microsoft.com/office/powerpoint/2010/main" val="52862675"/>
+        <p14:creationId xmlns:p14="http://schemas.microsoft.com/office/powerpoint/2010/main" val="711080358"/>
       </p:ext>
     </p:extLst>
   </p:cSld>
@@ -8623,14 +8593,391 @@
           <a:p>
             <a:r>
               <a:rPr lang="de-DE" dirty="0"/>
-              <a:t>Gantt-Diagramm</a:t>
-            </a:r>
-          </a:p>
-        </p:txBody>
-      </p:sp>
-      <p:sp>
-        <p:nvSpPr>
-          <p:cNvPr id="3" name="Fußzeilenplatzhalter 2"/>
+              <a:t>Beispiel Arbeitspaket</a:t>
+            </a:r>
+          </a:p>
+        </p:txBody>
+      </p:sp>
+      <p:sp>
+        <p:nvSpPr>
+          <p:cNvPr id="3" name="Inhaltsplatzhalter 2"/>
+          <p:cNvSpPr>
+            <a:spLocks noGrp="1"/>
+          </p:cNvSpPr>
+          <p:nvPr>
+            <p:ph idx="1"/>
+          </p:nvPr>
+        </p:nvSpPr>
+        <p:spPr/>
+        <p:txBody>
+          <a:bodyPr>
+            <a:normAutofit fontScale="92500" lnSpcReduction="20000"/>
+          </a:bodyPr>
+          <a:lstStyle/>
+          <a:p>
+            <a:pPr marL="45720" indent="0">
+              <a:buNone/>
+            </a:pPr>
+            <a:r>
+              <a:rPr lang="en-US" dirty="0"/>
+              <a:t>ID: </a:t>
+            </a:r>
+          </a:p>
+          <a:p>
+            <a:pPr marL="45720" indent="0">
+              <a:buNone/>
+            </a:pPr>
+            <a:r>
+              <a:rPr lang="en-US" dirty="0"/>
+              <a:t>Name: </a:t>
+            </a:r>
+            <a:r>
+              <a:rPr lang="en-US" dirty="0">
+                <a:solidFill>
+                  <a:schemeClr val="tx1"/>
+                </a:solidFill>
+              </a:rPr>
+              <a:t>Entity-Framework </a:t>
+            </a:r>
+            <a:r>
+              <a:rPr lang="en-US" dirty="0" err="1">
+                <a:solidFill>
+                  <a:schemeClr val="tx1"/>
+                </a:solidFill>
+              </a:rPr>
+              <a:t>umsetzen</a:t>
+            </a:r>
+            <a:endParaRPr lang="en-US" dirty="0">
+              <a:solidFill>
+                <a:schemeClr val="tx1"/>
+              </a:solidFill>
+            </a:endParaRPr>
+          </a:p>
+          <a:p>
+            <a:pPr marL="45720" indent="0">
+              <a:buNone/>
+            </a:pPr>
+            <a:r>
+              <a:rPr lang="en-US" dirty="0" err="1"/>
+              <a:t>Vorgänger</a:t>
+            </a:r>
+            <a:r>
+              <a:rPr lang="en-US" dirty="0"/>
+              <a:t>: </a:t>
+            </a:r>
+            <a:r>
+              <a:rPr lang="en-US" dirty="0">
+                <a:solidFill>
+                  <a:schemeClr val="tx1"/>
+                </a:solidFill>
+              </a:rPr>
+              <a:t>(MS-</a:t>
+            </a:r>
+            <a:r>
+              <a:rPr lang="en-US" dirty="0" err="1">
+                <a:solidFill>
+                  <a:schemeClr val="tx1"/>
+                </a:solidFill>
+              </a:rPr>
+              <a:t>Projekt</a:t>
+            </a:r>
+            <a:r>
+              <a:rPr lang="en-US" dirty="0">
+                <a:solidFill>
+                  <a:schemeClr val="tx1"/>
+                </a:solidFill>
+              </a:rPr>
+              <a:t>) </a:t>
+            </a:r>
+            <a:r>
+              <a:rPr lang="en-US" dirty="0" err="1">
+                <a:solidFill>
+                  <a:schemeClr val="tx1"/>
+                </a:solidFill>
+              </a:rPr>
+              <a:t>Nr</a:t>
+            </a:r>
+            <a:r>
+              <a:rPr lang="en-US" dirty="0">
+                <a:solidFill>
+                  <a:schemeClr val="tx1"/>
+                </a:solidFill>
+              </a:rPr>
+              <a:t>. 62 – “</a:t>
+            </a:r>
+            <a:r>
+              <a:rPr lang="en-US" dirty="0" err="1">
+                <a:solidFill>
+                  <a:schemeClr val="tx1"/>
+                </a:solidFill>
+              </a:rPr>
+              <a:t>Datenbankmodell</a:t>
+            </a:r>
+            <a:r>
+              <a:rPr lang="en-US" dirty="0">
+                <a:solidFill>
+                  <a:schemeClr val="tx1"/>
+                </a:solidFill>
+              </a:rPr>
+              <a:t> </a:t>
+            </a:r>
+            <a:r>
+              <a:rPr lang="en-US" dirty="0" err="1">
+                <a:solidFill>
+                  <a:schemeClr val="tx1"/>
+                </a:solidFill>
+              </a:rPr>
+              <a:t>umsetzen</a:t>
+            </a:r>
+            <a:r>
+              <a:rPr lang="en-US" dirty="0">
+                <a:solidFill>
+                  <a:schemeClr val="tx1"/>
+                </a:solidFill>
+              </a:rPr>
+              <a:t>”</a:t>
+            </a:r>
+            <a:endParaRPr lang="de-DE" dirty="0">
+              <a:solidFill>
+                <a:schemeClr val="tx1"/>
+              </a:solidFill>
+            </a:endParaRPr>
+          </a:p>
+          <a:p>
+            <a:pPr marL="45720" indent="0">
+              <a:buNone/>
+            </a:pPr>
+            <a:r>
+              <a:rPr lang="en-US" dirty="0" err="1"/>
+              <a:t>Geplanter</a:t>
+            </a:r>
+            <a:r>
+              <a:rPr lang="en-US" dirty="0"/>
+              <a:t> </a:t>
+            </a:r>
+            <a:r>
+              <a:rPr lang="en-US" dirty="0" err="1"/>
+              <a:t>Arbeitsaufwand</a:t>
+            </a:r>
+            <a:r>
+              <a:rPr lang="en-US" dirty="0"/>
+              <a:t>: </a:t>
+            </a:r>
+            <a:r>
+              <a:rPr lang="en-US" dirty="0">
+                <a:solidFill>
+                  <a:schemeClr val="tx1"/>
+                </a:solidFill>
+              </a:rPr>
+              <a:t>6 </a:t>
+            </a:r>
+            <a:r>
+              <a:rPr lang="en-US" dirty="0" err="1">
+                <a:solidFill>
+                  <a:schemeClr val="tx1"/>
+                </a:solidFill>
+              </a:rPr>
+              <a:t>Stunden</a:t>
+            </a:r>
+            <a:endParaRPr lang="en-US" dirty="0">
+              <a:solidFill>
+                <a:schemeClr val="tx1"/>
+              </a:solidFill>
+            </a:endParaRPr>
+          </a:p>
+          <a:p>
+            <a:pPr marL="45720" indent="0">
+              <a:buNone/>
+            </a:pPr>
+            <a:r>
+              <a:rPr lang="en-US" dirty="0" err="1"/>
+              <a:t>Themengebiet</a:t>
+            </a:r>
+            <a:r>
+              <a:rPr lang="en-US" dirty="0"/>
+              <a:t>: </a:t>
+            </a:r>
+            <a:r>
+              <a:rPr lang="en-US" dirty="0" err="1">
+                <a:solidFill>
+                  <a:schemeClr val="tx1"/>
+                </a:solidFill>
+              </a:rPr>
+              <a:t>Datenbanken</a:t>
+            </a:r>
+            <a:endParaRPr lang="en-US" dirty="0">
+              <a:solidFill>
+                <a:schemeClr val="tx1"/>
+              </a:solidFill>
+            </a:endParaRPr>
+          </a:p>
+          <a:p>
+            <a:pPr marL="45720" indent="0">
+              <a:buNone/>
+            </a:pPr>
+            <a:r>
+              <a:rPr lang="en-US" dirty="0" err="1"/>
+              <a:t>Benötigte</a:t>
+            </a:r>
+            <a:r>
+              <a:rPr lang="en-US" dirty="0"/>
+              <a:t> </a:t>
+            </a:r>
+            <a:r>
+              <a:rPr lang="en-US" dirty="0" err="1"/>
+              <a:t>Qualifikationen</a:t>
+            </a:r>
+            <a:r>
+              <a:rPr lang="en-US" dirty="0"/>
+              <a:t>: </a:t>
+            </a:r>
+            <a:r>
+              <a:rPr lang="en-US" dirty="0" err="1">
+                <a:solidFill>
+                  <a:schemeClr val="tx1"/>
+                </a:solidFill>
+              </a:rPr>
+              <a:t>Grundverständnis</a:t>
+            </a:r>
+            <a:r>
+              <a:rPr lang="en-US" dirty="0">
+                <a:solidFill>
+                  <a:schemeClr val="tx1"/>
+                </a:solidFill>
+              </a:rPr>
+              <a:t> von </a:t>
+            </a:r>
+            <a:r>
+              <a:rPr lang="en-US" dirty="0" err="1">
+                <a:solidFill>
+                  <a:schemeClr val="tx1"/>
+                </a:solidFill>
+              </a:rPr>
+              <a:t>Datenbanken</a:t>
+            </a:r>
+            <a:r>
+              <a:rPr lang="en-US" dirty="0">
+                <a:solidFill>
+                  <a:schemeClr val="tx1"/>
+                </a:solidFill>
+              </a:rPr>
+              <a:t> und .NET Core, </a:t>
+            </a:r>
+            <a:r>
+              <a:rPr lang="en-US" dirty="0" err="1">
+                <a:solidFill>
+                  <a:schemeClr val="tx1"/>
+                </a:solidFill>
+              </a:rPr>
+              <a:t>Erfahrung</a:t>
+            </a:r>
+            <a:r>
+              <a:rPr lang="en-US" dirty="0">
+                <a:solidFill>
+                  <a:schemeClr val="tx1"/>
+                </a:solidFill>
+              </a:rPr>
+              <a:t> </a:t>
+            </a:r>
+            <a:r>
+              <a:rPr lang="en-US" dirty="0" err="1">
+                <a:solidFill>
+                  <a:schemeClr val="tx1"/>
+                </a:solidFill>
+              </a:rPr>
+              <a:t>mit</a:t>
+            </a:r>
+            <a:r>
+              <a:rPr lang="en-US" dirty="0">
+                <a:solidFill>
+                  <a:schemeClr val="tx1"/>
+                </a:solidFill>
+              </a:rPr>
+              <a:t> Entity-Frameworks </a:t>
+            </a:r>
+            <a:r>
+              <a:rPr lang="en-US" dirty="0" err="1">
+                <a:solidFill>
+                  <a:schemeClr val="tx1"/>
+                </a:solidFill>
+              </a:rPr>
+              <a:t>wünschenswert</a:t>
+            </a:r>
+            <a:r>
+              <a:rPr lang="en-US" dirty="0">
+                <a:solidFill>
+                  <a:schemeClr val="tx1"/>
+                </a:solidFill>
+              </a:rPr>
+              <a:t>.</a:t>
+            </a:r>
+            <a:endParaRPr lang="de-DE" dirty="0">
+              <a:solidFill>
+                <a:schemeClr val="tx1"/>
+              </a:solidFill>
+            </a:endParaRPr>
+          </a:p>
+          <a:p>
+            <a:pPr marL="45720" indent="0">
+              <a:buNone/>
+            </a:pPr>
+            <a:r>
+              <a:rPr lang="de-DE" dirty="0"/>
+              <a:t>Beschreibung: </a:t>
+            </a:r>
+            <a:r>
+              <a:rPr lang="de-DE" dirty="0">
+                <a:solidFill>
+                  <a:schemeClr val="tx1"/>
+                </a:solidFill>
+              </a:rPr>
+              <a:t>Die erstellte Datenbank muss per Entity-Framework (Entity-</a:t>
+            </a:r>
+            <a:r>
+              <a:rPr lang="de-DE" dirty="0" err="1">
+                <a:solidFill>
+                  <a:schemeClr val="tx1"/>
+                </a:solidFill>
+              </a:rPr>
+              <a:t>Relationship</a:t>
+            </a:r>
+            <a:r>
+              <a:rPr lang="de-DE" dirty="0">
+                <a:solidFill>
+                  <a:schemeClr val="tx1"/>
+                </a:solidFill>
+              </a:rPr>
+              <a:t>-Modell) mit dem Backend verknüpft werden. Aufgrund der frühen Version des EF in Verbindung mit .NET Core sind in diesem Arbeitspaket viele Fehler zu erwarten. (siehe: </a:t>
+            </a:r>
+            <a:r>
+              <a:rPr lang="de-DE" dirty="0">
+                <a:solidFill>
+                  <a:schemeClr val="tx1"/>
+                </a:solidFill>
+                <a:hlinkClick r:id="rId2"/>
+              </a:rPr>
+              <a:t>https://github.com/aspnet/EntityFramework.Docs/blob/master/docs/platforms/netcore/new-db-sqlite.rst</a:t>
+            </a:r>
+            <a:r>
+              <a:rPr lang="de-DE" dirty="0">
+                <a:solidFill>
+                  <a:schemeClr val="tx1"/>
+                </a:solidFill>
+              </a:rPr>
+              <a:t>)</a:t>
+            </a:r>
+          </a:p>
+          <a:p>
+            <a:pPr marL="45720" indent="0">
+              <a:buNone/>
+            </a:pPr>
+            <a:endParaRPr lang="de-DE" dirty="0"/>
+          </a:p>
+        </p:txBody>
+      </p:sp>
+      <p:sp>
+        <p:nvSpPr>
+          <p:cNvPr id="4" name="Fußzeilenplatzhalter 3"/>
           <p:cNvSpPr>
             <a:spLocks noGrp="1"/>
           </p:cNvSpPr>
@@ -8669,6 +9016,104 @@
               <a:rPr lang="de-DE" smtClean="0"/>
               <a:pPr/>
               <a:t>16</a:t>
+            </a:fld>
+            <a:endParaRPr lang="de-DE"/>
+          </a:p>
+        </p:txBody>
+      </p:sp>
+    </p:spTree>
+    <p:extLst>
+      <p:ext uri="{BB962C8B-B14F-4D97-AF65-F5344CB8AC3E}">
+        <p14:creationId xmlns:p14="http://schemas.microsoft.com/office/powerpoint/2010/main" val="52862675"/>
+      </p:ext>
+    </p:extLst>
+  </p:cSld>
+  <p:clrMapOvr>
+    <a:masterClrMapping/>
+  </p:clrMapOvr>
+</p:sld>
+</file>
+
+<file path=ppt/slides/slide17.xml><?xml version="1.0" encoding="utf-8"?>
+<p:sld xmlns:a="http://schemas.openxmlformats.org/drawingml/2006/main" xmlns:r="http://schemas.openxmlformats.org/officeDocument/2006/relationships" xmlns:p="http://schemas.openxmlformats.org/presentationml/2006/main">
+  <p:cSld>
+    <p:spTree>
+      <p:nvGrpSpPr>
+        <p:cNvPr id="1" name=""/>
+        <p:cNvGrpSpPr/>
+        <p:nvPr/>
+      </p:nvGrpSpPr>
+      <p:grpSpPr>
+        <a:xfrm>
+          <a:off x="0" y="0"/>
+          <a:ext cx="0" cy="0"/>
+          <a:chOff x="0" y="0"/>
+          <a:chExt cx="0" cy="0"/>
+        </a:xfrm>
+      </p:grpSpPr>
+      <p:sp>
+        <p:nvSpPr>
+          <p:cNvPr id="2" name="Titel 1"/>
+          <p:cNvSpPr>
+            <a:spLocks noGrp="1"/>
+          </p:cNvSpPr>
+          <p:nvPr>
+            <p:ph type="title"/>
+          </p:nvPr>
+        </p:nvSpPr>
+        <p:spPr/>
+        <p:txBody>
+          <a:bodyPr/>
+          <a:lstStyle/>
+          <a:p>
+            <a:r>
+              <a:rPr lang="de-DE" dirty="0"/>
+              <a:t>Gantt-Diagramm</a:t>
+            </a:r>
+          </a:p>
+        </p:txBody>
+      </p:sp>
+      <p:sp>
+        <p:nvSpPr>
+          <p:cNvPr id="3" name="Fußzeilenplatzhalter 2"/>
+          <p:cNvSpPr>
+            <a:spLocks noGrp="1"/>
+          </p:cNvSpPr>
+          <p:nvPr>
+            <p:ph type="ftr" sz="quarter" idx="11"/>
+          </p:nvPr>
+        </p:nvSpPr>
+        <p:spPr/>
+        <p:txBody>
+          <a:bodyPr/>
+          <a:lstStyle/>
+          <a:p>
+            <a:r>
+              <a:rPr lang="de-DE"/>
+              <a:t>Sebastian Strubert &amp; Lloyd Niebel | Projektmanagement | SRH Heidelberg</a:t>
+            </a:r>
+          </a:p>
+        </p:txBody>
+      </p:sp>
+      <p:sp>
+        <p:nvSpPr>
+          <p:cNvPr id="5" name="Foliennummernplatzhalter 4"/>
+          <p:cNvSpPr>
+            <a:spLocks noGrp="1"/>
+          </p:cNvSpPr>
+          <p:nvPr>
+            <p:ph type="sldNum" sz="quarter" idx="12"/>
+          </p:nvPr>
+        </p:nvSpPr>
+        <p:spPr/>
+        <p:txBody>
+          <a:bodyPr/>
+          <a:lstStyle/>
+          <a:p>
+            <a:fld id="{E4F0F35D-A559-4B2F-93A2-E937B3C9D4B3}" type="slidenum">
+              <a:rPr lang="de-DE" smtClean="0"/>
+              <a:pPr/>
+              <a:t>17</a:t>
             </a:fld>
             <a:endParaRPr lang="de-DE"/>
           </a:p>
@@ -8721,7 +9166,7 @@
 </p:sld>
 </file>
 
-<file path=ppt/slides/slide17.xml><?xml version="1.0" encoding="utf-8"?>
+<file path=ppt/slides/slide18.xml><?xml version="1.0" encoding="utf-8"?>
 <p:sld xmlns:a="http://schemas.openxmlformats.org/drawingml/2006/main" xmlns:r="http://schemas.openxmlformats.org/officeDocument/2006/relationships" xmlns:p="http://schemas.openxmlformats.org/presentationml/2006/main">
   <p:cSld>
     <p:spTree>
@@ -8959,7 +9404,7 @@
             <a:fld id="{E4F0F35D-A559-4B2F-93A2-E937B3C9D4B3}" type="slidenum">
               <a:rPr lang="de-DE" smtClean="0"/>
               <a:pPr/>
-              <a:t>17</a:t>
+              <a:t>18</a:t>
             </a:fld>
             <a:endParaRPr lang="de-DE"/>
           </a:p>
@@ -9134,7 +9579,7 @@
 </p:sld>
 </file>
 
-<file path=ppt/slides/slide18.xml><?xml version="1.0" encoding="utf-8"?>
+<file path=ppt/slides/slide19.xml><?xml version="1.0" encoding="utf-8"?>
 <p:sld xmlns:a="http://schemas.openxmlformats.org/drawingml/2006/main" xmlns:r="http://schemas.openxmlformats.org/officeDocument/2006/relationships" xmlns:p="http://schemas.openxmlformats.org/presentationml/2006/main">
   <p:cSld>
     <p:spTree>
@@ -9247,7 +9692,7 @@
             <a:fld id="{E4F0F35D-A559-4B2F-93A2-E937B3C9D4B3}" type="slidenum">
               <a:rPr lang="de-DE" smtClean="0"/>
               <a:pPr/>
-              <a:t>18</a:t>
+              <a:t>19</a:t>
             </a:fld>
             <a:endParaRPr lang="de-DE"/>
           </a:p>
@@ -9257,188 +9702,6 @@
     <p:extLst>
       <p:ext uri="{BB962C8B-B14F-4D97-AF65-F5344CB8AC3E}">
         <p14:creationId xmlns:p14="http://schemas.microsoft.com/office/powerpoint/2010/main" val="2912283461"/>
-      </p:ext>
-    </p:extLst>
-  </p:cSld>
-  <p:clrMapOvr>
-    <a:masterClrMapping/>
-  </p:clrMapOvr>
-</p:sld>
-</file>
-
-<file path=ppt/slides/slide19.xml><?xml version="1.0" encoding="utf-8"?>
-<p:sld xmlns:a="http://schemas.openxmlformats.org/drawingml/2006/main" xmlns:r="http://schemas.openxmlformats.org/officeDocument/2006/relationships" xmlns:p="http://schemas.openxmlformats.org/presentationml/2006/main">
-  <p:cSld>
-    <p:spTree>
-      <p:nvGrpSpPr>
-        <p:cNvPr id="1" name=""/>
-        <p:cNvGrpSpPr/>
-        <p:nvPr/>
-      </p:nvGrpSpPr>
-      <p:grpSpPr>
-        <a:xfrm>
-          <a:off x="0" y="0"/>
-          <a:ext cx="0" cy="0"/>
-          <a:chOff x="0" y="0"/>
-          <a:chExt cx="0" cy="0"/>
-        </a:xfrm>
-      </p:grpSpPr>
-      <p:sp>
-        <p:nvSpPr>
-          <p:cNvPr id="2" name="Titel 1"/>
-          <p:cNvSpPr>
-            <a:spLocks noGrp="1"/>
-          </p:cNvSpPr>
-          <p:nvPr>
-            <p:ph type="title"/>
-          </p:nvPr>
-        </p:nvSpPr>
-        <p:spPr/>
-        <p:txBody>
-          <a:bodyPr/>
-          <a:lstStyle/>
-          <a:p>
-            <a:r>
-              <a:rPr lang="de-DE" dirty="0"/>
-              <a:t>II. Umsetzung</a:t>
-            </a:r>
-          </a:p>
-        </p:txBody>
-      </p:sp>
-      <p:sp>
-        <p:nvSpPr>
-          <p:cNvPr id="3" name="Inhaltsplatzhalter 2"/>
-          <p:cNvSpPr>
-            <a:spLocks noGrp="1"/>
-          </p:cNvSpPr>
-          <p:nvPr>
-            <p:ph idx="1"/>
-          </p:nvPr>
-        </p:nvSpPr>
-        <p:spPr/>
-        <p:txBody>
-          <a:bodyPr/>
-          <a:lstStyle/>
-          <a:p>
-            <a:pPr marL="788670" lvl="1" indent="-514350">
-              <a:buFont typeface="+mj-lt"/>
-              <a:buAutoNum type="arabicPeriod"/>
-            </a:pPr>
-            <a:endParaRPr lang="en-US" dirty="0"/>
-          </a:p>
-          <a:p>
-            <a:pPr marL="788670" lvl="1" indent="-514350">
-              <a:buFont typeface="+mj-lt"/>
-              <a:buAutoNum type="arabicPeriod"/>
-            </a:pPr>
-            <a:endParaRPr lang="en-US" dirty="0"/>
-          </a:p>
-          <a:p>
-            <a:pPr marL="788670" lvl="1" indent="-514350">
-              <a:buFont typeface="+mj-lt"/>
-              <a:buAutoNum type="arabicPeriod"/>
-            </a:pPr>
-            <a:endParaRPr lang="en-US" dirty="0"/>
-          </a:p>
-          <a:p>
-            <a:pPr marL="788670" lvl="1" indent="-514350">
-              <a:buFont typeface="+mj-lt"/>
-              <a:buAutoNum type="arabicPeriod"/>
-            </a:pPr>
-            <a:r>
-              <a:rPr lang="en-US" dirty="0" err="1"/>
-              <a:t>Aufgabenstellung</a:t>
-            </a:r>
-            <a:endParaRPr lang="en-US" dirty="0"/>
-          </a:p>
-          <a:p>
-            <a:pPr marL="788670" lvl="1" indent="-514350">
-              <a:buFont typeface="+mj-lt"/>
-              <a:buAutoNum type="arabicPeriod"/>
-            </a:pPr>
-            <a:r>
-              <a:rPr lang="en-US" dirty="0" err="1"/>
-              <a:t>Konzeption</a:t>
-            </a:r>
-            <a:endParaRPr lang="en-US" dirty="0"/>
-          </a:p>
-          <a:p>
-            <a:pPr marL="788670" lvl="1" indent="-514350">
-              <a:buFont typeface="+mj-lt"/>
-              <a:buAutoNum type="arabicPeriod"/>
-            </a:pPr>
-            <a:r>
-              <a:rPr lang="en-US" dirty="0" err="1"/>
-              <a:t>Realisierung</a:t>
-            </a:r>
-            <a:endParaRPr lang="en-US" dirty="0"/>
-          </a:p>
-          <a:p>
-            <a:pPr marL="788670" lvl="1" indent="-514350">
-              <a:buFont typeface="+mj-lt"/>
-              <a:buAutoNum type="arabicPeriod"/>
-            </a:pPr>
-            <a:r>
-              <a:rPr lang="en-US" dirty="0" err="1"/>
-              <a:t>Fazit</a:t>
-            </a:r>
-            <a:endParaRPr lang="en-US" dirty="0"/>
-          </a:p>
-          <a:p>
-            <a:endParaRPr lang="de-DE" dirty="0"/>
-          </a:p>
-        </p:txBody>
-      </p:sp>
-      <p:sp>
-        <p:nvSpPr>
-          <p:cNvPr id="4" name="Fußzeilenplatzhalter 3"/>
-          <p:cNvSpPr>
-            <a:spLocks noGrp="1"/>
-          </p:cNvSpPr>
-          <p:nvPr>
-            <p:ph type="ftr" sz="quarter" idx="11"/>
-          </p:nvPr>
-        </p:nvSpPr>
-        <p:spPr/>
-        <p:txBody>
-          <a:bodyPr/>
-          <a:lstStyle/>
-          <a:p>
-            <a:r>
-              <a:rPr lang="de-DE"/>
-              <a:t>Sebastian Strubert &amp; Lloyd Niebel | Projektmanagement | SRH Heidelberg</a:t>
-            </a:r>
-          </a:p>
-        </p:txBody>
-      </p:sp>
-      <p:sp>
-        <p:nvSpPr>
-          <p:cNvPr id="5" name="Foliennummernplatzhalter 4"/>
-          <p:cNvSpPr>
-            <a:spLocks noGrp="1"/>
-          </p:cNvSpPr>
-          <p:nvPr>
-            <p:ph type="sldNum" sz="quarter" idx="12"/>
-          </p:nvPr>
-        </p:nvSpPr>
-        <p:spPr/>
-        <p:txBody>
-          <a:bodyPr/>
-          <a:lstStyle/>
-          <a:p>
-            <a:fld id="{E4F0F35D-A559-4B2F-93A2-E937B3C9D4B3}" type="slidenum">
-              <a:rPr lang="de-DE" smtClean="0"/>
-              <a:pPr/>
-              <a:t>19</a:t>
-            </a:fld>
-            <a:endParaRPr lang="de-DE"/>
-          </a:p>
-        </p:txBody>
-      </p:sp>
-    </p:spTree>
-    <p:extLst>
-      <p:ext uri="{BB962C8B-B14F-4D97-AF65-F5344CB8AC3E}">
-        <p14:creationId xmlns:p14="http://schemas.microsoft.com/office/powerpoint/2010/main" val="1069150620"/>
       </p:ext>
     </p:extLst>
   </p:cSld>
@@ -9693,81 +9956,92 @@
           <a:lstStyle/>
           <a:p>
             <a:r>
+              <a:rPr lang="de-DE" dirty="0"/>
+              <a:t>II. Umsetzung</a:t>
+            </a:r>
+          </a:p>
+        </p:txBody>
+      </p:sp>
+      <p:sp>
+        <p:nvSpPr>
+          <p:cNvPr id="3" name="Inhaltsplatzhalter 2"/>
+          <p:cNvSpPr>
+            <a:spLocks noGrp="1"/>
+          </p:cNvSpPr>
+          <p:nvPr>
+            <p:ph idx="1"/>
+          </p:nvPr>
+        </p:nvSpPr>
+        <p:spPr/>
+        <p:txBody>
+          <a:bodyPr/>
+          <a:lstStyle/>
+          <a:p>
+            <a:pPr marL="788670" lvl="1" indent="-514350">
+              <a:buFont typeface="+mj-lt"/>
+              <a:buAutoNum type="arabicPeriod"/>
+            </a:pPr>
+            <a:endParaRPr lang="en-US" dirty="0"/>
+          </a:p>
+          <a:p>
+            <a:pPr marL="788670" lvl="1" indent="-514350">
+              <a:buFont typeface="+mj-lt"/>
+              <a:buAutoNum type="arabicPeriod"/>
+            </a:pPr>
+            <a:endParaRPr lang="en-US" dirty="0"/>
+          </a:p>
+          <a:p>
+            <a:pPr marL="788670" lvl="1" indent="-514350">
+              <a:buFont typeface="+mj-lt"/>
+              <a:buAutoNum type="arabicPeriod"/>
+            </a:pPr>
+            <a:endParaRPr lang="en-US" dirty="0"/>
+          </a:p>
+          <a:p>
+            <a:pPr marL="788670" lvl="1" indent="-514350">
+              <a:buFont typeface="+mj-lt"/>
+              <a:buAutoNum type="arabicPeriod"/>
+            </a:pPr>
+            <a:r>
               <a:rPr lang="en-US" dirty="0" err="1"/>
               <a:t>Aufgabenstellung</a:t>
             </a:r>
-            <a:endParaRPr lang="de-DE" dirty="0"/>
-          </a:p>
-        </p:txBody>
-      </p:sp>
-      <p:sp>
-        <p:nvSpPr>
-          <p:cNvPr id="3" name="Inhaltsplatzhalter 2"/>
-          <p:cNvSpPr>
-            <a:spLocks noGrp="1"/>
-          </p:cNvSpPr>
-          <p:nvPr>
-            <p:ph idx="1"/>
-          </p:nvPr>
-        </p:nvSpPr>
-        <p:spPr/>
-        <p:txBody>
-          <a:bodyPr/>
-          <a:lstStyle/>
-          <a:p>
             <a:endParaRPr lang="en-US" dirty="0"/>
           </a:p>
           <a:p>
+            <a:pPr marL="788670" lvl="1" indent="-514350">
+              <a:buFont typeface="+mj-lt"/>
+              <a:buAutoNum type="arabicPeriod"/>
+            </a:pPr>
             <a:r>
               <a:rPr lang="en-US" dirty="0" err="1"/>
-              <a:t>Planung</a:t>
-            </a:r>
-            <a:r>
-              <a:rPr lang="en-US" dirty="0"/>
-              <a:t> des </a:t>
-            </a:r>
+              <a:t>Konzeption</a:t>
+            </a:r>
+            <a:endParaRPr lang="en-US" dirty="0"/>
+          </a:p>
+          <a:p>
+            <a:pPr marL="788670" lvl="1" indent="-514350">
+              <a:buFont typeface="+mj-lt"/>
+              <a:buAutoNum type="arabicPeriod"/>
+            </a:pPr>
             <a:r>
               <a:rPr lang="en-US" dirty="0" err="1"/>
-              <a:t>Projektes</a:t>
+              <a:t>Realisierung</a:t>
             </a:r>
             <a:endParaRPr lang="en-US" dirty="0"/>
           </a:p>
           <a:p>
+            <a:pPr marL="788670" lvl="1" indent="-514350">
+              <a:buFont typeface="+mj-lt"/>
+              <a:buAutoNum type="arabicPeriod"/>
+            </a:pPr>
             <a:r>
               <a:rPr lang="en-US" dirty="0" err="1"/>
-              <a:t>Entwicklung</a:t>
-            </a:r>
-            <a:r>
-              <a:rPr lang="en-US" dirty="0"/>
-              <a:t> </a:t>
-            </a:r>
-            <a:r>
-              <a:rPr lang="en-US" dirty="0" err="1"/>
-              <a:t>eines</a:t>
-            </a:r>
-            <a:r>
-              <a:rPr lang="en-US" dirty="0"/>
-              <a:t> </a:t>
-            </a:r>
-            <a:r>
-              <a:rPr lang="en-US" dirty="0" err="1"/>
-              <a:t>Prototypen</a:t>
+              <a:t>Fazit</a:t>
             </a:r>
             <a:endParaRPr lang="en-US" dirty="0"/>
           </a:p>
           <a:p>
-            <a:r>
-              <a:rPr lang="en-US" dirty="0" err="1"/>
-              <a:t>Reagieren</a:t>
-            </a:r>
-            <a:r>
-              <a:rPr lang="en-US" dirty="0"/>
-              <a:t> auf </a:t>
-            </a:r>
-            <a:r>
-              <a:rPr lang="en-US" dirty="0" err="1"/>
-              <a:t>Planänderungen</a:t>
-            </a:r>
             <a:endParaRPr lang="de-DE" dirty="0"/>
           </a:p>
         </p:txBody>
@@ -9821,7 +10095,7 @@
     </p:spTree>
     <p:extLst>
       <p:ext uri="{BB962C8B-B14F-4D97-AF65-F5344CB8AC3E}">
-        <p14:creationId xmlns:p14="http://schemas.microsoft.com/office/powerpoint/2010/main" val="78371193"/>
+        <p14:creationId xmlns:p14="http://schemas.microsoft.com/office/powerpoint/2010/main" val="1069150620"/>
       </p:ext>
     </p:extLst>
   </p:cSld>
@@ -9864,6 +10138,192 @@
           <a:lstStyle/>
           <a:p>
             <a:r>
+              <a:rPr lang="en-US" dirty="0" err="1"/>
+              <a:t>Aufgabenstellung</a:t>
+            </a:r>
+            <a:endParaRPr lang="de-DE" dirty="0"/>
+          </a:p>
+        </p:txBody>
+      </p:sp>
+      <p:sp>
+        <p:nvSpPr>
+          <p:cNvPr id="3" name="Inhaltsplatzhalter 2"/>
+          <p:cNvSpPr>
+            <a:spLocks noGrp="1"/>
+          </p:cNvSpPr>
+          <p:nvPr>
+            <p:ph idx="1"/>
+          </p:nvPr>
+        </p:nvSpPr>
+        <p:spPr/>
+        <p:txBody>
+          <a:bodyPr/>
+          <a:lstStyle/>
+          <a:p>
+            <a:endParaRPr lang="en-US" dirty="0"/>
+          </a:p>
+          <a:p>
+            <a:r>
+              <a:rPr lang="en-US" dirty="0" err="1"/>
+              <a:t>Planung</a:t>
+            </a:r>
+            <a:r>
+              <a:rPr lang="en-US" dirty="0"/>
+              <a:t> des </a:t>
+            </a:r>
+            <a:r>
+              <a:rPr lang="en-US" dirty="0" err="1"/>
+              <a:t>Projektes</a:t>
+            </a:r>
+            <a:endParaRPr lang="en-US" dirty="0"/>
+          </a:p>
+          <a:p>
+            <a:r>
+              <a:rPr lang="en-US" dirty="0" err="1"/>
+              <a:t>Überwachung</a:t>
+            </a:r>
+            <a:r>
+              <a:rPr lang="en-US" dirty="0"/>
+              <a:t> der </a:t>
+            </a:r>
+            <a:r>
+              <a:rPr lang="en-US" dirty="0" err="1"/>
+              <a:t>Planung</a:t>
+            </a:r>
+            <a:endParaRPr lang="en-US" dirty="0"/>
+          </a:p>
+          <a:p>
+            <a:r>
+              <a:rPr lang="en-US" dirty="0" err="1"/>
+              <a:t>Entwicklung</a:t>
+            </a:r>
+            <a:r>
+              <a:rPr lang="en-US" dirty="0"/>
+              <a:t> </a:t>
+            </a:r>
+            <a:r>
+              <a:rPr lang="en-US" dirty="0" err="1"/>
+              <a:t>eines</a:t>
+            </a:r>
+            <a:r>
+              <a:rPr lang="en-US" dirty="0"/>
+              <a:t> </a:t>
+            </a:r>
+            <a:r>
+              <a:rPr lang="en-US" dirty="0" err="1"/>
+              <a:t>Prototypen</a:t>
+            </a:r>
+            <a:endParaRPr lang="en-US" dirty="0"/>
+          </a:p>
+          <a:p>
+            <a:r>
+              <a:rPr lang="en-US" dirty="0" err="1"/>
+              <a:t>Reagieren</a:t>
+            </a:r>
+            <a:r>
+              <a:rPr lang="en-US" dirty="0"/>
+              <a:t> auf </a:t>
+            </a:r>
+            <a:r>
+              <a:rPr lang="en-US" dirty="0" err="1"/>
+              <a:t>Planänderungen</a:t>
+            </a:r>
+            <a:endParaRPr lang="de-DE" dirty="0"/>
+          </a:p>
+        </p:txBody>
+      </p:sp>
+      <p:sp>
+        <p:nvSpPr>
+          <p:cNvPr id="4" name="Fußzeilenplatzhalter 3"/>
+          <p:cNvSpPr>
+            <a:spLocks noGrp="1"/>
+          </p:cNvSpPr>
+          <p:nvPr>
+            <p:ph type="ftr" sz="quarter" idx="11"/>
+          </p:nvPr>
+        </p:nvSpPr>
+        <p:spPr/>
+        <p:txBody>
+          <a:bodyPr/>
+          <a:lstStyle/>
+          <a:p>
+            <a:r>
+              <a:rPr lang="de-DE"/>
+              <a:t>Sebastian Strubert &amp; Lloyd Niebel | Projektmanagement | SRH Heidelberg</a:t>
+            </a:r>
+          </a:p>
+        </p:txBody>
+      </p:sp>
+      <p:sp>
+        <p:nvSpPr>
+          <p:cNvPr id="5" name="Foliennummernplatzhalter 4"/>
+          <p:cNvSpPr>
+            <a:spLocks noGrp="1"/>
+          </p:cNvSpPr>
+          <p:nvPr>
+            <p:ph type="sldNum" sz="quarter" idx="12"/>
+          </p:nvPr>
+        </p:nvSpPr>
+        <p:spPr/>
+        <p:txBody>
+          <a:bodyPr/>
+          <a:lstStyle/>
+          <a:p>
+            <a:fld id="{E4F0F35D-A559-4B2F-93A2-E937B3C9D4B3}" type="slidenum">
+              <a:rPr lang="de-DE" smtClean="0"/>
+              <a:pPr/>
+              <a:t>21</a:t>
+            </a:fld>
+            <a:endParaRPr lang="de-DE"/>
+          </a:p>
+        </p:txBody>
+      </p:sp>
+    </p:spTree>
+    <p:extLst>
+      <p:ext uri="{BB962C8B-B14F-4D97-AF65-F5344CB8AC3E}">
+        <p14:creationId xmlns:p14="http://schemas.microsoft.com/office/powerpoint/2010/main" val="78371193"/>
+      </p:ext>
+    </p:extLst>
+  </p:cSld>
+  <p:clrMapOvr>
+    <a:masterClrMapping/>
+  </p:clrMapOvr>
+</p:sld>
+</file>
+
+<file path=ppt/slides/slide22.xml><?xml version="1.0" encoding="utf-8"?>
+<p:sld xmlns:a="http://schemas.openxmlformats.org/drawingml/2006/main" xmlns:r="http://schemas.openxmlformats.org/officeDocument/2006/relationships" xmlns:p="http://schemas.openxmlformats.org/presentationml/2006/main">
+  <p:cSld>
+    <p:spTree>
+      <p:nvGrpSpPr>
+        <p:cNvPr id="1" name=""/>
+        <p:cNvGrpSpPr/>
+        <p:nvPr/>
+      </p:nvGrpSpPr>
+      <p:grpSpPr>
+        <a:xfrm>
+          <a:off x="0" y="0"/>
+          <a:ext cx="0" cy="0"/>
+          <a:chOff x="0" y="0"/>
+          <a:chExt cx="0" cy="0"/>
+        </a:xfrm>
+      </p:grpSpPr>
+      <p:sp>
+        <p:nvSpPr>
+          <p:cNvPr id="2" name="Titel 1"/>
+          <p:cNvSpPr>
+            <a:spLocks noGrp="1"/>
+          </p:cNvSpPr>
+          <p:nvPr>
+            <p:ph type="title"/>
+          </p:nvPr>
+        </p:nvSpPr>
+        <p:spPr/>
+        <p:txBody>
+          <a:bodyPr/>
+          <a:lstStyle/>
+          <a:p>
+            <a:r>
               <a:rPr lang="de-DE" dirty="0"/>
               <a:t>Projektdefinition</a:t>
             </a:r>
@@ -10002,7 +10462,7 @@
             <a:fld id="{E4F0F35D-A559-4B2F-93A2-E937B3C9D4B3}" type="slidenum">
               <a:rPr lang="de-DE" smtClean="0"/>
               <a:pPr/>
-              <a:t>21</a:t>
+              <a:t>22</a:t>
             </a:fld>
             <a:endParaRPr lang="de-DE"/>
           </a:p>
@@ -10062,7 +10522,7 @@
 </p:sld>
 </file>
 
-<file path=ppt/slides/slide22.xml><?xml version="1.0" encoding="utf-8"?>
+<file path=ppt/slides/slide23.xml><?xml version="1.0" encoding="utf-8"?>
 <p:sld xmlns:a="http://schemas.openxmlformats.org/drawingml/2006/main" xmlns:r="http://schemas.openxmlformats.org/officeDocument/2006/relationships" xmlns:p="http://schemas.openxmlformats.org/presentationml/2006/main">
   <p:cSld>
     <p:spTree>
@@ -10206,7 +10666,7 @@
             </a:r>
             <a:r>
               <a:rPr lang="en-US" dirty="0" err="1"/>
-              <a:t>Andere</a:t>
+              <a:t>andere</a:t>
             </a:r>
             <a:r>
               <a:rPr lang="en-US" dirty="0"/>
@@ -10303,7 +10763,7 @@
             <a:fld id="{E4F0F35D-A559-4B2F-93A2-E937B3C9D4B3}" type="slidenum">
               <a:rPr lang="de-DE" smtClean="0"/>
               <a:pPr/>
-              <a:t>22</a:t>
+              <a:t>23</a:t>
             </a:fld>
             <a:endParaRPr lang="de-DE"/>
           </a:p>
@@ -10363,7 +10823,7 @@
 </p:sld>
 </file>
 
-<file path=ppt/slides/slide23.xml><?xml version="1.0" encoding="utf-8"?>
+<file path=ppt/slides/slide24.xml><?xml version="1.0" encoding="utf-8"?>
 <p:sld xmlns:a="http://schemas.openxmlformats.org/drawingml/2006/main" xmlns:r="http://schemas.openxmlformats.org/officeDocument/2006/relationships" xmlns:p="http://schemas.openxmlformats.org/presentationml/2006/main">
   <p:cSld>
     <p:spTree>
@@ -10631,7 +11091,7 @@
             <a:fld id="{E4F0F35D-A559-4B2F-93A2-E937B3C9D4B3}" type="slidenum">
               <a:rPr lang="de-DE" smtClean="0"/>
               <a:pPr/>
-              <a:t>23</a:t>
+              <a:t>24</a:t>
             </a:fld>
             <a:endParaRPr lang="de-DE"/>
           </a:p>
@@ -10650,7 +11110,7 @@
 </p:sld>
 </file>
 
-<file path=ppt/slides/slide24.xml><?xml version="1.0" encoding="utf-8"?>
+<file path=ppt/slides/slide25.xml><?xml version="1.0" encoding="utf-8"?>
 <p:sld xmlns:a="http://schemas.openxmlformats.org/drawingml/2006/main" xmlns:r="http://schemas.openxmlformats.org/officeDocument/2006/relationships" xmlns:p="http://schemas.openxmlformats.org/presentationml/2006/main">
   <p:cSld>
     <p:spTree>
@@ -10758,7 +11218,7 @@
             <a:fld id="{E4F0F35D-A559-4B2F-93A2-E937B3C9D4B3}" type="slidenum">
               <a:rPr lang="de-DE" smtClean="0"/>
               <a:pPr/>
-              <a:t>24</a:t>
+              <a:t>25</a:t>
             </a:fld>
             <a:endParaRPr lang="de-DE"/>
           </a:p>
@@ -10777,7 +11237,7 @@
 </p:sld>
 </file>
 
-<file path=ppt/slides/slide25.xml><?xml version="1.0" encoding="utf-8"?>
+<file path=ppt/slides/slide26.xml><?xml version="1.0" encoding="utf-8"?>
 <p:sld xmlns:a="http://schemas.openxmlformats.org/drawingml/2006/main" xmlns:r="http://schemas.openxmlformats.org/officeDocument/2006/relationships" xmlns:p="http://schemas.openxmlformats.org/presentationml/2006/main">
   <p:cSld>
     <p:spTree>
@@ -11064,7 +11524,7 @@
             <a:fld id="{E4F0F35D-A559-4B2F-93A2-E937B3C9D4B3}" type="slidenum">
               <a:rPr lang="de-DE" smtClean="0"/>
               <a:pPr/>
-              <a:t>25</a:t>
+              <a:t>26</a:t>
             </a:fld>
             <a:endParaRPr lang="de-DE"/>
           </a:p>
@@ -11083,7 +11543,7 @@
 </p:sld>
 </file>
 
-<file path=ppt/slides/slide26.xml><?xml version="1.0" encoding="utf-8"?>
+<file path=ppt/slides/slide27.xml><?xml version="1.0" encoding="utf-8"?>
 <p:sld xmlns:a="http://schemas.openxmlformats.org/drawingml/2006/main" xmlns:r="http://schemas.openxmlformats.org/officeDocument/2006/relationships" xmlns:p="http://schemas.openxmlformats.org/presentationml/2006/main">
   <p:cSld>
     <p:spTree>
@@ -11230,7 +11690,7 @@
             <a:fld id="{E4F0F35D-A559-4B2F-93A2-E937B3C9D4B3}" type="slidenum">
               <a:rPr lang="de-DE" smtClean="0"/>
               <a:pPr/>
-              <a:t>26</a:t>
+              <a:t>27</a:t>
             </a:fld>
             <a:endParaRPr lang="de-DE"/>
           </a:p>
@@ -11249,7 +11709,7 @@
 </p:sld>
 </file>
 
-<file path=ppt/slides/slide27.xml><?xml version="1.0" encoding="utf-8"?>
+<file path=ppt/slides/slide28.xml><?xml version="1.0" encoding="utf-8"?>
 <p:sld xmlns:a="http://schemas.openxmlformats.org/drawingml/2006/main" xmlns:r="http://schemas.openxmlformats.org/officeDocument/2006/relationships" xmlns:p="http://schemas.openxmlformats.org/presentationml/2006/main">
   <p:cSld>
     <p:spTree>
@@ -11480,7 +11940,7 @@
             <a:fld id="{E4F0F35D-A559-4B2F-93A2-E937B3C9D4B3}" type="slidenum">
               <a:rPr lang="de-DE" smtClean="0"/>
               <a:pPr/>
-              <a:t>27</a:t>
+              <a:t>28</a:t>
             </a:fld>
             <a:endParaRPr lang="de-DE"/>
           </a:p>
@@ -11499,7 +11959,7 @@
 </p:sld>
 </file>
 
-<file path=ppt/slides/slide28.xml><?xml version="1.0" encoding="utf-8"?>
+<file path=ppt/slides/slide29.xml><?xml version="1.0" encoding="utf-8"?>
 <p:sld xmlns:a="http://schemas.openxmlformats.org/drawingml/2006/main" xmlns:r="http://schemas.openxmlformats.org/officeDocument/2006/relationships" xmlns:p="http://schemas.openxmlformats.org/presentationml/2006/main">
   <p:cSld>
     <p:spTree>
@@ -11631,7 +12091,7 @@
             <a:fld id="{E4F0F35D-A559-4B2F-93A2-E937B3C9D4B3}" type="slidenum">
               <a:rPr lang="de-DE" smtClean="0"/>
               <a:pPr/>
-              <a:t>28</a:t>
+              <a:t>29</a:t>
             </a:fld>
             <a:endParaRPr lang="de-DE"/>
           </a:p>
@@ -11674,7 +12134,236 @@
 </p:sld>
 </file>
 
-<file path=ppt/slides/slide29.xml><?xml version="1.0" encoding="utf-8"?>
+<file path=ppt/slides/slide3.xml><?xml version="1.0" encoding="utf-8"?>
+<p:sld xmlns:a="http://schemas.openxmlformats.org/drawingml/2006/main" xmlns:r="http://schemas.openxmlformats.org/officeDocument/2006/relationships" xmlns:p="http://schemas.openxmlformats.org/presentationml/2006/main">
+  <p:cSld>
+    <p:spTree>
+      <p:nvGrpSpPr>
+        <p:cNvPr id="1" name=""/>
+        <p:cNvGrpSpPr/>
+        <p:nvPr/>
+      </p:nvGrpSpPr>
+      <p:grpSpPr>
+        <a:xfrm>
+          <a:off x="0" y="0"/>
+          <a:ext cx="0" cy="0"/>
+          <a:chOff x="0" y="0"/>
+          <a:chExt cx="0" cy="0"/>
+        </a:xfrm>
+      </p:grpSpPr>
+      <p:sp>
+        <p:nvSpPr>
+          <p:cNvPr id="2" name="Titel 1"/>
+          <p:cNvSpPr>
+            <a:spLocks noGrp="1"/>
+          </p:cNvSpPr>
+          <p:nvPr>
+            <p:ph type="title"/>
+          </p:nvPr>
+        </p:nvSpPr>
+        <p:spPr/>
+        <p:txBody>
+          <a:bodyPr/>
+          <a:lstStyle/>
+          <a:p>
+            <a:r>
+              <a:rPr lang="de-DE" dirty="0"/>
+              <a:t>I. Management</a:t>
+            </a:r>
+          </a:p>
+        </p:txBody>
+      </p:sp>
+      <p:sp>
+        <p:nvSpPr>
+          <p:cNvPr id="3" name="Inhaltsplatzhalter 2"/>
+          <p:cNvSpPr>
+            <a:spLocks noGrp="1"/>
+          </p:cNvSpPr>
+          <p:nvPr>
+            <p:ph idx="1"/>
+          </p:nvPr>
+        </p:nvSpPr>
+        <p:spPr/>
+        <p:txBody>
+          <a:bodyPr/>
+          <a:lstStyle/>
+          <a:p>
+            <a:pPr marL="731520" lvl="1" indent="-457200">
+              <a:buAutoNum type="arabicPeriod"/>
+            </a:pPr>
+            <a:endParaRPr lang="en-US" dirty="0"/>
+          </a:p>
+          <a:p>
+            <a:pPr marL="731520" lvl="1" indent="-457200">
+              <a:buAutoNum type="arabicPeriod"/>
+            </a:pPr>
+            <a:endParaRPr lang="en-US" dirty="0"/>
+          </a:p>
+          <a:p>
+            <a:pPr marL="731520" lvl="1" indent="-457200">
+              <a:buAutoNum type="arabicPeriod"/>
+            </a:pPr>
+            <a:endParaRPr lang="en-US" dirty="0"/>
+          </a:p>
+          <a:p>
+            <a:pPr marL="731520" lvl="1" indent="-457200">
+              <a:buAutoNum type="arabicPeriod"/>
+            </a:pPr>
+            <a:r>
+              <a:rPr lang="en-US" dirty="0" err="1"/>
+              <a:t>Projektthema</a:t>
+            </a:r>
+            <a:endParaRPr lang="en-US" dirty="0"/>
+          </a:p>
+          <a:p>
+            <a:pPr marL="731520" lvl="1" indent="-457200">
+              <a:buAutoNum type="arabicPeriod"/>
+            </a:pPr>
+            <a:r>
+              <a:rPr lang="en-US" dirty="0" err="1"/>
+              <a:t>Arbeitsweise</a:t>
+            </a:r>
+            <a:r>
+              <a:rPr lang="en-US" dirty="0"/>
+              <a:t> </a:t>
+            </a:r>
+            <a:r>
+              <a:rPr lang="en-US" dirty="0" err="1"/>
+              <a:t>im</a:t>
+            </a:r>
+            <a:r>
+              <a:rPr lang="en-US" dirty="0"/>
+              <a:t> Team</a:t>
+            </a:r>
+          </a:p>
+          <a:p>
+            <a:pPr marL="731520" lvl="1" indent="-457200">
+              <a:buAutoNum type="arabicPeriod"/>
+            </a:pPr>
+            <a:r>
+              <a:rPr lang="en-US" dirty="0" err="1"/>
+              <a:t>Projektstrukturplan</a:t>
+            </a:r>
+            <a:endParaRPr lang="en-US" dirty="0"/>
+          </a:p>
+          <a:p>
+            <a:pPr marL="731520" lvl="1" indent="-457200">
+              <a:buAutoNum type="arabicPeriod"/>
+            </a:pPr>
+            <a:r>
+              <a:rPr lang="en-US" dirty="0" err="1"/>
+              <a:t>Beispiel-Arbeitspaket</a:t>
+            </a:r>
+            <a:endParaRPr lang="en-US" dirty="0"/>
+          </a:p>
+          <a:p>
+            <a:pPr marL="731520" lvl="1" indent="-457200">
+              <a:buAutoNum type="arabicPeriod"/>
+            </a:pPr>
+            <a:r>
+              <a:rPr lang="en-US" dirty="0"/>
+              <a:t>Gantt-</a:t>
+            </a:r>
+            <a:r>
+              <a:rPr lang="en-US" dirty="0" err="1"/>
+              <a:t>Diagramm</a:t>
+            </a:r>
+            <a:r>
+              <a:rPr lang="en-US" dirty="0"/>
+              <a:t> &amp; MS-Project</a:t>
+            </a:r>
+          </a:p>
+          <a:p>
+            <a:endParaRPr lang="de-DE" dirty="0"/>
+          </a:p>
+        </p:txBody>
+      </p:sp>
+      <p:pic>
+        <p:nvPicPr>
+          <p:cNvPr id="32770" name="Picture 2" descr="https://s-media-cache-ak0.pinimg.com/originals/7b/83/0f/7b830f63e35bc03388b8f54e47bdb006.png"/>
+          <p:cNvPicPr>
+            <a:picLocks noChangeAspect="1" noChangeArrowheads="1"/>
+          </p:cNvPicPr>
+          <p:nvPr/>
+        </p:nvPicPr>
+        <p:blipFill>
+          <a:blip r:embed="rId2" cstate="print"/>
+          <a:srcRect/>
+          <a:stretch>
+            <a:fillRect/>
+          </a:stretch>
+        </p:blipFill>
+        <p:spPr bwMode="auto">
+          <a:xfrm>
+            <a:off x="5969234" y="2537543"/>
+            <a:ext cx="4000500" cy="2800351"/>
+          </a:xfrm>
+          <a:prstGeom prst="rect">
+            <a:avLst/>
+          </a:prstGeom>
+          <a:noFill/>
+        </p:spPr>
+      </p:pic>
+      <p:sp>
+        <p:nvSpPr>
+          <p:cNvPr id="4" name="Fußzeilenplatzhalter 3"/>
+          <p:cNvSpPr>
+            <a:spLocks noGrp="1"/>
+          </p:cNvSpPr>
+          <p:nvPr>
+            <p:ph type="ftr" sz="quarter" idx="11"/>
+          </p:nvPr>
+        </p:nvSpPr>
+        <p:spPr/>
+        <p:txBody>
+          <a:bodyPr/>
+          <a:lstStyle/>
+          <a:p>
+            <a:r>
+              <a:rPr lang="de-DE"/>
+              <a:t>Sebastian Strubert &amp; Lloyd Niebel | Projektmanagement | SRH Heidelberg</a:t>
+            </a:r>
+          </a:p>
+        </p:txBody>
+      </p:sp>
+      <p:sp>
+        <p:nvSpPr>
+          <p:cNvPr id="5" name="Foliennummernplatzhalter 4"/>
+          <p:cNvSpPr>
+            <a:spLocks noGrp="1"/>
+          </p:cNvSpPr>
+          <p:nvPr>
+            <p:ph type="sldNum" sz="quarter" idx="12"/>
+          </p:nvPr>
+        </p:nvSpPr>
+        <p:spPr/>
+        <p:txBody>
+          <a:bodyPr/>
+          <a:lstStyle/>
+          <a:p>
+            <a:fld id="{E4F0F35D-A559-4B2F-93A2-E937B3C9D4B3}" type="slidenum">
+              <a:rPr lang="de-DE" smtClean="0"/>
+              <a:pPr/>
+              <a:t>3</a:t>
+            </a:fld>
+            <a:endParaRPr lang="de-DE"/>
+          </a:p>
+        </p:txBody>
+      </p:sp>
+    </p:spTree>
+    <p:extLst>
+      <p:ext uri="{BB962C8B-B14F-4D97-AF65-F5344CB8AC3E}">
+        <p14:creationId xmlns:p14="http://schemas.microsoft.com/office/powerpoint/2010/main" val="1283623021"/>
+      </p:ext>
+    </p:extLst>
+  </p:cSld>
+  <p:clrMapOvr>
+    <a:masterClrMapping/>
+  </p:clrMapOvr>
+</p:sld>
+</file>
+
+<file path=ppt/slides/slide30.xml><?xml version="1.0" encoding="utf-8"?>
 <p:sld xmlns:a="http://schemas.openxmlformats.org/drawingml/2006/main" xmlns:r="http://schemas.openxmlformats.org/officeDocument/2006/relationships" xmlns:p="http://schemas.openxmlformats.org/presentationml/2006/main">
   <p:cSld>
     <p:spTree>
@@ -11802,7 +12491,7 @@
             <a:fld id="{E4F0F35D-A559-4B2F-93A2-E937B3C9D4B3}" type="slidenum">
               <a:rPr lang="de-DE" smtClean="0"/>
               <a:pPr/>
-              <a:t>29</a:t>
+              <a:t>30</a:t>
             </a:fld>
             <a:endParaRPr lang="de-DE"/>
           </a:p>
@@ -11870,7 +12559,7 @@
 </p:sld>
 </file>
 
-<file path=ppt/slides/slide3.xml><?xml version="1.0" encoding="utf-8"?>
+<file path=ppt/slides/slide31.xml><?xml version="1.0" encoding="utf-8"?>
 <p:sld xmlns:a="http://schemas.openxmlformats.org/drawingml/2006/main" xmlns:r="http://schemas.openxmlformats.org/officeDocument/2006/relationships" xmlns:p="http://schemas.openxmlformats.org/presentationml/2006/main">
   <p:cSld>
     <p:spTree>
@@ -11904,7 +12593,7 @@
           <a:p>
             <a:r>
               <a:rPr lang="de-DE" dirty="0"/>
-              <a:t>I. Management</a:t>
+              <a:t>Realisierung</a:t>
             </a:r>
           </a:p>
         </p:txBody>
@@ -11924,122 +12613,10 @@
           <a:bodyPr/>
           <a:lstStyle/>
           <a:p>
-            <a:pPr marL="731520" lvl="1" indent="-457200">
-              <a:buAutoNum type="arabicPeriod"/>
-            </a:pPr>
-            <a:endParaRPr lang="en-US" dirty="0"/>
-          </a:p>
-          <a:p>
-            <a:pPr marL="731520" lvl="1" indent="-457200">
-              <a:buAutoNum type="arabicPeriod"/>
-            </a:pPr>
-            <a:endParaRPr lang="en-US" dirty="0"/>
-          </a:p>
-          <a:p>
-            <a:pPr marL="731520" lvl="1" indent="-457200">
-              <a:buAutoNum type="arabicPeriod"/>
-            </a:pPr>
-            <a:endParaRPr lang="en-US" dirty="0"/>
-          </a:p>
-          <a:p>
-            <a:pPr marL="731520" lvl="1" indent="-457200">
-              <a:buAutoNum type="arabicPeriod"/>
-            </a:pPr>
-            <a:r>
-              <a:rPr lang="en-US" dirty="0" err="1"/>
-              <a:t>Projektthema</a:t>
-            </a:r>
-            <a:endParaRPr lang="en-US" dirty="0"/>
-          </a:p>
-          <a:p>
-            <a:pPr marL="731520" lvl="1" indent="-457200">
-              <a:buAutoNum type="arabicPeriod"/>
-            </a:pPr>
-            <a:r>
-              <a:rPr lang="en-US" dirty="0" err="1"/>
-              <a:t>Arbeitsweise</a:t>
-            </a:r>
-            <a:r>
-              <a:rPr lang="en-US" dirty="0"/>
-              <a:t> </a:t>
-            </a:r>
-            <a:r>
-              <a:rPr lang="en-US" dirty="0" err="1"/>
-              <a:t>im</a:t>
-            </a:r>
-            <a:r>
-              <a:rPr lang="en-US" dirty="0"/>
-              <a:t> Team</a:t>
-            </a:r>
-          </a:p>
-          <a:p>
-            <a:pPr marL="731520" lvl="1" indent="-457200">
-              <a:buAutoNum type="arabicPeriod"/>
-            </a:pPr>
-            <a:r>
-              <a:rPr lang="en-US" dirty="0" err="1"/>
-              <a:t>Projektstrukturplan</a:t>
-            </a:r>
-            <a:endParaRPr lang="en-US" dirty="0"/>
-          </a:p>
-          <a:p>
-            <a:pPr marL="731520" lvl="1" indent="-457200">
-              <a:buAutoNum type="arabicPeriod"/>
-            </a:pPr>
-            <a:r>
-              <a:rPr lang="en-US" dirty="0" err="1"/>
-              <a:t>Beispiel-Arbeitspaket</a:t>
-            </a:r>
-            <a:endParaRPr lang="en-US" dirty="0"/>
-          </a:p>
-          <a:p>
-            <a:pPr marL="731520" lvl="1" indent="-457200">
-              <a:buAutoNum type="arabicPeriod"/>
-            </a:pPr>
-            <a:r>
-              <a:rPr lang="en-US" dirty="0"/>
-              <a:t>Gantt-</a:t>
-            </a:r>
-            <a:r>
-              <a:rPr lang="en-US" dirty="0" err="1"/>
-              <a:t>Diagramm</a:t>
-            </a:r>
-            <a:r>
-              <a:rPr lang="en-US" dirty="0"/>
-              <a:t> &amp; MS-Project</a:t>
-            </a:r>
-          </a:p>
-          <a:p>
-            <a:endParaRPr lang="de-DE" dirty="0"/>
-          </a:p>
-        </p:txBody>
-      </p:sp>
-      <p:pic>
-        <p:nvPicPr>
-          <p:cNvPr id="32770" name="Picture 2" descr="https://s-media-cache-ak0.pinimg.com/originals/7b/83/0f/7b830f63e35bc03388b8f54e47bdb006.png"/>
-          <p:cNvPicPr>
-            <a:picLocks noChangeAspect="1" noChangeArrowheads="1"/>
-          </p:cNvPicPr>
-          <p:nvPr/>
-        </p:nvPicPr>
-        <p:blipFill>
-          <a:blip r:embed="rId2" cstate="print"/>
-          <a:srcRect/>
-          <a:stretch>
-            <a:fillRect/>
-          </a:stretch>
-        </p:blipFill>
-        <p:spPr bwMode="auto">
-          <a:xfrm>
-            <a:off x="5969234" y="2537543"/>
-            <a:ext cx="4000500" cy="2800351"/>
-          </a:xfrm>
-          <a:prstGeom prst="rect">
-            <a:avLst/>
-          </a:prstGeom>
-          <a:noFill/>
-        </p:spPr>
-      </p:pic>
+            <a:endParaRPr lang="de-DE"/>
+          </a:p>
+        </p:txBody>
+      </p:sp>
       <p:sp>
         <p:nvSpPr>
           <p:cNvPr id="4" name="Fußzeilenplatzhalter 3"/>
@@ -12080,7 +12657,7 @@
             <a:fld id="{E4F0F35D-A559-4B2F-93A2-E937B3C9D4B3}" type="slidenum">
               <a:rPr lang="de-DE" smtClean="0"/>
               <a:pPr/>
-              <a:t>3</a:t>
+              <a:t>31</a:t>
             </a:fld>
             <a:endParaRPr lang="de-DE"/>
           </a:p>
@@ -12089,7 +12666,7 @@
     </p:spTree>
     <p:extLst>
       <p:ext uri="{BB962C8B-B14F-4D97-AF65-F5344CB8AC3E}">
-        <p14:creationId xmlns:p14="http://schemas.microsoft.com/office/powerpoint/2010/main" val="1283623021"/>
+        <p14:creationId xmlns:p14="http://schemas.microsoft.com/office/powerpoint/2010/main" val="182176623"/>
       </p:ext>
     </p:extLst>
   </p:cSld>
@@ -12099,7 +12676,7 @@
 </p:sld>
 </file>
 
-<file path=ppt/slides/slide30.xml><?xml version="1.0" encoding="utf-8"?>
+<file path=ppt/slides/slide32.xml><?xml version="1.0" encoding="utf-8"?>
 <p:sld xmlns:a="http://schemas.openxmlformats.org/drawingml/2006/main" xmlns:r="http://schemas.openxmlformats.org/officeDocument/2006/relationships" xmlns:p="http://schemas.openxmlformats.org/presentationml/2006/main">
   <p:cSld>
     <p:spTree>
@@ -12303,7 +12880,7 @@
             <a:fld id="{E4F0F35D-A559-4B2F-93A2-E937B3C9D4B3}" type="slidenum">
               <a:rPr lang="de-DE" smtClean="0"/>
               <a:pPr/>
-              <a:t>30</a:t>
+              <a:t>32</a:t>
             </a:fld>
             <a:endParaRPr lang="de-DE"/>
           </a:p>
@@ -12457,7 +13034,7 @@
 </p:sld>
 </file>
 
-<file path=ppt/slides/slide31.xml><?xml version="1.0" encoding="utf-8"?>
+<file path=ppt/slides/slide33.xml><?xml version="1.0" encoding="utf-8"?>
 <p:sld xmlns:a="http://schemas.openxmlformats.org/drawingml/2006/main" xmlns:r="http://schemas.openxmlformats.org/officeDocument/2006/relationships" xmlns:p="http://schemas.openxmlformats.org/presentationml/2006/main">
   <p:cSld>
     <p:spTree>
@@ -12611,7 +13188,7 @@
             <a:fld id="{E4F0F35D-A559-4B2F-93A2-E937B3C9D4B3}" type="slidenum">
               <a:rPr lang="de-DE" smtClean="0"/>
               <a:pPr/>
-              <a:t>31</a:t>
+              <a:t>33</a:t>
             </a:fld>
             <a:endParaRPr lang="de-DE"/>
           </a:p>
@@ -12716,7 +13293,7 @@
 </p:sld>
 </file>
 
-<file path=ppt/slides/slide32.xml><?xml version="1.0" encoding="utf-8"?>
+<file path=ppt/slides/slide34.xml><?xml version="1.0" encoding="utf-8"?>
 <p:sld xmlns:a="http://schemas.openxmlformats.org/drawingml/2006/main" xmlns:r="http://schemas.openxmlformats.org/officeDocument/2006/relationships" xmlns:p="http://schemas.openxmlformats.org/presentationml/2006/main">
   <p:cSld>
     <p:spTree>
@@ -12999,7 +13576,7 @@
             <a:fld id="{E4F0F35D-A559-4B2F-93A2-E937B3C9D4B3}" type="slidenum">
               <a:rPr lang="de-DE" smtClean="0"/>
               <a:pPr/>
-              <a:t>32</a:t>
+              <a:t>34</a:t>
             </a:fld>
             <a:endParaRPr lang="de-DE"/>
           </a:p>
@@ -13013,7 +13590,7 @@
 </p:sld>
 </file>
 
-<file path=ppt/slides/slide33.xml><?xml version="1.0" encoding="utf-8"?>
+<file path=ppt/slides/slide35.xml><?xml version="1.0" encoding="utf-8"?>
 <p:sld xmlns:a="http://schemas.openxmlformats.org/drawingml/2006/main" xmlns:r="http://schemas.openxmlformats.org/officeDocument/2006/relationships" xmlns:p="http://schemas.openxmlformats.org/presentationml/2006/main">
   <p:cSld>
     <p:spTree>
@@ -13247,7 +13824,7 @@
             <a:fld id="{E4F0F35D-A559-4B2F-93A2-E937B3C9D4B3}" type="slidenum">
               <a:rPr lang="de-DE" smtClean="0"/>
               <a:pPr/>
-              <a:t>33</a:t>
+              <a:t>35</a:t>
             </a:fld>
             <a:endParaRPr lang="de-DE"/>
           </a:p>
@@ -13307,7 +13884,7 @@
 </p:sld>
 </file>
 
-<file path=ppt/slides/slide34.xml><?xml version="1.0" encoding="utf-8"?>
+<file path=ppt/slides/slide36.xml><?xml version="1.0" encoding="utf-8"?>
 <p:sld xmlns:a="http://schemas.openxmlformats.org/drawingml/2006/main" xmlns:r="http://schemas.openxmlformats.org/officeDocument/2006/relationships" xmlns:p="http://schemas.openxmlformats.org/presentationml/2006/main">
   <p:cSld>
     <p:spTree>
@@ -13448,7 +14025,7 @@
             <a:fld id="{E4F0F35D-A559-4B2F-93A2-E937B3C9D4B3}" type="slidenum">
               <a:rPr lang="de-DE" smtClean="0"/>
               <a:pPr/>
-              <a:t>34</a:t>
+              <a:t>36</a:t>
             </a:fld>
             <a:endParaRPr lang="de-DE"/>
           </a:p>
@@ -13467,7 +14044,7 @@
 </p:sld>
 </file>
 
-<file path=ppt/slides/slide35.xml><?xml version="1.0" encoding="utf-8"?>
+<file path=ppt/slides/slide37.xml><?xml version="1.0" encoding="utf-8"?>
 <p:sld xmlns:a="http://schemas.openxmlformats.org/drawingml/2006/main" xmlns:r="http://schemas.openxmlformats.org/officeDocument/2006/relationships" xmlns:p="http://schemas.openxmlformats.org/presentationml/2006/main">
   <p:cSld>
     <p:spTree>
@@ -13621,7 +14198,7 @@
             <a:fld id="{E4F0F35D-A559-4B2F-93A2-E937B3C9D4B3}" type="slidenum">
               <a:rPr lang="de-DE" smtClean="0"/>
               <a:pPr/>
-              <a:t>35</a:t>
+              <a:t>37</a:t>
             </a:fld>
             <a:endParaRPr lang="de-DE"/>
           </a:p>

--- a/KanBan-App/Documents/Abschlusspräsentation/Projektmanagement.pptx
+++ b/KanBan-App/Documents/Abschlusspräsentation/Projektmanagement.pptx
@@ -20,8 +20,8 @@
     <p:sldId id="268" r:id="rId11"/>
     <p:sldId id="282" r:id="rId12"/>
     <p:sldId id="260" r:id="rId13"/>
-    <p:sldId id="296" r:id="rId14"/>
-    <p:sldId id="261" r:id="rId15"/>
+    <p:sldId id="261" r:id="rId14"/>
+    <p:sldId id="296" r:id="rId15"/>
     <p:sldId id="267" r:id="rId16"/>
     <p:sldId id="288" r:id="rId17"/>
     <p:sldId id="263" r:id="rId18"/>
@@ -145,7 +145,7 @@
   </p:defaultTextStyle>
   <p:extLst>
     <p:ext uri="{EFAFB233-063F-42B5-8137-9DF3F51BA10A}">
-      <p15:sldGuideLst xmlns:p15="http://schemas.microsoft.com/office/powerpoint/2012/main">
+      <p15:sldGuideLst xmlns:p15="http://schemas.microsoft.com/office/powerpoint/2012/main" xmlns="">
         <p15:guide id="1" orient="horz" pos="2160">
           <p15:clr>
             <a:srgbClr val="A4A3A4"/>
@@ -413,7 +413,7 @@
     </p:spTree>
     <p:extLst>
       <p:ext uri="{BB962C8B-B14F-4D97-AF65-F5344CB8AC3E}">
-        <p14:creationId xmlns:p14="http://schemas.microsoft.com/office/powerpoint/2010/main" val="1265113989"/>
+        <p14:creationId xmlns:p14="http://schemas.microsoft.com/office/powerpoint/2010/main" xmlns="" val="1265113989"/>
       </p:ext>
     </p:extLst>
   </p:cSld>
@@ -628,7 +628,7 @@
     </p:spTree>
     <p:extLst>
       <p:ext uri="{BB962C8B-B14F-4D97-AF65-F5344CB8AC3E}">
-        <p14:creationId xmlns:p14="http://schemas.microsoft.com/office/powerpoint/2010/main" val="2526264864"/>
+        <p14:creationId xmlns:p14="http://schemas.microsoft.com/office/powerpoint/2010/main" xmlns="" val="2526264864"/>
       </p:ext>
     </p:extLst>
   </p:cSld>
@@ -679,32 +679,64 @@
         </p:nvSpPr>
         <p:spPr/>
         <p:txBody>
-          <a:bodyPr/>
-          <a:lstStyle/>
-          <a:p>
-            <a:r>
-              <a:rPr lang="de-DE" dirty="0"/>
-              <a:t>Gantt Diagramm</a:t>
-            </a:r>
-            <a:r>
-              <a:rPr lang="de-DE" baseline="0" dirty="0"/>
-              <a:t> vor </a:t>
-            </a:r>
-            <a:r>
-              <a:rPr lang="de-DE" baseline="0" dirty="0" err="1"/>
-              <a:t>Baseline</a:t>
-            </a:r>
-            <a:endParaRPr lang="de-DE" baseline="0" dirty="0"/>
-          </a:p>
-          <a:p>
-            <a:endParaRPr lang="de-DE" baseline="0" dirty="0"/>
-          </a:p>
-          <a:p>
-            <a:r>
-              <a:rPr lang="de-DE" baseline="0" dirty="0"/>
-              <a:t>-Geordnet, noch nichts umgestellt</a:t>
-            </a:r>
-            <a:endParaRPr lang="de-DE" dirty="0"/>
+          <a:bodyPr>
+            <a:normAutofit/>
+          </a:bodyPr>
+          <a:lstStyle/>
+          <a:p>
+            <a:r>
+              <a:rPr lang="en-US" dirty="0" err="1"/>
+              <a:t>Zur</a:t>
+            </a:r>
+            <a:r>
+              <a:rPr lang="en-US" dirty="0"/>
+              <a:t> </a:t>
+            </a:r>
+            <a:r>
+              <a:rPr lang="en-US" dirty="0" err="1"/>
+              <a:t>Informationssammlung</a:t>
+            </a:r>
+            <a:r>
+              <a:rPr lang="en-US" dirty="0"/>
+              <a:t> </a:t>
+            </a:r>
+            <a:r>
+              <a:rPr lang="en-US" dirty="0" err="1"/>
+              <a:t>haben</a:t>
+            </a:r>
+            <a:r>
+              <a:rPr lang="en-US" dirty="0"/>
+              <a:t> </a:t>
+            </a:r>
+            <a:r>
+              <a:rPr lang="en-US" dirty="0" err="1"/>
+              <a:t>wir</a:t>
+            </a:r>
+            <a:r>
+              <a:rPr lang="en-US" dirty="0"/>
+              <a:t> das WIKI von </a:t>
+            </a:r>
+            <a:r>
+              <a:rPr lang="en-US" dirty="0" err="1"/>
+              <a:t>unserem</a:t>
+            </a:r>
+            <a:r>
+              <a:rPr lang="en-US" baseline="0" dirty="0"/>
+              <a:t> </a:t>
+            </a:r>
+            <a:r>
+              <a:rPr lang="en-US" baseline="0" dirty="0" err="1"/>
+              <a:t>GitHub</a:t>
+            </a:r>
+            <a:r>
+              <a:rPr lang="en-US" baseline="0" dirty="0"/>
+              <a:t> Repository </a:t>
+            </a:r>
+            <a:r>
+              <a:rPr lang="en-US" baseline="0" dirty="0" err="1"/>
+              <a:t>verwendet</a:t>
+            </a:r>
+            <a:endParaRPr lang="en-US" dirty="0"/>
           </a:p>
         </p:txBody>
       </p:sp>
@@ -726,18 +758,13 @@
             <a:fld id="{B68732DB-8A05-41D1-B8F2-738DFD2104F0}" type="slidenum">
               <a:rPr lang="de-DE" smtClean="0"/>
               <a:pPr/>
-              <a:t>17</a:t>
+              <a:t>11</a:t>
             </a:fld>
             <a:endParaRPr lang="de-DE"/>
           </a:p>
         </p:txBody>
       </p:sp>
     </p:spTree>
-    <p:extLst>
-      <p:ext uri="{BB962C8B-B14F-4D97-AF65-F5344CB8AC3E}">
-        <p14:creationId xmlns:p14="http://schemas.microsoft.com/office/powerpoint/2010/main" val="3129885300"/>
-      </p:ext>
-    </p:extLst>
   </p:cSld>
   <p:clrMapOvr>
     <a:masterClrMapping/>
@@ -790,30 +817,31 @@
           <a:lstStyle/>
           <a:p>
             <a:r>
-              <a:rPr lang="de-DE" dirty="0"/>
-              <a:t>Vorher: Die ganze</a:t>
-            </a:r>
-            <a:r>
-              <a:rPr lang="de-DE" baseline="0" dirty="0"/>
-              <a:t> Logik innerhalb des Projektes geplant</a:t>
-            </a:r>
-          </a:p>
-          <a:p>
-            <a:endParaRPr lang="de-DE" baseline="0" dirty="0"/>
-          </a:p>
-          <a:p>
-            <a:r>
-              <a:rPr lang="de-DE" baseline="0" dirty="0"/>
-              <a:t>-&gt; Es musste umgestellt werden, da die Umsetzung der Logik zeitlich zu eng angesetzt war.</a:t>
-            </a:r>
-          </a:p>
-          <a:p>
-            <a:endParaRPr lang="de-DE" baseline="0" dirty="0"/>
-          </a:p>
-          <a:p>
-            <a:r>
-              <a:rPr lang="de-DE" baseline="0" dirty="0"/>
-              <a:t>Nachher: Ein Großteil der Logik (unteres Bild) wird auf nach dem Modulende angesetzt – bisherige Implementierung nur als Prototyp</a:t>
+              <a:rPr lang="de-DE" dirty="0" err="1" smtClean="0"/>
+              <a:t>Git</a:t>
+            </a:r>
+            <a:r>
+              <a:rPr lang="de-DE" dirty="0" smtClean="0"/>
+              <a:t> </a:t>
+            </a:r>
+            <a:r>
+              <a:rPr lang="de-DE" baseline="0" dirty="0" smtClean="0"/>
+              <a:t>als </a:t>
+            </a:r>
+            <a:r>
+              <a:rPr lang="de-DE" baseline="0" dirty="0" err="1" smtClean="0"/>
+              <a:t>Versionskontolle</a:t>
+            </a:r>
+            <a:endParaRPr lang="de-DE" baseline="0" dirty="0" smtClean="0"/>
+          </a:p>
+          <a:p>
+            <a:r>
+              <a:rPr lang="de-DE" baseline="0" dirty="0" smtClean="0"/>
+              <a:t>Auf der Plattform </a:t>
+            </a:r>
+            <a:r>
+              <a:rPr lang="de-DE" baseline="0" dirty="0" err="1" smtClean="0"/>
+              <a:t>GitHub</a:t>
             </a:r>
             <a:endParaRPr lang="de-DE" dirty="0"/>
           </a:p>
@@ -837,7 +865,7 @@
             <a:fld id="{B68732DB-8A05-41D1-B8F2-738DFD2104F0}" type="slidenum">
               <a:rPr lang="de-DE" smtClean="0"/>
               <a:pPr/>
-              <a:t>18</a:t>
+              <a:t>12</a:t>
             </a:fld>
             <a:endParaRPr lang="de-DE"/>
           </a:p>
@@ -846,7 +874,7 @@
     </p:spTree>
     <p:extLst>
       <p:ext uri="{BB962C8B-B14F-4D97-AF65-F5344CB8AC3E}">
-        <p14:creationId xmlns:p14="http://schemas.microsoft.com/office/powerpoint/2010/main" val="1348060691"/>
+        <p14:creationId xmlns:p14="http://schemas.microsoft.com/office/powerpoint/2010/main" xmlns="" val="3928281295"/>
       </p:ext>
     </p:extLst>
   </p:cSld>
@@ -901,143 +929,40 @@
           <a:lstStyle/>
           <a:p>
             <a:r>
-              <a:rPr lang="de-DE" dirty="0"/>
-              <a:t>Nach der Baseline</a:t>
-            </a:r>
-            <a:r>
-              <a:rPr lang="de-DE" baseline="0" dirty="0"/>
-              <a:t> wurde viel am Plan geändert -&gt; sichtbare Relikte alter Pakete</a:t>
-            </a:r>
-          </a:p>
-          <a:p>
-            <a:endParaRPr lang="en-US" baseline="0" dirty="0"/>
-          </a:p>
-          <a:p>
-            <a:r>
-              <a:rPr lang="en-US" baseline="0" dirty="0" err="1"/>
-              <a:t>Diese</a:t>
-            </a:r>
-            <a:r>
-              <a:rPr lang="en-US" baseline="0" dirty="0"/>
+              <a:rPr lang="en-US" dirty="0"/>
+              <a:t>PSP </a:t>
+            </a:r>
+            <a:r>
+              <a:rPr lang="en-US" dirty="0" err="1"/>
+              <a:t>wurde</a:t>
+            </a:r>
+            <a:r>
+              <a:rPr lang="en-US" dirty="0"/>
               <a:t> </a:t>
             </a:r>
             <a:r>
-              <a:rPr lang="en-US" baseline="0" dirty="0" err="1"/>
-              <a:t>alten</a:t>
-            </a:r>
-            <a:r>
-              <a:rPr lang="en-US" baseline="0" dirty="0"/>
-              <a:t> </a:t>
-            </a:r>
-            <a:r>
-              <a:rPr lang="en-US" baseline="0" dirty="0" err="1"/>
-              <a:t>Pakete</a:t>
-            </a:r>
-            <a:r>
-              <a:rPr lang="en-US" baseline="0" dirty="0"/>
-              <a:t> </a:t>
-            </a:r>
-            <a:r>
-              <a:rPr lang="en-US" baseline="0" dirty="0" err="1"/>
-              <a:t>waren</a:t>
-            </a:r>
-            <a:r>
-              <a:rPr lang="en-US" baseline="0" dirty="0"/>
-              <a:t> </a:t>
-            </a:r>
-            <a:r>
-              <a:rPr lang="en-US" baseline="0" dirty="0" err="1"/>
-              <a:t>eigentlich</a:t>
-            </a:r>
-            <a:r>
-              <a:rPr lang="en-US" baseline="0" dirty="0"/>
-              <a:t> </a:t>
-            </a:r>
-            <a:r>
-              <a:rPr lang="en-US" baseline="0" dirty="0" err="1"/>
-              <a:t>früher</a:t>
-            </a:r>
-            <a:r>
-              <a:rPr lang="en-US" baseline="0" dirty="0"/>
-              <a:t> </a:t>
-            </a:r>
-            <a:r>
-              <a:rPr lang="en-US" baseline="0" dirty="0" err="1"/>
-              <a:t>geplant</a:t>
-            </a:r>
-            <a:r>
-              <a:rPr lang="en-US" baseline="0" dirty="0"/>
-              <a:t> -&gt; </a:t>
-            </a:r>
-            <a:r>
-              <a:rPr lang="en-US" baseline="0" dirty="0" err="1"/>
-              <a:t>durch</a:t>
-            </a:r>
-            <a:r>
-              <a:rPr lang="en-US" baseline="0" dirty="0"/>
-              <a:t> </a:t>
-            </a:r>
-            <a:r>
-              <a:rPr lang="en-US" baseline="0" dirty="0" err="1"/>
-              <a:t>umstellungen</a:t>
-            </a:r>
-            <a:r>
-              <a:rPr lang="en-US" baseline="0" dirty="0"/>
-              <a:t> </a:t>
-            </a:r>
-            <a:r>
-              <a:rPr lang="en-US" baseline="0" dirty="0" err="1"/>
-              <a:t>wurden</a:t>
-            </a:r>
-            <a:r>
-              <a:rPr lang="en-US" baseline="0" dirty="0"/>
-              <a:t> </a:t>
-            </a:r>
-            <a:r>
-              <a:rPr lang="en-US" baseline="0" dirty="0" err="1"/>
-              <a:t>diese</a:t>
-            </a:r>
-            <a:r>
-              <a:rPr lang="en-US" baseline="0" dirty="0"/>
-              <a:t> </a:t>
-            </a:r>
-            <a:r>
-              <a:rPr lang="en-US" baseline="0" dirty="0" err="1"/>
-              <a:t>nach</a:t>
-            </a:r>
-            <a:r>
-              <a:rPr lang="en-US" baseline="0" dirty="0"/>
-              <a:t> </a:t>
-            </a:r>
-            <a:r>
-              <a:rPr lang="en-US" baseline="0" dirty="0" err="1"/>
-              <a:t>hinten</a:t>
-            </a:r>
-            <a:r>
-              <a:rPr lang="en-US" baseline="0" dirty="0"/>
-              <a:t> </a:t>
-            </a:r>
-            <a:r>
-              <a:rPr lang="en-US" baseline="0" dirty="0" err="1"/>
-              <a:t>geschoben</a:t>
-            </a:r>
-            <a:endParaRPr lang="de-DE" baseline="0" dirty="0"/>
-          </a:p>
-          <a:p>
-            <a:endParaRPr lang="de-DE" baseline="0" dirty="0"/>
-          </a:p>
-          <a:p>
-            <a:r>
-              <a:rPr lang="de-DE" baseline="0" dirty="0"/>
-              <a:t>Auch sichtbar: Kritischer Pfad (nur in noch nicht abgeschlossenen </a:t>
-            </a:r>
-            <a:r>
-              <a:rPr lang="de-DE" baseline="0" dirty="0" err="1"/>
-              <a:t>Arbeitpaketen</a:t>
-            </a:r>
-            <a:r>
-              <a:rPr lang="de-DE" baseline="0" dirty="0"/>
-              <a:t>)</a:t>
+              <a:rPr lang="en-US" dirty="0" err="1"/>
+              <a:t>erstellt</a:t>
+            </a:r>
+            <a:r>
+              <a:rPr lang="en-US" dirty="0"/>
+              <a:t>, </a:t>
+            </a:r>
+            <a:r>
+              <a:rPr lang="en-US" dirty="0" err="1"/>
+              <a:t>mit</a:t>
+            </a:r>
+            <a:r>
+              <a:rPr lang="en-US" dirty="0"/>
+              <a:t> den </a:t>
+            </a:r>
+            <a:r>
+              <a:rPr lang="en-US" dirty="0" smtClean="0"/>
+              <a:t>6 </a:t>
+            </a:r>
+            <a:r>
+              <a:rPr lang="en-US" dirty="0" err="1"/>
+              <a:t>Hauptpunkten</a:t>
             </a:r>
             <a:endParaRPr lang="de-DE" dirty="0"/>
           </a:p>
@@ -1061,7 +986,7 @@
             <a:fld id="{B68732DB-8A05-41D1-B8F2-738DFD2104F0}" type="slidenum">
               <a:rPr lang="de-DE" smtClean="0"/>
               <a:pPr/>
-              <a:t>19</a:t>
+              <a:t>13</a:t>
             </a:fld>
             <a:endParaRPr lang="de-DE"/>
           </a:p>
@@ -1070,7 +995,7 @@
     </p:spTree>
     <p:extLst>
       <p:ext uri="{BB962C8B-B14F-4D97-AF65-F5344CB8AC3E}">
-        <p14:creationId xmlns:p14="http://schemas.microsoft.com/office/powerpoint/2010/main" val="2601951817"/>
+        <p14:creationId xmlns:p14="http://schemas.microsoft.com/office/powerpoint/2010/main" xmlns="" val="4023090679"/>
       </p:ext>
     </p:extLst>
   </p:cSld>
@@ -1121,18 +1046,56 @@
         </p:nvSpPr>
         <p:spPr/>
         <p:txBody>
-          <a:bodyPr/>
-          <a:lstStyle/>
-          <a:p>
-            <a:r>
-              <a:rPr lang="de-DE" dirty="0"/>
-              <a:t>Die</a:t>
-            </a:r>
-            <a:r>
-              <a:rPr lang="de-DE" baseline="0" dirty="0"/>
-              <a:t> Aufgabenstellung des Moduls waren folgende Punkte</a:t>
-            </a:r>
-            <a:endParaRPr lang="de-DE" dirty="0"/>
+          <a:bodyPr>
+            <a:normAutofit/>
+          </a:bodyPr>
+          <a:lstStyle/>
+          <a:p>
+            <a:r>
+              <a:rPr lang="en-US" dirty="0" err="1" smtClean="0"/>
+              <a:t>Hier</a:t>
+            </a:r>
+            <a:r>
+              <a:rPr lang="en-US" dirty="0" smtClean="0"/>
+              <a:t> </a:t>
+            </a:r>
+            <a:r>
+              <a:rPr lang="en-US" dirty="0" err="1" smtClean="0"/>
+              <a:t>eine</a:t>
+            </a:r>
+            <a:r>
+              <a:rPr lang="en-US" dirty="0" smtClean="0"/>
+              <a:t> </a:t>
+            </a:r>
+            <a:r>
+              <a:rPr lang="en-US" dirty="0" err="1" smtClean="0"/>
+              <a:t>Übersicht</a:t>
+            </a:r>
+            <a:r>
+              <a:rPr lang="en-US" dirty="0" smtClean="0"/>
+              <a:t> </a:t>
+            </a:r>
+            <a:r>
+              <a:rPr lang="en-US" dirty="0" err="1" smtClean="0"/>
+              <a:t>über</a:t>
+            </a:r>
+            <a:r>
+              <a:rPr lang="en-US" baseline="0" dirty="0" smtClean="0"/>
+              <a:t> den </a:t>
+            </a:r>
+            <a:r>
+              <a:rPr lang="en-US" baseline="0" dirty="0" err="1" smtClean="0"/>
+              <a:t>kompletten</a:t>
+            </a:r>
+            <a:r>
+              <a:rPr lang="en-US" baseline="0" dirty="0" smtClean="0"/>
+              <a:t> </a:t>
+            </a:r>
+            <a:r>
+              <a:rPr lang="en-US" baseline="0" dirty="0" err="1" smtClean="0"/>
+              <a:t>Projektstrukturplan</a:t>
+            </a:r>
+            <a:endParaRPr lang="en-US" baseline="0" dirty="0" smtClean="0"/>
           </a:p>
         </p:txBody>
       </p:sp>
@@ -1154,18 +1117,13 @@
             <a:fld id="{B68732DB-8A05-41D1-B8F2-738DFD2104F0}" type="slidenum">
               <a:rPr lang="de-DE" smtClean="0"/>
               <a:pPr/>
-              <a:t>21</a:t>
+              <a:t>14</a:t>
             </a:fld>
             <a:endParaRPr lang="de-DE"/>
           </a:p>
         </p:txBody>
       </p:sp>
     </p:spTree>
-    <p:extLst>
-      <p:ext uri="{BB962C8B-B14F-4D97-AF65-F5344CB8AC3E}">
-        <p14:creationId xmlns:p14="http://schemas.microsoft.com/office/powerpoint/2010/main" val="965649443"/>
-      </p:ext>
-    </p:extLst>
   </p:cSld>
   <p:clrMapOvr>
     <a:masterClrMapping/>
@@ -1214,54 +1172,68 @@
         </p:nvSpPr>
         <p:spPr/>
         <p:txBody>
-          <a:bodyPr/>
-          <a:lstStyle/>
-          <a:p>
-            <a:r>
-              <a:rPr lang="de-DE" dirty="0"/>
-              <a:t>Als Technologievorgaben bzw. Anforderungen wurden folgende</a:t>
-            </a:r>
-            <a:r>
-              <a:rPr lang="de-DE" baseline="0" dirty="0"/>
-              <a:t> Punkte festgelegt:</a:t>
-            </a:r>
-            <a:endParaRPr lang="de-DE" dirty="0"/>
-          </a:p>
-          <a:p>
-            <a:endParaRPr lang="de-DE" dirty="0"/>
-          </a:p>
-          <a:p>
-            <a:r>
-              <a:rPr lang="de-DE" dirty="0"/>
-              <a:t>Technologien:</a:t>
-            </a:r>
-          </a:p>
-          <a:p>
-            <a:r>
-              <a:rPr lang="de-DE" dirty="0"/>
-              <a:t>-Frontend</a:t>
-            </a:r>
-            <a:r>
-              <a:rPr lang="de-DE" baseline="0" dirty="0"/>
-              <a:t> : UWP</a:t>
-            </a:r>
-          </a:p>
-          <a:p>
-            <a:r>
-              <a:rPr lang="de-DE" baseline="0" dirty="0"/>
-              <a:t>-Backend: .NET Core</a:t>
-            </a:r>
-          </a:p>
-          <a:p>
-            <a:r>
-              <a:rPr lang="de-DE" baseline="0" dirty="0"/>
-              <a:t>-Persistenz: </a:t>
-            </a:r>
-            <a:r>
-              <a:rPr lang="de-DE" baseline="0" dirty="0" err="1"/>
-              <a:t>SQLite</a:t>
-            </a:r>
-            <a:endParaRPr lang="de-DE" baseline="0" dirty="0"/>
+          <a:bodyPr>
+            <a:normAutofit/>
+          </a:bodyPr>
+          <a:lstStyle/>
+          <a:p>
+            <a:r>
+              <a:rPr lang="en-US" dirty="0" err="1" smtClean="0"/>
+              <a:t>Hier</a:t>
+            </a:r>
+            <a:r>
+              <a:rPr lang="en-US" dirty="0" smtClean="0"/>
+              <a:t> </a:t>
+            </a:r>
+            <a:r>
+              <a:rPr lang="en-US" dirty="0" err="1" smtClean="0"/>
+              <a:t>eine</a:t>
+            </a:r>
+            <a:r>
+              <a:rPr lang="en-US" dirty="0" smtClean="0"/>
+              <a:t> </a:t>
+            </a:r>
+            <a:r>
+              <a:rPr lang="en-US" dirty="0" err="1" smtClean="0"/>
+              <a:t>nähere</a:t>
+            </a:r>
+            <a:r>
+              <a:rPr lang="en-US" baseline="0" dirty="0" smtClean="0"/>
+              <a:t> </a:t>
+            </a:r>
+            <a:r>
+              <a:rPr lang="en-US" baseline="0" dirty="0" err="1" smtClean="0"/>
+              <a:t>Ansicht</a:t>
+            </a:r>
+            <a:r>
+              <a:rPr lang="en-US" baseline="0" dirty="0" smtClean="0"/>
+              <a:t> </a:t>
+            </a:r>
+            <a:r>
+              <a:rPr lang="en-US" baseline="0" dirty="0" err="1" smtClean="0"/>
+              <a:t>über</a:t>
+            </a:r>
+            <a:r>
+              <a:rPr lang="en-US" baseline="0" dirty="0" smtClean="0"/>
+              <a:t> die </a:t>
+            </a:r>
+            <a:r>
+              <a:rPr lang="en-US" baseline="0" dirty="0" err="1" smtClean="0"/>
+              <a:t>aufgeklappte</a:t>
+            </a:r>
+            <a:r>
+              <a:rPr lang="en-US" baseline="0" dirty="0" smtClean="0"/>
+              <a:t> Node “</a:t>
+            </a:r>
+            <a:r>
+              <a:rPr lang="en-US" baseline="0" dirty="0" err="1" smtClean="0"/>
+              <a:t>Konzeption</a:t>
+            </a:r>
+            <a:r>
+              <a:rPr lang="en-US" baseline="0" dirty="0" smtClean="0"/>
+              <a:t>”</a:t>
+            </a:r>
+            <a:endParaRPr lang="en-US" dirty="0"/>
           </a:p>
         </p:txBody>
       </p:sp>
@@ -1283,18 +1255,13 @@
             <a:fld id="{B68732DB-8A05-41D1-B8F2-738DFD2104F0}" type="slidenum">
               <a:rPr lang="de-DE" smtClean="0"/>
               <a:pPr/>
-              <a:t>24</a:t>
+              <a:t>15</a:t>
             </a:fld>
             <a:endParaRPr lang="de-DE"/>
           </a:p>
         </p:txBody>
       </p:sp>
     </p:spTree>
-    <p:extLst>
-      <p:ext uri="{BB962C8B-B14F-4D97-AF65-F5344CB8AC3E}">
-        <p14:creationId xmlns:p14="http://schemas.microsoft.com/office/powerpoint/2010/main" val="115103881"/>
-      </p:ext>
-    </p:extLst>
   </p:cSld>
   <p:clrMapOvr>
     <a:masterClrMapping/>
@@ -1349,200 +1316,48 @@
           <a:lstStyle/>
           <a:p>
             <a:r>
-              <a:rPr lang="en-US" dirty="0" err="1"/>
-              <a:t>Für</a:t>
-            </a:r>
-            <a:r>
-              <a:rPr lang="en-US" dirty="0"/>
+              <a:rPr lang="en-US" dirty="0" err="1" smtClean="0"/>
+              <a:t>Hier</a:t>
+            </a:r>
+            <a:r>
+              <a:rPr lang="en-US" dirty="0" smtClean="0"/>
               <a:t> </a:t>
             </a:r>
             <a:r>
-              <a:rPr lang="en-US" dirty="0" err="1"/>
-              <a:t>Interessierte</a:t>
-            </a:r>
-            <a:r>
-              <a:rPr lang="en-US" dirty="0"/>
+              <a:rPr lang="en-US" dirty="0" err="1" smtClean="0"/>
+              <a:t>ist</a:t>
+            </a:r>
+            <a:r>
+              <a:rPr lang="en-US" dirty="0" smtClean="0"/>
               <a:t> </a:t>
             </a:r>
             <a:r>
-              <a:rPr lang="en-US" dirty="0" err="1"/>
-              <a:t>eine</a:t>
-            </a:r>
-            <a:r>
-              <a:rPr lang="en-US" baseline="0" dirty="0"/>
+              <a:rPr lang="en-US" dirty="0" err="1" smtClean="0"/>
+              <a:t>ein</a:t>
+            </a:r>
+            <a:r>
+              <a:rPr lang="en-US" dirty="0" smtClean="0"/>
               <a:t> </a:t>
             </a:r>
             <a:r>
-              <a:rPr lang="en-US" baseline="0" dirty="0" err="1"/>
-              <a:t>Inforgrafik</a:t>
-            </a:r>
-            <a:r>
-              <a:rPr lang="en-US" baseline="0" dirty="0"/>
+              <a:rPr lang="en-US" dirty="0" err="1" smtClean="0"/>
+              <a:t>Beispielarbeitspaket</a:t>
+            </a:r>
+            <a:r>
+              <a:rPr lang="en-US" dirty="0" smtClean="0"/>
               <a:t> </a:t>
             </a:r>
             <a:r>
-              <a:rPr lang="en-US" baseline="0" dirty="0" err="1"/>
+              <a:rPr lang="en-US" dirty="0" err="1" smtClean="0"/>
               <a:t>zu</a:t>
             </a:r>
             <a:r>
-              <a:rPr lang="en-US" baseline="0" dirty="0"/>
-              <a:t> .NET Core</a:t>
-            </a:r>
-          </a:p>
-          <a:p>
-            <a:r>
-              <a:rPr lang="en-US" baseline="0" dirty="0"/>
-              <a:t>Man </a:t>
-            </a:r>
-            <a:r>
-              <a:rPr lang="en-US" baseline="0" dirty="0" err="1"/>
-              <a:t>sieht</a:t>
-            </a:r>
-            <a:r>
-              <a:rPr lang="en-US" baseline="0" dirty="0"/>
-              <a:t>, </a:t>
-            </a:r>
-            <a:r>
-              <a:rPr lang="en-US" baseline="0" dirty="0" err="1"/>
-              <a:t>dass</a:t>
-            </a:r>
-            <a:r>
-              <a:rPr lang="en-US" baseline="0" dirty="0"/>
-              <a:t> .NET Core </a:t>
-            </a:r>
-            <a:r>
-              <a:rPr lang="en-US" baseline="0" dirty="0" err="1"/>
-              <a:t>eigenständig</a:t>
-            </a:r>
-            <a:r>
-              <a:rPr lang="en-US" baseline="0" dirty="0"/>
+              <a:rPr lang="en-US" dirty="0" smtClean="0"/>
               <a:t> </a:t>
             </a:r>
             <a:r>
-              <a:rPr lang="en-US" baseline="0" dirty="0" err="1"/>
-              <a:t>neben</a:t>
-            </a:r>
-            <a:r>
-              <a:rPr lang="en-US" baseline="0" dirty="0"/>
-              <a:t> </a:t>
-            </a:r>
-            <a:r>
-              <a:rPr lang="en-US" baseline="0" dirty="0" err="1"/>
-              <a:t>dem</a:t>
-            </a:r>
-            <a:r>
-              <a:rPr lang="en-US" baseline="0" dirty="0"/>
-              <a:t> .NET Framework </a:t>
-            </a:r>
-            <a:r>
-              <a:rPr lang="en-US" baseline="0" dirty="0" err="1"/>
-              <a:t>platziert</a:t>
-            </a:r>
-            <a:r>
-              <a:rPr lang="en-US" baseline="0" dirty="0"/>
-              <a:t> </a:t>
-            </a:r>
-            <a:r>
-              <a:rPr lang="en-US" baseline="0" dirty="0" err="1"/>
-              <a:t>wird</a:t>
-            </a:r>
-            <a:endParaRPr lang="en-US" baseline="0" dirty="0"/>
-          </a:p>
-          <a:p>
-            <a:r>
-              <a:rPr lang="en-US" baseline="0" dirty="0"/>
-              <a:t>UWP </a:t>
-            </a:r>
-            <a:r>
-              <a:rPr lang="en-US" baseline="0" dirty="0" err="1"/>
-              <a:t>wäre</a:t>
-            </a:r>
-            <a:r>
-              <a:rPr lang="en-US" baseline="0" dirty="0"/>
-              <a:t> </a:t>
-            </a:r>
-            <a:r>
-              <a:rPr lang="en-US" baseline="0" dirty="0" err="1"/>
-              <a:t>auch</a:t>
-            </a:r>
-            <a:r>
-              <a:rPr lang="en-US" baseline="0" dirty="0"/>
-              <a:t> links </a:t>
-            </a:r>
-            <a:r>
-              <a:rPr lang="en-US" baseline="0" dirty="0" err="1"/>
-              <a:t>vorzufinden</a:t>
-            </a:r>
-            <a:endParaRPr lang="en-US" baseline="0" dirty="0"/>
-          </a:p>
-          <a:p>
-            <a:r>
-              <a:rPr lang="en-US" baseline="0" dirty="0" err="1"/>
-              <a:t>NuGet</a:t>
-            </a:r>
-            <a:r>
-              <a:rPr lang="en-US" baseline="0" dirty="0"/>
-              <a:t> </a:t>
-            </a:r>
-            <a:r>
-              <a:rPr lang="en-US" baseline="0" dirty="0" err="1"/>
-              <a:t>soll</a:t>
-            </a:r>
-            <a:r>
-              <a:rPr lang="en-US" baseline="0" dirty="0"/>
-              <a:t> </a:t>
-            </a:r>
-            <a:r>
-              <a:rPr lang="en-US" baseline="0" dirty="0" err="1"/>
-              <a:t>gemiensam</a:t>
-            </a:r>
-            <a:r>
-              <a:rPr lang="en-US" baseline="0" dirty="0"/>
-              <a:t> </a:t>
-            </a:r>
-            <a:r>
-              <a:rPr lang="en-US" baseline="0" dirty="0" err="1"/>
-              <a:t>genutzt</a:t>
-            </a:r>
-            <a:r>
-              <a:rPr lang="en-US" baseline="0" dirty="0"/>
-              <a:t> </a:t>
-            </a:r>
-            <a:r>
-              <a:rPr lang="en-US" baseline="0" dirty="0" err="1"/>
-              <a:t>werden</a:t>
-            </a:r>
-            <a:r>
-              <a:rPr lang="en-US" baseline="0" dirty="0"/>
-              <a:t> – </a:t>
-            </a:r>
-            <a:r>
-              <a:rPr lang="en-US" baseline="0" dirty="0" err="1"/>
-              <a:t>viele</a:t>
-            </a:r>
-            <a:r>
-              <a:rPr lang="en-US" baseline="0" dirty="0"/>
-              <a:t> Packages </a:t>
-            </a:r>
-            <a:r>
-              <a:rPr lang="en-US" baseline="0" dirty="0" err="1"/>
-              <a:t>gehen</a:t>
-            </a:r>
-            <a:r>
-              <a:rPr lang="en-US" baseline="0" dirty="0"/>
-              <a:t> </a:t>
-            </a:r>
-            <a:r>
-              <a:rPr lang="en-US" baseline="0" dirty="0" err="1"/>
-              <a:t>noch</a:t>
-            </a:r>
-            <a:r>
-              <a:rPr lang="en-US" baseline="0" dirty="0"/>
-              <a:t> </a:t>
-            </a:r>
-            <a:r>
-              <a:rPr lang="en-US" baseline="0" dirty="0" err="1"/>
-              <a:t>nicht</a:t>
+              <a:rPr lang="en-US" dirty="0" err="1" smtClean="0"/>
+              <a:t>sehen</a:t>
             </a:r>
             <a:endParaRPr lang="en-US" dirty="0"/>
           </a:p>
@@ -1566,7 +1381,7 @@
             <a:fld id="{B68732DB-8A05-41D1-B8F2-738DFD2104F0}" type="slidenum">
               <a:rPr lang="de-DE" smtClean="0"/>
               <a:pPr/>
-              <a:t>25</a:t>
+              <a:t>16</a:t>
             </a:fld>
             <a:endParaRPr lang="de-DE"/>
           </a:p>
@@ -1621,184 +1436,32 @@
         </p:nvSpPr>
         <p:spPr/>
         <p:txBody>
-          <a:bodyPr>
-            <a:normAutofit/>
-          </a:bodyPr>
-          <a:lstStyle/>
-          <a:p>
-            <a:r>
-              <a:rPr lang="en-US" dirty="0" err="1"/>
-              <a:t>Folgendem</a:t>
-            </a:r>
-            <a:r>
-              <a:rPr lang="en-US" baseline="0" dirty="0"/>
-              <a:t> </a:t>
-            </a:r>
-            <a:r>
-              <a:rPr lang="en-US" baseline="0" dirty="0" err="1"/>
-              <a:t>NuGet</a:t>
-            </a:r>
-            <a:r>
-              <a:rPr lang="en-US" baseline="0" dirty="0"/>
-              <a:t>-Packages </a:t>
-            </a:r>
-            <a:r>
-              <a:rPr lang="en-US" baseline="0" dirty="0" err="1"/>
-              <a:t>haben</a:t>
-            </a:r>
-            <a:r>
-              <a:rPr lang="en-US" baseline="0" dirty="0"/>
-              <a:t> </a:t>
-            </a:r>
-            <a:r>
-              <a:rPr lang="en-US" baseline="0" dirty="0" err="1"/>
-              <a:t>wir</a:t>
-            </a:r>
-            <a:r>
-              <a:rPr lang="en-US" baseline="0" dirty="0"/>
-              <a:t> </a:t>
-            </a:r>
-            <a:r>
-              <a:rPr lang="en-US" baseline="0" dirty="0" err="1"/>
-              <a:t>verwendet</a:t>
-            </a:r>
-            <a:r>
-              <a:rPr lang="en-US" baseline="0" dirty="0"/>
-              <a:t>…</a:t>
-            </a:r>
-          </a:p>
-          <a:p>
-            <a:endParaRPr lang="en-US" baseline="0" dirty="0"/>
-          </a:p>
-          <a:p>
-            <a:endParaRPr lang="en-US" baseline="0" dirty="0"/>
-          </a:p>
-          <a:p>
-            <a:r>
-              <a:rPr lang="en-US" baseline="0" dirty="0" err="1"/>
-              <a:t>Abgesehne</a:t>
-            </a:r>
-            <a:r>
-              <a:rPr lang="en-US" baseline="0" dirty="0"/>
-              <a:t> von </a:t>
-            </a:r>
-            <a:r>
-              <a:rPr lang="en-US" baseline="0" dirty="0" err="1"/>
-              <a:t>der</a:t>
-            </a:r>
-            <a:r>
-              <a:rPr lang="en-US" baseline="0" dirty="0"/>
-              <a:t> </a:t>
-            </a:r>
-            <a:r>
-              <a:rPr lang="en-US" baseline="0" dirty="0" err="1"/>
-              <a:t>üblichen</a:t>
-            </a:r>
-            <a:r>
-              <a:rPr lang="en-US" baseline="0" dirty="0"/>
-              <a:t> </a:t>
-            </a:r>
-            <a:r>
-              <a:rPr lang="en-US" baseline="0" dirty="0" err="1"/>
-              <a:t>zusätlichen</a:t>
-            </a:r>
-            <a:r>
-              <a:rPr lang="en-US" baseline="0" dirty="0"/>
-              <a:t> Software </a:t>
-            </a:r>
-            <a:r>
-              <a:rPr lang="en-US" baseline="0" dirty="0" err="1"/>
-              <a:t>wie</a:t>
-            </a:r>
-            <a:r>
-              <a:rPr lang="en-US" baseline="0" dirty="0"/>
-              <a:t> </a:t>
-            </a:r>
-            <a:r>
-              <a:rPr lang="en-US" baseline="0" dirty="0" err="1"/>
-              <a:t>Editoren</a:t>
-            </a:r>
-            <a:r>
-              <a:rPr lang="en-US" baseline="0" dirty="0"/>
-              <a:t> etc. </a:t>
-            </a:r>
-            <a:r>
-              <a:rPr lang="en-US" baseline="0" dirty="0" err="1"/>
-              <a:t>haben</a:t>
-            </a:r>
-            <a:r>
-              <a:rPr lang="en-US" baseline="0" dirty="0"/>
-              <a:t> </a:t>
-            </a:r>
-            <a:r>
-              <a:rPr lang="en-US" baseline="0" dirty="0" err="1"/>
-              <a:t>wir</a:t>
-            </a:r>
-            <a:r>
-              <a:rPr lang="en-US" baseline="0" dirty="0"/>
-              <a:t> </a:t>
-            </a:r>
-            <a:r>
-              <a:rPr lang="en-US" baseline="0" dirty="0" err="1"/>
-              <a:t>noch</a:t>
-            </a:r>
-            <a:r>
-              <a:rPr lang="en-US" baseline="0" dirty="0"/>
-              <a:t> den </a:t>
-            </a:r>
-            <a:r>
-              <a:rPr lang="en-US" baseline="0" dirty="0" err="1"/>
-              <a:t>SQLite</a:t>
-            </a:r>
-            <a:r>
-              <a:rPr lang="en-US" baseline="0" dirty="0"/>
-              <a:t> Browser </a:t>
-            </a:r>
-            <a:r>
-              <a:rPr lang="en-US" baseline="0" dirty="0" err="1"/>
-              <a:t>verwendet</a:t>
-            </a:r>
-            <a:r>
-              <a:rPr lang="en-US" baseline="0" dirty="0"/>
-              <a:t> um die </a:t>
-            </a:r>
-            <a:r>
-              <a:rPr lang="en-US" baseline="0" dirty="0" err="1"/>
-              <a:t>SQLite</a:t>
-            </a:r>
-            <a:r>
-              <a:rPr lang="en-US" baseline="0" dirty="0"/>
-              <a:t> </a:t>
-            </a:r>
-            <a:r>
-              <a:rPr lang="en-US" baseline="0" dirty="0" err="1"/>
-              <a:t>Datenbank</a:t>
-            </a:r>
-            <a:r>
-              <a:rPr lang="en-US" baseline="0" dirty="0"/>
-              <a:t> </a:t>
-            </a:r>
-            <a:r>
-              <a:rPr lang="en-US" baseline="0" dirty="0" err="1"/>
-              <a:t>zu</a:t>
-            </a:r>
-            <a:r>
-              <a:rPr lang="en-US" baseline="0" dirty="0"/>
-              <a:t> </a:t>
-            </a:r>
-            <a:r>
-              <a:rPr lang="en-US" baseline="0" dirty="0" err="1"/>
-              <a:t>erstellen</a:t>
-            </a:r>
-            <a:r>
-              <a:rPr lang="en-US" baseline="0" dirty="0"/>
-              <a:t> und </a:t>
-            </a:r>
-            <a:r>
-              <a:rPr lang="en-US" baseline="0" dirty="0" err="1"/>
-              <a:t>auszulesen</a:t>
-            </a:r>
-            <a:endParaRPr lang="en-US" baseline="0" dirty="0"/>
+          <a:bodyPr/>
+          <a:lstStyle/>
+          <a:p>
+            <a:r>
+              <a:rPr lang="de-DE" dirty="0"/>
+              <a:t>Gantt Diagramm</a:t>
+            </a:r>
+            <a:r>
+              <a:rPr lang="de-DE" baseline="0" dirty="0"/>
+              <a:t> vor </a:t>
+            </a:r>
+            <a:r>
+              <a:rPr lang="de-DE" baseline="0" dirty="0" err="1"/>
+              <a:t>Baseline</a:t>
+            </a:r>
+            <a:endParaRPr lang="de-DE" baseline="0" dirty="0"/>
+          </a:p>
+          <a:p>
+            <a:endParaRPr lang="de-DE" baseline="0" dirty="0"/>
+          </a:p>
+          <a:p>
+            <a:r>
+              <a:rPr lang="de-DE" baseline="0" dirty="0"/>
+              <a:t>-Geordnet, noch nichts umgestellt</a:t>
+            </a:r>
+            <a:endParaRPr lang="de-DE" dirty="0"/>
           </a:p>
         </p:txBody>
       </p:sp>
@@ -1820,13 +1483,18 @@
             <a:fld id="{B68732DB-8A05-41D1-B8F2-738DFD2104F0}" type="slidenum">
               <a:rPr lang="de-DE" smtClean="0"/>
               <a:pPr/>
-              <a:t>26</a:t>
+              <a:t>17</a:t>
             </a:fld>
             <a:endParaRPr lang="de-DE"/>
           </a:p>
         </p:txBody>
       </p:sp>
     </p:spTree>
+    <p:extLst>
+      <p:ext uri="{BB962C8B-B14F-4D97-AF65-F5344CB8AC3E}">
+        <p14:creationId xmlns:p14="http://schemas.microsoft.com/office/powerpoint/2010/main" xmlns="" val="3129885300"/>
+      </p:ext>
+    </p:extLst>
   </p:cSld>
   <p:clrMapOvr>
     <a:masterClrMapping/>
@@ -1880,41 +1548,29 @@
           <a:p>
             <a:r>
               <a:rPr lang="de-DE" dirty="0"/>
-              <a:t>Verwendetes Tool: </a:t>
-            </a:r>
-            <a:r>
-              <a:rPr lang="de-DE" dirty="0" err="1"/>
-              <a:t>Ninjamock</a:t>
-            </a:r>
-            <a:endParaRPr lang="de-DE" dirty="0"/>
-          </a:p>
-          <a:p>
-            <a:endParaRPr lang="de-DE" dirty="0"/>
-          </a:p>
-          <a:p>
-            <a:r>
-              <a:rPr lang="de-DE" dirty="0"/>
-              <a:t>Erste </a:t>
-            </a:r>
-            <a:r>
-              <a:rPr lang="de-DE" dirty="0" err="1"/>
-              <a:t>Mockups</a:t>
-            </a:r>
-            <a:r>
-              <a:rPr lang="de-DE" dirty="0"/>
-              <a:t> waren noch mit </a:t>
-            </a:r>
-            <a:r>
-              <a:rPr lang="de-DE" dirty="0" err="1"/>
-              <a:t>mehrereren</a:t>
-            </a:r>
-            <a:r>
-              <a:rPr lang="de-DE" dirty="0"/>
-              <a:t> Notizen</a:t>
+              <a:t>Vorher: Die ganze</a:t>
             </a:r>
             <a:r>
               <a:rPr lang="de-DE" baseline="0" dirty="0"/>
-              <a:t> pro Zeile horizontal</a:t>
+              <a:t> Logik innerhalb des Projektes geplant</a:t>
+            </a:r>
+          </a:p>
+          <a:p>
+            <a:endParaRPr lang="de-DE" baseline="0" dirty="0"/>
+          </a:p>
+          <a:p>
+            <a:r>
+              <a:rPr lang="de-DE" baseline="0" dirty="0"/>
+              <a:t>-&gt; Es musste umgestellt werden, da die Umsetzung der Logik zeitlich zu eng angesetzt war.</a:t>
+            </a:r>
+          </a:p>
+          <a:p>
+            <a:endParaRPr lang="de-DE" baseline="0" dirty="0"/>
+          </a:p>
+          <a:p>
+            <a:r>
+              <a:rPr lang="de-DE" baseline="0" dirty="0"/>
+              <a:t>Nachher: Ein Großteil der Logik (unteres Bild) wird auf nach dem Modulende angesetzt – bisherige Implementierung nur als Prototyp</a:t>
             </a:r>
             <a:endParaRPr lang="de-DE" dirty="0"/>
           </a:p>
@@ -1938,7 +1594,7 @@
             <a:fld id="{B68732DB-8A05-41D1-B8F2-738DFD2104F0}" type="slidenum">
               <a:rPr lang="de-DE" smtClean="0"/>
               <a:pPr/>
-              <a:t>27</a:t>
+              <a:t>18</a:t>
             </a:fld>
             <a:endParaRPr lang="de-DE"/>
           </a:p>
@@ -1947,7 +1603,7 @@
     </p:spTree>
     <p:extLst>
       <p:ext uri="{BB962C8B-B14F-4D97-AF65-F5344CB8AC3E}">
-        <p14:creationId xmlns:p14="http://schemas.microsoft.com/office/powerpoint/2010/main" val="3160102417"/>
+        <p14:creationId xmlns:p14="http://schemas.microsoft.com/office/powerpoint/2010/main" xmlns="" val="1348060691"/>
       </p:ext>
     </p:extLst>
   </p:cSld>
@@ -2002,24 +1658,21 @@
           <a:lstStyle/>
           <a:p>
             <a:r>
-              <a:rPr lang="en-US" dirty="0" err="1"/>
-              <a:t>Danach</a:t>
-            </a:r>
-            <a:r>
-              <a:rPr lang="en-US" dirty="0"/>
-              <a:t> </a:t>
-            </a:r>
-            <a:r>
-              <a:rPr lang="en-US" dirty="0" err="1"/>
-              <a:t>spezifischere</a:t>
-            </a:r>
-            <a:r>
-              <a:rPr lang="en-US" baseline="0" dirty="0"/>
-              <a:t> Mockups, die </a:t>
-            </a:r>
+              <a:rPr lang="de-DE" dirty="0"/>
+              <a:t>Nach der Baseline</a:t>
+            </a:r>
+            <a:r>
+              <a:rPr lang="de-DE" baseline="0" dirty="0"/>
+              <a:t> wurde viel am Plan geändert -&gt; sichtbare Relikte alter Pakete</a:t>
+            </a:r>
+          </a:p>
+          <a:p>
+            <a:endParaRPr lang="en-US" baseline="0" dirty="0"/>
+          </a:p>
+          <a:p>
             <a:r>
               <a:rPr lang="en-US" baseline="0" dirty="0" err="1"/>
-              <a:t>dann</a:t>
+              <a:t>Diese</a:t>
             </a:r>
             <a:r>
               <a:rPr lang="en-US" baseline="0" dirty="0"/>
@@ -2027,31 +1680,7 @@
             </a:r>
             <a:r>
               <a:rPr lang="en-US" baseline="0" dirty="0" err="1"/>
-              <a:t>auch</a:t>
-            </a:r>
-            <a:r>
-              <a:rPr lang="en-US" baseline="0" dirty="0"/>
-              <a:t> in </a:t>
-            </a:r>
-            <a:r>
-              <a:rPr lang="en-US" baseline="0" dirty="0" err="1"/>
-              <a:t>dieser</a:t>
-            </a:r>
-            <a:r>
-              <a:rPr lang="en-US" baseline="0" dirty="0"/>
-              <a:t> Form </a:t>
-            </a:r>
-            <a:r>
-              <a:rPr lang="en-US" baseline="0" dirty="0" err="1"/>
-              <a:t>beschlossen</a:t>
-            </a:r>
-            <a:r>
-              <a:rPr lang="en-US" baseline="0" dirty="0"/>
-              <a:t> und </a:t>
-            </a:r>
-            <a:r>
-              <a:rPr lang="en-US" baseline="0" dirty="0" err="1"/>
-              <a:t>umgesetzt</a:t>
+              <a:t>alten</a:t>
             </a:r>
             <a:r>
               <a:rPr lang="en-US" baseline="0" dirty="0"/>
@@ -2059,7 +1688,113 @@
             </a:r>
             <a:r>
               <a:rPr lang="en-US" baseline="0" dirty="0" err="1"/>
+              <a:t>Pakete</a:t>
+            </a:r>
+            <a:r>
+              <a:rPr lang="en-US" baseline="0" dirty="0"/>
+              <a:t> </a:t>
+            </a:r>
+            <a:r>
+              <a:rPr lang="en-US" baseline="0" dirty="0" err="1"/>
+              <a:t>waren</a:t>
+            </a:r>
+            <a:r>
+              <a:rPr lang="en-US" baseline="0" dirty="0"/>
+              <a:t> </a:t>
+            </a:r>
+            <a:r>
+              <a:rPr lang="en-US" baseline="0" dirty="0" err="1"/>
+              <a:t>eigentlich</a:t>
+            </a:r>
+            <a:r>
+              <a:rPr lang="en-US" baseline="0" dirty="0"/>
+              <a:t> </a:t>
+            </a:r>
+            <a:r>
+              <a:rPr lang="en-US" baseline="0" dirty="0" err="1"/>
+              <a:t>früher</a:t>
+            </a:r>
+            <a:r>
+              <a:rPr lang="en-US" baseline="0" dirty="0"/>
+              <a:t> </a:t>
+            </a:r>
+            <a:r>
+              <a:rPr lang="en-US" baseline="0" dirty="0" err="1"/>
+              <a:t>geplant</a:t>
+            </a:r>
+            <a:r>
+              <a:rPr lang="en-US" baseline="0" dirty="0"/>
+              <a:t> -&gt; </a:t>
+            </a:r>
+            <a:r>
+              <a:rPr lang="en-US" baseline="0" dirty="0" err="1"/>
+              <a:t>durch</a:t>
+            </a:r>
+            <a:r>
+              <a:rPr lang="en-US" baseline="0" dirty="0"/>
+              <a:t> </a:t>
+            </a:r>
+            <a:r>
+              <a:rPr lang="en-US" baseline="0" dirty="0" err="1"/>
+              <a:t>umstellungen</a:t>
+            </a:r>
+            <a:r>
+              <a:rPr lang="en-US" baseline="0" dirty="0"/>
+              <a:t> </a:t>
+            </a:r>
+            <a:r>
+              <a:rPr lang="en-US" baseline="0" dirty="0" err="1"/>
               <a:t>wurden</a:t>
+            </a:r>
+            <a:r>
+              <a:rPr lang="en-US" baseline="0" dirty="0"/>
+              <a:t> </a:t>
+            </a:r>
+            <a:r>
+              <a:rPr lang="en-US" baseline="0" dirty="0" err="1"/>
+              <a:t>diese</a:t>
+            </a:r>
+            <a:r>
+              <a:rPr lang="en-US" baseline="0" dirty="0"/>
+              <a:t> </a:t>
+            </a:r>
+            <a:r>
+              <a:rPr lang="en-US" baseline="0" dirty="0" err="1"/>
+              <a:t>nach</a:t>
+            </a:r>
+            <a:r>
+              <a:rPr lang="en-US" baseline="0" dirty="0"/>
+              <a:t> </a:t>
+            </a:r>
+            <a:r>
+              <a:rPr lang="en-US" baseline="0" dirty="0" err="1"/>
+              <a:t>hinten</a:t>
+            </a:r>
+            <a:r>
+              <a:rPr lang="en-US" baseline="0" dirty="0"/>
+              <a:t> </a:t>
+            </a:r>
+            <a:r>
+              <a:rPr lang="en-US" baseline="0" dirty="0" err="1"/>
+              <a:t>geschoben</a:t>
+            </a:r>
+            <a:endParaRPr lang="de-DE" baseline="0" dirty="0"/>
+          </a:p>
+          <a:p>
+            <a:endParaRPr lang="de-DE" baseline="0" dirty="0"/>
+          </a:p>
+          <a:p>
+            <a:r>
+              <a:rPr lang="de-DE" baseline="0" dirty="0"/>
+              <a:t>Auch sichtbar: Kritischer Pfad (nur in noch nicht abgeschlossenen </a:t>
+            </a:r>
+            <a:r>
+              <a:rPr lang="de-DE" baseline="0" dirty="0" err="1"/>
+              <a:t>Arbeitpaketen</a:t>
+            </a:r>
+            <a:r>
+              <a:rPr lang="de-DE" baseline="0" dirty="0"/>
+              <a:t>)</a:t>
             </a:r>
             <a:endParaRPr lang="de-DE" dirty="0"/>
           </a:p>
@@ -2083,7 +1818,7 @@
             <a:fld id="{B68732DB-8A05-41D1-B8F2-738DFD2104F0}" type="slidenum">
               <a:rPr lang="de-DE" smtClean="0"/>
               <a:pPr/>
-              <a:t>28</a:t>
+              <a:t>19</a:t>
             </a:fld>
             <a:endParaRPr lang="de-DE"/>
           </a:p>
@@ -2092,7 +1827,7 @@
     </p:spTree>
     <p:extLst>
       <p:ext uri="{BB962C8B-B14F-4D97-AF65-F5344CB8AC3E}">
-        <p14:creationId xmlns:p14="http://schemas.microsoft.com/office/powerpoint/2010/main" val="406562286"/>
+        <p14:creationId xmlns:p14="http://schemas.microsoft.com/office/powerpoint/2010/main" xmlns="" val="2601951817"/>
       </p:ext>
     </p:extLst>
   </p:cSld>
@@ -2143,42 +1878,64 @@
         </p:nvSpPr>
         <p:spPr/>
         <p:txBody>
-          <a:bodyPr/>
-          <a:lstStyle/>
-          <a:p>
-            <a:r>
-              <a:rPr lang="en-US" dirty="0" err="1"/>
-              <a:t>Hier</a:t>
-            </a:r>
-            <a:r>
-              <a:rPr lang="en-US" baseline="0" dirty="0"/>
+          <a:bodyPr>
+            <a:normAutofit/>
+          </a:bodyPr>
+          <a:lstStyle/>
+          <a:p>
+            <a:r>
+              <a:rPr lang="en-US" dirty="0" err="1" smtClean="0"/>
+              <a:t>Kommen</a:t>
+            </a:r>
+            <a:r>
+              <a:rPr lang="en-US" dirty="0" smtClean="0"/>
               <a:t> </a:t>
             </a:r>
             <a:r>
-              <a:rPr lang="en-US" baseline="0" dirty="0" err="1"/>
-              <a:t>sieht</a:t>
-            </a:r>
-            <a:r>
-              <a:rPr lang="en-US" baseline="0" dirty="0"/>
-              <a:t> man die </a:t>
-            </a:r>
-            <a:r>
-              <a:rPr lang="en-US" baseline="0" dirty="0" err="1"/>
-              <a:t>umgesetzten</a:t>
-            </a:r>
-            <a:r>
-              <a:rPr lang="en-US" baseline="0" dirty="0"/>
-              <a:t> Mockups </a:t>
-            </a:r>
-            <a:r>
-              <a:rPr lang="en-US" baseline="0" dirty="0" err="1"/>
-              <a:t>als</a:t>
-            </a:r>
-            <a:r>
-              <a:rPr lang="en-US" baseline="0" dirty="0"/>
-              <a:t> WPF - App</a:t>
-            </a:r>
-            <a:endParaRPr lang="de-DE" dirty="0"/>
+              <a:rPr lang="en-US" dirty="0" err="1" smtClean="0"/>
+              <a:t>wir</a:t>
+            </a:r>
+            <a:r>
+              <a:rPr lang="en-US" baseline="0" dirty="0" smtClean="0"/>
+              <a:t> </a:t>
+            </a:r>
+            <a:r>
+              <a:rPr lang="en-US" baseline="0" dirty="0" err="1" smtClean="0"/>
+              <a:t>zum</a:t>
+            </a:r>
+            <a:r>
+              <a:rPr lang="en-US" baseline="0" dirty="0" smtClean="0"/>
+              <a:t> </a:t>
+            </a:r>
+            <a:r>
+              <a:rPr lang="en-US" baseline="0" dirty="0" err="1" smtClean="0"/>
+              <a:t>zweiten</a:t>
+            </a:r>
+            <a:r>
+              <a:rPr lang="en-US" baseline="0" dirty="0" smtClean="0"/>
+              <a:t> </a:t>
+            </a:r>
+            <a:r>
+              <a:rPr lang="en-US" baseline="0" dirty="0" err="1" smtClean="0"/>
+              <a:t>Teil</a:t>
+            </a:r>
+            <a:r>
+              <a:rPr lang="en-US" baseline="0" dirty="0" smtClean="0"/>
+              <a:t> des </a:t>
+            </a:r>
+            <a:r>
+              <a:rPr lang="en-US" baseline="0" dirty="0" err="1" smtClean="0"/>
+              <a:t>Vortrags</a:t>
+            </a:r>
+            <a:r>
+              <a:rPr lang="en-US" baseline="0" dirty="0" smtClean="0"/>
+              <a:t>, die </a:t>
+            </a:r>
+            <a:r>
+              <a:rPr lang="en-US" baseline="0" dirty="0" err="1" smtClean="0"/>
+              <a:t>Realisierung</a:t>
+            </a:r>
+            <a:endParaRPr lang="en-US" dirty="0"/>
           </a:p>
         </p:txBody>
       </p:sp>
@@ -2200,18 +1957,13 @@
             <a:fld id="{B68732DB-8A05-41D1-B8F2-738DFD2104F0}" type="slidenum">
               <a:rPr lang="de-DE" smtClean="0"/>
               <a:pPr/>
-              <a:t>29</a:t>
+              <a:t>20</a:t>
             </a:fld>
             <a:endParaRPr lang="de-DE"/>
           </a:p>
         </p:txBody>
       </p:sp>
     </p:spTree>
-    <p:extLst>
-      <p:ext uri="{BB962C8B-B14F-4D97-AF65-F5344CB8AC3E}">
-        <p14:creationId xmlns:p14="http://schemas.microsoft.com/office/powerpoint/2010/main" val="851868737"/>
-      </p:ext>
-    </p:extLst>
   </p:cSld>
   <p:clrMapOvr>
     <a:masterClrMapping/>
@@ -2260,10 +2012,64 @@
         </p:nvSpPr>
         <p:spPr/>
         <p:txBody>
-          <a:bodyPr/>
-          <a:lstStyle/>
-          <a:p>
-            <a:endParaRPr lang="de-DE" dirty="0"/>
+          <a:bodyPr>
+            <a:normAutofit/>
+          </a:bodyPr>
+          <a:lstStyle/>
+          <a:p>
+            <a:r>
+              <a:rPr lang="en-US" dirty="0" err="1" smtClean="0"/>
+              <a:t>Hier</a:t>
+            </a:r>
+            <a:r>
+              <a:rPr lang="en-US" dirty="0" smtClean="0"/>
+              <a:t> </a:t>
+            </a:r>
+            <a:r>
+              <a:rPr lang="en-US" dirty="0" err="1" smtClean="0"/>
+              <a:t>eine</a:t>
+            </a:r>
+            <a:r>
+              <a:rPr lang="en-US" dirty="0" smtClean="0"/>
+              <a:t> </a:t>
+            </a:r>
+            <a:r>
+              <a:rPr lang="en-US" dirty="0" err="1" smtClean="0"/>
+              <a:t>Überischt</a:t>
+            </a:r>
+            <a:r>
+              <a:rPr lang="en-US" baseline="0" dirty="0" smtClean="0"/>
+              <a:t> </a:t>
+            </a:r>
+            <a:r>
+              <a:rPr lang="en-US" baseline="0" dirty="0" err="1" smtClean="0"/>
+              <a:t>über</a:t>
+            </a:r>
+            <a:r>
+              <a:rPr lang="en-US" baseline="0" dirty="0" smtClean="0"/>
+              <a:t> den </a:t>
+            </a:r>
+            <a:r>
+              <a:rPr lang="en-US" baseline="0" dirty="0" err="1" smtClean="0"/>
+              <a:t>ersten</a:t>
+            </a:r>
+            <a:r>
+              <a:rPr lang="en-US" baseline="0" dirty="0" smtClean="0"/>
+              <a:t> </a:t>
+            </a:r>
+            <a:r>
+              <a:rPr lang="en-US" baseline="0" dirty="0" err="1" smtClean="0"/>
+              <a:t>Teil</a:t>
+            </a:r>
+            <a:r>
+              <a:rPr lang="en-US" baseline="0" dirty="0" smtClean="0"/>
+              <a:t> des </a:t>
+            </a:r>
+            <a:r>
+              <a:rPr lang="en-US" baseline="0" dirty="0" err="1" smtClean="0"/>
+              <a:t>Vortrags</a:t>
+            </a:r>
+            <a:endParaRPr lang="en-US" dirty="0"/>
           </a:p>
         </p:txBody>
       </p:sp>
@@ -2285,18 +2091,13 @@
             <a:fld id="{B68732DB-8A05-41D1-B8F2-738DFD2104F0}" type="slidenum">
               <a:rPr lang="de-DE" smtClean="0"/>
               <a:pPr/>
-              <a:t>4</a:t>
+              <a:t>3</a:t>
             </a:fld>
             <a:endParaRPr lang="de-DE"/>
           </a:p>
         </p:txBody>
       </p:sp>
     </p:spTree>
-    <p:extLst>
-      <p:ext uri="{BB962C8B-B14F-4D97-AF65-F5344CB8AC3E}">
-        <p14:creationId xmlns:p14="http://schemas.microsoft.com/office/powerpoint/2010/main" val="1763690643"/>
-      </p:ext>
-    </p:extLst>
   </p:cSld>
   <p:clrMapOvr>
     <a:masterClrMapping/>
@@ -2350,28 +2151,11 @@
           <a:p>
             <a:r>
               <a:rPr lang="de-DE" dirty="0"/>
-              <a:t>Zusätzlich haben wir Programmablaufpläne</a:t>
+              <a:t>Die</a:t>
             </a:r>
             <a:r>
               <a:rPr lang="de-DE" baseline="0" dirty="0"/>
-              <a:t> erstellt, hier zwei Beispiele</a:t>
-            </a:r>
-          </a:p>
-          <a:p>
-            <a:endParaRPr lang="de-DE" baseline="0" dirty="0"/>
-          </a:p>
-          <a:p>
-            <a:r>
-              <a:rPr lang="de-DE" baseline="0" dirty="0"/>
-              <a:t>Bei diesen Beispielen sind die Routen komplett – </a:t>
-            </a:r>
-            <a:r>
-              <a:rPr lang="de-DE" baseline="0" dirty="0" err="1"/>
-              <a:t>beispielCode</a:t>
-            </a:r>
-            <a:r>
-              <a:rPr lang="de-DE" baseline="0" dirty="0"/>
-              <a:t> folgt auf nächsten Folien</a:t>
+              <a:t> Aufgabenstellung des Moduls waren folgende Punkte</a:t>
             </a:r>
             <a:endParaRPr lang="de-DE" dirty="0"/>
           </a:p>
@@ -2395,7 +2179,7 @@
             <a:fld id="{B68732DB-8A05-41D1-B8F2-738DFD2104F0}" type="slidenum">
               <a:rPr lang="de-DE" smtClean="0"/>
               <a:pPr/>
-              <a:t>30</a:t>
+              <a:t>21</a:t>
             </a:fld>
             <a:endParaRPr lang="de-DE"/>
           </a:p>
@@ -2404,7 +2188,7 @@
     </p:spTree>
     <p:extLst>
       <p:ext uri="{BB962C8B-B14F-4D97-AF65-F5344CB8AC3E}">
-        <p14:creationId xmlns:p14="http://schemas.microsoft.com/office/powerpoint/2010/main" val="2858744506"/>
+        <p14:creationId xmlns:p14="http://schemas.microsoft.com/office/powerpoint/2010/main" xmlns="" val="965649443"/>
       </p:ext>
     </p:extLst>
   </p:cSld>
@@ -2455,18 +2239,87 @@
         </p:nvSpPr>
         <p:spPr/>
         <p:txBody>
-          <a:bodyPr/>
-          <a:lstStyle/>
-          <a:p>
-            <a:r>
-              <a:rPr lang="de-DE" dirty="0"/>
-              <a:t>Prototyp</a:t>
-            </a:r>
-            <a:r>
-              <a:rPr lang="de-DE" baseline="0" dirty="0"/>
-              <a:t> zeigen</a:t>
-            </a:r>
-            <a:endParaRPr lang="de-DE" dirty="0"/>
+          <a:bodyPr>
+            <a:normAutofit/>
+          </a:bodyPr>
+          <a:lstStyle/>
+          <a:p>
+            <a:r>
+              <a:rPr lang="en-US" dirty="0" smtClean="0"/>
+              <a:t>Die </a:t>
+            </a:r>
+            <a:r>
+              <a:rPr lang="en-US" dirty="0" err="1" smtClean="0"/>
+              <a:t>Projektdefinition</a:t>
+            </a:r>
+            <a:r>
+              <a:rPr lang="en-US" baseline="0" dirty="0" smtClean="0"/>
+              <a:t> war : </a:t>
+            </a:r>
+            <a:r>
+              <a:rPr lang="de-DE" dirty="0" smtClean="0"/>
+              <a:t>Ein teamorientiertes </a:t>
+            </a:r>
+            <a:r>
+              <a:rPr lang="de-DE" dirty="0" err="1" smtClean="0"/>
+              <a:t>KanBan</a:t>
+            </a:r>
+            <a:r>
+              <a:rPr lang="de-DE" dirty="0" smtClean="0"/>
+              <a:t> „System“ soll konzipiert und erstellt werden</a:t>
+            </a:r>
+          </a:p>
+          <a:p>
+            <a:r>
+              <a:rPr lang="de-DE" dirty="0" smtClean="0"/>
+              <a:t>Als</a:t>
+            </a:r>
+            <a:r>
+              <a:rPr lang="de-DE" baseline="0" dirty="0" smtClean="0"/>
+              <a:t> Rahmen haben wir uns eine schlanke Anwendung um </a:t>
+            </a:r>
+            <a:r>
+              <a:rPr lang="de-DE" baseline="0" dirty="0" err="1" smtClean="0"/>
+              <a:t>KanBan</a:t>
+            </a:r>
+            <a:r>
+              <a:rPr lang="de-DE" baseline="0" dirty="0" smtClean="0"/>
+              <a:t>-Boards zu verwenden als Ziel gesetzt</a:t>
+            </a:r>
+          </a:p>
+          <a:p>
+            <a:endParaRPr lang="de-DE" baseline="0" dirty="0" smtClean="0"/>
+          </a:p>
+          <a:p>
+            <a:r>
+              <a:rPr lang="de-DE" baseline="0" dirty="0" smtClean="0"/>
+              <a:t>Kernfeatures waren:</a:t>
+            </a:r>
+          </a:p>
+          <a:p>
+            <a:pPr lvl="1"/>
+            <a:r>
+              <a:rPr lang="de-DE" dirty="0" smtClean="0"/>
+              <a:t>Boards erstellen</a:t>
+            </a:r>
+          </a:p>
+          <a:p>
+            <a:pPr lvl="1"/>
+            <a:r>
+              <a:rPr lang="de-DE" dirty="0" smtClean="0"/>
+              <a:t>Notes erstellen</a:t>
+            </a:r>
+          </a:p>
+          <a:p>
+            <a:pPr lvl="1"/>
+            <a:r>
+              <a:rPr lang="de-DE" dirty="0" smtClean="0"/>
+              <a:t>Nutzer einladen</a:t>
+            </a:r>
+            <a:endParaRPr lang="de-DE" baseline="0" dirty="0" smtClean="0"/>
+          </a:p>
+          <a:p>
+            <a:endParaRPr lang="de-DE" baseline="0" dirty="0" smtClean="0"/>
           </a:p>
         </p:txBody>
       </p:sp>
@@ -2488,18 +2341,13 @@
             <a:fld id="{B68732DB-8A05-41D1-B8F2-738DFD2104F0}" type="slidenum">
               <a:rPr lang="de-DE" smtClean="0"/>
               <a:pPr/>
-              <a:t>31</a:t>
+              <a:t>22</a:t>
             </a:fld>
             <a:endParaRPr lang="de-DE"/>
           </a:p>
         </p:txBody>
       </p:sp>
     </p:spTree>
-    <p:extLst>
-      <p:ext uri="{BB962C8B-B14F-4D97-AF65-F5344CB8AC3E}">
-        <p14:creationId xmlns:p14="http://schemas.microsoft.com/office/powerpoint/2010/main" val="792622962"/>
-      </p:ext>
-    </p:extLst>
   </p:cSld>
   <p:clrMapOvr>
     <a:masterClrMapping/>
@@ -2554,159 +2402,202 @@
           <a:lstStyle/>
           <a:p>
             <a:r>
-              <a:rPr lang="en-US" dirty="0"/>
-              <a:t>Weis </a:t>
-            </a:r>
-            <a:r>
-              <a:rPr lang="en-US" dirty="0" err="1"/>
-              <a:t>machen</a:t>
-            </a:r>
-            <a:endParaRPr lang="en-US" dirty="0"/>
-          </a:p>
-          <a:p>
-            <a:r>
-              <a:rPr lang="en-US" dirty="0" err="1"/>
-              <a:t>Codebeispiel</a:t>
-            </a:r>
-            <a:r>
-              <a:rPr lang="en-US" dirty="0"/>
-              <a:t>:</a:t>
-            </a:r>
-          </a:p>
-          <a:p>
-            <a:r>
-              <a:rPr lang="en-US" dirty="0" err="1"/>
-              <a:t>Einem</a:t>
-            </a:r>
-            <a:r>
-              <a:rPr lang="en-US" baseline="0" dirty="0"/>
-              <a:t> User </a:t>
-            </a:r>
-            <a:r>
-              <a:rPr lang="en-US" baseline="0" dirty="0" err="1"/>
-              <a:t>zu</a:t>
-            </a:r>
-            <a:r>
-              <a:rPr lang="en-US" baseline="0" dirty="0"/>
+              <a:rPr lang="en-US" dirty="0" smtClean="0"/>
+              <a:t>Die </a:t>
+            </a:r>
+            <a:r>
+              <a:rPr lang="en-US" dirty="0" err="1" smtClean="0"/>
+              <a:t>Anforderungen</a:t>
+            </a:r>
+            <a:r>
+              <a:rPr lang="en-US" baseline="0" dirty="0" smtClean="0"/>
+              <a:t> auf </a:t>
+            </a:r>
+            <a:r>
+              <a:rPr lang="en-US" baseline="0" dirty="0" err="1" smtClean="0"/>
+              <a:t>der</a:t>
+            </a:r>
+            <a:r>
+              <a:rPr lang="en-US" baseline="0" dirty="0" smtClean="0"/>
               <a:t> </a:t>
             </a:r>
             <a:r>
-              <a:rPr lang="en-US" baseline="0" dirty="0" err="1"/>
-              <a:t>einem</a:t>
-            </a:r>
-            <a:r>
-              <a:rPr lang="en-US" baseline="0" dirty="0"/>
-              <a:t> Board </a:t>
-            </a:r>
-            <a:r>
-              <a:rPr lang="en-US" baseline="0" dirty="0" err="1"/>
-              <a:t>Lese</a:t>
-            </a:r>
-            <a:r>
-              <a:rPr lang="en-US" baseline="0" dirty="0"/>
-              <a:t>- und </a:t>
-            </a:r>
-            <a:r>
-              <a:rPr lang="en-US" baseline="0" dirty="0" err="1"/>
-              <a:t>Schreibrechte</a:t>
-            </a:r>
-            <a:r>
-              <a:rPr lang="en-US" baseline="0" dirty="0"/>
+              <a:rPr lang="en-US" baseline="0" dirty="0" err="1" smtClean="0"/>
+              <a:t>Inhaltsseite</a:t>
+            </a:r>
+            <a:r>
+              <a:rPr lang="en-US" baseline="0" dirty="0" smtClean="0"/>
               <a:t> </a:t>
             </a:r>
             <a:r>
-              <a:rPr lang="en-US" baseline="0" dirty="0" err="1"/>
-              <a:t>erteilen</a:t>
-            </a:r>
-            <a:endParaRPr lang="en-US" baseline="0" dirty="0"/>
-          </a:p>
-          <a:p>
-            <a:endParaRPr lang="en-US" baseline="0" dirty="0"/>
-          </a:p>
-          <a:p>
-            <a:r>
-              <a:rPr lang="en-US" baseline="0" dirty="0"/>
-              <a:t>1. </a:t>
-            </a:r>
-            <a:r>
-              <a:rPr lang="en-US" baseline="0" dirty="0" err="1"/>
-              <a:t>Roter</a:t>
-            </a:r>
-            <a:r>
-              <a:rPr lang="en-US" baseline="0" dirty="0"/>
+              <a:rPr lang="en-US" baseline="0" dirty="0" err="1" smtClean="0"/>
+              <a:t>sahen</a:t>
+            </a:r>
+            <a:r>
+              <a:rPr lang="en-US" baseline="0" dirty="0" smtClean="0"/>
               <a:t> </a:t>
             </a:r>
             <a:r>
-              <a:rPr lang="en-US" baseline="0" dirty="0" err="1"/>
-              <a:t>Kasten</a:t>
-            </a:r>
-            <a:r>
-              <a:rPr lang="en-US" baseline="0" dirty="0"/>
-              <a:t>: Request </a:t>
-            </a:r>
-            <a:r>
-              <a:rPr lang="en-US" baseline="0" dirty="0" err="1"/>
-              <a:t>absenden</a:t>
-            </a:r>
-            <a:endParaRPr lang="en-US" baseline="0" dirty="0"/>
-          </a:p>
-          <a:p>
-            <a:r>
-              <a:rPr lang="en-US" baseline="0" dirty="0"/>
-              <a:t>2. </a:t>
-            </a:r>
-            <a:r>
-              <a:rPr lang="en-US" baseline="0" dirty="0" err="1"/>
-              <a:t>Roter</a:t>
-            </a:r>
-            <a:r>
-              <a:rPr lang="en-US" baseline="0" dirty="0"/>
+              <a:rPr lang="en-US" baseline="0" dirty="0" err="1" smtClean="0"/>
+              <a:t>folgendermaßen</a:t>
+            </a:r>
+            <a:r>
+              <a:rPr lang="en-US" baseline="0" dirty="0" smtClean="0"/>
               <a:t> </a:t>
             </a:r>
             <a:r>
-              <a:rPr lang="en-US" baseline="0" dirty="0" err="1"/>
-              <a:t>Kasten</a:t>
-            </a:r>
-            <a:r>
-              <a:rPr lang="en-US" baseline="0" dirty="0"/>
-              <a:t>: Backend </a:t>
-            </a:r>
-            <a:r>
-              <a:rPr lang="en-US" baseline="0" dirty="0" err="1"/>
-              <a:t>sendet</a:t>
-            </a:r>
-            <a:r>
-              <a:rPr lang="en-US" baseline="0" dirty="0"/>
+              <a:rPr lang="en-US" baseline="0" dirty="0" err="1" smtClean="0"/>
+              <a:t>aus</a:t>
+            </a:r>
+            <a:r>
+              <a:rPr lang="en-US" baseline="0" dirty="0" smtClean="0"/>
+              <a:t>…</a:t>
+            </a:r>
+          </a:p>
+          <a:p>
+            <a:pPr lvl="1"/>
+            <a:r>
+              <a:rPr lang="en-US" dirty="0" err="1" smtClean="0"/>
+              <a:t>Anwendung</a:t>
+            </a:r>
+            <a:r>
+              <a:rPr lang="en-US" dirty="0" smtClean="0"/>
               <a:t> </a:t>
             </a:r>
             <a:r>
-              <a:rPr lang="en-US" baseline="0" dirty="0" err="1"/>
-              <a:t>neue</a:t>
-            </a:r>
-            <a:r>
-              <a:rPr lang="en-US" baseline="0" dirty="0"/>
+              <a:rPr lang="en-US" dirty="0" err="1" smtClean="0"/>
+              <a:t>zur</a:t>
+            </a:r>
+            <a:r>
+              <a:rPr lang="en-US" dirty="0" smtClean="0"/>
               <a:t> </a:t>
             </a:r>
             <a:r>
-              <a:rPr lang="en-US" baseline="0" dirty="0" err="1"/>
-              <a:t>UserListe</a:t>
-            </a:r>
-            <a:r>
-              <a:rPr lang="en-US" baseline="0" dirty="0"/>
+              <a:rPr lang="en-US" dirty="0" err="1" smtClean="0"/>
+              <a:t>Zusammenarbeit</a:t>
+            </a:r>
+            <a:r>
+              <a:rPr lang="en-US" dirty="0" smtClean="0"/>
               <a:t> </a:t>
             </a:r>
             <a:r>
-              <a:rPr lang="en-US" baseline="0" dirty="0" err="1"/>
-              <a:t>für</a:t>
-            </a:r>
-            <a:r>
-              <a:rPr lang="en-US" baseline="0" dirty="0"/>
-              <a:t> dieses Board </a:t>
-            </a:r>
-            <a:r>
-              <a:rPr lang="en-US" baseline="0" dirty="0" err="1"/>
-              <a:t>zurück</a:t>
-            </a:r>
+              <a:rPr lang="en-US" dirty="0" err="1" smtClean="0"/>
+              <a:t>mithilfe</a:t>
+            </a:r>
+            <a:r>
+              <a:rPr lang="en-US" dirty="0" smtClean="0"/>
+              <a:t> </a:t>
+            </a:r>
+            <a:r>
+              <a:rPr lang="en-US" dirty="0" err="1" smtClean="0"/>
+              <a:t>eine</a:t>
+            </a:r>
+            <a:r>
+              <a:rPr lang="en-US" dirty="0" smtClean="0"/>
+              <a:t> </a:t>
+            </a:r>
+            <a:r>
+              <a:rPr lang="en-US" dirty="0" err="1" smtClean="0"/>
+              <a:t>KanBan</a:t>
+            </a:r>
+            <a:r>
+              <a:rPr lang="en-US" dirty="0" smtClean="0"/>
+              <a:t>-Systems</a:t>
+            </a:r>
+          </a:p>
+          <a:p>
+            <a:pPr lvl="1"/>
+            <a:r>
+              <a:rPr lang="en-US" dirty="0" err="1" smtClean="0"/>
+              <a:t>Fokus</a:t>
+            </a:r>
+            <a:r>
+              <a:rPr lang="en-US" dirty="0" smtClean="0"/>
+              <a:t>: </a:t>
+            </a:r>
+            <a:r>
+              <a:rPr lang="en-US" dirty="0" err="1" smtClean="0"/>
+              <a:t>Nutzung</a:t>
+            </a:r>
+            <a:r>
+              <a:rPr lang="en-US" dirty="0" smtClean="0"/>
+              <a:t> auf Windows-</a:t>
+            </a:r>
+            <a:r>
+              <a:rPr lang="en-US" dirty="0" err="1" smtClean="0"/>
+              <a:t>Smartphones</a:t>
+            </a:r>
+            <a:endParaRPr lang="en-US" dirty="0" smtClean="0"/>
+          </a:p>
+          <a:p>
+            <a:pPr lvl="1"/>
+            <a:r>
+              <a:rPr lang="en-US" dirty="0" err="1" smtClean="0"/>
+              <a:t>Möglichkeit</a:t>
+            </a:r>
+            <a:r>
+              <a:rPr lang="en-US" dirty="0" smtClean="0"/>
+              <a:t> </a:t>
+            </a:r>
+            <a:r>
+              <a:rPr lang="en-US" dirty="0" err="1" smtClean="0"/>
+              <a:t>andere</a:t>
+            </a:r>
+            <a:r>
+              <a:rPr lang="en-US" dirty="0" smtClean="0"/>
+              <a:t> </a:t>
+            </a:r>
+            <a:r>
+              <a:rPr lang="en-US" dirty="0" err="1" smtClean="0"/>
+              <a:t>Nutzer</a:t>
+            </a:r>
+            <a:r>
+              <a:rPr lang="en-US" dirty="0" smtClean="0"/>
+              <a:t> </a:t>
+            </a:r>
+            <a:r>
+              <a:rPr lang="en-US" dirty="0" err="1" smtClean="0"/>
+              <a:t>zur</a:t>
+            </a:r>
+            <a:r>
+              <a:rPr lang="en-US" dirty="0" smtClean="0"/>
+              <a:t> </a:t>
+            </a:r>
+            <a:r>
+              <a:rPr lang="en-US" dirty="0" err="1" smtClean="0"/>
+              <a:t>Zusammenarbeit</a:t>
+            </a:r>
+            <a:r>
+              <a:rPr lang="en-US" dirty="0" smtClean="0"/>
+              <a:t> </a:t>
+            </a:r>
+            <a:r>
+              <a:rPr lang="en-US" dirty="0" err="1" smtClean="0"/>
+              <a:t>einzuladen</a:t>
+            </a:r>
+            <a:endParaRPr lang="en-US" dirty="0" smtClean="0"/>
+          </a:p>
+          <a:p>
+            <a:pPr lvl="1"/>
+            <a:r>
+              <a:rPr lang="en-US" dirty="0" err="1" smtClean="0"/>
+              <a:t>Persistenz</a:t>
+            </a:r>
+            <a:r>
+              <a:rPr lang="en-US" dirty="0" smtClean="0"/>
+              <a:t> </a:t>
+            </a:r>
+            <a:r>
+              <a:rPr lang="en-US" dirty="0" err="1" smtClean="0"/>
+              <a:t>im</a:t>
+            </a:r>
+            <a:r>
+              <a:rPr lang="en-US" dirty="0" smtClean="0"/>
+              <a:t> Backend</a:t>
+            </a:r>
+            <a:endParaRPr lang="de-DE" dirty="0" smtClean="0"/>
+          </a:p>
+          <a:p>
             <a:endParaRPr lang="en-US" dirty="0"/>
           </a:p>
         </p:txBody>
@@ -2729,7 +2620,7 @@
             <a:fld id="{B68732DB-8A05-41D1-B8F2-738DFD2104F0}" type="slidenum">
               <a:rPr lang="de-DE" smtClean="0"/>
               <a:pPr/>
-              <a:t>32</a:t>
+              <a:t>23</a:t>
             </a:fld>
             <a:endParaRPr lang="de-DE"/>
           </a:p>
@@ -2784,127 +2675,54 @@
         </p:nvSpPr>
         <p:spPr/>
         <p:txBody>
-          <a:bodyPr>
-            <a:normAutofit/>
-          </a:bodyPr>
-          <a:lstStyle/>
-          <a:p>
-            <a:pPr marL="0" marR="0" indent="0" algn="l" defTabSz="914400" rtl="0" eaLnBrk="1" fontAlgn="auto" latinLnBrk="0" hangingPunct="1">
-              <a:lnSpc>
-                <a:spcPct val="100000"/>
-              </a:lnSpc>
-              <a:spcBef>
-                <a:spcPts val="0"/>
-              </a:spcBef>
-              <a:spcAft>
-                <a:spcPts val="0"/>
-              </a:spcAft>
-              <a:buClrTx/>
-              <a:buSzTx/>
-              <a:buFontTx/>
-              <a:buNone/>
-              <a:tabLst/>
-              <a:defRPr/>
-            </a:pPr>
-            <a:r>
-              <a:rPr lang="en-US" dirty="0"/>
-              <a:t>Weis </a:t>
-            </a:r>
-            <a:r>
-              <a:rPr lang="en-US" dirty="0" err="1"/>
-              <a:t>machen</a:t>
-            </a:r>
-            <a:endParaRPr lang="en-US" dirty="0"/>
-          </a:p>
-          <a:p>
-            <a:r>
-              <a:rPr lang="en-US" dirty="0" err="1"/>
-              <a:t>Hier</a:t>
-            </a:r>
-            <a:r>
-              <a:rPr lang="en-US" dirty="0"/>
-              <a:t> </a:t>
-            </a:r>
-            <a:r>
-              <a:rPr lang="en-US" dirty="0" err="1"/>
-              <a:t>derselbe</a:t>
-            </a:r>
-            <a:r>
-              <a:rPr lang="en-US" baseline="0" dirty="0"/>
-              <a:t> Code auf Backend </a:t>
-            </a:r>
-            <a:r>
-              <a:rPr lang="en-US" baseline="0" dirty="0" err="1"/>
-              <a:t>Seite</a:t>
-            </a:r>
-            <a:endParaRPr lang="en-US" baseline="0" dirty="0"/>
-          </a:p>
-          <a:p>
-            <a:r>
-              <a:rPr lang="en-US" baseline="0" dirty="0"/>
-              <a:t>Die </a:t>
-            </a:r>
-            <a:r>
-              <a:rPr lang="en-US" baseline="0" dirty="0" err="1"/>
-              <a:t>neuen</a:t>
-            </a:r>
-            <a:r>
-              <a:rPr lang="en-US" baseline="0" dirty="0"/>
-              <a:t> </a:t>
-            </a:r>
-            <a:r>
-              <a:rPr lang="en-US" baseline="0" dirty="0" err="1"/>
-              <a:t>Rechte</a:t>
-            </a:r>
-            <a:r>
-              <a:rPr lang="en-US" baseline="0" dirty="0"/>
-              <a:t> des Users </a:t>
-            </a:r>
-            <a:r>
-              <a:rPr lang="en-US" baseline="0" dirty="0" err="1"/>
-              <a:t>werden</a:t>
-            </a:r>
-            <a:r>
-              <a:rPr lang="en-US" baseline="0" dirty="0"/>
-              <a:t> in die </a:t>
-            </a:r>
-            <a:r>
-              <a:rPr lang="en-US" baseline="0" dirty="0" err="1"/>
-              <a:t>Datenbank</a:t>
-            </a:r>
-            <a:r>
-              <a:rPr lang="en-US" baseline="0" dirty="0"/>
-              <a:t> </a:t>
-            </a:r>
-            <a:r>
-              <a:rPr lang="en-US" baseline="0" dirty="0" err="1"/>
-              <a:t>geschrieben</a:t>
-            </a:r>
-            <a:r>
-              <a:rPr lang="en-US" baseline="0" dirty="0"/>
-              <a:t>, </a:t>
-            </a:r>
-            <a:r>
-              <a:rPr lang="en-US" baseline="0" dirty="0" err="1"/>
-              <a:t>sofern</a:t>
-            </a:r>
-            <a:r>
-              <a:rPr lang="en-US" baseline="0" dirty="0"/>
-              <a:t> </a:t>
-            </a:r>
-            <a:r>
-              <a:rPr lang="en-US" baseline="0" dirty="0" err="1"/>
-              <a:t>der</a:t>
-            </a:r>
-            <a:r>
-              <a:rPr lang="en-US" baseline="0" dirty="0"/>
-              <a:t> User </a:t>
-            </a:r>
-            <a:r>
-              <a:rPr lang="en-US" baseline="0" dirty="0" err="1"/>
-              <a:t>existiert</a:t>
-            </a:r>
-            <a:endParaRPr lang="en-US" dirty="0"/>
+          <a:bodyPr/>
+          <a:lstStyle/>
+          <a:p>
+            <a:r>
+              <a:rPr lang="de-DE" dirty="0"/>
+              <a:t>Als Technologievorgaben bzw. Anforderungen wurden folgende</a:t>
+            </a:r>
+            <a:r>
+              <a:rPr lang="de-DE" baseline="0" dirty="0"/>
+              <a:t> Punkte festgelegt:</a:t>
+            </a:r>
+            <a:endParaRPr lang="de-DE" dirty="0"/>
+          </a:p>
+          <a:p>
+            <a:endParaRPr lang="de-DE" dirty="0"/>
+          </a:p>
+          <a:p>
+            <a:r>
+              <a:rPr lang="de-DE" dirty="0"/>
+              <a:t>Technologien:</a:t>
+            </a:r>
+          </a:p>
+          <a:p>
+            <a:r>
+              <a:rPr lang="de-DE" dirty="0"/>
+              <a:t>-Frontend</a:t>
+            </a:r>
+            <a:r>
+              <a:rPr lang="de-DE" baseline="0" dirty="0"/>
+              <a:t> : UWP</a:t>
+            </a:r>
+          </a:p>
+          <a:p>
+            <a:r>
+              <a:rPr lang="de-DE" baseline="0" dirty="0"/>
+              <a:t>-Backend: .NET Core</a:t>
+            </a:r>
+          </a:p>
+          <a:p>
+            <a:r>
+              <a:rPr lang="de-DE" baseline="0" dirty="0"/>
+              <a:t>-Persistenz: </a:t>
+            </a:r>
+            <a:r>
+              <a:rPr lang="de-DE" baseline="0" dirty="0" err="1"/>
+              <a:t>SQLite</a:t>
+            </a:r>
+            <a:endParaRPr lang="de-DE" baseline="0" dirty="0"/>
           </a:p>
         </p:txBody>
       </p:sp>
@@ -2926,13 +2744,18 @@
             <a:fld id="{B68732DB-8A05-41D1-B8F2-738DFD2104F0}" type="slidenum">
               <a:rPr lang="de-DE" smtClean="0"/>
               <a:pPr/>
-              <a:t>33</a:t>
+              <a:t>24</a:t>
             </a:fld>
             <a:endParaRPr lang="de-DE"/>
           </a:p>
         </p:txBody>
       </p:sp>
     </p:spTree>
+    <p:extLst>
+      <p:ext uri="{BB962C8B-B14F-4D97-AF65-F5344CB8AC3E}">
+        <p14:creationId xmlns:p14="http://schemas.microsoft.com/office/powerpoint/2010/main" xmlns="" val="115103881"/>
+      </p:ext>
+    </p:extLst>
   </p:cSld>
   <p:clrMapOvr>
     <a:masterClrMapping/>
@@ -2988,15 +2811,7 @@
           <a:p>
             <a:r>
               <a:rPr lang="en-US" dirty="0" err="1"/>
-              <a:t>Im</a:t>
-            </a:r>
-            <a:r>
-              <a:rPr lang="en-US" dirty="0"/>
-              <a:t> Frontend </a:t>
-            </a:r>
-            <a:r>
-              <a:rPr lang="en-US" dirty="0" err="1"/>
-              <a:t>selbes</a:t>
+              <a:t>Für</a:t>
             </a:r>
             <a:r>
               <a:rPr lang="en-US" dirty="0"/>
@@ -3004,7 +2819,7 @@
             </a:r>
             <a:r>
               <a:rPr lang="en-US" dirty="0" err="1"/>
-              <a:t>Datenmodell</a:t>
+              <a:t>Interessierte</a:t>
             </a:r>
             <a:r>
               <a:rPr lang="en-US" dirty="0"/>
@@ -3012,44 +2827,183 @@
             </a:r>
             <a:r>
               <a:rPr lang="en-US" dirty="0" err="1"/>
-              <a:t>wie</a:t>
-            </a:r>
-            <a:r>
-              <a:rPr lang="en-US" dirty="0"/>
+              <a:t>eine</a:t>
+            </a:r>
+            <a:r>
+              <a:rPr lang="en-US" baseline="0" dirty="0"/>
               <a:t> </a:t>
             </a:r>
             <a:r>
-              <a:rPr lang="en-US" dirty="0" err="1"/>
-              <a:t>im</a:t>
-            </a:r>
-            <a:r>
-              <a:rPr lang="en-US" dirty="0"/>
-              <a:t> Backend</a:t>
-            </a:r>
-          </a:p>
-          <a:p>
-            <a:endParaRPr lang="en-US" dirty="0"/>
-          </a:p>
-          <a:p>
-            <a:r>
-              <a:rPr lang="en-US" dirty="0"/>
-              <a:t>Backend </a:t>
-            </a:r>
-            <a:r>
-              <a:rPr lang="en-US" dirty="0" err="1"/>
-              <a:t>durch</a:t>
-            </a:r>
-            <a:r>
-              <a:rPr lang="en-US" dirty="0"/>
-              <a:t> Entity</a:t>
+              <a:rPr lang="en-US" baseline="0" dirty="0" err="1"/>
+              <a:t>Inforgrafik</a:t>
             </a:r>
             <a:r>
               <a:rPr lang="en-US" baseline="0" dirty="0"/>
-              <a:t> Framework </a:t>
+              <a:t> </a:t>
             </a:r>
             <a:r>
               <a:rPr lang="en-US" baseline="0" dirty="0" err="1"/>
-              <a:t>erstellt</a:t>
+              <a:t>zu</a:t>
+            </a:r>
+            <a:r>
+              <a:rPr lang="en-US" baseline="0" dirty="0"/>
+              <a:t> .NET Core</a:t>
+            </a:r>
+          </a:p>
+          <a:p>
+            <a:r>
+              <a:rPr lang="en-US" baseline="0" dirty="0"/>
+              <a:t>Man </a:t>
+            </a:r>
+            <a:r>
+              <a:rPr lang="en-US" baseline="0" dirty="0" err="1"/>
+              <a:t>sieht</a:t>
+            </a:r>
+            <a:r>
+              <a:rPr lang="en-US" baseline="0" dirty="0"/>
+              <a:t>, </a:t>
+            </a:r>
+            <a:r>
+              <a:rPr lang="en-US" baseline="0" dirty="0" err="1"/>
+              <a:t>dass</a:t>
+            </a:r>
+            <a:r>
+              <a:rPr lang="en-US" baseline="0" dirty="0"/>
+              <a:t> .NET Core </a:t>
+            </a:r>
+            <a:r>
+              <a:rPr lang="en-US" baseline="0" dirty="0" err="1"/>
+              <a:t>eigenständig</a:t>
+            </a:r>
+            <a:r>
+              <a:rPr lang="en-US" baseline="0" dirty="0"/>
+              <a:t> </a:t>
+            </a:r>
+            <a:r>
+              <a:rPr lang="en-US" baseline="0" dirty="0" err="1"/>
+              <a:t>neben</a:t>
+            </a:r>
+            <a:r>
+              <a:rPr lang="en-US" baseline="0" dirty="0"/>
+              <a:t> </a:t>
+            </a:r>
+            <a:r>
+              <a:rPr lang="en-US" baseline="0" dirty="0" err="1"/>
+              <a:t>dem</a:t>
+            </a:r>
+            <a:r>
+              <a:rPr lang="en-US" baseline="0" dirty="0"/>
+              <a:t> .NET Framework </a:t>
+            </a:r>
+            <a:r>
+              <a:rPr lang="en-US" baseline="0" dirty="0" err="1"/>
+              <a:t>platziert</a:t>
+            </a:r>
+            <a:r>
+              <a:rPr lang="en-US" baseline="0" dirty="0"/>
+              <a:t> </a:t>
+            </a:r>
+            <a:r>
+              <a:rPr lang="en-US" baseline="0" dirty="0" err="1"/>
+              <a:t>wird</a:t>
+            </a:r>
+            <a:endParaRPr lang="en-US" baseline="0" dirty="0"/>
+          </a:p>
+          <a:p>
+            <a:r>
+              <a:rPr lang="en-US" baseline="0" dirty="0"/>
+              <a:t>UWP </a:t>
+            </a:r>
+            <a:r>
+              <a:rPr lang="en-US" baseline="0" dirty="0" err="1"/>
+              <a:t>wäre</a:t>
+            </a:r>
+            <a:r>
+              <a:rPr lang="en-US" baseline="0" dirty="0"/>
+              <a:t> </a:t>
+            </a:r>
+            <a:r>
+              <a:rPr lang="en-US" baseline="0" dirty="0" err="1"/>
+              <a:t>auch</a:t>
+            </a:r>
+            <a:r>
+              <a:rPr lang="en-US" baseline="0" dirty="0"/>
+              <a:t> links </a:t>
+            </a:r>
+            <a:r>
+              <a:rPr lang="en-US" baseline="0" dirty="0" err="1"/>
+              <a:t>vorzufinden</a:t>
+            </a:r>
+            <a:endParaRPr lang="en-US" baseline="0" dirty="0"/>
+          </a:p>
+          <a:p>
+            <a:r>
+              <a:rPr lang="en-US" baseline="0" dirty="0" err="1"/>
+              <a:t>NuGet</a:t>
+            </a:r>
+            <a:r>
+              <a:rPr lang="en-US" baseline="0" dirty="0"/>
+              <a:t> </a:t>
+            </a:r>
+            <a:r>
+              <a:rPr lang="en-US" baseline="0" dirty="0" err="1"/>
+              <a:t>soll</a:t>
+            </a:r>
+            <a:r>
+              <a:rPr lang="en-US" baseline="0" dirty="0"/>
+              <a:t> </a:t>
+            </a:r>
+            <a:r>
+              <a:rPr lang="en-US" baseline="0" dirty="0" err="1"/>
+              <a:t>gemiensam</a:t>
+            </a:r>
+            <a:r>
+              <a:rPr lang="en-US" baseline="0" dirty="0"/>
+              <a:t> </a:t>
+            </a:r>
+            <a:r>
+              <a:rPr lang="en-US" baseline="0" dirty="0" err="1"/>
+              <a:t>genutzt</a:t>
+            </a:r>
+            <a:r>
+              <a:rPr lang="en-US" baseline="0" dirty="0"/>
+              <a:t> </a:t>
+            </a:r>
+            <a:r>
+              <a:rPr lang="en-US" baseline="0" dirty="0" err="1"/>
+              <a:t>werden</a:t>
+            </a:r>
+            <a:r>
+              <a:rPr lang="en-US" baseline="0" dirty="0"/>
+              <a:t> – </a:t>
+            </a:r>
+            <a:r>
+              <a:rPr lang="en-US" baseline="0" dirty="0" err="1"/>
+              <a:t>viele</a:t>
+            </a:r>
+            <a:r>
+              <a:rPr lang="en-US" baseline="0" dirty="0"/>
+              <a:t> Packages </a:t>
+            </a:r>
+            <a:r>
+              <a:rPr lang="en-US" baseline="0" dirty="0" err="1"/>
+              <a:t>gehen</a:t>
+            </a:r>
+            <a:r>
+              <a:rPr lang="en-US" baseline="0" dirty="0"/>
+              <a:t> </a:t>
+            </a:r>
+            <a:r>
+              <a:rPr lang="en-US" baseline="0" dirty="0" err="1"/>
+              <a:t>noch</a:t>
+            </a:r>
+            <a:r>
+              <a:rPr lang="en-US" baseline="0" dirty="0"/>
+              <a:t> </a:t>
+            </a:r>
+            <a:r>
+              <a:rPr lang="en-US" baseline="0" dirty="0" err="1"/>
+              <a:t>nicht</a:t>
             </a:r>
             <a:endParaRPr lang="en-US" dirty="0"/>
           </a:p>
@@ -3073,7 +3027,7 @@
             <a:fld id="{B68732DB-8A05-41D1-B8F2-738DFD2104F0}" type="slidenum">
               <a:rPr lang="de-DE" smtClean="0"/>
               <a:pPr/>
-              <a:t>34</a:t>
+              <a:t>25</a:t>
             </a:fld>
             <a:endParaRPr lang="de-DE"/>
           </a:p>
@@ -3128,48 +3082,184 @@
         </p:nvSpPr>
         <p:spPr/>
         <p:txBody>
-          <a:bodyPr/>
-          <a:lstStyle/>
-          <a:p>
-            <a:r>
-              <a:rPr lang="en-US" dirty="0"/>
-              <a:t>Und am </a:t>
-            </a:r>
+          <a:bodyPr>
+            <a:normAutofit/>
+          </a:bodyPr>
+          <a:lstStyle/>
+          <a:p>
             <a:r>
               <a:rPr lang="en-US" dirty="0" err="1"/>
-              <a:t>Ende</a:t>
-            </a:r>
-            <a:r>
-              <a:rPr lang="en-US" dirty="0"/>
+              <a:t>Folgendem</a:t>
+            </a:r>
+            <a:r>
+              <a:rPr lang="en-US" baseline="0" dirty="0"/>
               <a:t> </a:t>
             </a:r>
             <a:r>
-              <a:rPr lang="en-US" dirty="0" err="1"/>
+              <a:rPr lang="en-US" baseline="0" dirty="0" err="1"/>
+              <a:t>NuGet</a:t>
+            </a:r>
+            <a:r>
+              <a:rPr lang="en-US" baseline="0" dirty="0"/>
+              <a:t>-Packages </a:t>
+            </a:r>
+            <a:r>
+              <a:rPr lang="en-US" baseline="0" dirty="0" err="1"/>
+              <a:t>haben</a:t>
+            </a:r>
+            <a:r>
+              <a:rPr lang="en-US" baseline="0" dirty="0"/>
+              <a:t> </a:t>
+            </a:r>
+            <a:r>
+              <a:rPr lang="en-US" baseline="0" dirty="0" err="1"/>
+              <a:t>wir</a:t>
+            </a:r>
+            <a:r>
+              <a:rPr lang="en-US" baseline="0" dirty="0"/>
+              <a:t> </a:t>
+            </a:r>
+            <a:r>
+              <a:rPr lang="en-US" baseline="0" dirty="0" err="1"/>
+              <a:t>verwendet</a:t>
+            </a:r>
+            <a:r>
+              <a:rPr lang="en-US" baseline="0" dirty="0"/>
+              <a:t>…</a:t>
+            </a:r>
+          </a:p>
+          <a:p>
+            <a:endParaRPr lang="en-US" baseline="0" dirty="0"/>
+          </a:p>
+          <a:p>
+            <a:endParaRPr lang="en-US" baseline="0" dirty="0"/>
+          </a:p>
+          <a:p>
+            <a:r>
+              <a:rPr lang="en-US" baseline="0" dirty="0" err="1"/>
+              <a:t>Abgesehne</a:t>
+            </a:r>
+            <a:r>
+              <a:rPr lang="en-US" baseline="0" dirty="0"/>
+              <a:t> von </a:t>
+            </a:r>
+            <a:r>
+              <a:rPr lang="en-US" baseline="0" dirty="0" err="1"/>
+              <a:t>der</a:t>
+            </a:r>
+            <a:r>
+              <a:rPr lang="en-US" baseline="0" dirty="0"/>
+              <a:t> </a:t>
+            </a:r>
+            <a:r>
+              <a:rPr lang="en-US" baseline="0" dirty="0" err="1"/>
+              <a:t>üblichen</a:t>
+            </a:r>
+            <a:r>
+              <a:rPr lang="en-US" baseline="0" dirty="0"/>
+              <a:t> </a:t>
+            </a:r>
+            <a:r>
+              <a:rPr lang="en-US" baseline="0" dirty="0" err="1"/>
+              <a:t>zusätlichen</a:t>
+            </a:r>
+            <a:r>
+              <a:rPr lang="en-US" baseline="0" dirty="0"/>
+              <a:t> Software </a:t>
+            </a:r>
+            <a:r>
+              <a:rPr lang="en-US" baseline="0" dirty="0" err="1"/>
+              <a:t>wie</a:t>
+            </a:r>
+            <a:r>
+              <a:rPr lang="en-US" baseline="0" dirty="0"/>
+              <a:t> </a:t>
+            </a:r>
+            <a:r>
+              <a:rPr lang="en-US" baseline="0" dirty="0" err="1"/>
+              <a:t>Editoren</a:t>
+            </a:r>
+            <a:r>
+              <a:rPr lang="en-US" baseline="0" dirty="0"/>
+              <a:t> etc. </a:t>
+            </a:r>
+            <a:r>
+              <a:rPr lang="en-US" baseline="0" dirty="0" err="1"/>
+              <a:t>haben</a:t>
+            </a:r>
+            <a:r>
+              <a:rPr lang="en-US" baseline="0" dirty="0"/>
+              <a:t> </a:t>
+            </a:r>
+            <a:r>
+              <a:rPr lang="en-US" baseline="0" dirty="0" err="1"/>
+              <a:t>wir</a:t>
+            </a:r>
+            <a:r>
+              <a:rPr lang="en-US" baseline="0" dirty="0"/>
+              <a:t> </a:t>
+            </a:r>
+            <a:r>
+              <a:rPr lang="en-US" baseline="0" dirty="0" err="1"/>
               <a:t>noch</a:t>
             </a:r>
             <a:r>
-              <a:rPr lang="en-US" dirty="0"/>
+              <a:rPr lang="en-US" baseline="0" dirty="0"/>
+              <a:t> den </a:t>
+            </a:r>
+            <a:r>
+              <a:rPr lang="en-US" baseline="0" dirty="0" err="1"/>
+              <a:t>SQLite</a:t>
+            </a:r>
+            <a:r>
+              <a:rPr lang="en-US" baseline="0" dirty="0"/>
+              <a:t> Browser </a:t>
+            </a:r>
+            <a:r>
+              <a:rPr lang="en-US" baseline="0" dirty="0" err="1"/>
+              <a:t>verwendet</a:t>
+            </a:r>
+            <a:r>
+              <a:rPr lang="en-US" baseline="0" dirty="0"/>
+              <a:t> um die </a:t>
+            </a:r>
+            <a:r>
+              <a:rPr lang="en-US" baseline="0" dirty="0" err="1"/>
+              <a:t>SQLite</a:t>
+            </a:r>
+            <a:r>
+              <a:rPr lang="en-US" baseline="0" dirty="0"/>
               <a:t> </a:t>
             </a:r>
             <a:r>
-              <a:rPr lang="en-US" dirty="0" err="1"/>
-              <a:t>unser</a:t>
-            </a:r>
-            <a:r>
-              <a:rPr lang="en-US" dirty="0"/>
+              <a:rPr lang="en-US" baseline="0" dirty="0" err="1"/>
+              <a:t>Datenbank</a:t>
+            </a:r>
+            <a:r>
+              <a:rPr lang="en-US" baseline="0" dirty="0"/>
               <a:t> </a:t>
             </a:r>
             <a:r>
-              <a:rPr lang="en-US" dirty="0" err="1"/>
-              <a:t>Fazit</a:t>
-            </a:r>
-            <a:r>
-              <a:rPr lang="en-US" dirty="0"/>
-              <a:t>…</a:t>
-            </a:r>
-          </a:p>
-          <a:p>
-            <a:endParaRPr lang="de-DE" dirty="0"/>
+              <a:rPr lang="en-US" baseline="0" dirty="0" err="1"/>
+              <a:t>zu</a:t>
+            </a:r>
+            <a:r>
+              <a:rPr lang="en-US" baseline="0" dirty="0"/>
+              <a:t> </a:t>
+            </a:r>
+            <a:r>
+              <a:rPr lang="en-US" baseline="0" dirty="0" err="1"/>
+              <a:t>erstellen</a:t>
+            </a:r>
+            <a:r>
+              <a:rPr lang="en-US" baseline="0" dirty="0"/>
+              <a:t> und </a:t>
+            </a:r>
+            <a:r>
+              <a:rPr lang="en-US" baseline="0" dirty="0" err="1"/>
+              <a:t>auszulesen</a:t>
+            </a:r>
+            <a:endParaRPr lang="en-US" baseline="0" dirty="0"/>
           </a:p>
         </p:txBody>
       </p:sp>
@@ -3191,18 +3281,13 @@
             <a:fld id="{B68732DB-8A05-41D1-B8F2-738DFD2104F0}" type="slidenum">
               <a:rPr lang="de-DE" smtClean="0"/>
               <a:pPr/>
-              <a:t>35</a:t>
+              <a:t>26</a:t>
             </a:fld>
             <a:endParaRPr lang="de-DE"/>
           </a:p>
         </p:txBody>
       </p:sp>
     </p:spTree>
-    <p:extLst>
-      <p:ext uri="{BB962C8B-B14F-4D97-AF65-F5344CB8AC3E}">
-        <p14:creationId xmlns:p14="http://schemas.microsoft.com/office/powerpoint/2010/main" val="1251892998"/>
-      </p:ext>
-    </p:extLst>
   </p:cSld>
   <p:clrMapOvr>
     <a:masterClrMapping/>
@@ -3255,32 +3340,55 @@
           <a:lstStyle/>
           <a:p>
             <a:r>
-              <a:rPr lang="en-US" dirty="0" err="1"/>
-              <a:t>Habn</a:t>
-            </a:r>
-            <a:r>
-              <a:rPr lang="en-US" dirty="0"/>
-              <a:t> </a:t>
-            </a:r>
-            <a:r>
-              <a:rPr lang="en-US" dirty="0" err="1"/>
-              <a:t>Sie</a:t>
-            </a:r>
-            <a:r>
-              <a:rPr lang="en-US" dirty="0"/>
-              <a:t> </a:t>
-            </a:r>
-            <a:r>
-              <a:rPr lang="en-US" dirty="0" err="1"/>
-              <a:t>noch</a:t>
-            </a:r>
-            <a:r>
-              <a:rPr lang="en-US" dirty="0"/>
-              <a:t> </a:t>
-            </a:r>
-            <a:r>
-              <a:rPr lang="en-US" dirty="0" err="1"/>
-              <a:t>Fragen</a:t>
+              <a:rPr lang="de-DE" dirty="0"/>
+              <a:t>Verwendetes Tool: </a:t>
+            </a:r>
+            <a:r>
+              <a:rPr lang="de-DE" dirty="0" err="1"/>
+              <a:t>Ninjamock</a:t>
+            </a:r>
+            <a:endParaRPr lang="de-DE" dirty="0"/>
+          </a:p>
+          <a:p>
+            <a:endParaRPr lang="de-DE" dirty="0"/>
+          </a:p>
+          <a:p>
+            <a:r>
+              <a:rPr lang="de-DE" dirty="0"/>
+              <a:t>Erste </a:t>
+            </a:r>
+            <a:r>
+              <a:rPr lang="de-DE" dirty="0" err="1"/>
+              <a:t>Mockups</a:t>
+            </a:r>
+            <a:r>
+              <a:rPr lang="de-DE" dirty="0"/>
+              <a:t> waren noch mit </a:t>
+            </a:r>
+            <a:r>
+              <a:rPr lang="de-DE" dirty="0" err="1"/>
+              <a:t>mehrereren</a:t>
+            </a:r>
+            <a:r>
+              <a:rPr lang="de-DE" dirty="0"/>
+              <a:t> Notizen</a:t>
+            </a:r>
+            <a:r>
+              <a:rPr lang="de-DE" baseline="0" dirty="0"/>
+              <a:t> pro Zeile </a:t>
+            </a:r>
+            <a:r>
+              <a:rPr lang="de-DE" baseline="0" dirty="0" smtClean="0"/>
+              <a:t>horizontal</a:t>
+            </a:r>
+          </a:p>
+          <a:p>
+            <a:endParaRPr lang="de-DE" baseline="0" dirty="0" smtClean="0"/>
+          </a:p>
+          <a:p>
+            <a:r>
+              <a:rPr lang="de-DE" baseline="0" dirty="0" smtClean="0"/>
+              <a:t>(Windows Phone)</a:t>
             </a:r>
             <a:endParaRPr lang="de-DE" dirty="0"/>
           </a:p>
@@ -3304,7 +3412,7 @@
             <a:fld id="{B68732DB-8A05-41D1-B8F2-738DFD2104F0}" type="slidenum">
               <a:rPr lang="de-DE" smtClean="0"/>
               <a:pPr/>
-              <a:t>36</a:t>
+              <a:t>27</a:t>
             </a:fld>
             <a:endParaRPr lang="de-DE"/>
           </a:p>
@@ -3313,7 +3421,387 @@
     </p:spTree>
     <p:extLst>
       <p:ext uri="{BB962C8B-B14F-4D97-AF65-F5344CB8AC3E}">
-        <p14:creationId xmlns:p14="http://schemas.microsoft.com/office/powerpoint/2010/main" val="2749048126"/>
+        <p14:creationId xmlns:p14="http://schemas.microsoft.com/office/powerpoint/2010/main" xmlns="" val="3160102417"/>
+      </p:ext>
+    </p:extLst>
+  </p:cSld>
+  <p:clrMapOvr>
+    <a:masterClrMapping/>
+  </p:clrMapOvr>
+</p:notes>
+</file>
+
+<file path=ppt/notesSlides/notesSlide27.xml><?xml version="1.0" encoding="utf-8"?>
+<p:notes xmlns:a="http://schemas.openxmlformats.org/drawingml/2006/main" xmlns:r="http://schemas.openxmlformats.org/officeDocument/2006/relationships" xmlns:p="http://schemas.openxmlformats.org/presentationml/2006/main">
+  <p:cSld>
+    <p:spTree>
+      <p:nvGrpSpPr>
+        <p:cNvPr id="1" name=""/>
+        <p:cNvGrpSpPr/>
+        <p:nvPr/>
+      </p:nvGrpSpPr>
+      <p:grpSpPr>
+        <a:xfrm>
+          <a:off x="0" y="0"/>
+          <a:ext cx="0" cy="0"/>
+          <a:chOff x="0" y="0"/>
+          <a:chExt cx="0" cy="0"/>
+        </a:xfrm>
+      </p:grpSpPr>
+      <p:sp>
+        <p:nvSpPr>
+          <p:cNvPr id="2" name="Folienbildplatzhalter 1"/>
+          <p:cNvSpPr>
+            <a:spLocks noGrp="1" noRot="1" noChangeAspect="1"/>
+          </p:cNvSpPr>
+          <p:nvPr>
+            <p:ph type="sldImg"/>
+          </p:nvPr>
+        </p:nvSpPr>
+        <p:spPr/>
+      </p:sp>
+      <p:sp>
+        <p:nvSpPr>
+          <p:cNvPr id="3" name="Notizenplatzhalter 2"/>
+          <p:cNvSpPr>
+            <a:spLocks noGrp="1"/>
+          </p:cNvSpPr>
+          <p:nvPr>
+            <p:ph type="body" idx="1"/>
+          </p:nvPr>
+        </p:nvSpPr>
+        <p:spPr/>
+        <p:txBody>
+          <a:bodyPr/>
+          <a:lstStyle/>
+          <a:p>
+            <a:r>
+              <a:rPr lang="en-US" dirty="0" err="1"/>
+              <a:t>Danach</a:t>
+            </a:r>
+            <a:r>
+              <a:rPr lang="en-US" dirty="0"/>
+              <a:t> </a:t>
+            </a:r>
+            <a:r>
+              <a:rPr lang="en-US" dirty="0" err="1"/>
+              <a:t>spezifischere</a:t>
+            </a:r>
+            <a:r>
+              <a:rPr lang="en-US" baseline="0" dirty="0"/>
+              <a:t> Mockups, die </a:t>
+            </a:r>
+            <a:r>
+              <a:rPr lang="en-US" baseline="0" dirty="0" err="1"/>
+              <a:t>dann</a:t>
+            </a:r>
+            <a:r>
+              <a:rPr lang="en-US" baseline="0" dirty="0"/>
+              <a:t> </a:t>
+            </a:r>
+            <a:r>
+              <a:rPr lang="en-US" baseline="0" dirty="0" err="1"/>
+              <a:t>auch</a:t>
+            </a:r>
+            <a:r>
+              <a:rPr lang="en-US" baseline="0" dirty="0"/>
+              <a:t> in </a:t>
+            </a:r>
+            <a:r>
+              <a:rPr lang="en-US" baseline="0" dirty="0" err="1"/>
+              <a:t>dieser</a:t>
+            </a:r>
+            <a:r>
+              <a:rPr lang="en-US" baseline="0" dirty="0"/>
+              <a:t> Form </a:t>
+            </a:r>
+            <a:r>
+              <a:rPr lang="en-US" baseline="0" dirty="0" err="1"/>
+              <a:t>beschlossen</a:t>
+            </a:r>
+            <a:r>
+              <a:rPr lang="en-US" baseline="0" dirty="0"/>
+              <a:t> und </a:t>
+            </a:r>
+            <a:r>
+              <a:rPr lang="en-US" baseline="0" dirty="0" err="1"/>
+              <a:t>umgesetzt</a:t>
+            </a:r>
+            <a:r>
+              <a:rPr lang="en-US" baseline="0" dirty="0"/>
+              <a:t> </a:t>
+            </a:r>
+            <a:r>
+              <a:rPr lang="en-US" baseline="0" dirty="0" err="1"/>
+              <a:t>wurden</a:t>
+            </a:r>
+            <a:endParaRPr lang="de-DE" dirty="0"/>
+          </a:p>
+        </p:txBody>
+      </p:sp>
+      <p:sp>
+        <p:nvSpPr>
+          <p:cNvPr id="4" name="Foliennummernplatzhalter 3"/>
+          <p:cNvSpPr>
+            <a:spLocks noGrp="1"/>
+          </p:cNvSpPr>
+          <p:nvPr>
+            <p:ph type="sldNum" sz="quarter" idx="10"/>
+          </p:nvPr>
+        </p:nvSpPr>
+        <p:spPr/>
+        <p:txBody>
+          <a:bodyPr/>
+          <a:lstStyle/>
+          <a:p>
+            <a:fld id="{B68732DB-8A05-41D1-B8F2-738DFD2104F0}" type="slidenum">
+              <a:rPr lang="de-DE" smtClean="0"/>
+              <a:pPr/>
+              <a:t>28</a:t>
+            </a:fld>
+            <a:endParaRPr lang="de-DE"/>
+          </a:p>
+        </p:txBody>
+      </p:sp>
+    </p:spTree>
+    <p:extLst>
+      <p:ext uri="{BB962C8B-B14F-4D97-AF65-F5344CB8AC3E}">
+        <p14:creationId xmlns:p14="http://schemas.microsoft.com/office/powerpoint/2010/main" xmlns="" val="406562286"/>
+      </p:ext>
+    </p:extLst>
+  </p:cSld>
+  <p:clrMapOvr>
+    <a:masterClrMapping/>
+  </p:clrMapOvr>
+</p:notes>
+</file>
+
+<file path=ppt/notesSlides/notesSlide28.xml><?xml version="1.0" encoding="utf-8"?>
+<p:notes xmlns:a="http://schemas.openxmlformats.org/drawingml/2006/main" xmlns:r="http://schemas.openxmlformats.org/officeDocument/2006/relationships" xmlns:p="http://schemas.openxmlformats.org/presentationml/2006/main">
+  <p:cSld>
+    <p:spTree>
+      <p:nvGrpSpPr>
+        <p:cNvPr id="1" name=""/>
+        <p:cNvGrpSpPr/>
+        <p:nvPr/>
+      </p:nvGrpSpPr>
+      <p:grpSpPr>
+        <a:xfrm>
+          <a:off x="0" y="0"/>
+          <a:ext cx="0" cy="0"/>
+          <a:chOff x="0" y="0"/>
+          <a:chExt cx="0" cy="0"/>
+        </a:xfrm>
+      </p:grpSpPr>
+      <p:sp>
+        <p:nvSpPr>
+          <p:cNvPr id="2" name="Folienbildplatzhalter 1"/>
+          <p:cNvSpPr>
+            <a:spLocks noGrp="1" noRot="1" noChangeAspect="1"/>
+          </p:cNvSpPr>
+          <p:nvPr>
+            <p:ph type="sldImg"/>
+          </p:nvPr>
+        </p:nvSpPr>
+        <p:spPr/>
+      </p:sp>
+      <p:sp>
+        <p:nvSpPr>
+          <p:cNvPr id="3" name="Notizenplatzhalter 2"/>
+          <p:cNvSpPr>
+            <a:spLocks noGrp="1"/>
+          </p:cNvSpPr>
+          <p:nvPr>
+            <p:ph type="body" idx="1"/>
+          </p:nvPr>
+        </p:nvSpPr>
+        <p:spPr/>
+        <p:txBody>
+          <a:bodyPr/>
+          <a:lstStyle/>
+          <a:p>
+            <a:r>
+              <a:rPr lang="en-US" dirty="0" err="1"/>
+              <a:t>Hier</a:t>
+            </a:r>
+            <a:r>
+              <a:rPr lang="en-US" baseline="0" dirty="0"/>
+              <a:t> </a:t>
+            </a:r>
+            <a:r>
+              <a:rPr lang="en-US" baseline="0" dirty="0" err="1"/>
+              <a:t>sieht</a:t>
+            </a:r>
+            <a:r>
+              <a:rPr lang="en-US" baseline="0" dirty="0"/>
+              <a:t> man die </a:t>
+            </a:r>
+            <a:r>
+              <a:rPr lang="en-US" baseline="0" dirty="0" err="1"/>
+              <a:t>umgesetzten</a:t>
+            </a:r>
+            <a:r>
+              <a:rPr lang="en-US" baseline="0" dirty="0"/>
+              <a:t> Mockups </a:t>
+            </a:r>
+            <a:r>
+              <a:rPr lang="en-US" baseline="0" dirty="0" err="1"/>
+              <a:t>als</a:t>
+            </a:r>
+            <a:r>
+              <a:rPr lang="en-US" baseline="0" dirty="0"/>
+              <a:t> </a:t>
+            </a:r>
+            <a:r>
+              <a:rPr lang="en-US" baseline="0" dirty="0" smtClean="0"/>
+              <a:t>UWP- </a:t>
+            </a:r>
+            <a:r>
+              <a:rPr lang="en-US" baseline="0" dirty="0"/>
+              <a:t>App</a:t>
+            </a:r>
+            <a:endParaRPr lang="de-DE" dirty="0"/>
+          </a:p>
+        </p:txBody>
+      </p:sp>
+      <p:sp>
+        <p:nvSpPr>
+          <p:cNvPr id="4" name="Foliennummernplatzhalter 3"/>
+          <p:cNvSpPr>
+            <a:spLocks noGrp="1"/>
+          </p:cNvSpPr>
+          <p:nvPr>
+            <p:ph type="sldNum" sz="quarter" idx="10"/>
+          </p:nvPr>
+        </p:nvSpPr>
+        <p:spPr/>
+        <p:txBody>
+          <a:bodyPr/>
+          <a:lstStyle/>
+          <a:p>
+            <a:fld id="{B68732DB-8A05-41D1-B8F2-738DFD2104F0}" type="slidenum">
+              <a:rPr lang="de-DE" smtClean="0"/>
+              <a:pPr/>
+              <a:t>29</a:t>
+            </a:fld>
+            <a:endParaRPr lang="de-DE"/>
+          </a:p>
+        </p:txBody>
+      </p:sp>
+    </p:spTree>
+    <p:extLst>
+      <p:ext uri="{BB962C8B-B14F-4D97-AF65-F5344CB8AC3E}">
+        <p14:creationId xmlns:p14="http://schemas.microsoft.com/office/powerpoint/2010/main" xmlns="" val="851868737"/>
+      </p:ext>
+    </p:extLst>
+  </p:cSld>
+  <p:clrMapOvr>
+    <a:masterClrMapping/>
+  </p:clrMapOvr>
+</p:notes>
+</file>
+
+<file path=ppt/notesSlides/notesSlide29.xml><?xml version="1.0" encoding="utf-8"?>
+<p:notes xmlns:a="http://schemas.openxmlformats.org/drawingml/2006/main" xmlns:r="http://schemas.openxmlformats.org/officeDocument/2006/relationships" xmlns:p="http://schemas.openxmlformats.org/presentationml/2006/main">
+  <p:cSld>
+    <p:spTree>
+      <p:nvGrpSpPr>
+        <p:cNvPr id="1" name=""/>
+        <p:cNvGrpSpPr/>
+        <p:nvPr/>
+      </p:nvGrpSpPr>
+      <p:grpSpPr>
+        <a:xfrm>
+          <a:off x="0" y="0"/>
+          <a:ext cx="0" cy="0"/>
+          <a:chOff x="0" y="0"/>
+          <a:chExt cx="0" cy="0"/>
+        </a:xfrm>
+      </p:grpSpPr>
+      <p:sp>
+        <p:nvSpPr>
+          <p:cNvPr id="2" name="Folienbildplatzhalter 1"/>
+          <p:cNvSpPr>
+            <a:spLocks noGrp="1" noRot="1" noChangeAspect="1"/>
+          </p:cNvSpPr>
+          <p:nvPr>
+            <p:ph type="sldImg"/>
+          </p:nvPr>
+        </p:nvSpPr>
+        <p:spPr/>
+      </p:sp>
+      <p:sp>
+        <p:nvSpPr>
+          <p:cNvPr id="3" name="Notizenplatzhalter 2"/>
+          <p:cNvSpPr>
+            <a:spLocks noGrp="1"/>
+          </p:cNvSpPr>
+          <p:nvPr>
+            <p:ph type="body" idx="1"/>
+          </p:nvPr>
+        </p:nvSpPr>
+        <p:spPr/>
+        <p:txBody>
+          <a:bodyPr/>
+          <a:lstStyle/>
+          <a:p>
+            <a:r>
+              <a:rPr lang="de-DE" dirty="0"/>
+              <a:t>Zusätzlich haben wir Programmablaufpläne</a:t>
+            </a:r>
+            <a:r>
+              <a:rPr lang="de-DE" baseline="0" dirty="0"/>
+              <a:t> erstellt, hier zwei Beispiele</a:t>
+            </a:r>
+          </a:p>
+          <a:p>
+            <a:endParaRPr lang="de-DE" baseline="0" dirty="0"/>
+          </a:p>
+          <a:p>
+            <a:r>
+              <a:rPr lang="de-DE" baseline="0" dirty="0"/>
+              <a:t>Bei diesen Beispielen sind die Routen komplett – </a:t>
+            </a:r>
+            <a:r>
+              <a:rPr lang="de-DE" baseline="0" dirty="0" err="1"/>
+              <a:t>beispielCode</a:t>
+            </a:r>
+            <a:r>
+              <a:rPr lang="de-DE" baseline="0" dirty="0"/>
+              <a:t> folgt auf nächsten Folien</a:t>
+            </a:r>
+            <a:endParaRPr lang="de-DE" dirty="0"/>
+          </a:p>
+        </p:txBody>
+      </p:sp>
+      <p:sp>
+        <p:nvSpPr>
+          <p:cNvPr id="4" name="Foliennummernplatzhalter 3"/>
+          <p:cNvSpPr>
+            <a:spLocks noGrp="1"/>
+          </p:cNvSpPr>
+          <p:nvPr>
+            <p:ph type="sldNum" sz="quarter" idx="10"/>
+          </p:nvPr>
+        </p:nvSpPr>
+        <p:spPr/>
+        <p:txBody>
+          <a:bodyPr/>
+          <a:lstStyle/>
+          <a:p>
+            <a:fld id="{B68732DB-8A05-41D1-B8F2-738DFD2104F0}" type="slidenum">
+              <a:rPr lang="de-DE" smtClean="0"/>
+              <a:pPr/>
+              <a:t>30</a:t>
+            </a:fld>
+            <a:endParaRPr lang="de-DE"/>
+          </a:p>
+        </p:txBody>
+      </p:sp>
+    </p:spTree>
+    <p:extLst>
+      <p:ext uri="{BB962C8B-B14F-4D97-AF65-F5344CB8AC3E}">
+        <p14:creationId xmlns:p14="http://schemas.microsoft.com/office/powerpoint/2010/main" xmlns="" val="2858744506"/>
       </p:ext>
     </p:extLst>
   </p:cSld>
@@ -3368,97 +3856,20 @@
           <a:lstStyle/>
           <a:p>
             <a:r>
-              <a:rPr lang="en-US" dirty="0" err="1"/>
-              <a:t>Zweites</a:t>
-            </a:r>
-            <a:r>
-              <a:rPr lang="en-US" baseline="0" dirty="0"/>
-              <a:t> </a:t>
-            </a:r>
-            <a:r>
-              <a:rPr lang="en-US" baseline="0" dirty="0" err="1"/>
-              <a:t>Beispiel</a:t>
-            </a:r>
-            <a:r>
-              <a:rPr lang="en-US" baseline="0" dirty="0"/>
-              <a:t>: </a:t>
-            </a:r>
-            <a:r>
-              <a:rPr lang="en-US" baseline="0" dirty="0" err="1"/>
-              <a:t>Atlassian’s</a:t>
-            </a:r>
-            <a:r>
-              <a:rPr lang="en-US" baseline="0" dirty="0"/>
-              <a:t> JIRA</a:t>
-            </a:r>
-          </a:p>
-          <a:p>
-            <a:r>
-              <a:rPr lang="en-US" baseline="0" dirty="0" err="1"/>
-              <a:t>wird</a:t>
-            </a:r>
-            <a:r>
-              <a:rPr lang="en-US" baseline="0" dirty="0"/>
-              <a:t> </a:t>
-            </a:r>
-            <a:r>
-              <a:rPr lang="en-US" baseline="0" dirty="0" err="1"/>
-              <a:t>auch</a:t>
-            </a:r>
-            <a:r>
-              <a:rPr lang="en-US" baseline="0" dirty="0"/>
-              <a:t> </a:t>
-            </a:r>
-            <a:r>
-              <a:rPr lang="en-US" baseline="0" dirty="0" err="1"/>
-              <a:t>bei</a:t>
-            </a:r>
-            <a:r>
-              <a:rPr lang="en-US" baseline="0" dirty="0"/>
-              <a:t> SAP </a:t>
-            </a:r>
-            <a:r>
-              <a:rPr lang="en-US" baseline="0" dirty="0" err="1"/>
-              <a:t>verwendet</a:t>
-            </a:r>
-            <a:endParaRPr lang="en-US" baseline="0" dirty="0"/>
-          </a:p>
-          <a:p>
-            <a:r>
-              <a:rPr lang="en-US" baseline="0" dirty="0" err="1"/>
-              <a:t>Sehr</a:t>
-            </a:r>
-            <a:r>
-              <a:rPr lang="en-US" baseline="0" dirty="0"/>
-              <a:t> </a:t>
-            </a:r>
-            <a:r>
-              <a:rPr lang="en-US" baseline="0" dirty="0" err="1"/>
-              <a:t>viele</a:t>
-            </a:r>
-            <a:r>
-              <a:rPr lang="en-US" baseline="0" dirty="0"/>
-              <a:t> </a:t>
-            </a:r>
-            <a:r>
-              <a:rPr lang="en-US" baseline="0" dirty="0" err="1"/>
-              <a:t>Funktionen</a:t>
-            </a:r>
-            <a:r>
-              <a:rPr lang="en-US" baseline="0" dirty="0"/>
-              <a:t>, </a:t>
-            </a:r>
-            <a:r>
-              <a:rPr lang="en-US" baseline="0" dirty="0" err="1"/>
-              <a:t>sehr</a:t>
-            </a:r>
-            <a:r>
-              <a:rPr lang="en-US" baseline="0" dirty="0"/>
-              <a:t> </a:t>
-            </a:r>
-            <a:r>
-              <a:rPr lang="en-US" baseline="0" dirty="0" err="1"/>
-              <a:t>komplex</a:t>
+              <a:rPr lang="de-DE" dirty="0" smtClean="0"/>
+              <a:t>Eine kurze </a:t>
+            </a:r>
+            <a:r>
+              <a:rPr lang="de-DE" dirty="0" err="1" smtClean="0"/>
+              <a:t>Überisch</a:t>
+            </a:r>
+            <a:r>
+              <a:rPr lang="de-DE" dirty="0" smtClean="0"/>
+              <a:t> über</a:t>
+            </a:r>
+            <a:r>
+              <a:rPr lang="de-DE" baseline="0" dirty="0" smtClean="0"/>
+              <a:t> das Projektthema</a:t>
             </a:r>
             <a:endParaRPr lang="de-DE" dirty="0"/>
           </a:p>
@@ -3482,7 +3893,7 @@
             <a:fld id="{B68732DB-8A05-41D1-B8F2-738DFD2104F0}" type="slidenum">
               <a:rPr lang="de-DE" smtClean="0"/>
               <a:pPr/>
-              <a:t>6</a:t>
+              <a:t>4</a:t>
             </a:fld>
             <a:endParaRPr lang="de-DE"/>
           </a:p>
@@ -3491,7 +3902,877 @@
     </p:spTree>
     <p:extLst>
       <p:ext uri="{BB962C8B-B14F-4D97-AF65-F5344CB8AC3E}">
-        <p14:creationId xmlns:p14="http://schemas.microsoft.com/office/powerpoint/2010/main" val="1180736969"/>
+        <p14:creationId xmlns:p14="http://schemas.microsoft.com/office/powerpoint/2010/main" xmlns="" val="1763690643"/>
+      </p:ext>
+    </p:extLst>
+  </p:cSld>
+  <p:clrMapOvr>
+    <a:masterClrMapping/>
+  </p:clrMapOvr>
+</p:notes>
+</file>
+
+<file path=ppt/notesSlides/notesSlide30.xml><?xml version="1.0" encoding="utf-8"?>
+<p:notes xmlns:a="http://schemas.openxmlformats.org/drawingml/2006/main" xmlns:r="http://schemas.openxmlformats.org/officeDocument/2006/relationships" xmlns:p="http://schemas.openxmlformats.org/presentationml/2006/main">
+  <p:cSld>
+    <p:spTree>
+      <p:nvGrpSpPr>
+        <p:cNvPr id="1" name=""/>
+        <p:cNvGrpSpPr/>
+        <p:nvPr/>
+      </p:nvGrpSpPr>
+      <p:grpSpPr>
+        <a:xfrm>
+          <a:off x="0" y="0"/>
+          <a:ext cx="0" cy="0"/>
+          <a:chOff x="0" y="0"/>
+          <a:chExt cx="0" cy="0"/>
+        </a:xfrm>
+      </p:grpSpPr>
+      <p:sp>
+        <p:nvSpPr>
+          <p:cNvPr id="2" name="Folienbildplatzhalter 1"/>
+          <p:cNvSpPr>
+            <a:spLocks noGrp="1" noRot="1" noChangeAspect="1"/>
+          </p:cNvSpPr>
+          <p:nvPr>
+            <p:ph type="sldImg"/>
+          </p:nvPr>
+        </p:nvSpPr>
+        <p:spPr/>
+      </p:sp>
+      <p:sp>
+        <p:nvSpPr>
+          <p:cNvPr id="3" name="Notizenplatzhalter 2"/>
+          <p:cNvSpPr>
+            <a:spLocks noGrp="1"/>
+          </p:cNvSpPr>
+          <p:nvPr>
+            <p:ph type="body" idx="1"/>
+          </p:nvPr>
+        </p:nvSpPr>
+        <p:spPr/>
+        <p:txBody>
+          <a:bodyPr/>
+          <a:lstStyle/>
+          <a:p>
+            <a:r>
+              <a:rPr lang="de-DE" dirty="0"/>
+              <a:t>Prototyp</a:t>
+            </a:r>
+            <a:r>
+              <a:rPr lang="de-DE" baseline="0" dirty="0"/>
+              <a:t> zeigen</a:t>
+            </a:r>
+            <a:endParaRPr lang="de-DE" dirty="0"/>
+          </a:p>
+        </p:txBody>
+      </p:sp>
+      <p:sp>
+        <p:nvSpPr>
+          <p:cNvPr id="4" name="Foliennummernplatzhalter 3"/>
+          <p:cNvSpPr>
+            <a:spLocks noGrp="1"/>
+          </p:cNvSpPr>
+          <p:nvPr>
+            <p:ph type="sldNum" sz="quarter" idx="10"/>
+          </p:nvPr>
+        </p:nvSpPr>
+        <p:spPr/>
+        <p:txBody>
+          <a:bodyPr/>
+          <a:lstStyle/>
+          <a:p>
+            <a:fld id="{B68732DB-8A05-41D1-B8F2-738DFD2104F0}" type="slidenum">
+              <a:rPr lang="de-DE" smtClean="0"/>
+              <a:pPr/>
+              <a:t>31</a:t>
+            </a:fld>
+            <a:endParaRPr lang="de-DE"/>
+          </a:p>
+        </p:txBody>
+      </p:sp>
+    </p:spTree>
+    <p:extLst>
+      <p:ext uri="{BB962C8B-B14F-4D97-AF65-F5344CB8AC3E}">
+        <p14:creationId xmlns:p14="http://schemas.microsoft.com/office/powerpoint/2010/main" xmlns="" val="792622962"/>
+      </p:ext>
+    </p:extLst>
+  </p:cSld>
+  <p:clrMapOvr>
+    <a:masterClrMapping/>
+  </p:clrMapOvr>
+</p:notes>
+</file>
+
+<file path=ppt/notesSlides/notesSlide31.xml><?xml version="1.0" encoding="utf-8"?>
+<p:notes xmlns:a="http://schemas.openxmlformats.org/drawingml/2006/main" xmlns:r="http://schemas.openxmlformats.org/officeDocument/2006/relationships" xmlns:p="http://schemas.openxmlformats.org/presentationml/2006/main">
+  <p:cSld>
+    <p:spTree>
+      <p:nvGrpSpPr>
+        <p:cNvPr id="1" name=""/>
+        <p:cNvGrpSpPr/>
+        <p:nvPr/>
+      </p:nvGrpSpPr>
+      <p:grpSpPr>
+        <a:xfrm>
+          <a:off x="0" y="0"/>
+          <a:ext cx="0" cy="0"/>
+          <a:chOff x="0" y="0"/>
+          <a:chExt cx="0" cy="0"/>
+        </a:xfrm>
+      </p:grpSpPr>
+      <p:sp>
+        <p:nvSpPr>
+          <p:cNvPr id="2" name="Folienbildplatzhalter 1"/>
+          <p:cNvSpPr>
+            <a:spLocks noGrp="1" noRot="1" noChangeAspect="1"/>
+          </p:cNvSpPr>
+          <p:nvPr>
+            <p:ph type="sldImg"/>
+          </p:nvPr>
+        </p:nvSpPr>
+        <p:spPr/>
+      </p:sp>
+      <p:sp>
+        <p:nvSpPr>
+          <p:cNvPr id="3" name="Notizenplatzhalter 2"/>
+          <p:cNvSpPr>
+            <a:spLocks noGrp="1"/>
+          </p:cNvSpPr>
+          <p:nvPr>
+            <p:ph type="body" idx="1"/>
+          </p:nvPr>
+        </p:nvSpPr>
+        <p:spPr/>
+        <p:txBody>
+          <a:bodyPr>
+            <a:normAutofit/>
+          </a:bodyPr>
+          <a:lstStyle/>
+          <a:p>
+            <a:r>
+              <a:rPr lang="en-US" dirty="0" err="1" smtClean="0"/>
+              <a:t>Codebeispiel</a:t>
+            </a:r>
+            <a:r>
+              <a:rPr lang="en-US" dirty="0"/>
+              <a:t>:</a:t>
+            </a:r>
+          </a:p>
+          <a:p>
+            <a:r>
+              <a:rPr lang="en-US" dirty="0" err="1"/>
+              <a:t>Einem</a:t>
+            </a:r>
+            <a:r>
+              <a:rPr lang="en-US" baseline="0" dirty="0"/>
+              <a:t> User </a:t>
+            </a:r>
+            <a:r>
+              <a:rPr lang="en-US" baseline="0" dirty="0" err="1"/>
+              <a:t>zu</a:t>
+            </a:r>
+            <a:r>
+              <a:rPr lang="en-US" baseline="0" dirty="0"/>
+              <a:t> </a:t>
+            </a:r>
+            <a:r>
+              <a:rPr lang="en-US" baseline="0" dirty="0" err="1"/>
+              <a:t>einem</a:t>
+            </a:r>
+            <a:r>
+              <a:rPr lang="en-US" baseline="0" dirty="0"/>
+              <a:t> Board </a:t>
+            </a:r>
+            <a:r>
+              <a:rPr lang="en-US" baseline="0" dirty="0" err="1"/>
+              <a:t>Lese</a:t>
+            </a:r>
+            <a:r>
+              <a:rPr lang="en-US" baseline="0" dirty="0"/>
+              <a:t>- und </a:t>
+            </a:r>
+            <a:r>
+              <a:rPr lang="en-US" baseline="0" dirty="0" err="1"/>
+              <a:t>Schreibrechte</a:t>
+            </a:r>
+            <a:r>
+              <a:rPr lang="en-US" baseline="0" dirty="0"/>
+              <a:t> </a:t>
+            </a:r>
+            <a:r>
+              <a:rPr lang="en-US" baseline="0" dirty="0" err="1"/>
+              <a:t>erteilen</a:t>
+            </a:r>
+            <a:endParaRPr lang="en-US" baseline="0" dirty="0"/>
+          </a:p>
+          <a:p>
+            <a:endParaRPr lang="en-US" baseline="0" dirty="0"/>
+          </a:p>
+          <a:p>
+            <a:r>
+              <a:rPr lang="en-US" baseline="0" dirty="0"/>
+              <a:t>1. </a:t>
+            </a:r>
+            <a:r>
+              <a:rPr lang="en-US" baseline="0" dirty="0" err="1"/>
+              <a:t>Roter</a:t>
+            </a:r>
+            <a:r>
+              <a:rPr lang="en-US" baseline="0" dirty="0"/>
+              <a:t> </a:t>
+            </a:r>
+            <a:r>
+              <a:rPr lang="en-US" baseline="0" dirty="0" err="1"/>
+              <a:t>Kasten</a:t>
+            </a:r>
+            <a:r>
+              <a:rPr lang="en-US" baseline="0" dirty="0"/>
+              <a:t>: Request </a:t>
+            </a:r>
+            <a:r>
+              <a:rPr lang="en-US" baseline="0" dirty="0" err="1"/>
+              <a:t>absenden</a:t>
+            </a:r>
+            <a:endParaRPr lang="en-US" baseline="0" dirty="0"/>
+          </a:p>
+          <a:p>
+            <a:r>
+              <a:rPr lang="en-US" baseline="0" dirty="0"/>
+              <a:t>2. </a:t>
+            </a:r>
+            <a:r>
+              <a:rPr lang="en-US" baseline="0" dirty="0" err="1"/>
+              <a:t>Roter</a:t>
+            </a:r>
+            <a:r>
+              <a:rPr lang="en-US" baseline="0" dirty="0"/>
+              <a:t> </a:t>
+            </a:r>
+            <a:r>
+              <a:rPr lang="en-US" baseline="0" dirty="0" err="1"/>
+              <a:t>Kasten</a:t>
+            </a:r>
+            <a:r>
+              <a:rPr lang="en-US" baseline="0" dirty="0"/>
+              <a:t>: Backend </a:t>
+            </a:r>
+            <a:r>
+              <a:rPr lang="en-US" baseline="0" dirty="0" err="1"/>
+              <a:t>sendet</a:t>
+            </a:r>
+            <a:r>
+              <a:rPr lang="en-US" baseline="0" dirty="0"/>
+              <a:t> </a:t>
+            </a:r>
+            <a:r>
+              <a:rPr lang="en-US" baseline="0" dirty="0" err="1"/>
+              <a:t>neue</a:t>
+            </a:r>
+            <a:r>
+              <a:rPr lang="en-US" baseline="0" dirty="0"/>
+              <a:t> </a:t>
+            </a:r>
+            <a:r>
+              <a:rPr lang="en-US" baseline="0" dirty="0" err="1"/>
+              <a:t>UserListe</a:t>
+            </a:r>
+            <a:r>
+              <a:rPr lang="en-US" baseline="0" dirty="0"/>
+              <a:t> </a:t>
+            </a:r>
+            <a:r>
+              <a:rPr lang="en-US" baseline="0" dirty="0" err="1"/>
+              <a:t>für</a:t>
+            </a:r>
+            <a:r>
+              <a:rPr lang="en-US" baseline="0" dirty="0"/>
+              <a:t> dieses Board </a:t>
+            </a:r>
+            <a:r>
+              <a:rPr lang="en-US" baseline="0" dirty="0" err="1"/>
+              <a:t>zurück</a:t>
+            </a:r>
+            <a:endParaRPr lang="en-US" dirty="0"/>
+          </a:p>
+        </p:txBody>
+      </p:sp>
+      <p:sp>
+        <p:nvSpPr>
+          <p:cNvPr id="4" name="Foliennummernplatzhalter 3"/>
+          <p:cNvSpPr>
+            <a:spLocks noGrp="1"/>
+          </p:cNvSpPr>
+          <p:nvPr>
+            <p:ph type="sldNum" sz="quarter" idx="10"/>
+          </p:nvPr>
+        </p:nvSpPr>
+        <p:spPr/>
+        <p:txBody>
+          <a:bodyPr/>
+          <a:lstStyle/>
+          <a:p>
+            <a:fld id="{B68732DB-8A05-41D1-B8F2-738DFD2104F0}" type="slidenum">
+              <a:rPr lang="de-DE" smtClean="0"/>
+              <a:pPr/>
+              <a:t>32</a:t>
+            </a:fld>
+            <a:endParaRPr lang="de-DE"/>
+          </a:p>
+        </p:txBody>
+      </p:sp>
+    </p:spTree>
+  </p:cSld>
+  <p:clrMapOvr>
+    <a:masterClrMapping/>
+  </p:clrMapOvr>
+</p:notes>
+</file>
+
+<file path=ppt/notesSlides/notesSlide32.xml><?xml version="1.0" encoding="utf-8"?>
+<p:notes xmlns:a="http://schemas.openxmlformats.org/drawingml/2006/main" xmlns:r="http://schemas.openxmlformats.org/officeDocument/2006/relationships" xmlns:p="http://schemas.openxmlformats.org/presentationml/2006/main">
+  <p:cSld>
+    <p:spTree>
+      <p:nvGrpSpPr>
+        <p:cNvPr id="1" name=""/>
+        <p:cNvGrpSpPr/>
+        <p:nvPr/>
+      </p:nvGrpSpPr>
+      <p:grpSpPr>
+        <a:xfrm>
+          <a:off x="0" y="0"/>
+          <a:ext cx="0" cy="0"/>
+          <a:chOff x="0" y="0"/>
+          <a:chExt cx="0" cy="0"/>
+        </a:xfrm>
+      </p:grpSpPr>
+      <p:sp>
+        <p:nvSpPr>
+          <p:cNvPr id="2" name="Folienbildplatzhalter 1"/>
+          <p:cNvSpPr>
+            <a:spLocks noGrp="1" noRot="1" noChangeAspect="1"/>
+          </p:cNvSpPr>
+          <p:nvPr>
+            <p:ph type="sldImg"/>
+          </p:nvPr>
+        </p:nvSpPr>
+        <p:spPr/>
+      </p:sp>
+      <p:sp>
+        <p:nvSpPr>
+          <p:cNvPr id="3" name="Notizenplatzhalter 2"/>
+          <p:cNvSpPr>
+            <a:spLocks noGrp="1"/>
+          </p:cNvSpPr>
+          <p:nvPr>
+            <p:ph type="body" idx="1"/>
+          </p:nvPr>
+        </p:nvSpPr>
+        <p:spPr/>
+        <p:txBody>
+          <a:bodyPr>
+            <a:normAutofit/>
+          </a:bodyPr>
+          <a:lstStyle/>
+          <a:p>
+            <a:r>
+              <a:rPr lang="en-US" dirty="0" err="1" smtClean="0"/>
+              <a:t>Hier</a:t>
+            </a:r>
+            <a:r>
+              <a:rPr lang="en-US" dirty="0" smtClean="0"/>
+              <a:t> </a:t>
+            </a:r>
+            <a:r>
+              <a:rPr lang="en-US" dirty="0" err="1"/>
+              <a:t>derselbe</a:t>
+            </a:r>
+            <a:r>
+              <a:rPr lang="en-US" baseline="0" dirty="0"/>
+              <a:t> Code auf Backend </a:t>
+            </a:r>
+            <a:r>
+              <a:rPr lang="en-US" baseline="0" dirty="0" err="1"/>
+              <a:t>Seite</a:t>
+            </a:r>
+            <a:endParaRPr lang="en-US" baseline="0" dirty="0"/>
+          </a:p>
+          <a:p>
+            <a:r>
+              <a:rPr lang="en-US" baseline="0" dirty="0"/>
+              <a:t>Die </a:t>
+            </a:r>
+            <a:r>
+              <a:rPr lang="en-US" baseline="0" dirty="0" err="1"/>
+              <a:t>neuen</a:t>
+            </a:r>
+            <a:r>
+              <a:rPr lang="en-US" baseline="0" dirty="0"/>
+              <a:t> </a:t>
+            </a:r>
+            <a:r>
+              <a:rPr lang="en-US" baseline="0" dirty="0" err="1"/>
+              <a:t>Rechte</a:t>
+            </a:r>
+            <a:r>
+              <a:rPr lang="en-US" baseline="0" dirty="0"/>
+              <a:t> des Users </a:t>
+            </a:r>
+            <a:r>
+              <a:rPr lang="en-US" baseline="0" dirty="0" err="1"/>
+              <a:t>werden</a:t>
+            </a:r>
+            <a:r>
+              <a:rPr lang="en-US" baseline="0" dirty="0"/>
+              <a:t> in die </a:t>
+            </a:r>
+            <a:r>
+              <a:rPr lang="en-US" baseline="0" dirty="0" err="1"/>
+              <a:t>Datenbank</a:t>
+            </a:r>
+            <a:r>
+              <a:rPr lang="en-US" baseline="0" dirty="0"/>
+              <a:t> </a:t>
+            </a:r>
+            <a:r>
+              <a:rPr lang="en-US" baseline="0" dirty="0" err="1"/>
+              <a:t>geschrieben</a:t>
+            </a:r>
+            <a:r>
+              <a:rPr lang="en-US" baseline="0" dirty="0"/>
+              <a:t>, </a:t>
+            </a:r>
+            <a:r>
+              <a:rPr lang="en-US" baseline="0" dirty="0" err="1"/>
+              <a:t>sofern</a:t>
+            </a:r>
+            <a:r>
+              <a:rPr lang="en-US" baseline="0" dirty="0"/>
+              <a:t> </a:t>
+            </a:r>
+            <a:r>
+              <a:rPr lang="en-US" baseline="0" dirty="0" err="1"/>
+              <a:t>der</a:t>
+            </a:r>
+            <a:r>
+              <a:rPr lang="en-US" baseline="0" dirty="0"/>
+              <a:t> User </a:t>
+            </a:r>
+            <a:r>
+              <a:rPr lang="en-US" baseline="0" dirty="0" err="1"/>
+              <a:t>existiert</a:t>
+            </a:r>
+            <a:endParaRPr lang="en-US" dirty="0"/>
+          </a:p>
+        </p:txBody>
+      </p:sp>
+      <p:sp>
+        <p:nvSpPr>
+          <p:cNvPr id="4" name="Foliennummernplatzhalter 3"/>
+          <p:cNvSpPr>
+            <a:spLocks noGrp="1"/>
+          </p:cNvSpPr>
+          <p:nvPr>
+            <p:ph type="sldNum" sz="quarter" idx="10"/>
+          </p:nvPr>
+        </p:nvSpPr>
+        <p:spPr/>
+        <p:txBody>
+          <a:bodyPr/>
+          <a:lstStyle/>
+          <a:p>
+            <a:fld id="{B68732DB-8A05-41D1-B8F2-738DFD2104F0}" type="slidenum">
+              <a:rPr lang="de-DE" smtClean="0"/>
+              <a:pPr/>
+              <a:t>33</a:t>
+            </a:fld>
+            <a:endParaRPr lang="de-DE"/>
+          </a:p>
+        </p:txBody>
+      </p:sp>
+    </p:spTree>
+  </p:cSld>
+  <p:clrMapOvr>
+    <a:masterClrMapping/>
+  </p:clrMapOvr>
+</p:notes>
+</file>
+
+<file path=ppt/notesSlides/notesSlide33.xml><?xml version="1.0" encoding="utf-8"?>
+<p:notes xmlns:a="http://schemas.openxmlformats.org/drawingml/2006/main" xmlns:r="http://schemas.openxmlformats.org/officeDocument/2006/relationships" xmlns:p="http://schemas.openxmlformats.org/presentationml/2006/main">
+  <p:cSld>
+    <p:spTree>
+      <p:nvGrpSpPr>
+        <p:cNvPr id="1" name=""/>
+        <p:cNvGrpSpPr/>
+        <p:nvPr/>
+      </p:nvGrpSpPr>
+      <p:grpSpPr>
+        <a:xfrm>
+          <a:off x="0" y="0"/>
+          <a:ext cx="0" cy="0"/>
+          <a:chOff x="0" y="0"/>
+          <a:chExt cx="0" cy="0"/>
+        </a:xfrm>
+      </p:grpSpPr>
+      <p:sp>
+        <p:nvSpPr>
+          <p:cNvPr id="2" name="Folienbildplatzhalter 1"/>
+          <p:cNvSpPr>
+            <a:spLocks noGrp="1" noRot="1" noChangeAspect="1"/>
+          </p:cNvSpPr>
+          <p:nvPr>
+            <p:ph type="sldImg"/>
+          </p:nvPr>
+        </p:nvSpPr>
+        <p:spPr/>
+      </p:sp>
+      <p:sp>
+        <p:nvSpPr>
+          <p:cNvPr id="3" name="Notizenplatzhalter 2"/>
+          <p:cNvSpPr>
+            <a:spLocks noGrp="1"/>
+          </p:cNvSpPr>
+          <p:nvPr>
+            <p:ph type="body" idx="1"/>
+          </p:nvPr>
+        </p:nvSpPr>
+        <p:spPr/>
+        <p:txBody>
+          <a:bodyPr>
+            <a:normAutofit/>
+          </a:bodyPr>
+          <a:lstStyle/>
+          <a:p>
+            <a:r>
+              <a:rPr lang="en-US" dirty="0" err="1"/>
+              <a:t>Im</a:t>
+            </a:r>
+            <a:r>
+              <a:rPr lang="en-US" dirty="0"/>
+              <a:t> Frontend </a:t>
+            </a:r>
+            <a:r>
+              <a:rPr lang="en-US" dirty="0" err="1"/>
+              <a:t>selbes</a:t>
+            </a:r>
+            <a:r>
+              <a:rPr lang="en-US" dirty="0"/>
+              <a:t> </a:t>
+            </a:r>
+            <a:r>
+              <a:rPr lang="en-US" dirty="0" err="1"/>
+              <a:t>Datenmodell</a:t>
+            </a:r>
+            <a:r>
+              <a:rPr lang="en-US" dirty="0"/>
+              <a:t> </a:t>
+            </a:r>
+            <a:r>
+              <a:rPr lang="en-US" dirty="0" err="1"/>
+              <a:t>wie</a:t>
+            </a:r>
+            <a:r>
+              <a:rPr lang="en-US" dirty="0"/>
+              <a:t> </a:t>
+            </a:r>
+            <a:r>
+              <a:rPr lang="en-US" dirty="0" err="1"/>
+              <a:t>im</a:t>
+            </a:r>
+            <a:r>
+              <a:rPr lang="en-US" dirty="0"/>
+              <a:t> Backend</a:t>
+            </a:r>
+          </a:p>
+          <a:p>
+            <a:endParaRPr lang="en-US" dirty="0"/>
+          </a:p>
+          <a:p>
+            <a:r>
+              <a:rPr lang="en-US" dirty="0"/>
+              <a:t>Backend </a:t>
+            </a:r>
+            <a:r>
+              <a:rPr lang="en-US" dirty="0" err="1"/>
+              <a:t>durch</a:t>
+            </a:r>
+            <a:r>
+              <a:rPr lang="en-US" dirty="0"/>
+              <a:t> Entity</a:t>
+            </a:r>
+            <a:r>
+              <a:rPr lang="en-US" baseline="0" dirty="0"/>
+              <a:t> Framework </a:t>
+            </a:r>
+            <a:r>
+              <a:rPr lang="en-US" baseline="0" dirty="0" err="1"/>
+              <a:t>erstellt</a:t>
+            </a:r>
+            <a:endParaRPr lang="en-US" dirty="0"/>
+          </a:p>
+        </p:txBody>
+      </p:sp>
+      <p:sp>
+        <p:nvSpPr>
+          <p:cNvPr id="4" name="Foliennummernplatzhalter 3"/>
+          <p:cNvSpPr>
+            <a:spLocks noGrp="1"/>
+          </p:cNvSpPr>
+          <p:nvPr>
+            <p:ph type="sldNum" sz="quarter" idx="10"/>
+          </p:nvPr>
+        </p:nvSpPr>
+        <p:spPr/>
+        <p:txBody>
+          <a:bodyPr/>
+          <a:lstStyle/>
+          <a:p>
+            <a:fld id="{B68732DB-8A05-41D1-B8F2-738DFD2104F0}" type="slidenum">
+              <a:rPr lang="de-DE" smtClean="0"/>
+              <a:pPr/>
+              <a:t>34</a:t>
+            </a:fld>
+            <a:endParaRPr lang="de-DE"/>
+          </a:p>
+        </p:txBody>
+      </p:sp>
+    </p:spTree>
+  </p:cSld>
+  <p:clrMapOvr>
+    <a:masterClrMapping/>
+  </p:clrMapOvr>
+</p:notes>
+</file>
+
+<file path=ppt/notesSlides/notesSlide34.xml><?xml version="1.0" encoding="utf-8"?>
+<p:notes xmlns:a="http://schemas.openxmlformats.org/drawingml/2006/main" xmlns:r="http://schemas.openxmlformats.org/officeDocument/2006/relationships" xmlns:p="http://schemas.openxmlformats.org/presentationml/2006/main">
+  <p:cSld>
+    <p:spTree>
+      <p:nvGrpSpPr>
+        <p:cNvPr id="1" name=""/>
+        <p:cNvGrpSpPr/>
+        <p:nvPr/>
+      </p:nvGrpSpPr>
+      <p:grpSpPr>
+        <a:xfrm>
+          <a:off x="0" y="0"/>
+          <a:ext cx="0" cy="0"/>
+          <a:chOff x="0" y="0"/>
+          <a:chExt cx="0" cy="0"/>
+        </a:xfrm>
+      </p:grpSpPr>
+      <p:sp>
+        <p:nvSpPr>
+          <p:cNvPr id="2" name="Folienbildplatzhalter 1"/>
+          <p:cNvSpPr>
+            <a:spLocks noGrp="1" noRot="1" noChangeAspect="1"/>
+          </p:cNvSpPr>
+          <p:nvPr>
+            <p:ph type="sldImg"/>
+          </p:nvPr>
+        </p:nvSpPr>
+        <p:spPr/>
+      </p:sp>
+      <p:sp>
+        <p:nvSpPr>
+          <p:cNvPr id="3" name="Notizenplatzhalter 2"/>
+          <p:cNvSpPr>
+            <a:spLocks noGrp="1"/>
+          </p:cNvSpPr>
+          <p:nvPr>
+            <p:ph type="body" idx="1"/>
+          </p:nvPr>
+        </p:nvSpPr>
+        <p:spPr/>
+        <p:txBody>
+          <a:bodyPr/>
+          <a:lstStyle/>
+          <a:p>
+            <a:r>
+              <a:rPr lang="en-US" dirty="0"/>
+              <a:t>Und am </a:t>
+            </a:r>
+            <a:r>
+              <a:rPr lang="en-US" dirty="0" err="1"/>
+              <a:t>Ende</a:t>
+            </a:r>
+            <a:r>
+              <a:rPr lang="en-US" dirty="0"/>
+              <a:t> </a:t>
+            </a:r>
+            <a:r>
+              <a:rPr lang="en-US" dirty="0" err="1"/>
+              <a:t>noch</a:t>
+            </a:r>
+            <a:r>
+              <a:rPr lang="en-US" dirty="0"/>
+              <a:t> </a:t>
+            </a:r>
+            <a:r>
+              <a:rPr lang="en-US" dirty="0" err="1"/>
+              <a:t>unser</a:t>
+            </a:r>
+            <a:r>
+              <a:rPr lang="en-US" dirty="0"/>
+              <a:t> </a:t>
+            </a:r>
+            <a:r>
+              <a:rPr lang="en-US" dirty="0" err="1"/>
+              <a:t>Fazit</a:t>
+            </a:r>
+            <a:r>
+              <a:rPr lang="en-US" dirty="0"/>
+              <a:t>…</a:t>
+            </a:r>
+          </a:p>
+          <a:p>
+            <a:endParaRPr lang="de-DE" dirty="0"/>
+          </a:p>
+        </p:txBody>
+      </p:sp>
+      <p:sp>
+        <p:nvSpPr>
+          <p:cNvPr id="4" name="Foliennummernplatzhalter 3"/>
+          <p:cNvSpPr>
+            <a:spLocks noGrp="1"/>
+          </p:cNvSpPr>
+          <p:nvPr>
+            <p:ph type="sldNum" sz="quarter" idx="10"/>
+          </p:nvPr>
+        </p:nvSpPr>
+        <p:spPr/>
+        <p:txBody>
+          <a:bodyPr/>
+          <a:lstStyle/>
+          <a:p>
+            <a:fld id="{B68732DB-8A05-41D1-B8F2-738DFD2104F0}" type="slidenum">
+              <a:rPr lang="de-DE" smtClean="0"/>
+              <a:pPr/>
+              <a:t>35</a:t>
+            </a:fld>
+            <a:endParaRPr lang="de-DE"/>
+          </a:p>
+        </p:txBody>
+      </p:sp>
+    </p:spTree>
+    <p:extLst>
+      <p:ext uri="{BB962C8B-B14F-4D97-AF65-F5344CB8AC3E}">
+        <p14:creationId xmlns:p14="http://schemas.microsoft.com/office/powerpoint/2010/main" xmlns="" val="1251892998"/>
+      </p:ext>
+    </p:extLst>
+  </p:cSld>
+  <p:clrMapOvr>
+    <a:masterClrMapping/>
+  </p:clrMapOvr>
+</p:notes>
+</file>
+
+<file path=ppt/notesSlides/notesSlide35.xml><?xml version="1.0" encoding="utf-8"?>
+<p:notes xmlns:a="http://schemas.openxmlformats.org/drawingml/2006/main" xmlns:r="http://schemas.openxmlformats.org/officeDocument/2006/relationships" xmlns:p="http://schemas.openxmlformats.org/presentationml/2006/main">
+  <p:cSld>
+    <p:spTree>
+      <p:nvGrpSpPr>
+        <p:cNvPr id="1" name=""/>
+        <p:cNvGrpSpPr/>
+        <p:nvPr/>
+      </p:nvGrpSpPr>
+      <p:grpSpPr>
+        <a:xfrm>
+          <a:off x="0" y="0"/>
+          <a:ext cx="0" cy="0"/>
+          <a:chOff x="0" y="0"/>
+          <a:chExt cx="0" cy="0"/>
+        </a:xfrm>
+      </p:grpSpPr>
+      <p:sp>
+        <p:nvSpPr>
+          <p:cNvPr id="2" name="Folienbildplatzhalter 1"/>
+          <p:cNvSpPr>
+            <a:spLocks noGrp="1" noRot="1" noChangeAspect="1"/>
+          </p:cNvSpPr>
+          <p:nvPr>
+            <p:ph type="sldImg"/>
+          </p:nvPr>
+        </p:nvSpPr>
+        <p:spPr/>
+      </p:sp>
+      <p:sp>
+        <p:nvSpPr>
+          <p:cNvPr id="3" name="Notizenplatzhalter 2"/>
+          <p:cNvSpPr>
+            <a:spLocks noGrp="1"/>
+          </p:cNvSpPr>
+          <p:nvPr>
+            <p:ph type="body" idx="1"/>
+          </p:nvPr>
+        </p:nvSpPr>
+        <p:spPr/>
+        <p:txBody>
+          <a:bodyPr/>
+          <a:lstStyle/>
+          <a:p>
+            <a:r>
+              <a:rPr lang="en-US" dirty="0" err="1" smtClean="0"/>
+              <a:t>Haben</a:t>
+            </a:r>
+            <a:r>
+              <a:rPr lang="en-US" dirty="0" smtClean="0"/>
+              <a:t> </a:t>
+            </a:r>
+            <a:r>
+              <a:rPr lang="en-US" dirty="0" err="1"/>
+              <a:t>Sie</a:t>
+            </a:r>
+            <a:r>
+              <a:rPr lang="en-US" dirty="0"/>
+              <a:t> </a:t>
+            </a:r>
+            <a:r>
+              <a:rPr lang="en-US" dirty="0" err="1"/>
+              <a:t>noch</a:t>
+            </a:r>
+            <a:r>
+              <a:rPr lang="en-US" dirty="0"/>
+              <a:t> </a:t>
+            </a:r>
+            <a:r>
+              <a:rPr lang="en-US" dirty="0" err="1"/>
+              <a:t>Fragen</a:t>
+            </a:r>
+            <a:endParaRPr lang="de-DE" dirty="0"/>
+          </a:p>
+        </p:txBody>
+      </p:sp>
+      <p:sp>
+        <p:nvSpPr>
+          <p:cNvPr id="4" name="Foliennummernplatzhalter 3"/>
+          <p:cNvSpPr>
+            <a:spLocks noGrp="1"/>
+          </p:cNvSpPr>
+          <p:nvPr>
+            <p:ph type="sldNum" sz="quarter" idx="10"/>
+          </p:nvPr>
+        </p:nvSpPr>
+        <p:spPr/>
+        <p:txBody>
+          <a:bodyPr/>
+          <a:lstStyle/>
+          <a:p>
+            <a:fld id="{B68732DB-8A05-41D1-B8F2-738DFD2104F0}" type="slidenum">
+              <a:rPr lang="de-DE" smtClean="0"/>
+              <a:pPr/>
+              <a:t>36</a:t>
+            </a:fld>
+            <a:endParaRPr lang="de-DE"/>
+          </a:p>
+        </p:txBody>
+      </p:sp>
+    </p:spTree>
+    <p:extLst>
+      <p:ext uri="{BB962C8B-B14F-4D97-AF65-F5344CB8AC3E}">
+        <p14:creationId xmlns:p14="http://schemas.microsoft.com/office/powerpoint/2010/main" xmlns="" val="2749048126"/>
       </p:ext>
     </p:extLst>
   </p:cSld>
@@ -3542,32 +4823,100 @@
         </p:nvSpPr>
         <p:spPr/>
         <p:txBody>
-          <a:bodyPr/>
-          <a:lstStyle/>
-          <a:p>
-            <a:r>
-              <a:rPr lang="de-DE" dirty="0"/>
-              <a:t>Ein Beispiel aus dem App Store, dort gibt</a:t>
-            </a:r>
-            <a:r>
-              <a:rPr lang="de-DE" baseline="0" dirty="0"/>
-              <a:t> es einige </a:t>
-            </a:r>
-            <a:r>
-              <a:rPr lang="de-DE" baseline="0" dirty="0" err="1"/>
-              <a:t>KanBan</a:t>
-            </a:r>
-            <a:r>
-              <a:rPr lang="de-DE" baseline="0" dirty="0"/>
-              <a:t>-Apps</a:t>
-            </a:r>
-          </a:p>
-          <a:p>
-            <a:r>
-              <a:rPr lang="de-DE" baseline="0" dirty="0"/>
-              <a:t>Diese ist kostenfrei</a:t>
-            </a:r>
-            <a:endParaRPr lang="de-DE" dirty="0"/>
+          <a:bodyPr>
+            <a:normAutofit/>
+          </a:bodyPr>
+          <a:lstStyle/>
+          <a:p>
+            <a:r>
+              <a:rPr lang="en-US" dirty="0" smtClean="0"/>
+              <a:t>An </a:t>
+            </a:r>
+            <a:r>
+              <a:rPr lang="en-US" dirty="0" err="1" smtClean="0"/>
+              <a:t>ähnlicher</a:t>
+            </a:r>
+            <a:r>
+              <a:rPr lang="en-US" dirty="0" smtClean="0"/>
+              <a:t> Software </a:t>
+            </a:r>
+            <a:r>
+              <a:rPr lang="en-US" dirty="0" err="1" smtClean="0"/>
+              <a:t>haben</a:t>
+            </a:r>
+            <a:r>
+              <a:rPr lang="en-US" baseline="0" dirty="0" smtClean="0"/>
+              <a:t> </a:t>
+            </a:r>
+            <a:r>
+              <a:rPr lang="en-US" baseline="0" dirty="0" err="1" smtClean="0"/>
+              <a:t>wir</a:t>
+            </a:r>
+            <a:r>
+              <a:rPr lang="en-US" baseline="0" dirty="0" smtClean="0"/>
+              <a:t> </a:t>
+            </a:r>
+            <a:r>
+              <a:rPr lang="en-US" baseline="0" dirty="0" err="1" smtClean="0"/>
+              <a:t>hier</a:t>
+            </a:r>
+            <a:r>
+              <a:rPr lang="en-US" baseline="0" dirty="0" smtClean="0"/>
+              <a:t> </a:t>
+            </a:r>
+            <a:r>
+              <a:rPr lang="en-US" baseline="0" dirty="0" err="1" smtClean="0"/>
+              <a:t>Trello</a:t>
+            </a:r>
+            <a:r>
+              <a:rPr lang="en-US" baseline="0" dirty="0" smtClean="0"/>
+              <a:t>, das </a:t>
+            </a:r>
+            <a:r>
+              <a:rPr lang="en-US" baseline="0" dirty="0" err="1" smtClean="0"/>
+              <a:t>sollte</a:t>
+            </a:r>
+            <a:r>
+              <a:rPr lang="en-US" baseline="0" dirty="0" smtClean="0"/>
+              <a:t> </a:t>
+            </a:r>
+            <a:r>
+              <a:rPr lang="en-US" baseline="0" dirty="0" err="1" smtClean="0"/>
+              <a:t>jeder</a:t>
+            </a:r>
+            <a:r>
+              <a:rPr lang="en-US" baseline="0" dirty="0" smtClean="0"/>
+              <a:t> </a:t>
+            </a:r>
+            <a:r>
+              <a:rPr lang="en-US" baseline="0" dirty="0" err="1" smtClean="0"/>
+              <a:t>aus</a:t>
+            </a:r>
+            <a:r>
+              <a:rPr lang="en-US" baseline="0" dirty="0" smtClean="0"/>
+              <a:t> </a:t>
+            </a:r>
+            <a:r>
+              <a:rPr lang="en-US" baseline="0" dirty="0" err="1" smtClean="0"/>
+              <a:t>vorgehenden</a:t>
+            </a:r>
+            <a:r>
+              <a:rPr lang="en-US" baseline="0" dirty="0" smtClean="0"/>
+              <a:t> </a:t>
+            </a:r>
+            <a:r>
+              <a:rPr lang="en-US" baseline="0" dirty="0" err="1" smtClean="0"/>
+              <a:t>Vorlesungen</a:t>
+            </a:r>
+            <a:r>
+              <a:rPr lang="en-US" baseline="0" dirty="0" smtClean="0"/>
+              <a:t> </a:t>
+            </a:r>
+            <a:r>
+              <a:rPr lang="en-US" baseline="0" dirty="0" err="1" smtClean="0"/>
+              <a:t>kennen</a:t>
+            </a:r>
+            <a:endParaRPr lang="en-US" dirty="0"/>
           </a:p>
         </p:txBody>
       </p:sp>
@@ -3589,18 +4938,13 @@
             <a:fld id="{B68732DB-8A05-41D1-B8F2-738DFD2104F0}" type="slidenum">
               <a:rPr lang="de-DE" smtClean="0"/>
               <a:pPr/>
-              <a:t>7</a:t>
+              <a:t>5</a:t>
             </a:fld>
             <a:endParaRPr lang="de-DE"/>
           </a:p>
         </p:txBody>
       </p:sp>
     </p:spTree>
-    <p:extLst>
-      <p:ext uri="{BB962C8B-B14F-4D97-AF65-F5344CB8AC3E}">
-        <p14:creationId xmlns:p14="http://schemas.microsoft.com/office/powerpoint/2010/main" val="3180063279"/>
-      </p:ext>
-    </p:extLst>
   </p:cSld>
   <p:clrMapOvr>
     <a:masterClrMapping/>
@@ -3653,28 +4997,99 @@
           <a:lstStyle/>
           <a:p>
             <a:r>
-              <a:rPr lang="de-DE" dirty="0"/>
-              <a:t>Kommunikationswege: WhatsApp,</a:t>
-            </a:r>
-            <a:r>
-              <a:rPr lang="de-DE" baseline="0" dirty="0"/>
-              <a:t> Skype, etc.</a:t>
-            </a:r>
-          </a:p>
-          <a:p>
-            <a:endParaRPr lang="de-DE" baseline="0" dirty="0"/>
-          </a:p>
-          <a:p>
-            <a:r>
-              <a:rPr lang="de-DE" baseline="0" dirty="0"/>
-              <a:t>Team Meetings waren immer persönlich, so kann besser über Skizzen und Abläufe gesprochen werden</a:t>
-            </a:r>
-          </a:p>
-          <a:p>
-            <a:endParaRPr lang="de-DE" baseline="0" dirty="0"/>
-          </a:p>
-          <a:p>
-            <a:endParaRPr lang="de-DE" baseline="0" dirty="0"/>
+              <a:rPr lang="en-US" dirty="0" err="1"/>
+              <a:t>Zweites</a:t>
+            </a:r>
+            <a:r>
+              <a:rPr lang="en-US" baseline="0" dirty="0"/>
+              <a:t> </a:t>
+            </a:r>
+            <a:r>
+              <a:rPr lang="en-US" baseline="0" dirty="0" err="1"/>
+              <a:t>Beispiel</a:t>
+            </a:r>
+            <a:r>
+              <a:rPr lang="en-US" baseline="0" dirty="0"/>
+              <a:t>: </a:t>
+            </a:r>
+            <a:r>
+              <a:rPr lang="en-US" baseline="0" dirty="0" err="1"/>
+              <a:t>Atlassian’s</a:t>
+            </a:r>
+            <a:r>
+              <a:rPr lang="en-US" baseline="0" dirty="0"/>
+              <a:t> JIRA</a:t>
+            </a:r>
+          </a:p>
+          <a:p>
+            <a:r>
+              <a:rPr lang="en-US" baseline="0" dirty="0" err="1"/>
+              <a:t>wird</a:t>
+            </a:r>
+            <a:r>
+              <a:rPr lang="en-US" baseline="0" dirty="0"/>
+              <a:t> </a:t>
+            </a:r>
+            <a:r>
+              <a:rPr lang="en-US" baseline="0" dirty="0" err="1"/>
+              <a:t>auch</a:t>
+            </a:r>
+            <a:r>
+              <a:rPr lang="en-US" baseline="0" dirty="0"/>
+              <a:t> </a:t>
+            </a:r>
+            <a:r>
+              <a:rPr lang="en-US" baseline="0" dirty="0" err="1"/>
+              <a:t>bei</a:t>
+            </a:r>
+            <a:r>
+              <a:rPr lang="en-US" baseline="0" dirty="0"/>
+              <a:t> SAP </a:t>
+            </a:r>
+            <a:r>
+              <a:rPr lang="en-US" baseline="0" dirty="0" err="1"/>
+              <a:t>verwendet</a:t>
+            </a:r>
+            <a:endParaRPr lang="en-US" baseline="0" dirty="0"/>
+          </a:p>
+          <a:p>
+            <a:r>
+              <a:rPr lang="en-US" baseline="0" dirty="0" err="1"/>
+              <a:t>Sehr</a:t>
+            </a:r>
+            <a:r>
+              <a:rPr lang="en-US" baseline="0" dirty="0"/>
+              <a:t> </a:t>
+            </a:r>
+            <a:r>
+              <a:rPr lang="en-US" baseline="0" dirty="0" err="1"/>
+              <a:t>viele</a:t>
+            </a:r>
+            <a:r>
+              <a:rPr lang="en-US" baseline="0" dirty="0"/>
+              <a:t> </a:t>
+            </a:r>
+            <a:r>
+              <a:rPr lang="en-US" baseline="0" dirty="0" err="1"/>
+              <a:t>Funktionen</a:t>
+            </a:r>
+            <a:r>
+              <a:rPr lang="en-US" baseline="0" dirty="0"/>
+              <a:t>, </a:t>
+            </a:r>
+            <a:r>
+              <a:rPr lang="en-US" baseline="0" dirty="0" err="1"/>
+              <a:t>sehr</a:t>
+            </a:r>
+            <a:r>
+              <a:rPr lang="en-US" baseline="0" dirty="0"/>
+              <a:t> </a:t>
+            </a:r>
+            <a:r>
+              <a:rPr lang="en-US" baseline="0" dirty="0" err="1"/>
+              <a:t>komplex</a:t>
+            </a:r>
+            <a:endParaRPr lang="de-DE" dirty="0"/>
           </a:p>
         </p:txBody>
       </p:sp>
@@ -3696,7 +5111,7 @@
             <a:fld id="{B68732DB-8A05-41D1-B8F2-738DFD2104F0}" type="slidenum">
               <a:rPr lang="de-DE" smtClean="0"/>
               <a:pPr/>
-              <a:t>9</a:t>
+              <a:t>6</a:t>
             </a:fld>
             <a:endParaRPr lang="de-DE"/>
           </a:p>
@@ -3705,7 +5120,7 @@
     </p:spTree>
     <p:extLst>
       <p:ext uri="{BB962C8B-B14F-4D97-AF65-F5344CB8AC3E}">
-        <p14:creationId xmlns:p14="http://schemas.microsoft.com/office/powerpoint/2010/main" val="3241338693"/>
+        <p14:creationId xmlns:p14="http://schemas.microsoft.com/office/powerpoint/2010/main" xmlns="" val="1180736969"/>
       </p:ext>
     </p:extLst>
   </p:cSld>
@@ -3761,31 +5176,39 @@
           <a:p>
             <a:r>
               <a:rPr lang="de-DE" dirty="0"/>
-              <a:t>Dieses Protokoll</a:t>
+              <a:t>Ein Beispiel aus dem App Store, dort gibt</a:t>
             </a:r>
             <a:r>
               <a:rPr lang="de-DE" baseline="0" dirty="0"/>
-              <a:t> nach der Situation, als uns gesagt wurde, dass unsere Routen nicht REST-konform sind.</a:t>
-            </a:r>
-          </a:p>
-          <a:p>
-            <a:endParaRPr lang="de-DE" baseline="0" dirty="0"/>
-          </a:p>
-          <a:p>
+              <a:t> es einige </a:t>
+            </a:r>
+            <a:r>
+              <a:rPr lang="de-DE" baseline="0" dirty="0" err="1"/>
+              <a:t>KanBan</a:t>
+            </a:r>
             <a:r>
               <a:rPr lang="de-DE" baseline="0" dirty="0"/>
-              <a:t>Auf diese Situation haben </a:t>
-            </a:r>
-            <a:r>
-              <a:rPr lang="de-DE" baseline="0" dirty="0" err="1"/>
-              <a:t>wirs</a:t>
-            </a:r>
+              <a:t>-Apps</a:t>
+            </a:r>
+          </a:p>
+          <a:p>
             <a:r>
               <a:rPr lang="de-DE" baseline="0" dirty="0"/>
-              <a:t> dann einstellen müssen</a:t>
-            </a:r>
-          </a:p>
-          <a:p>
+              <a:t>Diese ist </a:t>
+            </a:r>
+            <a:r>
+              <a:rPr lang="de-DE" baseline="0" dirty="0" smtClean="0"/>
+              <a:t>kostenfrei</a:t>
+            </a:r>
+          </a:p>
+          <a:p>
+            <a:endParaRPr lang="de-DE" baseline="0" dirty="0" smtClean="0"/>
+          </a:p>
+          <a:p>
+            <a:r>
+              <a:rPr lang="de-DE" baseline="0" dirty="0" smtClean="0"/>
+              <a:t>So viel zu der bisherigen Marktlage</a:t>
+            </a:r>
             <a:endParaRPr lang="de-DE" dirty="0"/>
           </a:p>
         </p:txBody>
@@ -3808,7 +5231,7 @@
             <a:fld id="{B68732DB-8A05-41D1-B8F2-738DFD2104F0}" type="slidenum">
               <a:rPr lang="de-DE" smtClean="0"/>
               <a:pPr/>
-              <a:t>10</a:t>
+              <a:t>7</a:t>
             </a:fld>
             <a:endParaRPr lang="de-DE"/>
           </a:p>
@@ -3817,7 +5240,7 @@
     </p:spTree>
     <p:extLst>
       <p:ext uri="{BB962C8B-B14F-4D97-AF65-F5344CB8AC3E}">
-        <p14:creationId xmlns:p14="http://schemas.microsoft.com/office/powerpoint/2010/main" val="3523565374"/>
+        <p14:creationId xmlns:p14="http://schemas.microsoft.com/office/powerpoint/2010/main" xmlns="" val="3180063279"/>
       </p:ext>
     </p:extLst>
   </p:cSld>
@@ -3874,56 +5297,40 @@
           <a:lstStyle/>
           <a:p>
             <a:r>
-              <a:rPr lang="en-US" dirty="0" err="1"/>
-              <a:t>Zur</a:t>
-            </a:r>
-            <a:r>
-              <a:rPr lang="en-US" dirty="0"/>
+              <a:rPr lang="en-US" dirty="0" err="1" smtClean="0"/>
+              <a:t>Unsere</a:t>
+            </a:r>
+            <a:r>
+              <a:rPr lang="en-US" dirty="0" smtClean="0"/>
               <a:t> </a:t>
             </a:r>
             <a:r>
-              <a:rPr lang="en-US" dirty="0" err="1"/>
-              <a:t>Informationssammlung</a:t>
-            </a:r>
-            <a:r>
-              <a:rPr lang="en-US" dirty="0"/>
+              <a:rPr lang="en-US" dirty="0" err="1" smtClean="0"/>
+              <a:t>Projektorganisation</a:t>
+            </a:r>
+            <a:r>
+              <a:rPr lang="en-US" dirty="0" smtClean="0"/>
               <a:t> </a:t>
             </a:r>
             <a:r>
-              <a:rPr lang="en-US" dirty="0" err="1"/>
-              <a:t>haben</a:t>
-            </a:r>
-            <a:r>
-              <a:rPr lang="en-US" dirty="0"/>
+              <a:rPr lang="en-US" dirty="0" err="1" smtClean="0"/>
+              <a:t>sah</a:t>
+            </a:r>
+            <a:r>
+              <a:rPr lang="en-US" dirty="0" smtClean="0"/>
               <a:t> </a:t>
             </a:r>
             <a:r>
-              <a:rPr lang="en-US" dirty="0" err="1"/>
-              <a:t>wir</a:t>
-            </a:r>
-            <a:r>
-              <a:rPr lang="en-US" dirty="0"/>
-              <a:t> das WIKI von </a:t>
-            </a:r>
-            <a:r>
-              <a:rPr lang="en-US" dirty="0" err="1"/>
-              <a:t>unserem</a:t>
-            </a:r>
-            <a:r>
-              <a:rPr lang="en-US" baseline="0" dirty="0"/>
+              <a:rPr lang="en-US" dirty="0" err="1" smtClean="0"/>
+              <a:t>folgendermaßen</a:t>
+            </a:r>
+            <a:r>
+              <a:rPr lang="en-US" dirty="0" smtClean="0"/>
               <a:t> </a:t>
             </a:r>
             <a:r>
-              <a:rPr lang="en-US" baseline="0" dirty="0" err="1"/>
-              <a:t>GitHub</a:t>
-            </a:r>
-            <a:r>
-              <a:rPr lang="en-US" baseline="0" dirty="0"/>
-              <a:t> Repository </a:t>
-            </a:r>
-            <a:r>
-              <a:rPr lang="en-US" baseline="0" dirty="0" err="1"/>
-              <a:t>verwendet</a:t>
+              <a:rPr lang="en-US" dirty="0" err="1" smtClean="0"/>
+              <a:t>aus</a:t>
             </a:r>
             <a:endParaRPr lang="en-US" dirty="0"/>
           </a:p>
@@ -3947,7 +5354,7 @@
             <a:fld id="{B68732DB-8A05-41D1-B8F2-738DFD2104F0}" type="slidenum">
               <a:rPr lang="de-DE" smtClean="0"/>
               <a:pPr/>
-              <a:t>11</a:t>
+              <a:t>8</a:t>
             </a:fld>
             <a:endParaRPr lang="de-DE"/>
           </a:p>
@@ -4006,18 +5413,28 @@
           <a:lstStyle/>
           <a:p>
             <a:r>
-              <a:rPr lang="de-DE" dirty="0" err="1"/>
-              <a:t>GitHub</a:t>
+              <a:rPr lang="de-DE" dirty="0"/>
+              <a:t>Kommunikationswege: WhatsApp,</a:t>
             </a:r>
             <a:r>
               <a:rPr lang="de-DE" baseline="0" dirty="0"/>
-              <a:t> als </a:t>
-            </a:r>
-            <a:r>
-              <a:rPr lang="de-DE" baseline="0" dirty="0" err="1"/>
-              <a:t>Versionskontolle</a:t>
-            </a:r>
-            <a:endParaRPr lang="de-DE" dirty="0"/>
+              <a:t> Skype, etc.</a:t>
+            </a:r>
+          </a:p>
+          <a:p>
+            <a:endParaRPr lang="de-DE" baseline="0" dirty="0"/>
+          </a:p>
+          <a:p>
+            <a:r>
+              <a:rPr lang="de-DE" baseline="0" dirty="0"/>
+              <a:t>Team Meetings waren immer persönlich, so kann besser über Skizzen und Abläufe gesprochen werden</a:t>
+            </a:r>
+          </a:p>
+          <a:p>
+            <a:endParaRPr lang="de-DE" baseline="0" dirty="0"/>
+          </a:p>
+          <a:p>
+            <a:endParaRPr lang="de-DE" baseline="0" dirty="0"/>
           </a:p>
         </p:txBody>
       </p:sp>
@@ -4039,7 +5456,7 @@
             <a:fld id="{B68732DB-8A05-41D1-B8F2-738DFD2104F0}" type="slidenum">
               <a:rPr lang="de-DE" smtClean="0"/>
               <a:pPr/>
-              <a:t>12</a:t>
+              <a:t>9</a:t>
             </a:fld>
             <a:endParaRPr lang="de-DE"/>
           </a:p>
@@ -4048,7 +5465,7 @@
     </p:spTree>
     <p:extLst>
       <p:ext uri="{BB962C8B-B14F-4D97-AF65-F5344CB8AC3E}">
-        <p14:creationId xmlns:p14="http://schemas.microsoft.com/office/powerpoint/2010/main" val="3928281295"/>
+        <p14:creationId xmlns:p14="http://schemas.microsoft.com/office/powerpoint/2010/main" xmlns="" val="3241338693"/>
       </p:ext>
     </p:extLst>
   </p:cSld>
@@ -4103,37 +5520,32 @@
           <a:lstStyle/>
           <a:p>
             <a:r>
-              <a:rPr lang="en-US" dirty="0"/>
-              <a:t>PSP </a:t>
-            </a:r>
-            <a:r>
-              <a:rPr lang="en-US" dirty="0" err="1"/>
-              <a:t>wurde</a:t>
-            </a:r>
-            <a:r>
-              <a:rPr lang="en-US" dirty="0"/>
-              <a:t> </a:t>
-            </a:r>
-            <a:r>
-              <a:rPr lang="en-US" dirty="0" err="1"/>
-              <a:t>erstellt</a:t>
-            </a:r>
-            <a:r>
-              <a:rPr lang="en-US" dirty="0"/>
-              <a:t>, </a:t>
-            </a:r>
-            <a:r>
-              <a:rPr lang="en-US" dirty="0" err="1"/>
-              <a:t>mit</a:t>
-            </a:r>
-            <a:r>
-              <a:rPr lang="en-US" dirty="0"/>
-              <a:t> den 3 </a:t>
-            </a:r>
-            <a:r>
-              <a:rPr lang="en-US" dirty="0" err="1"/>
-              <a:t>Hauptpunkten</a:t>
-            </a:r>
+              <a:rPr lang="de-DE" dirty="0"/>
+              <a:t>Dieses Protokoll</a:t>
+            </a:r>
+            <a:r>
+              <a:rPr lang="de-DE" baseline="0" dirty="0"/>
+              <a:t> nach der Situation, als uns gesagt wurde, dass unsere Routen nicht REST-konform sind.</a:t>
+            </a:r>
+          </a:p>
+          <a:p>
+            <a:endParaRPr lang="de-DE" baseline="0" dirty="0"/>
+          </a:p>
+          <a:p>
+            <a:r>
+              <a:rPr lang="de-DE" baseline="0" dirty="0"/>
+              <a:t>Auf diese Situation haben </a:t>
+            </a:r>
+            <a:r>
+              <a:rPr lang="de-DE" baseline="0" dirty="0" err="1"/>
+              <a:t>wirs</a:t>
+            </a:r>
+            <a:r>
+              <a:rPr lang="de-DE" baseline="0" dirty="0"/>
+              <a:t> dann einstellen müssen</a:t>
+            </a:r>
+          </a:p>
+          <a:p>
             <a:endParaRPr lang="de-DE" dirty="0"/>
           </a:p>
         </p:txBody>
@@ -4156,7 +5568,7 @@
             <a:fld id="{B68732DB-8A05-41D1-B8F2-738DFD2104F0}" type="slidenum">
               <a:rPr lang="de-DE" smtClean="0"/>
               <a:pPr/>
-              <a:t>14</a:t>
+              <a:t>10</a:t>
             </a:fld>
             <a:endParaRPr lang="de-DE"/>
           </a:p>
@@ -4165,7 +5577,7 @@
     </p:spTree>
     <p:extLst>
       <p:ext uri="{BB962C8B-B14F-4D97-AF65-F5344CB8AC3E}">
-        <p14:creationId xmlns:p14="http://schemas.microsoft.com/office/powerpoint/2010/main" val="4023090679"/>
+        <p14:creationId xmlns:p14="http://schemas.microsoft.com/office/powerpoint/2010/main" xmlns="" val="3523565374"/>
       </p:ext>
     </p:extLst>
   </p:cSld>
@@ -4371,6 +5783,7 @@
           <a:p>
             <a:fld id="{36C1594A-D4BB-42B8-8BE4-8126D14BBE09}" type="datetime1">
               <a:rPr lang="de-DE" smtClean="0"/>
+              <a:pPr/>
               <a:t>29.09.2016</a:t>
             </a:fld>
             <a:endParaRPr lang="de-DE"/>
@@ -4477,7 +5890,7 @@
     </p:spTree>
     <p:extLst>
       <p:ext uri="{BB962C8B-B14F-4D97-AF65-F5344CB8AC3E}">
-        <p14:creationId xmlns:p14="http://schemas.microsoft.com/office/powerpoint/2010/main" val="2840461058"/>
+        <p14:creationId xmlns:p14="http://schemas.microsoft.com/office/powerpoint/2010/main" xmlns="" val="2840461058"/>
       </p:ext>
     </p:extLst>
   </p:cSld>
@@ -4596,6 +6009,7 @@
           <a:p>
             <a:fld id="{A029353E-268C-4AD4-A096-5A9777AEDC9A}" type="datetime1">
               <a:rPr lang="de-DE" smtClean="0"/>
+              <a:pPr/>
               <a:t>29.09.2016</a:t>
             </a:fld>
             <a:endParaRPr lang="de-DE"/>
@@ -4651,7 +6065,7 @@
     </p:spTree>
     <p:extLst>
       <p:ext uri="{BB962C8B-B14F-4D97-AF65-F5344CB8AC3E}">
-        <p14:creationId xmlns:p14="http://schemas.microsoft.com/office/powerpoint/2010/main" val="63968042"/>
+        <p14:creationId xmlns:p14="http://schemas.microsoft.com/office/powerpoint/2010/main" xmlns="" val="63968042"/>
       </p:ext>
     </p:extLst>
   </p:cSld>
@@ -4780,6 +6194,7 @@
           <a:p>
             <a:fld id="{401B4FFD-5988-45DD-85C9-7C740E714BC2}" type="datetime1">
               <a:rPr lang="de-DE" smtClean="0"/>
+              <a:pPr/>
               <a:t>29.09.2016</a:t>
             </a:fld>
             <a:endParaRPr lang="de-DE"/>
@@ -4835,7 +6250,7 @@
     </p:spTree>
     <p:extLst>
       <p:ext uri="{BB962C8B-B14F-4D97-AF65-F5344CB8AC3E}">
-        <p14:creationId xmlns:p14="http://schemas.microsoft.com/office/powerpoint/2010/main" val="1012647373"/>
+        <p14:creationId xmlns:p14="http://schemas.microsoft.com/office/powerpoint/2010/main" xmlns="" val="1012647373"/>
       </p:ext>
     </p:extLst>
   </p:cSld>
@@ -4954,6 +6369,7 @@
           <a:p>
             <a:fld id="{75E53A86-2137-4E7A-B092-A2ECCF6AF854}" type="datetime1">
               <a:rPr lang="de-DE" smtClean="0"/>
+              <a:pPr/>
               <a:t>29.09.2016</a:t>
             </a:fld>
             <a:endParaRPr lang="de-DE"/>
@@ -5009,7 +6425,7 @@
     </p:spTree>
     <p:extLst>
       <p:ext uri="{BB962C8B-B14F-4D97-AF65-F5344CB8AC3E}">
-        <p14:creationId xmlns:p14="http://schemas.microsoft.com/office/powerpoint/2010/main" val="3015082626"/>
+        <p14:creationId xmlns:p14="http://schemas.microsoft.com/office/powerpoint/2010/main" xmlns="" val="3015082626"/>
       </p:ext>
     </p:extLst>
   </p:cSld>
@@ -5209,6 +6625,7 @@
           <a:p>
             <a:fld id="{E17B007E-CBB6-4CC9-9522-98BF0511B89A}" type="datetime1">
               <a:rPr lang="de-DE" smtClean="0"/>
+              <a:pPr/>
               <a:t>29.09.2016</a:t>
             </a:fld>
             <a:endParaRPr lang="de-DE"/>
@@ -5299,7 +6716,7 @@
     </p:spTree>
     <p:extLst>
       <p:ext uri="{BB962C8B-B14F-4D97-AF65-F5344CB8AC3E}">
-        <p14:creationId xmlns:p14="http://schemas.microsoft.com/office/powerpoint/2010/main" val="2893945749"/>
+        <p14:creationId xmlns:p14="http://schemas.microsoft.com/office/powerpoint/2010/main" xmlns="" val="2893945749"/>
       </p:ext>
     </p:extLst>
   </p:cSld>
@@ -5536,6 +6953,7 @@
           <a:p>
             <a:fld id="{9E0D3CAB-C26B-4BE9-8322-971815458397}" type="datetime1">
               <a:rPr lang="de-DE" smtClean="0"/>
+              <a:pPr/>
               <a:t>29.09.2016</a:t>
             </a:fld>
             <a:endParaRPr lang="de-DE"/>
@@ -5591,7 +7009,7 @@
     </p:spTree>
     <p:extLst>
       <p:ext uri="{BB962C8B-B14F-4D97-AF65-F5344CB8AC3E}">
-        <p14:creationId xmlns:p14="http://schemas.microsoft.com/office/powerpoint/2010/main" val="2674789931"/>
+        <p14:creationId xmlns:p14="http://schemas.microsoft.com/office/powerpoint/2010/main" xmlns="" val="2674789931"/>
       </p:ext>
     </p:extLst>
   </p:cSld>
@@ -5964,6 +7382,7 @@
           <a:p>
             <a:fld id="{60138B33-E53D-48FA-A19E-5173B37E0ACA}" type="datetime1">
               <a:rPr lang="de-DE" smtClean="0"/>
+              <a:pPr/>
               <a:t>29.09.2016</a:t>
             </a:fld>
             <a:endParaRPr lang="de-DE"/>
@@ -6019,7 +7438,7 @@
     </p:spTree>
     <p:extLst>
       <p:ext uri="{BB962C8B-B14F-4D97-AF65-F5344CB8AC3E}">
-        <p14:creationId xmlns:p14="http://schemas.microsoft.com/office/powerpoint/2010/main" val="1845923028"/>
+        <p14:creationId xmlns:p14="http://schemas.microsoft.com/office/powerpoint/2010/main" xmlns="" val="1845923028"/>
       </p:ext>
     </p:extLst>
   </p:cSld>
@@ -6086,6 +7505,7 @@
           <a:p>
             <a:fld id="{FCC316BC-690A-48F1-9E36-A03288BDDD2A}" type="datetime1">
               <a:rPr lang="de-DE" smtClean="0"/>
+              <a:pPr/>
               <a:t>29.09.2016</a:t>
             </a:fld>
             <a:endParaRPr lang="de-DE"/>
@@ -6141,7 +7561,7 @@
     </p:spTree>
     <p:extLst>
       <p:ext uri="{BB962C8B-B14F-4D97-AF65-F5344CB8AC3E}">
-        <p14:creationId xmlns:p14="http://schemas.microsoft.com/office/powerpoint/2010/main" val="2194376602"/>
+        <p14:creationId xmlns:p14="http://schemas.microsoft.com/office/powerpoint/2010/main" xmlns="" val="2194376602"/>
       </p:ext>
     </p:extLst>
   </p:cSld>
@@ -6185,6 +7605,7 @@
           <a:p>
             <a:fld id="{BC36A89F-3473-42A4-A4E7-84042530305F}" type="datetime1">
               <a:rPr lang="de-DE" smtClean="0"/>
+              <a:pPr/>
               <a:t>29.09.2016</a:t>
             </a:fld>
             <a:endParaRPr lang="de-DE"/>
@@ -6240,7 +7661,7 @@
     </p:spTree>
     <p:extLst>
       <p:ext uri="{BB962C8B-B14F-4D97-AF65-F5344CB8AC3E}">
-        <p14:creationId xmlns:p14="http://schemas.microsoft.com/office/powerpoint/2010/main" val="1772680045"/>
+        <p14:creationId xmlns:p14="http://schemas.microsoft.com/office/powerpoint/2010/main" xmlns="" val="1772680045"/>
       </p:ext>
     </p:extLst>
   </p:cSld>
@@ -6479,6 +7900,7 @@
           <a:p>
             <a:fld id="{D09466FA-7B39-44C8-94B7-01813B42D75C}" type="datetime1">
               <a:rPr lang="de-DE" smtClean="0"/>
+              <a:pPr/>
               <a:t>29.09.2016</a:t>
             </a:fld>
             <a:endParaRPr lang="de-DE"/>
@@ -6534,7 +7956,7 @@
     </p:spTree>
     <p:extLst>
       <p:ext uri="{BB962C8B-B14F-4D97-AF65-F5344CB8AC3E}">
-        <p14:creationId xmlns:p14="http://schemas.microsoft.com/office/powerpoint/2010/main" val="4220076666"/>
+        <p14:creationId xmlns:p14="http://schemas.microsoft.com/office/powerpoint/2010/main" xmlns="" val="4220076666"/>
       </p:ext>
     </p:extLst>
   </p:cSld>
@@ -6755,6 +8177,7 @@
           <a:p>
             <a:fld id="{F236C270-2E6B-4362-A865-629E317E109E}" type="datetime1">
               <a:rPr lang="de-DE" smtClean="0"/>
+              <a:pPr/>
               <a:t>29.09.2016</a:t>
             </a:fld>
             <a:endParaRPr lang="de-DE"/>
@@ -6810,7 +8233,7 @@
     </p:spTree>
     <p:extLst>
       <p:ext uri="{BB962C8B-B14F-4D97-AF65-F5344CB8AC3E}">
-        <p14:creationId xmlns:p14="http://schemas.microsoft.com/office/powerpoint/2010/main" val="1778146660"/>
+        <p14:creationId xmlns:p14="http://schemas.microsoft.com/office/powerpoint/2010/main" xmlns="" val="1778146660"/>
       </p:ext>
     </p:extLst>
   </p:cSld>
@@ -7013,6 +8436,7 @@
           <a:p>
             <a:fld id="{0A43C515-0AB2-484E-BCCA-96FC09A5E087}" type="datetime1">
               <a:rPr lang="de-DE" smtClean="0"/>
+              <a:pPr/>
               <a:t>29.09.2016</a:t>
             </a:fld>
             <a:endParaRPr lang="de-DE"/>
@@ -7100,7 +8524,7 @@
     </p:spTree>
     <p:extLst>
       <p:ext uri="{BB962C8B-B14F-4D97-AF65-F5344CB8AC3E}">
-        <p14:creationId xmlns:p14="http://schemas.microsoft.com/office/powerpoint/2010/main" val="3120955094"/>
+        <p14:creationId xmlns:p14="http://schemas.microsoft.com/office/powerpoint/2010/main" xmlns="" val="3120955094"/>
       </p:ext>
     </p:extLst>
   </p:cSld>
@@ -7505,6 +8929,10 @@
               <a:rPr lang="en-US" sz="6600" dirty="0" err="1"/>
               <a:t>Projektmanagement</a:t>
             </a:r>
+            <a:r>
+              <a:rPr lang="en-US" sz="6600" dirty="0"/>
+              <a:t/>
+            </a:r>
             <a:br>
               <a:rPr lang="en-US" sz="6600" dirty="0"/>
             </a:br>
@@ -7634,13 +9062,20 @@
     </p:spTree>
     <p:extLst>
       <p:ext uri="{BB962C8B-B14F-4D97-AF65-F5344CB8AC3E}">
-        <p14:creationId xmlns:p14="http://schemas.microsoft.com/office/powerpoint/2010/main" val="473900123"/>
+        <p14:creationId xmlns:p14="http://schemas.microsoft.com/office/powerpoint/2010/main" xmlns="" val="473900123"/>
       </p:ext>
     </p:extLst>
   </p:cSld>
   <p:clrMapOvr>
     <a:masterClrMapping/>
   </p:clrMapOvr>
+  <p:timing>
+    <p:tnLst>
+      <p:par>
+        <p:cTn id="1" dur="indefinite" restart="never" nodeType="tmRoot"/>
+      </p:par>
+    </p:tnLst>
+  </p:timing>
 </p:sld>
 </file>
 
@@ -7738,7 +9173,7 @@
           <p:nvPr/>
         </p:nvPicPr>
         <p:blipFill>
-          <a:blip r:embed="rId3"/>
+          <a:blip r:embed="rId3" cstate="print"/>
           <a:stretch>
             <a:fillRect/>
           </a:stretch>
@@ -7761,7 +9196,7 @@
     </p:spTree>
     <p:extLst>
       <p:ext uri="{BB962C8B-B14F-4D97-AF65-F5344CB8AC3E}">
-        <p14:creationId xmlns:p14="http://schemas.microsoft.com/office/powerpoint/2010/main" val="1356553071"/>
+        <p14:creationId xmlns:p14="http://schemas.microsoft.com/office/powerpoint/2010/main" xmlns="" val="1356553071"/>
       </p:ext>
     </p:extLst>
   </p:cSld>
@@ -8067,7 +9502,7 @@
           <a:blip r:embed="rId4" cstate="print">
             <a:extLst>
               <a:ext uri="{28A0092B-C50C-407E-A947-70E740481C1C}">
-                <a14:useLocalDpi xmlns:a14="http://schemas.microsoft.com/office/drawing/2010/main" val="0"/>
+                <a14:useLocalDpi xmlns:a14="http://schemas.microsoft.com/office/drawing/2010/main" xmlns="" val="0"/>
               </a:ext>
             </a:extLst>
           </a:blip>
@@ -8168,7 +9603,7 @@
     </p:spTree>
     <p:extLst>
       <p:ext uri="{BB962C8B-B14F-4D97-AF65-F5344CB8AC3E}">
-        <p14:creationId xmlns:p14="http://schemas.microsoft.com/office/powerpoint/2010/main" val="2572582620"/>
+        <p14:creationId xmlns:p14="http://schemas.microsoft.com/office/powerpoint/2010/main" xmlns="" val="2572582620"/>
       </p:ext>
     </p:extLst>
   </p:cSld>
@@ -8179,131 +9614,6 @@
 </file>
 
 <file path=ppt/slides/slide13.xml><?xml version="1.0" encoding="utf-8"?>
-<p:sld xmlns:a="http://schemas.openxmlformats.org/drawingml/2006/main" xmlns:r="http://schemas.openxmlformats.org/officeDocument/2006/relationships" xmlns:p="http://schemas.openxmlformats.org/presentationml/2006/main">
-  <p:cSld>
-    <p:spTree>
-      <p:nvGrpSpPr>
-        <p:cNvPr id="1" name=""/>
-        <p:cNvGrpSpPr/>
-        <p:nvPr/>
-      </p:nvGrpSpPr>
-      <p:grpSpPr>
-        <a:xfrm>
-          <a:off x="0" y="0"/>
-          <a:ext cx="0" cy="0"/>
-          <a:chOff x="0" y="0"/>
-          <a:chExt cx="0" cy="0"/>
-        </a:xfrm>
-      </p:grpSpPr>
-      <p:sp>
-        <p:nvSpPr>
-          <p:cNvPr id="2" name="Titel 1"/>
-          <p:cNvSpPr>
-            <a:spLocks noGrp="1"/>
-          </p:cNvSpPr>
-          <p:nvPr>
-            <p:ph type="title"/>
-          </p:nvPr>
-        </p:nvSpPr>
-        <p:spPr/>
-        <p:txBody>
-          <a:bodyPr/>
-          <a:lstStyle/>
-          <a:p>
-            <a:r>
-              <a:rPr lang="de-DE" dirty="0"/>
-              <a:t>Projektstrukturplan</a:t>
-            </a:r>
-          </a:p>
-        </p:txBody>
-      </p:sp>
-      <p:sp>
-        <p:nvSpPr>
-          <p:cNvPr id="3" name="Inhaltsplatzhalter 2"/>
-          <p:cNvSpPr>
-            <a:spLocks noGrp="1"/>
-          </p:cNvSpPr>
-          <p:nvPr>
-            <p:ph idx="1"/>
-          </p:nvPr>
-        </p:nvSpPr>
-        <p:spPr/>
-        <p:txBody>
-          <a:bodyPr/>
-          <a:lstStyle/>
-          <a:p>
-            <a:r>
-              <a:rPr lang="de-DE" dirty="0"/>
-              <a:t>Ganzes </a:t>
-            </a:r>
-            <a:r>
-              <a:rPr lang="de-DE" dirty="0" err="1"/>
-              <a:t>bild</a:t>
-            </a:r>
-            <a:endParaRPr lang="de-DE" dirty="0"/>
-          </a:p>
-        </p:txBody>
-      </p:sp>
-      <p:sp>
-        <p:nvSpPr>
-          <p:cNvPr id="4" name="Fußzeilenplatzhalter 3"/>
-          <p:cNvSpPr>
-            <a:spLocks noGrp="1"/>
-          </p:cNvSpPr>
-          <p:nvPr>
-            <p:ph type="ftr" sz="quarter" idx="11"/>
-          </p:nvPr>
-        </p:nvSpPr>
-        <p:spPr/>
-        <p:txBody>
-          <a:bodyPr/>
-          <a:lstStyle/>
-          <a:p>
-            <a:r>
-              <a:rPr lang="de-DE"/>
-              <a:t>Sebastian Strubert &amp; Lloyd Niebel | Projektmanagement | SRH Heidelberg</a:t>
-            </a:r>
-          </a:p>
-        </p:txBody>
-      </p:sp>
-      <p:sp>
-        <p:nvSpPr>
-          <p:cNvPr id="5" name="Foliennummernplatzhalter 4"/>
-          <p:cNvSpPr>
-            <a:spLocks noGrp="1"/>
-          </p:cNvSpPr>
-          <p:nvPr>
-            <p:ph type="sldNum" sz="quarter" idx="12"/>
-          </p:nvPr>
-        </p:nvSpPr>
-        <p:spPr/>
-        <p:txBody>
-          <a:bodyPr/>
-          <a:lstStyle/>
-          <a:p>
-            <a:fld id="{E4F0F35D-A559-4B2F-93A2-E937B3C9D4B3}" type="slidenum">
-              <a:rPr lang="de-DE" smtClean="0"/>
-              <a:pPr/>
-              <a:t>13</a:t>
-            </a:fld>
-            <a:endParaRPr lang="de-DE"/>
-          </a:p>
-        </p:txBody>
-      </p:sp>
-    </p:spTree>
-    <p:extLst>
-      <p:ext uri="{BB962C8B-B14F-4D97-AF65-F5344CB8AC3E}">
-        <p14:creationId xmlns:p14="http://schemas.microsoft.com/office/powerpoint/2010/main" val="608258086"/>
-      </p:ext>
-    </p:extLst>
-  </p:cSld>
-  <p:clrMapOvr>
-    <a:masterClrMapping/>
-  </p:clrMapOvr>
-</p:sld>
-</file>
-
-<file path=ppt/slides/slide14.xml><?xml version="1.0" encoding="utf-8"?>
 <p:sld xmlns:a="http://schemas.openxmlformats.org/drawingml/2006/main" xmlns:r="http://schemas.openxmlformats.org/officeDocument/2006/relationships" xmlns:p="http://schemas.openxmlformats.org/presentationml/2006/main">
   <p:cSld>
     <p:spTree>
@@ -8411,7 +9721,7 @@
             <a:fld id="{E4F0F35D-A559-4B2F-93A2-E937B3C9D4B3}" type="slidenum">
               <a:rPr lang="de-DE" smtClean="0"/>
               <a:pPr/>
-              <a:t>14</a:t>
+              <a:t>13</a:t>
             </a:fld>
             <a:endParaRPr lang="de-DE"/>
           </a:p>
@@ -8420,13 +9730,131 @@
     </p:spTree>
     <p:extLst>
       <p:ext uri="{BB962C8B-B14F-4D97-AF65-F5344CB8AC3E}">
-        <p14:creationId xmlns:p14="http://schemas.microsoft.com/office/powerpoint/2010/main" val="346870178"/>
+        <p14:creationId xmlns:p14="http://schemas.microsoft.com/office/powerpoint/2010/main" xmlns="" val="346870178"/>
       </p:ext>
     </p:extLst>
   </p:cSld>
   <p:clrMapOvr>
     <a:masterClrMapping/>
   </p:clrMapOvr>
+</p:sld>
+</file>
+
+<file path=ppt/slides/slide14.xml><?xml version="1.0" encoding="utf-8"?>
+<p:sld xmlns:a="http://schemas.openxmlformats.org/drawingml/2006/main" xmlns:r="http://schemas.openxmlformats.org/officeDocument/2006/relationships" xmlns:p="http://schemas.openxmlformats.org/presentationml/2006/main">
+  <p:cSld>
+    <p:spTree>
+      <p:nvGrpSpPr>
+        <p:cNvPr id="1" name=""/>
+        <p:cNvGrpSpPr/>
+        <p:nvPr/>
+      </p:nvGrpSpPr>
+      <p:grpSpPr>
+        <a:xfrm>
+          <a:off x="0" y="0"/>
+          <a:ext cx="0" cy="0"/>
+          <a:chOff x="0" y="0"/>
+          <a:chExt cx="0" cy="0"/>
+        </a:xfrm>
+      </p:grpSpPr>
+      <p:sp>
+        <p:nvSpPr>
+          <p:cNvPr id="4" name="Fußzeilenplatzhalter 3"/>
+          <p:cNvSpPr>
+            <a:spLocks noGrp="1"/>
+          </p:cNvSpPr>
+          <p:nvPr>
+            <p:ph type="ftr" sz="quarter" idx="11"/>
+          </p:nvPr>
+        </p:nvSpPr>
+        <p:spPr/>
+        <p:txBody>
+          <a:bodyPr/>
+          <a:lstStyle/>
+          <a:p>
+            <a:r>
+              <a:rPr lang="de-DE"/>
+              <a:t>Sebastian Strubert &amp; Lloyd Niebel | Projektmanagement | SRH Heidelberg</a:t>
+            </a:r>
+          </a:p>
+        </p:txBody>
+      </p:sp>
+      <p:sp>
+        <p:nvSpPr>
+          <p:cNvPr id="5" name="Foliennummernplatzhalter 4"/>
+          <p:cNvSpPr>
+            <a:spLocks noGrp="1"/>
+          </p:cNvSpPr>
+          <p:nvPr>
+            <p:ph type="sldNum" sz="quarter" idx="12"/>
+          </p:nvPr>
+        </p:nvSpPr>
+        <p:spPr/>
+        <p:txBody>
+          <a:bodyPr/>
+          <a:lstStyle/>
+          <a:p>
+            <a:fld id="{E4F0F35D-A559-4B2F-93A2-E937B3C9D4B3}" type="slidenum">
+              <a:rPr lang="de-DE" smtClean="0"/>
+              <a:pPr/>
+              <a:t>14</a:t>
+            </a:fld>
+            <a:endParaRPr lang="de-DE"/>
+          </a:p>
+        </p:txBody>
+      </p:sp>
+      <p:pic>
+        <p:nvPicPr>
+          <p:cNvPr id="1026" name="Picture 2"/>
+          <p:cNvPicPr>
+            <a:picLocks noChangeAspect="1" noChangeArrowheads="1"/>
+          </p:cNvPicPr>
+          <p:nvPr/>
+        </p:nvPicPr>
+        <p:blipFill>
+          <a:blip r:embed="rId3" cstate="print"/>
+          <a:srcRect/>
+          <a:stretch>
+            <a:fillRect/>
+          </a:stretch>
+        </p:blipFill>
+        <p:spPr bwMode="auto">
+          <a:xfrm>
+            <a:off x="1867300" y="474057"/>
+            <a:ext cx="8046720" cy="5679097"/>
+          </a:xfrm>
+          <a:prstGeom prst="rect">
+            <a:avLst/>
+          </a:prstGeom>
+          <a:noFill/>
+          <a:ln w="9525">
+            <a:solidFill>
+              <a:schemeClr val="tx1"/>
+            </a:solidFill>
+            <a:miter lim="800000"/>
+            <a:headEnd/>
+            <a:tailEnd/>
+          </a:ln>
+          <a:effectLst/>
+        </p:spPr>
+      </p:pic>
+    </p:spTree>
+    <p:extLst>
+      <p:ext uri="{BB962C8B-B14F-4D97-AF65-F5344CB8AC3E}">
+        <p14:creationId xmlns:p14="http://schemas.microsoft.com/office/powerpoint/2010/main" xmlns="" val="608258086"/>
+      </p:ext>
+    </p:extLst>
+  </p:cSld>
+  <p:clrMapOvr>
+    <a:masterClrMapping/>
+  </p:clrMapOvr>
+  <p:timing>
+    <p:tnLst>
+      <p:par>
+        <p:cTn id="1" dur="indefinite" restart="never" nodeType="tmRoot"/>
+      </p:par>
+    </p:tnLst>
+  </p:timing>
 </p:sld>
 </file>
 
@@ -8480,7 +9908,7 @@
           </p:nvPr>
         </p:nvPicPr>
         <p:blipFill>
-          <a:blip r:embed="rId2" cstate="print"/>
+          <a:blip r:embed="rId3" cstate="print"/>
           <a:stretch>
             <a:fillRect/>
           </a:stretch>
@@ -8549,13 +9977,20 @@
     </p:spTree>
     <p:extLst>
       <p:ext uri="{BB962C8B-B14F-4D97-AF65-F5344CB8AC3E}">
-        <p14:creationId xmlns:p14="http://schemas.microsoft.com/office/powerpoint/2010/main" val="711080358"/>
+        <p14:creationId xmlns:p14="http://schemas.microsoft.com/office/powerpoint/2010/main" xmlns="" val="711080358"/>
       </p:ext>
     </p:extLst>
   </p:cSld>
   <p:clrMapOvr>
     <a:masterClrMapping/>
   </p:clrMapOvr>
+  <p:timing>
+    <p:tnLst>
+      <p:par>
+        <p:cTn id="1" dur="indefinite" restart="never" nodeType="tmRoot"/>
+      </p:par>
+    </p:tnLst>
+  </p:timing>
 </p:sld>
 </file>
 
@@ -8622,6 +10057,19 @@
               <a:rPr lang="en-US" dirty="0"/>
               <a:t>ID: </a:t>
             </a:r>
+            <a:r>
+              <a:rPr lang="en-US" dirty="0" smtClean="0">
+                <a:solidFill>
+                  <a:schemeClr val="tx1"/>
+                </a:solidFill>
+              </a:rPr>
+              <a:t>63</a:t>
+            </a:r>
+            <a:endParaRPr lang="en-US" dirty="0">
+              <a:solidFill>
+                <a:schemeClr val="tx1"/>
+              </a:solidFill>
+            </a:endParaRPr>
           </a:p>
           <a:p>
             <a:pPr marL="45720" indent="0">
@@ -8748,15 +10196,7 @@
               <a:buNone/>
             </a:pPr>
             <a:r>
-              <a:rPr lang="en-US" dirty="0" err="1"/>
-              <a:t>Geplanter</a:t>
-            </a:r>
-            <a:r>
-              <a:rPr lang="en-US" dirty="0"/>
-              <a:t> </a:t>
-            </a:r>
-            <a:r>
-              <a:rPr lang="en-US" dirty="0" err="1"/>
+              <a:rPr lang="en-US" dirty="0" err="1" smtClean="0"/>
               <a:t>Arbeitsaufwand</a:t>
             </a:r>
             <a:r>
@@ -8772,14 +10212,14 @@
               <a:t>6 </a:t>
             </a:r>
             <a:r>
-              <a:rPr lang="en-US" dirty="0" err="1">
+              <a:rPr lang="en-US" dirty="0" err="1" smtClean="0">
                 <a:solidFill>
                   <a:schemeClr val="tx1"/>
                 </a:solidFill>
               </a:rPr>
               <a:t>Stunden</a:t>
             </a:r>
-            <a:endParaRPr lang="en-US" dirty="0">
+            <a:endParaRPr lang="en-US" dirty="0" smtClean="0">
               <a:solidFill>
                 <a:schemeClr val="tx1"/>
               </a:solidFill>
@@ -8790,7 +10230,7 @@
               <a:buNone/>
             </a:pPr>
             <a:r>
-              <a:rPr lang="en-US" dirty="0" err="1"/>
+              <a:rPr lang="en-US" dirty="0" err="1" smtClean="0"/>
               <a:t>Themengebiet</a:t>
             </a:r>
             <a:r>
@@ -8954,7 +10394,7 @@
                 <a:solidFill>
                   <a:schemeClr val="tx1"/>
                 </a:solidFill>
-                <a:hlinkClick r:id="rId2"/>
+                <a:hlinkClick r:id="rId3"/>
               </a:rPr>
               <a:t>https://github.com/aspnet/EntityFramework.Docs/blob/master/docs/platforms/netcore/new-db-sqlite.rst</a:t>
             </a:r>
@@ -9024,7 +10464,7 @@
     </p:spTree>
     <p:extLst>
       <p:ext uri="{BB962C8B-B14F-4D97-AF65-F5344CB8AC3E}">
-        <p14:creationId xmlns:p14="http://schemas.microsoft.com/office/powerpoint/2010/main" val="52862675"/>
+        <p14:creationId xmlns:p14="http://schemas.microsoft.com/office/powerpoint/2010/main" xmlns="" val="52862675"/>
       </p:ext>
     </p:extLst>
   </p:cSld>
@@ -9133,7 +10573,7 @@
           <a:blip r:embed="rId3" cstate="print">
             <a:extLst>
               <a:ext uri="{28A0092B-C50C-407E-A947-70E740481C1C}">
-                <a14:useLocalDpi xmlns:a14="http://schemas.microsoft.com/office/drawing/2010/main" val="0"/>
+                <a14:useLocalDpi xmlns:a14="http://schemas.microsoft.com/office/drawing/2010/main" xmlns="" val="0"/>
               </a:ext>
             </a:extLst>
           </a:blip>
@@ -9156,7 +10596,7 @@
     </p:spTree>
     <p:extLst>
       <p:ext uri="{BB962C8B-B14F-4D97-AF65-F5344CB8AC3E}">
-        <p14:creationId xmlns:p14="http://schemas.microsoft.com/office/powerpoint/2010/main" val="3742195399"/>
+        <p14:creationId xmlns:p14="http://schemas.microsoft.com/office/powerpoint/2010/main" xmlns="" val="3742195399"/>
       </p:ext>
     </p:extLst>
   </p:cSld>
@@ -9413,7 +10853,7 @@
     </p:spTree>
     <p:extLst>
       <p:ext uri="{BB962C8B-B14F-4D97-AF65-F5344CB8AC3E}">
-        <p14:creationId xmlns:p14="http://schemas.microsoft.com/office/powerpoint/2010/main" val="1372815145"/>
+        <p14:creationId xmlns:p14="http://schemas.microsoft.com/office/powerpoint/2010/main" xmlns="" val="1372815145"/>
       </p:ext>
     </p:extLst>
   </p:cSld>
@@ -9632,7 +11072,7 @@
           <a:blip r:embed="rId3" cstate="print">
             <a:extLst>
               <a:ext uri="{28A0092B-C50C-407E-A947-70E740481C1C}">
-                <a14:useLocalDpi xmlns:a14="http://schemas.microsoft.com/office/drawing/2010/main" val="0"/>
+                <a14:useLocalDpi xmlns:a14="http://schemas.microsoft.com/office/drawing/2010/main" xmlns="" val="0"/>
               </a:ext>
             </a:extLst>
           </a:blip>
@@ -9701,7 +11141,7 @@
     </p:spTree>
     <p:extLst>
       <p:ext uri="{BB962C8B-B14F-4D97-AF65-F5344CB8AC3E}">
-        <p14:creationId xmlns:p14="http://schemas.microsoft.com/office/powerpoint/2010/main" val="2912283461"/>
+        <p14:creationId xmlns:p14="http://schemas.microsoft.com/office/powerpoint/2010/main" xmlns="" val="2912283461"/>
       </p:ext>
     </p:extLst>
   </p:cSld>
@@ -9835,7 +11275,7 @@
           <a:blip r:embed="rId3" cstate="print">
             <a:extLst>
               <a:ext uri="{28A0092B-C50C-407E-A947-70E740481C1C}">
-                <a14:useLocalDpi xmlns:a14="http://schemas.microsoft.com/office/drawing/2010/main" val="0"/>
+                <a14:useLocalDpi xmlns:a14="http://schemas.microsoft.com/office/drawing/2010/main" xmlns="" val="0"/>
               </a:ext>
             </a:extLst>
           </a:blip>
@@ -9855,7 +11295,7 @@
           <a:noFill/>
           <a:extLst>
             <a:ext uri="{909E8E84-426E-40DD-AFC4-6F175D3DCCD1}">
-              <a14:hiddenFill xmlns:a14="http://schemas.microsoft.com/office/drawing/2010/main">
+              <a14:hiddenFill xmlns:a14="http://schemas.microsoft.com/office/drawing/2010/main" xmlns="">
                 <a:solidFill>
                   <a:srgbClr val="FFFFFF"/>
                 </a:solidFill>
@@ -9913,13 +11353,20 @@
     </p:spTree>
     <p:extLst>
       <p:ext uri="{BB962C8B-B14F-4D97-AF65-F5344CB8AC3E}">
-        <p14:creationId xmlns:p14="http://schemas.microsoft.com/office/powerpoint/2010/main" val="735082833"/>
+        <p14:creationId xmlns:p14="http://schemas.microsoft.com/office/powerpoint/2010/main" xmlns="" val="735082833"/>
       </p:ext>
     </p:extLst>
   </p:cSld>
   <p:clrMapOvr>
     <a:masterClrMapping/>
   </p:clrMapOvr>
+  <p:timing>
+    <p:tnLst>
+      <p:par>
+        <p:cTn id="1" dur="indefinite" restart="never" nodeType="tmRoot"/>
+      </p:par>
+    </p:tnLst>
+  </p:timing>
 </p:sld>
 </file>
 
@@ -10092,10 +11539,41 @@
           </a:p>
         </p:txBody>
       </p:sp>
+      <p:pic>
+        <p:nvPicPr>
+          <p:cNvPr id="33794" name="Picture 2" descr="https://internetblogger.de/wp-content/uploads/2014/10/programmieren-blogparaden-aktion.jpg"/>
+          <p:cNvPicPr>
+            <a:picLocks noChangeAspect="1" noChangeArrowheads="1"/>
+          </p:cNvPicPr>
+          <p:nvPr/>
+        </p:nvPicPr>
+        <p:blipFill>
+          <a:blip r:embed="rId3" cstate="print"/>
+          <a:srcRect/>
+          <a:stretch>
+            <a:fillRect/>
+          </a:stretch>
+        </p:blipFill>
+        <p:spPr bwMode="auto">
+          <a:xfrm>
+            <a:off x="5053262" y="2042413"/>
+            <a:ext cx="4922287" cy="3286573"/>
+          </a:xfrm>
+          <a:prstGeom prst="rect">
+            <a:avLst/>
+          </a:prstGeom>
+          <a:ln>
+            <a:noFill/>
+          </a:ln>
+          <a:effectLst>
+            <a:softEdge rad="112500"/>
+          </a:effectLst>
+        </p:spPr>
+      </p:pic>
     </p:spTree>
     <p:extLst>
       <p:ext uri="{BB962C8B-B14F-4D97-AF65-F5344CB8AC3E}">
-        <p14:creationId xmlns:p14="http://schemas.microsoft.com/office/powerpoint/2010/main" val="1069150620"/>
+        <p14:creationId xmlns:p14="http://schemas.microsoft.com/office/powerpoint/2010/main" xmlns="" val="1069150620"/>
       </p:ext>
     </p:extLst>
   </p:cSld>
@@ -10278,10 +11756,41 @@
           </a:p>
         </p:txBody>
       </p:sp>
+      <p:pic>
+        <p:nvPicPr>
+          <p:cNvPr id="32770" name="Picture 2" descr="http://www.zephram.de/blog/wp-content/uploads/2007/11/istock_000003622913xsmall_b200.jpg"/>
+          <p:cNvPicPr>
+            <a:picLocks noChangeAspect="1" noChangeArrowheads="1"/>
+          </p:cNvPicPr>
+          <p:nvPr/>
+        </p:nvPicPr>
+        <p:blipFill>
+          <a:blip r:embed="rId3" cstate="print"/>
+          <a:srcRect/>
+          <a:stretch>
+            <a:fillRect/>
+          </a:stretch>
+        </p:blipFill>
+        <p:spPr bwMode="auto">
+          <a:xfrm>
+            <a:off x="6949440" y="2366127"/>
+            <a:ext cx="2291581" cy="2280124"/>
+          </a:xfrm>
+          <a:prstGeom prst="rect">
+            <a:avLst/>
+          </a:prstGeom>
+          <a:ln>
+            <a:noFill/>
+          </a:ln>
+          <a:effectLst>
+            <a:softEdge rad="112500"/>
+          </a:effectLst>
+        </p:spPr>
+      </p:pic>
     </p:spTree>
     <p:extLst>
       <p:ext uri="{BB962C8B-B14F-4D97-AF65-F5344CB8AC3E}">
-        <p14:creationId xmlns:p14="http://schemas.microsoft.com/office/powerpoint/2010/main" val="78371193"/>
+        <p14:creationId xmlns:p14="http://schemas.microsoft.com/office/powerpoint/2010/main" xmlns="" val="78371193"/>
       </p:ext>
     </p:extLst>
   </p:cSld>
@@ -10477,10 +11986,10 @@
           <p:nvPr/>
         </p:nvPicPr>
         <p:blipFill>
-          <a:blip r:embed="rId2">
+          <a:blip r:embed="rId3" cstate="print">
             <a:extLst>
               <a:ext uri="{28A0092B-C50C-407E-A947-70E740481C1C}">
-                <a14:useLocalDpi xmlns:a14="http://schemas.microsoft.com/office/drawing/2010/main" val="0"/>
+                <a14:useLocalDpi xmlns:a14="http://schemas.microsoft.com/office/drawing/2010/main" xmlns="" val="0"/>
               </a:ext>
             </a:extLst>
           </a:blip>
@@ -10500,7 +12009,7 @@
           <a:noFill/>
           <a:extLst>
             <a:ext uri="{909E8E84-426E-40DD-AFC4-6F175D3DCCD1}">
-              <a14:hiddenFill xmlns:a14="http://schemas.microsoft.com/office/drawing/2010/main">
+              <a14:hiddenFill xmlns:a14="http://schemas.microsoft.com/office/drawing/2010/main" xmlns="">
                 <a:solidFill>
                   <a:srgbClr val="FFFFFF"/>
                 </a:solidFill>
@@ -10512,7 +12021,7 @@
     </p:spTree>
     <p:extLst>
       <p:ext uri="{BB962C8B-B14F-4D97-AF65-F5344CB8AC3E}">
-        <p14:creationId xmlns:p14="http://schemas.microsoft.com/office/powerpoint/2010/main" val="2107344923"/>
+        <p14:creationId xmlns:p14="http://schemas.microsoft.com/office/powerpoint/2010/main" xmlns="" val="2107344923"/>
       </p:ext>
     </p:extLst>
   </p:cSld>
@@ -10778,10 +12287,10 @@
           <p:nvPr/>
         </p:nvPicPr>
         <p:blipFill>
-          <a:blip r:embed="rId2">
+          <a:blip r:embed="rId3" cstate="print">
             <a:extLst>
               <a:ext uri="{28A0092B-C50C-407E-A947-70E740481C1C}">
-                <a14:useLocalDpi xmlns:a14="http://schemas.microsoft.com/office/drawing/2010/main" val="0"/>
+                <a14:useLocalDpi xmlns:a14="http://schemas.microsoft.com/office/drawing/2010/main" xmlns="" val="0"/>
               </a:ext>
             </a:extLst>
           </a:blip>
@@ -10801,7 +12310,7 @@
           <a:noFill/>
           <a:extLst>
             <a:ext uri="{909E8E84-426E-40DD-AFC4-6F175D3DCCD1}">
-              <a14:hiddenFill xmlns:a14="http://schemas.microsoft.com/office/drawing/2010/main">
+              <a14:hiddenFill xmlns:a14="http://schemas.microsoft.com/office/drawing/2010/main" xmlns="">
                 <a:solidFill>
                   <a:srgbClr val="FFFFFF"/>
                 </a:solidFill>
@@ -10813,7 +12322,7 @@
     </p:spTree>
     <p:extLst>
       <p:ext uri="{BB962C8B-B14F-4D97-AF65-F5344CB8AC3E}">
-        <p14:creationId xmlns:p14="http://schemas.microsoft.com/office/powerpoint/2010/main" val="164256279"/>
+        <p14:creationId xmlns:p14="http://schemas.microsoft.com/office/powerpoint/2010/main" xmlns="" val="164256279"/>
       </p:ext>
     </p:extLst>
   </p:cSld>
@@ -10940,7 +12449,7 @@
           <a:blip r:embed="rId3" cstate="print">
             <a:extLst>
               <a:ext uri="{28A0092B-C50C-407E-A947-70E740481C1C}">
-                <a14:useLocalDpi xmlns:a14="http://schemas.microsoft.com/office/drawing/2010/main" val="0"/>
+                <a14:useLocalDpi xmlns:a14="http://schemas.microsoft.com/office/drawing/2010/main" xmlns="" val="0"/>
               </a:ext>
             </a:extLst>
           </a:blip>
@@ -10965,7 +12474,7 @@
           </a:ln>
           <a:extLst>
             <a:ext uri="{909E8E84-426E-40DD-AFC4-6F175D3DCCD1}">
-              <a14:hiddenFill xmlns:a14="http://schemas.microsoft.com/office/drawing/2010/main">
+              <a14:hiddenFill xmlns:a14="http://schemas.microsoft.com/office/drawing/2010/main" xmlns="">
                 <a:solidFill>
                   <a:srgbClr val="FFFFFF"/>
                 </a:solidFill>
@@ -10986,7 +12495,7 @@
           <a:blip r:embed="rId4" cstate="print">
             <a:extLst>
               <a:ext uri="{28A0092B-C50C-407E-A947-70E740481C1C}">
-                <a14:useLocalDpi xmlns:a14="http://schemas.microsoft.com/office/drawing/2010/main" val="0"/>
+                <a14:useLocalDpi xmlns:a14="http://schemas.microsoft.com/office/drawing/2010/main" xmlns="" val="0"/>
               </a:ext>
             </a:extLst>
           </a:blip>
@@ -11011,7 +12520,7 @@
           </a:ln>
           <a:extLst>
             <a:ext uri="{909E8E84-426E-40DD-AFC4-6F175D3DCCD1}">
-              <a14:hiddenFill xmlns:a14="http://schemas.microsoft.com/office/drawing/2010/main">
+              <a14:hiddenFill xmlns:a14="http://schemas.microsoft.com/office/drawing/2010/main" xmlns="">
                 <a:solidFill>
                   <a:srgbClr val="FFFFFF"/>
                 </a:solidFill>
@@ -11100,7 +12609,7 @@
     </p:spTree>
     <p:extLst>
       <p:ext uri="{BB962C8B-B14F-4D97-AF65-F5344CB8AC3E}">
-        <p14:creationId xmlns:p14="http://schemas.microsoft.com/office/powerpoint/2010/main" val="1898273005"/>
+        <p14:creationId xmlns:p14="http://schemas.microsoft.com/office/powerpoint/2010/main" xmlns="" val="1898273005"/>
       </p:ext>
     </p:extLst>
   </p:cSld>
@@ -11227,7 +12736,7 @@
     </p:spTree>
     <p:extLst>
       <p:ext uri="{BB962C8B-B14F-4D97-AF65-F5344CB8AC3E}">
-        <p14:creationId xmlns:p14="http://schemas.microsoft.com/office/powerpoint/2010/main" val="1345858624"/>
+        <p14:creationId xmlns:p14="http://schemas.microsoft.com/office/powerpoint/2010/main" xmlns="" val="1345858624"/>
       </p:ext>
     </p:extLst>
   </p:cSld>
@@ -11533,7 +13042,7 @@
     </p:spTree>
     <p:extLst>
       <p:ext uri="{BB962C8B-B14F-4D97-AF65-F5344CB8AC3E}">
-        <p14:creationId xmlns:p14="http://schemas.microsoft.com/office/powerpoint/2010/main" val="4210756027"/>
+        <p14:creationId xmlns:p14="http://schemas.microsoft.com/office/powerpoint/2010/main" xmlns="" val="4210756027"/>
       </p:ext>
     </p:extLst>
   </p:cSld>
@@ -11699,7 +13208,7 @@
     </p:spTree>
     <p:extLst>
       <p:ext uri="{BB962C8B-B14F-4D97-AF65-F5344CB8AC3E}">
-        <p14:creationId xmlns:p14="http://schemas.microsoft.com/office/powerpoint/2010/main" val="1556886400"/>
+        <p14:creationId xmlns:p14="http://schemas.microsoft.com/office/powerpoint/2010/main" xmlns="" val="1556886400"/>
       </p:ext>
     </p:extLst>
   </p:cSld>
@@ -11949,7 +13458,7 @@
     </p:spTree>
     <p:extLst>
       <p:ext uri="{BB962C8B-B14F-4D97-AF65-F5344CB8AC3E}">
-        <p14:creationId xmlns:p14="http://schemas.microsoft.com/office/powerpoint/2010/main" val="3941722786"/>
+        <p14:creationId xmlns:p14="http://schemas.microsoft.com/office/powerpoint/2010/main" xmlns="" val="3941722786"/>
       </p:ext>
     </p:extLst>
   </p:cSld>
@@ -12012,7 +13521,7 @@
           <p:nvPr/>
         </p:nvPicPr>
         <p:blipFill>
-          <a:blip r:embed="rId3"/>
+          <a:blip r:embed="rId3" cstate="print"/>
           <a:stretch>
             <a:fillRect/>
           </a:stretch>
@@ -12036,7 +13545,7 @@
           <p:nvPr/>
         </p:nvPicPr>
         <p:blipFill>
-          <a:blip r:embed="rId4"/>
+          <a:blip r:embed="rId4" cstate="print"/>
           <a:stretch>
             <a:fillRect/>
           </a:stretch>
@@ -12106,7 +13615,7 @@
           <p:nvPr/>
         </p:nvPicPr>
         <p:blipFill>
-          <a:blip r:embed="rId5"/>
+          <a:blip r:embed="rId5" cstate="print"/>
           <a:stretch>
             <a:fillRect/>
           </a:stretch>
@@ -12124,7 +13633,7 @@
     </p:spTree>
     <p:extLst>
       <p:ext uri="{BB962C8B-B14F-4D97-AF65-F5344CB8AC3E}">
-        <p14:creationId xmlns:p14="http://schemas.microsoft.com/office/powerpoint/2010/main" val="3709600876"/>
+        <p14:creationId xmlns:p14="http://schemas.microsoft.com/office/powerpoint/2010/main" xmlns="" val="3709600876"/>
       </p:ext>
     </p:extLst>
   </p:cSld>
@@ -12287,7 +13796,7 @@
           <p:nvPr/>
         </p:nvPicPr>
         <p:blipFill>
-          <a:blip r:embed="rId2" cstate="print"/>
+          <a:blip r:embed="rId3" cstate="print"/>
           <a:srcRect/>
           <a:stretch>
             <a:fillRect/>
@@ -12353,7 +13862,7 @@
     </p:spTree>
     <p:extLst>
       <p:ext uri="{BB962C8B-B14F-4D97-AF65-F5344CB8AC3E}">
-        <p14:creationId xmlns:p14="http://schemas.microsoft.com/office/powerpoint/2010/main" val="1283623021"/>
+        <p14:creationId xmlns:p14="http://schemas.microsoft.com/office/powerpoint/2010/main" xmlns="" val="1283623021"/>
       </p:ext>
     </p:extLst>
   </p:cSld>
@@ -12414,7 +13923,7 @@
           <a:blip r:embed="rId3" cstate="print">
             <a:extLst>
               <a:ext uri="{28A0092B-C50C-407E-A947-70E740481C1C}">
-                <a14:useLocalDpi xmlns:a14="http://schemas.microsoft.com/office/drawing/2010/main" val="0"/>
+                <a14:useLocalDpi xmlns:a14="http://schemas.microsoft.com/office/drawing/2010/main" xmlns="" val="0"/>
               </a:ext>
             </a:extLst>
           </a:blip>
@@ -12442,7 +13951,7 @@
           </a:ln>
           <a:extLst>
             <a:ext uri="{909E8E84-426E-40DD-AFC4-6F175D3DCCD1}">
-              <a14:hiddenFill xmlns:a14="http://schemas.microsoft.com/office/drawing/2010/main">
+              <a14:hiddenFill xmlns:a14="http://schemas.microsoft.com/office/drawing/2010/main" xmlns="">
                 <a:solidFill>
                   <a:srgbClr val="FFFFFF"/>
                 </a:solidFill>
@@ -12509,7 +14018,7 @@
           <a:blip r:embed="rId4" cstate="print">
             <a:extLst>
               <a:ext uri="{28A0092B-C50C-407E-A947-70E740481C1C}">
-                <a14:useLocalDpi xmlns:a14="http://schemas.microsoft.com/office/drawing/2010/main" val="0"/>
+                <a14:useLocalDpi xmlns:a14="http://schemas.microsoft.com/office/drawing/2010/main" xmlns="" val="0"/>
               </a:ext>
             </a:extLst>
           </a:blip>
@@ -12537,7 +14046,7 @@
           </a:ln>
           <a:extLst>
             <a:ext uri="{909E8E84-426E-40DD-AFC4-6F175D3DCCD1}">
-              <a14:hiddenFill xmlns:a14="http://schemas.microsoft.com/office/drawing/2010/main">
+              <a14:hiddenFill xmlns:a14="http://schemas.microsoft.com/office/drawing/2010/main" xmlns="">
                 <a:solidFill>
                   <a:srgbClr val="FFFFFF"/>
                 </a:solidFill>
@@ -12549,7 +14058,7 @@
     </p:spTree>
     <p:extLst>
       <p:ext uri="{BB962C8B-B14F-4D97-AF65-F5344CB8AC3E}">
-        <p14:creationId xmlns:p14="http://schemas.microsoft.com/office/powerpoint/2010/main" val="2902332026"/>
+        <p14:creationId xmlns:p14="http://schemas.microsoft.com/office/powerpoint/2010/main" xmlns="" val="2902332026"/>
       </p:ext>
     </p:extLst>
   </p:cSld>
@@ -12613,7 +14122,14 @@
           <a:bodyPr/>
           <a:lstStyle/>
           <a:p>
-            <a:endParaRPr lang="de-DE"/>
+            <a:pPr>
+              <a:buNone/>
+            </a:pPr>
+            <a:r>
+              <a:rPr lang="de-DE" dirty="0" smtClean="0"/>
+              <a:t>Werfen wir einen Blick in den Prototypen…</a:t>
+            </a:r>
+            <a:endParaRPr lang="de-DE" dirty="0"/>
           </a:p>
         </p:txBody>
       </p:sp>
@@ -12663,10 +14179,36 @@
           </a:p>
         </p:txBody>
       </p:sp>
+      <p:pic>
+        <p:nvPicPr>
+          <p:cNvPr id="14338" name="Picture 2" descr="https://media.kulturbanause.de/blog/2013/06/responsive-webdesign-workflow.png"/>
+          <p:cNvPicPr>
+            <a:picLocks noChangeAspect="1" noChangeArrowheads="1"/>
+          </p:cNvPicPr>
+          <p:nvPr/>
+        </p:nvPicPr>
+        <p:blipFill>
+          <a:blip r:embed="rId3" cstate="print"/>
+          <a:srcRect/>
+          <a:stretch>
+            <a:fillRect/>
+          </a:stretch>
+        </p:blipFill>
+        <p:spPr bwMode="auto">
+          <a:xfrm>
+            <a:off x="3426592" y="2906363"/>
+            <a:ext cx="5328353" cy="2791594"/>
+          </a:xfrm>
+          <a:prstGeom prst="rect">
+            <a:avLst/>
+          </a:prstGeom>
+          <a:noFill/>
+        </p:spPr>
+      </p:pic>
     </p:spTree>
     <p:extLst>
       <p:ext uri="{BB962C8B-B14F-4D97-AF65-F5344CB8AC3E}">
-        <p14:creationId xmlns:p14="http://schemas.microsoft.com/office/powerpoint/2010/main" val="182176623"/>
+        <p14:creationId xmlns:p14="http://schemas.microsoft.com/office/powerpoint/2010/main" xmlns="" val="182176623"/>
       </p:ext>
     </p:extLst>
   </p:cSld>
@@ -12702,7 +14244,7 @@
           <p:nvPr/>
         </p:nvPicPr>
         <p:blipFill>
-          <a:blip r:embed="rId3"/>
+          <a:blip r:embed="rId3" cstate="print"/>
           <a:stretch>
             <a:fillRect/>
           </a:stretch>
@@ -13060,7 +14602,7 @@
           <p:nvPr/>
         </p:nvPicPr>
         <p:blipFill>
-          <a:blip r:embed="rId3"/>
+          <a:blip r:embed="rId3" cstate="print"/>
           <a:stretch>
             <a:fillRect/>
           </a:stretch>
@@ -13197,7 +14739,7 @@
     </p:spTree>
     <p:extLst>
       <p:ext uri="{BB962C8B-B14F-4D97-AF65-F5344CB8AC3E}">
-        <p14:creationId xmlns:p14="http://schemas.microsoft.com/office/powerpoint/2010/main" val="2047263359"/>
+        <p14:creationId xmlns:p14="http://schemas.microsoft.com/office/powerpoint/2010/main" xmlns="" val="2047263359"/>
       </p:ext>
     </p:extLst>
   </p:cSld>
@@ -13839,10 +15381,10 @@
           <p:nvPr/>
         </p:nvPicPr>
         <p:blipFill>
-          <a:blip r:embed="rId3">
+          <a:blip r:embed="rId3" cstate="print">
             <a:extLst>
               <a:ext uri="{28A0092B-C50C-407E-A947-70E740481C1C}">
-                <a14:useLocalDpi xmlns:a14="http://schemas.microsoft.com/office/drawing/2010/main" val="0"/>
+                <a14:useLocalDpi xmlns:a14="http://schemas.microsoft.com/office/drawing/2010/main" xmlns="" val="0"/>
               </a:ext>
             </a:extLst>
           </a:blip>
@@ -13862,7 +15404,7 @@
           <a:noFill/>
           <a:extLst>
             <a:ext uri="{909E8E84-426E-40DD-AFC4-6F175D3DCCD1}">
-              <a14:hiddenFill xmlns:a14="http://schemas.microsoft.com/office/drawing/2010/main">
+              <a14:hiddenFill xmlns:a14="http://schemas.microsoft.com/office/drawing/2010/main" xmlns="">
                 <a:solidFill>
                   <a:srgbClr val="FFFFFF"/>
                 </a:solidFill>
@@ -13874,7 +15416,7 @@
     </p:spTree>
     <p:extLst>
       <p:ext uri="{BB962C8B-B14F-4D97-AF65-F5344CB8AC3E}">
-        <p14:creationId xmlns:p14="http://schemas.microsoft.com/office/powerpoint/2010/main" val="3924161228"/>
+        <p14:creationId xmlns:p14="http://schemas.microsoft.com/office/powerpoint/2010/main" xmlns="" val="3924161228"/>
       </p:ext>
     </p:extLst>
   </p:cSld>
@@ -13953,10 +15495,10 @@
           <p:nvPr/>
         </p:nvPicPr>
         <p:blipFill>
-          <a:blip r:embed="rId3">
+          <a:blip r:embed="rId3" cstate="print">
             <a:extLst>
               <a:ext uri="{28A0092B-C50C-407E-A947-70E740481C1C}">
-                <a14:useLocalDpi xmlns:a14="http://schemas.microsoft.com/office/drawing/2010/main" val="0"/>
+                <a14:useLocalDpi xmlns:a14="http://schemas.microsoft.com/office/drawing/2010/main" xmlns="" val="0"/>
               </a:ext>
             </a:extLst>
           </a:blip>
@@ -13976,7 +15518,7 @@
           <a:noFill/>
           <a:extLst>
             <a:ext uri="{909E8E84-426E-40DD-AFC4-6F175D3DCCD1}">
-              <a14:hiddenFill xmlns:a14="http://schemas.microsoft.com/office/drawing/2010/main">
+              <a14:hiddenFill xmlns:a14="http://schemas.microsoft.com/office/drawing/2010/main" xmlns="">
                 <a:solidFill>
                   <a:srgbClr val="FFFFFF"/>
                 </a:solidFill>
@@ -14034,7 +15576,7 @@
     </p:spTree>
     <p:extLst>
       <p:ext uri="{BB962C8B-B14F-4D97-AF65-F5344CB8AC3E}">
-        <p14:creationId xmlns:p14="http://schemas.microsoft.com/office/powerpoint/2010/main" val="3509914077"/>
+        <p14:creationId xmlns:p14="http://schemas.microsoft.com/office/powerpoint/2010/main" xmlns="" val="3509914077"/>
       </p:ext>
     </p:extLst>
   </p:cSld>
@@ -14121,10 +15663,10 @@
           <p:nvPr/>
         </p:nvPicPr>
         <p:blipFill>
-          <a:blip r:embed="rId2">
+          <a:blip r:embed="rId2" cstate="print">
             <a:extLst>
               <a:ext uri="{28A0092B-C50C-407E-A947-70E740481C1C}">
-                <a14:useLocalDpi xmlns:a14="http://schemas.microsoft.com/office/drawing/2010/main" val="0"/>
+                <a14:useLocalDpi xmlns:a14="http://schemas.microsoft.com/office/drawing/2010/main" xmlns="" val="0"/>
               </a:ext>
             </a:extLst>
           </a:blip>
@@ -14149,7 +15691,7 @@
           </a:effectLst>
           <a:extLst>
             <a:ext uri="{909E8E84-426E-40DD-AFC4-6F175D3DCCD1}">
-              <a14:hiddenFill xmlns:a14="http://schemas.microsoft.com/office/drawing/2010/main">
+              <a14:hiddenFill xmlns:a14="http://schemas.microsoft.com/office/drawing/2010/main" xmlns="">
                 <a:solidFill>
                   <a:srgbClr val="FFFFFF"/>
                 </a:solidFill>
@@ -14207,7 +15749,7 @@
     </p:spTree>
     <p:extLst>
       <p:ext uri="{BB962C8B-B14F-4D97-AF65-F5344CB8AC3E}">
-        <p14:creationId xmlns:p14="http://schemas.microsoft.com/office/powerpoint/2010/main" val="2576768422"/>
+        <p14:creationId xmlns:p14="http://schemas.microsoft.com/office/powerpoint/2010/main" xmlns="" val="2576768422"/>
       </p:ext>
     </p:extLst>
   </p:cSld>
@@ -14498,7 +16040,7 @@
     </p:spTree>
     <p:extLst>
       <p:ext uri="{BB962C8B-B14F-4D97-AF65-F5344CB8AC3E}">
-        <p14:creationId xmlns:p14="http://schemas.microsoft.com/office/powerpoint/2010/main" val="1365594880"/>
+        <p14:creationId xmlns:p14="http://schemas.microsoft.com/office/powerpoint/2010/main" xmlns="" val="1365594880"/>
       </p:ext>
     </p:extLst>
   </p:cSld>
@@ -14560,7 +16102,7 @@
           <p:nvPr/>
         </p:nvPicPr>
         <p:blipFill>
-          <a:blip r:embed="rId2" cstate="print"/>
+          <a:blip r:embed="rId3" cstate="print"/>
           <a:srcRect/>
           <a:stretch>
             <a:fillRect/>
@@ -14568,8 +16110,8 @@
         </p:blipFill>
         <p:spPr bwMode="auto">
           <a:xfrm>
-            <a:off x="1551030" y="3134511"/>
-            <a:ext cx="7295952" cy="1597124"/>
+            <a:off x="771383" y="2566621"/>
+            <a:ext cx="8228237" cy="1801206"/>
           </a:xfrm>
           <a:prstGeom prst="rect">
             <a:avLst/>
@@ -14595,7 +16137,7 @@
           <p:nvPr/>
         </p:nvPicPr>
         <p:blipFill>
-          <a:blip r:embed="rId3" cstate="print"/>
+          <a:blip r:embed="rId4" cstate="print"/>
           <a:srcRect/>
           <a:stretch>
             <a:fillRect/>
@@ -14624,7 +16166,7 @@
           <p:nvPr/>
         </p:nvPicPr>
         <p:blipFill>
-          <a:blip r:embed="rId4" cstate="print"/>
+          <a:blip r:embed="rId5" cstate="print"/>
           <a:srcRect/>
           <a:stretch>
             <a:fillRect/>
@@ -14701,6 +16243,13 @@
   <p:clrMapOvr>
     <a:masterClrMapping/>
   </p:clrMapOvr>
+  <p:timing>
+    <p:tnLst>
+      <p:par>
+        <p:cTn id="1" dur="indefinite" restart="never" nodeType="tmRoot"/>
+      </p:par>
+    </p:tnLst>
+  </p:timing>
 </p:sld>
 </file>
 
@@ -14744,25 +16293,6 @@
               <a:rPr lang="en-US" dirty="0"/>
               <a:t> Software: 	</a:t>
             </a:r>
-          </a:p>
-        </p:txBody>
-      </p:sp>
-      <p:sp>
-        <p:nvSpPr>
-          <p:cNvPr id="3" name="Inhaltsplatzhalter 2"/>
-          <p:cNvSpPr>
-            <a:spLocks noGrp="1"/>
-          </p:cNvSpPr>
-          <p:nvPr>
-            <p:ph idx="1"/>
-          </p:nvPr>
-        </p:nvSpPr>
-        <p:spPr/>
-        <p:txBody>
-          <a:bodyPr/>
-          <a:lstStyle/>
-          <a:p>
-            <a:endParaRPr lang="en-US"/>
           </a:p>
         </p:txBody>
       </p:sp>
@@ -14878,6 +16408,13 @@
   <p:clrMapOvr>
     <a:masterClrMapping/>
   </p:clrMapOvr>
+  <p:timing>
+    <p:tnLst>
+      <p:par>
+        <p:cTn id="1" dur="indefinite" restart="never" nodeType="tmRoot"/>
+      </p:par>
+    </p:tnLst>
+  </p:timing>
 </p:sld>
 </file>
 
@@ -14980,7 +16517,7 @@
           <p:nvPr/>
         </p:nvPicPr>
         <p:blipFill>
-          <a:blip r:embed="rId3"/>
+          <a:blip r:embed="rId3" cstate="print"/>
           <a:stretch>
             <a:fillRect/>
           </a:stretch>
@@ -15004,7 +16541,7 @@
           <p:nvPr/>
         </p:nvPicPr>
         <p:blipFill>
-          <a:blip r:embed="rId4"/>
+          <a:blip r:embed="rId4" cstate="print"/>
           <a:stretch>
             <a:fillRect/>
           </a:stretch>
@@ -15022,13 +16559,20 @@
     </p:spTree>
     <p:extLst>
       <p:ext uri="{BB962C8B-B14F-4D97-AF65-F5344CB8AC3E}">
-        <p14:creationId xmlns:p14="http://schemas.microsoft.com/office/powerpoint/2010/main" val="2187657507"/>
+        <p14:creationId xmlns:p14="http://schemas.microsoft.com/office/powerpoint/2010/main" xmlns="" val="2187657507"/>
       </p:ext>
     </p:extLst>
   </p:cSld>
   <p:clrMapOvr>
     <a:masterClrMapping/>
   </p:clrMapOvr>
+  <p:timing>
+    <p:tnLst>
+      <p:par>
+        <p:cTn id="1" dur="indefinite" restart="never" nodeType="tmRoot"/>
+      </p:par>
+    </p:tnLst>
+  </p:timing>
 </p:sld>
 </file>
 
@@ -15227,10 +16771,41 @@
           </a:p>
         </p:txBody>
       </p:sp>
+      <p:pic>
+        <p:nvPicPr>
+          <p:cNvPr id="53250" name="Picture 2" descr="http://www.bertelsmann.de/media/verantwortung/bilder/cr-organisation-organigramm-1600-900px_article_landscape_gt_1200_grid.jpg"/>
+          <p:cNvPicPr>
+            <a:picLocks noChangeAspect="1" noChangeArrowheads="1"/>
+          </p:cNvPicPr>
+          <p:nvPr/>
+        </p:nvPicPr>
+        <p:blipFill>
+          <a:blip r:embed="rId3" cstate="print"/>
+          <a:srcRect/>
+          <a:stretch>
+            <a:fillRect/>
+          </a:stretch>
+        </p:blipFill>
+        <p:spPr bwMode="auto">
+          <a:xfrm>
+            <a:off x="5592279" y="2293045"/>
+            <a:ext cx="4814002" cy="2707095"/>
+          </a:xfrm>
+          <a:prstGeom prst="rect">
+            <a:avLst/>
+          </a:prstGeom>
+          <a:ln>
+            <a:noFill/>
+          </a:ln>
+          <a:effectLst>
+            <a:softEdge rad="112500"/>
+          </a:effectLst>
+        </p:spPr>
+      </p:pic>
     </p:spTree>
     <p:extLst>
       <p:ext uri="{BB962C8B-B14F-4D97-AF65-F5344CB8AC3E}">
-        <p14:creationId xmlns:p14="http://schemas.microsoft.com/office/powerpoint/2010/main" val="661856644"/>
+        <p14:creationId xmlns:p14="http://schemas.microsoft.com/office/powerpoint/2010/main" xmlns="" val="661856644"/>
       </p:ext>
     </p:extLst>
   </p:cSld>
@@ -15321,7 +16896,15 @@
           <a:p>
             <a:r>
               <a:rPr lang="de-DE" dirty="0"/>
-              <a:t>Team-Meetings: Persönlich, jeden Mittwoch</a:t>
+              <a:t>Team-Meetings: </a:t>
+            </a:r>
+            <a:r>
+              <a:rPr lang="de-DE" dirty="0" smtClean="0"/>
+              <a:t>persönlich</a:t>
+            </a:r>
+            <a:r>
+              <a:rPr lang="de-DE" dirty="0"/>
+              <a:t>, jeden Mittwoch</a:t>
             </a:r>
           </a:p>
         </p:txBody>
@@ -15338,7 +16921,7 @@
           <a:blip r:embed="rId3" cstate="print">
             <a:extLst>
               <a:ext uri="{28A0092B-C50C-407E-A947-70E740481C1C}">
-                <a14:useLocalDpi xmlns:a14="http://schemas.microsoft.com/office/drawing/2010/main" val="0"/>
+                <a14:useLocalDpi xmlns:a14="http://schemas.microsoft.com/office/drawing/2010/main" xmlns="" val="0"/>
               </a:ext>
             </a:extLst>
           </a:blip>
@@ -15358,7 +16941,7 @@
           <a:noFill/>
           <a:extLst>
             <a:ext uri="{909E8E84-426E-40DD-AFC4-6F175D3DCCD1}">
-              <a14:hiddenFill xmlns:a14="http://schemas.microsoft.com/office/drawing/2010/main">
+              <a14:hiddenFill xmlns:a14="http://schemas.microsoft.com/office/drawing/2010/main" xmlns="">
                 <a:solidFill>
                   <a:srgbClr val="FFFFFF"/>
                 </a:solidFill>
@@ -15416,7 +16999,7 @@
     </p:spTree>
     <p:extLst>
       <p:ext uri="{BB962C8B-B14F-4D97-AF65-F5344CB8AC3E}">
-        <p14:creationId xmlns:p14="http://schemas.microsoft.com/office/powerpoint/2010/main" val="926776740"/>
+        <p14:creationId xmlns:p14="http://schemas.microsoft.com/office/powerpoint/2010/main" xmlns="" val="926776740"/>
       </p:ext>
     </p:extLst>
   </p:cSld>
@@ -15657,7 +17240,7 @@
   <a:extraClrSchemeLst/>
   <a:extLst>
     <a:ext uri="{05A4C25C-085E-4340-85A3-A5531E510DB2}">
-      <thm15:themeFamily xmlns:thm15="http://schemas.microsoft.com/office/thememl/2012/main" name="Basis" id="{5665723A-49BA-4B57-8411-A56F8F207965}" vid="{90E45F77-AEFC-46EF-A7C1-5B338C297B02}"/>
+      <thm15:themeFamily xmlns:thm15="http://schemas.microsoft.com/office/thememl/2012/main" xmlns="" name="Basis" id="{5665723A-49BA-4B57-8411-A56F8F207965}" vid="{90E45F77-AEFC-46EF-A7C1-5B338C297B02}"/>
     </a:ext>
   </a:extLst>
 </a:theme>
@@ -15952,7 +17535,7 @@
   <a:extraClrSchemeLst/>
   <a:extLst>
     <a:ext uri="{05A4C25C-085E-4340-85A3-A5531E510DB2}">
-      <thm15:themeFamily xmlns:thm15="http://schemas.microsoft.com/office/thememl/2012/main" name="Office Theme" id="{62F939B6-93AF-4DB8-9C6B-D6C7DFDC589F}" vid="{4A3C46E8-61CC-4603-A589-7422A47A8E4A}"/>
+      <thm15:themeFamily xmlns:thm15="http://schemas.microsoft.com/office/thememl/2012/main" xmlns="" name="Office Theme" id="{62F939B6-93AF-4DB8-9C6B-D6C7DFDC589F}" vid="{4A3C46E8-61CC-4603-A589-7422A47A8E4A}"/>
     </a:ext>
   </a:extLst>
 </a:theme>

--- a/KanBan-App/Documents/Abschlusspräsentation/Projektmanagement.pptx
+++ b/KanBan-App/Documents/Abschlusspräsentation/Projektmanagement.pptx
@@ -145,7 +145,7 @@
   </p:defaultTextStyle>
   <p:extLst>
     <p:ext uri="{EFAFB233-063F-42B5-8137-9DF3F51BA10A}">
-      <p15:sldGuideLst xmlns:p15="http://schemas.microsoft.com/office/powerpoint/2012/main" xmlns="">
+      <p15:sldGuideLst xmlns="" xmlns:p15="http://schemas.microsoft.com/office/powerpoint/2012/main">
         <p15:guide id="1" orient="horz" pos="2160">
           <p15:clr>
             <a:srgbClr val="A4A3A4"/>
@@ -245,7 +245,7 @@
             <a:fld id="{F0CFA2DF-472B-4F3D-902C-81F3424761EF}" type="datetimeFigureOut">
               <a:rPr lang="de-DE" smtClean="0"/>
               <a:pPr/>
-              <a:t>29.09.2016</a:t>
+              <a:t>30.09.2016</a:t>
             </a:fld>
             <a:endParaRPr lang="de-DE"/>
           </a:p>
@@ -413,7 +413,7 @@
     </p:spTree>
     <p:extLst>
       <p:ext uri="{BB962C8B-B14F-4D97-AF65-F5344CB8AC3E}">
-        <p14:creationId xmlns:p14="http://schemas.microsoft.com/office/powerpoint/2010/main" xmlns="" val="1265113989"/>
+        <p14:creationId xmlns="" xmlns:p14="http://schemas.microsoft.com/office/powerpoint/2010/main" val="1265113989"/>
       </p:ext>
     </p:extLst>
   </p:cSld>
@@ -628,7 +628,7 @@
     </p:spTree>
     <p:extLst>
       <p:ext uri="{BB962C8B-B14F-4D97-AF65-F5344CB8AC3E}">
-        <p14:creationId xmlns:p14="http://schemas.microsoft.com/office/powerpoint/2010/main" xmlns="" val="2526264864"/>
+        <p14:creationId xmlns="" xmlns:p14="http://schemas.microsoft.com/office/powerpoint/2010/main" val="2526264864"/>
       </p:ext>
     </p:extLst>
   </p:cSld>
@@ -874,7 +874,7 @@
     </p:spTree>
     <p:extLst>
       <p:ext uri="{BB962C8B-B14F-4D97-AF65-F5344CB8AC3E}">
-        <p14:creationId xmlns:p14="http://schemas.microsoft.com/office/powerpoint/2010/main" xmlns="" val="3928281295"/>
+        <p14:creationId xmlns="" xmlns:p14="http://schemas.microsoft.com/office/powerpoint/2010/main" val="3928281295"/>
       </p:ext>
     </p:extLst>
   </p:cSld>
@@ -995,7 +995,7 @@
     </p:spTree>
     <p:extLst>
       <p:ext uri="{BB962C8B-B14F-4D97-AF65-F5344CB8AC3E}">
-        <p14:creationId xmlns:p14="http://schemas.microsoft.com/office/powerpoint/2010/main" xmlns="" val="4023090679"/>
+        <p14:creationId xmlns="" xmlns:p14="http://schemas.microsoft.com/office/powerpoint/2010/main" val="4023090679"/>
       </p:ext>
     </p:extLst>
   </p:cSld>
@@ -1359,6 +1359,44 @@
               <a:rPr lang="en-US" dirty="0" err="1" smtClean="0"/>
               <a:t>sehen</a:t>
             </a:r>
+            <a:endParaRPr lang="en-US" dirty="0" smtClean="0"/>
+          </a:p>
+          <a:p>
+            <a:endParaRPr lang="en-US" dirty="0" smtClean="0"/>
+          </a:p>
+          <a:p>
+            <a:r>
+              <a:rPr lang="en-US" dirty="0" err="1" smtClean="0"/>
+              <a:t>Vorgänger</a:t>
+            </a:r>
+            <a:r>
+              <a:rPr lang="en-US" baseline="0" dirty="0" smtClean="0"/>
+              <a:t>: </a:t>
+            </a:r>
+            <a:r>
+              <a:rPr lang="en-US" baseline="0" dirty="0" err="1" smtClean="0"/>
+              <a:t>Datenmodell</a:t>
+            </a:r>
+            <a:r>
+              <a:rPr lang="en-US" baseline="0" dirty="0" smtClean="0"/>
+              <a:t> </a:t>
+            </a:r>
+            <a:r>
+              <a:rPr lang="en-US" baseline="0" dirty="0" err="1" smtClean="0"/>
+              <a:t>umsetzen</a:t>
+            </a:r>
+            <a:r>
+              <a:rPr lang="en-US" baseline="0" dirty="0" smtClean="0"/>
+              <a:t> – </a:t>
+            </a:r>
+            <a:r>
+              <a:rPr lang="en-US" baseline="0" dirty="0" err="1" smtClean="0"/>
+              <a:t>wegen</a:t>
+            </a:r>
+            <a:r>
+              <a:rPr lang="en-US" baseline="0" dirty="0" smtClean="0"/>
+              <a:t> Database first</a:t>
+            </a:r>
             <a:endParaRPr lang="en-US" dirty="0"/>
           </a:p>
         </p:txBody>
@@ -1492,7 +1530,7 @@
     </p:spTree>
     <p:extLst>
       <p:ext uri="{BB962C8B-B14F-4D97-AF65-F5344CB8AC3E}">
-        <p14:creationId xmlns:p14="http://schemas.microsoft.com/office/powerpoint/2010/main" xmlns="" val="3129885300"/>
+        <p14:creationId xmlns="" xmlns:p14="http://schemas.microsoft.com/office/powerpoint/2010/main" val="3129885300"/>
       </p:ext>
     </p:extLst>
   </p:cSld>
@@ -1603,7 +1641,7 @@
     </p:spTree>
     <p:extLst>
       <p:ext uri="{BB962C8B-B14F-4D97-AF65-F5344CB8AC3E}">
-        <p14:creationId xmlns:p14="http://schemas.microsoft.com/office/powerpoint/2010/main" xmlns="" val="1348060691"/>
+        <p14:creationId xmlns="" xmlns:p14="http://schemas.microsoft.com/office/powerpoint/2010/main" val="1348060691"/>
       </p:ext>
     </p:extLst>
   </p:cSld>
@@ -1827,7 +1865,7 @@
     </p:spTree>
     <p:extLst>
       <p:ext uri="{BB962C8B-B14F-4D97-AF65-F5344CB8AC3E}">
-        <p14:creationId xmlns:p14="http://schemas.microsoft.com/office/powerpoint/2010/main" xmlns="" val="2601951817"/>
+        <p14:creationId xmlns="" xmlns:p14="http://schemas.microsoft.com/office/powerpoint/2010/main" val="2601951817"/>
       </p:ext>
     </p:extLst>
   </p:cSld>
@@ -2188,7 +2226,7 @@
     </p:spTree>
     <p:extLst>
       <p:ext uri="{BB962C8B-B14F-4D97-AF65-F5344CB8AC3E}">
-        <p14:creationId xmlns:p14="http://schemas.microsoft.com/office/powerpoint/2010/main" xmlns="" val="965649443"/>
+        <p14:creationId xmlns="" xmlns:p14="http://schemas.microsoft.com/office/powerpoint/2010/main" val="965649443"/>
       </p:ext>
     </p:extLst>
   </p:cSld>
@@ -2753,7 +2791,7 @@
     </p:spTree>
     <p:extLst>
       <p:ext uri="{BB962C8B-B14F-4D97-AF65-F5344CB8AC3E}">
-        <p14:creationId xmlns:p14="http://schemas.microsoft.com/office/powerpoint/2010/main" xmlns="" val="115103881"/>
+        <p14:creationId xmlns="" xmlns:p14="http://schemas.microsoft.com/office/powerpoint/2010/main" val="115103881"/>
       </p:ext>
     </p:extLst>
   </p:cSld>
@@ -3421,7 +3459,7 @@
     </p:spTree>
     <p:extLst>
       <p:ext uri="{BB962C8B-B14F-4D97-AF65-F5344CB8AC3E}">
-        <p14:creationId xmlns:p14="http://schemas.microsoft.com/office/powerpoint/2010/main" xmlns="" val="3160102417"/>
+        <p14:creationId xmlns="" xmlns:p14="http://schemas.microsoft.com/office/powerpoint/2010/main" val="3160102417"/>
       </p:ext>
     </p:extLst>
   </p:cSld>
@@ -3566,7 +3604,7 @@
     </p:spTree>
     <p:extLst>
       <p:ext uri="{BB962C8B-B14F-4D97-AF65-F5344CB8AC3E}">
-        <p14:creationId xmlns:p14="http://schemas.microsoft.com/office/powerpoint/2010/main" xmlns="" val="406562286"/>
+        <p14:creationId xmlns="" xmlns:p14="http://schemas.microsoft.com/office/powerpoint/2010/main" val="406562286"/>
       </p:ext>
     </p:extLst>
   </p:cSld>
@@ -3691,7 +3729,7 @@
     </p:spTree>
     <p:extLst>
       <p:ext uri="{BB962C8B-B14F-4D97-AF65-F5344CB8AC3E}">
-        <p14:creationId xmlns:p14="http://schemas.microsoft.com/office/powerpoint/2010/main" xmlns="" val="851868737"/>
+        <p14:creationId xmlns="" xmlns:p14="http://schemas.microsoft.com/office/powerpoint/2010/main" val="851868737"/>
       </p:ext>
     </p:extLst>
   </p:cSld>
@@ -3801,7 +3839,7 @@
     </p:spTree>
     <p:extLst>
       <p:ext uri="{BB962C8B-B14F-4D97-AF65-F5344CB8AC3E}">
-        <p14:creationId xmlns:p14="http://schemas.microsoft.com/office/powerpoint/2010/main" xmlns="" val="2858744506"/>
+        <p14:creationId xmlns="" xmlns:p14="http://schemas.microsoft.com/office/powerpoint/2010/main" val="2858744506"/>
       </p:ext>
     </p:extLst>
   </p:cSld>
@@ -3902,7 +3940,7 @@
     </p:spTree>
     <p:extLst>
       <p:ext uri="{BB962C8B-B14F-4D97-AF65-F5344CB8AC3E}">
-        <p14:creationId xmlns:p14="http://schemas.microsoft.com/office/powerpoint/2010/main" xmlns="" val="1763690643"/>
+        <p14:creationId xmlns="" xmlns:p14="http://schemas.microsoft.com/office/powerpoint/2010/main" val="1763690643"/>
       </p:ext>
     </p:extLst>
   </p:cSld>
@@ -3995,7 +4033,7 @@
     </p:spTree>
     <p:extLst>
       <p:ext uri="{BB962C8B-B14F-4D97-AF65-F5344CB8AC3E}">
-        <p14:creationId xmlns:p14="http://schemas.microsoft.com/office/powerpoint/2010/main" xmlns="" val="792622962"/>
+        <p14:creationId xmlns="" xmlns:p14="http://schemas.microsoft.com/office/powerpoint/2010/main" val="792622962"/>
       </p:ext>
     </p:extLst>
   </p:cSld>
@@ -4360,8 +4398,74 @@
               <a:t> User </a:t>
             </a:r>
             <a:r>
-              <a:rPr lang="en-US" baseline="0" dirty="0" err="1"/>
+              <a:rPr lang="en-US" baseline="0" dirty="0" err="1" smtClean="0"/>
               <a:t>existiert</a:t>
+            </a:r>
+            <a:endParaRPr lang="en-US" baseline="0" dirty="0" smtClean="0"/>
+          </a:p>
+          <a:p>
+            <a:endParaRPr lang="en-US" baseline="0" dirty="0" smtClean="0"/>
+          </a:p>
+          <a:p>
+            <a:r>
+              <a:rPr lang="en-US" baseline="0" dirty="0" err="1" smtClean="0"/>
+              <a:t>Unten</a:t>
+            </a:r>
+            <a:r>
+              <a:rPr lang="en-US" baseline="0" dirty="0" smtClean="0"/>
+              <a:t> </a:t>
+            </a:r>
+            <a:r>
+              <a:rPr lang="en-US" baseline="0" dirty="0" err="1" smtClean="0"/>
+              <a:t>sieht</a:t>
+            </a:r>
+            <a:r>
+              <a:rPr lang="en-US" baseline="0" dirty="0" smtClean="0"/>
+              <a:t> man die </a:t>
+            </a:r>
+            <a:r>
+              <a:rPr lang="en-US" baseline="0" dirty="0" err="1" smtClean="0"/>
+              <a:t>einfahcheit</a:t>
+            </a:r>
+            <a:r>
+              <a:rPr lang="en-US" baseline="0" dirty="0" smtClean="0"/>
+              <a:t> des Entity Frameworks -&gt; </a:t>
+            </a:r>
+            <a:r>
+              <a:rPr lang="en-US" baseline="0" dirty="0" err="1" smtClean="0"/>
+              <a:t>db.SaveChanges</a:t>
+            </a:r>
+            <a:r>
+              <a:rPr lang="en-US" baseline="0" dirty="0" smtClean="0"/>
+              <a:t>(); und man </a:t>
+            </a:r>
+            <a:r>
+              <a:rPr lang="en-US" baseline="0" dirty="0" err="1" smtClean="0"/>
+              <a:t>spart</a:t>
+            </a:r>
+            <a:r>
+              <a:rPr lang="en-US" baseline="0" dirty="0" smtClean="0"/>
+              <a:t> </a:t>
+            </a:r>
+            <a:r>
+              <a:rPr lang="en-US" baseline="0" dirty="0" err="1" smtClean="0"/>
+              <a:t>sich</a:t>
+            </a:r>
+            <a:r>
+              <a:rPr lang="en-US" baseline="0" dirty="0" smtClean="0"/>
+              <a:t> </a:t>
+            </a:r>
+            <a:r>
+              <a:rPr lang="en-US" baseline="0" dirty="0" err="1" smtClean="0"/>
+              <a:t>alle</a:t>
+            </a:r>
+            <a:r>
+              <a:rPr lang="en-US" baseline="0" dirty="0" smtClean="0"/>
+              <a:t> SQL </a:t>
+            </a:r>
+            <a:r>
+              <a:rPr lang="en-US" baseline="0" smtClean="0"/>
+              <a:t>Befehle</a:t>
             </a:r>
             <a:endParaRPr lang="en-US" dirty="0"/>
           </a:p>
@@ -4659,7 +4763,7 @@
     </p:spTree>
     <p:extLst>
       <p:ext uri="{BB962C8B-B14F-4D97-AF65-F5344CB8AC3E}">
-        <p14:creationId xmlns:p14="http://schemas.microsoft.com/office/powerpoint/2010/main" xmlns="" val="1251892998"/>
+        <p14:creationId xmlns="" xmlns:p14="http://schemas.microsoft.com/office/powerpoint/2010/main" val="1251892998"/>
       </p:ext>
     </p:extLst>
   </p:cSld>
@@ -4772,7 +4876,7 @@
     </p:spTree>
     <p:extLst>
       <p:ext uri="{BB962C8B-B14F-4D97-AF65-F5344CB8AC3E}">
-        <p14:creationId xmlns:p14="http://schemas.microsoft.com/office/powerpoint/2010/main" xmlns="" val="2749048126"/>
+        <p14:creationId xmlns="" xmlns:p14="http://schemas.microsoft.com/office/powerpoint/2010/main" val="2749048126"/>
       </p:ext>
     </p:extLst>
   </p:cSld>
@@ -4829,6 +4933,48 @@
           <a:lstStyle/>
           <a:p>
             <a:r>
+              <a:rPr lang="en-US" dirty="0" err="1" smtClean="0"/>
+              <a:t>Wir</a:t>
+            </a:r>
+            <a:r>
+              <a:rPr lang="en-US" dirty="0" smtClean="0"/>
+              <a:t> </a:t>
+            </a:r>
+            <a:r>
+              <a:rPr lang="en-US" dirty="0" err="1" smtClean="0"/>
+              <a:t>haben</a:t>
+            </a:r>
+            <a:r>
+              <a:rPr lang="en-US" dirty="0" smtClean="0"/>
+              <a:t> </a:t>
+            </a:r>
+            <a:r>
+              <a:rPr lang="en-US" dirty="0" err="1" smtClean="0"/>
+              <a:t>uns</a:t>
+            </a:r>
+            <a:r>
+              <a:rPr lang="en-US" dirty="0" smtClean="0"/>
+              <a:t> </a:t>
+            </a:r>
+            <a:r>
+              <a:rPr lang="en-US" dirty="0" err="1" smtClean="0"/>
+              <a:t>ähnlcihe</a:t>
+            </a:r>
+            <a:r>
+              <a:rPr lang="en-US" dirty="0" smtClean="0"/>
+              <a:t> Software </a:t>
+            </a:r>
+            <a:r>
+              <a:rPr lang="en-US" dirty="0" err="1" smtClean="0"/>
+              <a:t>angesehen</a:t>
+            </a:r>
+            <a:endParaRPr lang="en-US" dirty="0" smtClean="0"/>
+          </a:p>
+          <a:p>
+            <a:endParaRPr lang="en-US" dirty="0" smtClean="0"/>
+          </a:p>
+          <a:p>
+            <a:r>
               <a:rPr lang="en-US" dirty="0" smtClean="0"/>
               <a:t>An </a:t>
             </a:r>
@@ -5120,7 +5266,7 @@
     </p:spTree>
     <p:extLst>
       <p:ext uri="{BB962C8B-B14F-4D97-AF65-F5344CB8AC3E}">
-        <p14:creationId xmlns:p14="http://schemas.microsoft.com/office/powerpoint/2010/main" xmlns="" val="1180736969"/>
+        <p14:creationId xmlns="" xmlns:p14="http://schemas.microsoft.com/office/powerpoint/2010/main" val="1180736969"/>
       </p:ext>
     </p:extLst>
   </p:cSld>
@@ -5207,6 +5353,21 @@
           <a:p>
             <a:r>
               <a:rPr lang="de-DE" baseline="0" dirty="0" smtClean="0"/>
+              <a:t>Schöne UI</a:t>
+            </a:r>
+          </a:p>
+          <a:p>
+            <a:r>
+              <a:rPr lang="de-DE" baseline="0" dirty="0" smtClean="0"/>
+              <a:t>Schwer zu bedienen</a:t>
+            </a:r>
+          </a:p>
+          <a:p>
+            <a:endParaRPr lang="de-DE" baseline="0" dirty="0" smtClean="0"/>
+          </a:p>
+          <a:p>
+            <a:r>
+              <a:rPr lang="de-DE" baseline="0" dirty="0" smtClean="0"/>
               <a:t>So viel zu der bisherigen Marktlage</a:t>
             </a:r>
             <a:endParaRPr lang="de-DE" dirty="0"/>
@@ -5240,7 +5401,7 @@
     </p:spTree>
     <p:extLst>
       <p:ext uri="{BB962C8B-B14F-4D97-AF65-F5344CB8AC3E}">
-        <p14:creationId xmlns:p14="http://schemas.microsoft.com/office/powerpoint/2010/main" xmlns="" val="3180063279"/>
+        <p14:creationId xmlns="" xmlns:p14="http://schemas.microsoft.com/office/powerpoint/2010/main" val="3180063279"/>
       </p:ext>
     </p:extLst>
   </p:cSld>
@@ -5332,6 +5493,42 @@
               <a:rPr lang="en-US" dirty="0" err="1" smtClean="0"/>
               <a:t>aus</a:t>
             </a:r>
+            <a:endParaRPr lang="en-US" dirty="0" smtClean="0"/>
+          </a:p>
+          <a:p>
+            <a:endParaRPr lang="en-US" dirty="0" smtClean="0"/>
+          </a:p>
+          <a:p>
+            <a:r>
+              <a:rPr lang="en-US" dirty="0" smtClean="0"/>
+              <a:t>Sebastian</a:t>
+            </a:r>
+            <a:r>
+              <a:rPr lang="en-US" baseline="0" dirty="0" smtClean="0"/>
+              <a:t> und Lloyd</a:t>
+            </a:r>
+          </a:p>
+          <a:p>
+            <a:r>
+              <a:rPr lang="en-US" baseline="0" dirty="0" smtClean="0"/>
+              <a:t>Von </a:t>
+            </a:r>
+            <a:r>
+              <a:rPr lang="en-US" baseline="0" dirty="0" err="1" smtClean="0"/>
+              <a:t>Anfang</a:t>
+            </a:r>
+            <a:r>
+              <a:rPr lang="en-US" baseline="0" dirty="0" smtClean="0"/>
+              <a:t> an </a:t>
+            </a:r>
+            <a:r>
+              <a:rPr lang="en-US" baseline="0" dirty="0" err="1" smtClean="0"/>
+              <a:t>zu</a:t>
+            </a:r>
+            <a:r>
+              <a:rPr lang="en-US" baseline="0" dirty="0" smtClean="0"/>
+              <a:t> 2.</a:t>
+            </a:r>
             <a:endParaRPr lang="en-US" dirty="0"/>
           </a:p>
         </p:txBody>
@@ -5465,7 +5662,7 @@
     </p:spTree>
     <p:extLst>
       <p:ext uri="{BB962C8B-B14F-4D97-AF65-F5344CB8AC3E}">
-        <p14:creationId xmlns:p14="http://schemas.microsoft.com/office/powerpoint/2010/main" xmlns="" val="3241338693"/>
+        <p14:creationId xmlns="" xmlns:p14="http://schemas.microsoft.com/office/powerpoint/2010/main" val="3241338693"/>
       </p:ext>
     </p:extLst>
   </p:cSld>
@@ -5577,7 +5774,7 @@
     </p:spTree>
     <p:extLst>
       <p:ext uri="{BB962C8B-B14F-4D97-AF65-F5344CB8AC3E}">
-        <p14:creationId xmlns:p14="http://schemas.microsoft.com/office/powerpoint/2010/main" xmlns="" val="3523565374"/>
+        <p14:creationId xmlns="" xmlns:p14="http://schemas.microsoft.com/office/powerpoint/2010/main" val="3523565374"/>
       </p:ext>
     </p:extLst>
   </p:cSld>
@@ -5784,7 +5981,7 @@
             <a:fld id="{36C1594A-D4BB-42B8-8BE4-8126D14BBE09}" type="datetime1">
               <a:rPr lang="de-DE" smtClean="0"/>
               <a:pPr/>
-              <a:t>29.09.2016</a:t>
+              <a:t>30.09.2016</a:t>
             </a:fld>
             <a:endParaRPr lang="de-DE"/>
           </a:p>
@@ -5890,7 +6087,7 @@
     </p:spTree>
     <p:extLst>
       <p:ext uri="{BB962C8B-B14F-4D97-AF65-F5344CB8AC3E}">
-        <p14:creationId xmlns:p14="http://schemas.microsoft.com/office/powerpoint/2010/main" xmlns="" val="2840461058"/>
+        <p14:creationId xmlns="" xmlns:p14="http://schemas.microsoft.com/office/powerpoint/2010/main" val="2840461058"/>
       </p:ext>
     </p:extLst>
   </p:cSld>
@@ -6010,7 +6207,7 @@
             <a:fld id="{A029353E-268C-4AD4-A096-5A9777AEDC9A}" type="datetime1">
               <a:rPr lang="de-DE" smtClean="0"/>
               <a:pPr/>
-              <a:t>29.09.2016</a:t>
+              <a:t>30.09.2016</a:t>
             </a:fld>
             <a:endParaRPr lang="de-DE"/>
           </a:p>
@@ -6065,7 +6262,7 @@
     </p:spTree>
     <p:extLst>
       <p:ext uri="{BB962C8B-B14F-4D97-AF65-F5344CB8AC3E}">
-        <p14:creationId xmlns:p14="http://schemas.microsoft.com/office/powerpoint/2010/main" xmlns="" val="63968042"/>
+        <p14:creationId xmlns="" xmlns:p14="http://schemas.microsoft.com/office/powerpoint/2010/main" val="63968042"/>
       </p:ext>
     </p:extLst>
   </p:cSld>
@@ -6195,7 +6392,7 @@
             <a:fld id="{401B4FFD-5988-45DD-85C9-7C740E714BC2}" type="datetime1">
               <a:rPr lang="de-DE" smtClean="0"/>
               <a:pPr/>
-              <a:t>29.09.2016</a:t>
+              <a:t>30.09.2016</a:t>
             </a:fld>
             <a:endParaRPr lang="de-DE"/>
           </a:p>
@@ -6250,7 +6447,7 @@
     </p:spTree>
     <p:extLst>
       <p:ext uri="{BB962C8B-B14F-4D97-AF65-F5344CB8AC3E}">
-        <p14:creationId xmlns:p14="http://schemas.microsoft.com/office/powerpoint/2010/main" xmlns="" val="1012647373"/>
+        <p14:creationId xmlns="" xmlns:p14="http://schemas.microsoft.com/office/powerpoint/2010/main" val="1012647373"/>
       </p:ext>
     </p:extLst>
   </p:cSld>
@@ -6370,7 +6567,7 @@
             <a:fld id="{75E53A86-2137-4E7A-B092-A2ECCF6AF854}" type="datetime1">
               <a:rPr lang="de-DE" smtClean="0"/>
               <a:pPr/>
-              <a:t>29.09.2016</a:t>
+              <a:t>30.09.2016</a:t>
             </a:fld>
             <a:endParaRPr lang="de-DE"/>
           </a:p>
@@ -6425,7 +6622,7 @@
     </p:spTree>
     <p:extLst>
       <p:ext uri="{BB962C8B-B14F-4D97-AF65-F5344CB8AC3E}">
-        <p14:creationId xmlns:p14="http://schemas.microsoft.com/office/powerpoint/2010/main" xmlns="" val="3015082626"/>
+        <p14:creationId xmlns="" xmlns:p14="http://schemas.microsoft.com/office/powerpoint/2010/main" val="3015082626"/>
       </p:ext>
     </p:extLst>
   </p:cSld>
@@ -6626,7 +6823,7 @@
             <a:fld id="{E17B007E-CBB6-4CC9-9522-98BF0511B89A}" type="datetime1">
               <a:rPr lang="de-DE" smtClean="0"/>
               <a:pPr/>
-              <a:t>29.09.2016</a:t>
+              <a:t>30.09.2016</a:t>
             </a:fld>
             <a:endParaRPr lang="de-DE"/>
           </a:p>
@@ -6716,7 +6913,7 @@
     </p:spTree>
     <p:extLst>
       <p:ext uri="{BB962C8B-B14F-4D97-AF65-F5344CB8AC3E}">
-        <p14:creationId xmlns:p14="http://schemas.microsoft.com/office/powerpoint/2010/main" xmlns="" val="2893945749"/>
+        <p14:creationId xmlns="" xmlns:p14="http://schemas.microsoft.com/office/powerpoint/2010/main" val="2893945749"/>
       </p:ext>
     </p:extLst>
   </p:cSld>
@@ -6954,7 +7151,7 @@
             <a:fld id="{9E0D3CAB-C26B-4BE9-8322-971815458397}" type="datetime1">
               <a:rPr lang="de-DE" smtClean="0"/>
               <a:pPr/>
-              <a:t>29.09.2016</a:t>
+              <a:t>30.09.2016</a:t>
             </a:fld>
             <a:endParaRPr lang="de-DE"/>
           </a:p>
@@ -7009,7 +7206,7 @@
     </p:spTree>
     <p:extLst>
       <p:ext uri="{BB962C8B-B14F-4D97-AF65-F5344CB8AC3E}">
-        <p14:creationId xmlns:p14="http://schemas.microsoft.com/office/powerpoint/2010/main" xmlns="" val="2674789931"/>
+        <p14:creationId xmlns="" xmlns:p14="http://schemas.microsoft.com/office/powerpoint/2010/main" val="2674789931"/>
       </p:ext>
     </p:extLst>
   </p:cSld>
@@ -7383,7 +7580,7 @@
             <a:fld id="{60138B33-E53D-48FA-A19E-5173B37E0ACA}" type="datetime1">
               <a:rPr lang="de-DE" smtClean="0"/>
               <a:pPr/>
-              <a:t>29.09.2016</a:t>
+              <a:t>30.09.2016</a:t>
             </a:fld>
             <a:endParaRPr lang="de-DE"/>
           </a:p>
@@ -7438,7 +7635,7 @@
     </p:spTree>
     <p:extLst>
       <p:ext uri="{BB962C8B-B14F-4D97-AF65-F5344CB8AC3E}">
-        <p14:creationId xmlns:p14="http://schemas.microsoft.com/office/powerpoint/2010/main" xmlns="" val="1845923028"/>
+        <p14:creationId xmlns="" xmlns:p14="http://schemas.microsoft.com/office/powerpoint/2010/main" val="1845923028"/>
       </p:ext>
     </p:extLst>
   </p:cSld>
@@ -7506,7 +7703,7 @@
             <a:fld id="{FCC316BC-690A-48F1-9E36-A03288BDDD2A}" type="datetime1">
               <a:rPr lang="de-DE" smtClean="0"/>
               <a:pPr/>
-              <a:t>29.09.2016</a:t>
+              <a:t>30.09.2016</a:t>
             </a:fld>
             <a:endParaRPr lang="de-DE"/>
           </a:p>
@@ -7561,7 +7758,7 @@
     </p:spTree>
     <p:extLst>
       <p:ext uri="{BB962C8B-B14F-4D97-AF65-F5344CB8AC3E}">
-        <p14:creationId xmlns:p14="http://schemas.microsoft.com/office/powerpoint/2010/main" xmlns="" val="2194376602"/>
+        <p14:creationId xmlns="" xmlns:p14="http://schemas.microsoft.com/office/powerpoint/2010/main" val="2194376602"/>
       </p:ext>
     </p:extLst>
   </p:cSld>
@@ -7606,7 +7803,7 @@
             <a:fld id="{BC36A89F-3473-42A4-A4E7-84042530305F}" type="datetime1">
               <a:rPr lang="de-DE" smtClean="0"/>
               <a:pPr/>
-              <a:t>29.09.2016</a:t>
+              <a:t>30.09.2016</a:t>
             </a:fld>
             <a:endParaRPr lang="de-DE"/>
           </a:p>
@@ -7661,7 +7858,7 @@
     </p:spTree>
     <p:extLst>
       <p:ext uri="{BB962C8B-B14F-4D97-AF65-F5344CB8AC3E}">
-        <p14:creationId xmlns:p14="http://schemas.microsoft.com/office/powerpoint/2010/main" xmlns="" val="1772680045"/>
+        <p14:creationId xmlns="" xmlns:p14="http://schemas.microsoft.com/office/powerpoint/2010/main" val="1772680045"/>
       </p:ext>
     </p:extLst>
   </p:cSld>
@@ -7901,7 +8098,7 @@
             <a:fld id="{D09466FA-7B39-44C8-94B7-01813B42D75C}" type="datetime1">
               <a:rPr lang="de-DE" smtClean="0"/>
               <a:pPr/>
-              <a:t>29.09.2016</a:t>
+              <a:t>30.09.2016</a:t>
             </a:fld>
             <a:endParaRPr lang="de-DE"/>
           </a:p>
@@ -7956,7 +8153,7 @@
     </p:spTree>
     <p:extLst>
       <p:ext uri="{BB962C8B-B14F-4D97-AF65-F5344CB8AC3E}">
-        <p14:creationId xmlns:p14="http://schemas.microsoft.com/office/powerpoint/2010/main" xmlns="" val="4220076666"/>
+        <p14:creationId xmlns="" xmlns:p14="http://schemas.microsoft.com/office/powerpoint/2010/main" val="4220076666"/>
       </p:ext>
     </p:extLst>
   </p:cSld>
@@ -8178,7 +8375,7 @@
             <a:fld id="{F236C270-2E6B-4362-A865-629E317E109E}" type="datetime1">
               <a:rPr lang="de-DE" smtClean="0"/>
               <a:pPr/>
-              <a:t>29.09.2016</a:t>
+              <a:t>30.09.2016</a:t>
             </a:fld>
             <a:endParaRPr lang="de-DE"/>
           </a:p>
@@ -8233,7 +8430,7 @@
     </p:spTree>
     <p:extLst>
       <p:ext uri="{BB962C8B-B14F-4D97-AF65-F5344CB8AC3E}">
-        <p14:creationId xmlns:p14="http://schemas.microsoft.com/office/powerpoint/2010/main" xmlns="" val="1778146660"/>
+        <p14:creationId xmlns="" xmlns:p14="http://schemas.microsoft.com/office/powerpoint/2010/main" val="1778146660"/>
       </p:ext>
     </p:extLst>
   </p:cSld>
@@ -8437,7 +8634,7 @@
             <a:fld id="{0A43C515-0AB2-484E-BCCA-96FC09A5E087}" type="datetime1">
               <a:rPr lang="de-DE" smtClean="0"/>
               <a:pPr/>
-              <a:t>29.09.2016</a:t>
+              <a:t>30.09.2016</a:t>
             </a:fld>
             <a:endParaRPr lang="de-DE"/>
           </a:p>
@@ -8524,7 +8721,7 @@
     </p:spTree>
     <p:extLst>
       <p:ext uri="{BB962C8B-B14F-4D97-AF65-F5344CB8AC3E}">
-        <p14:creationId xmlns:p14="http://schemas.microsoft.com/office/powerpoint/2010/main" xmlns="" val="3120955094"/>
+        <p14:creationId xmlns="" xmlns:p14="http://schemas.microsoft.com/office/powerpoint/2010/main" val="3120955094"/>
       </p:ext>
     </p:extLst>
   </p:cSld>
@@ -9062,7 +9259,7 @@
     </p:spTree>
     <p:extLst>
       <p:ext uri="{BB962C8B-B14F-4D97-AF65-F5344CB8AC3E}">
-        <p14:creationId xmlns:p14="http://schemas.microsoft.com/office/powerpoint/2010/main" xmlns="" val="473900123"/>
+        <p14:creationId xmlns="" xmlns:p14="http://schemas.microsoft.com/office/powerpoint/2010/main" val="473900123"/>
       </p:ext>
     </p:extLst>
   </p:cSld>
@@ -9196,7 +9393,7 @@
     </p:spTree>
     <p:extLst>
       <p:ext uri="{BB962C8B-B14F-4D97-AF65-F5344CB8AC3E}">
-        <p14:creationId xmlns:p14="http://schemas.microsoft.com/office/powerpoint/2010/main" xmlns="" val="1356553071"/>
+        <p14:creationId xmlns="" xmlns:p14="http://schemas.microsoft.com/office/powerpoint/2010/main" val="1356553071"/>
       </p:ext>
     </p:extLst>
   </p:cSld>
@@ -9502,7 +9699,7 @@
           <a:blip r:embed="rId4" cstate="print">
             <a:extLst>
               <a:ext uri="{28A0092B-C50C-407E-A947-70E740481C1C}">
-                <a14:useLocalDpi xmlns:a14="http://schemas.microsoft.com/office/drawing/2010/main" xmlns="" val="0"/>
+                <a14:useLocalDpi xmlns="" xmlns:a14="http://schemas.microsoft.com/office/drawing/2010/main" val="0"/>
               </a:ext>
             </a:extLst>
           </a:blip>
@@ -9603,7 +9800,7 @@
     </p:spTree>
     <p:extLst>
       <p:ext uri="{BB962C8B-B14F-4D97-AF65-F5344CB8AC3E}">
-        <p14:creationId xmlns:p14="http://schemas.microsoft.com/office/powerpoint/2010/main" xmlns="" val="2572582620"/>
+        <p14:creationId xmlns="" xmlns:p14="http://schemas.microsoft.com/office/powerpoint/2010/main" val="2572582620"/>
       </p:ext>
     </p:extLst>
   </p:cSld>
@@ -9730,7 +9927,7 @@
     </p:spTree>
     <p:extLst>
       <p:ext uri="{BB962C8B-B14F-4D97-AF65-F5344CB8AC3E}">
-        <p14:creationId xmlns:p14="http://schemas.microsoft.com/office/powerpoint/2010/main" xmlns="" val="346870178"/>
+        <p14:creationId xmlns="" xmlns:p14="http://schemas.microsoft.com/office/powerpoint/2010/main" val="346870178"/>
       </p:ext>
     </p:extLst>
   </p:cSld>
@@ -9841,7 +10038,7 @@
     </p:spTree>
     <p:extLst>
       <p:ext uri="{BB962C8B-B14F-4D97-AF65-F5344CB8AC3E}">
-        <p14:creationId xmlns:p14="http://schemas.microsoft.com/office/powerpoint/2010/main" xmlns="" val="608258086"/>
+        <p14:creationId xmlns="" xmlns:p14="http://schemas.microsoft.com/office/powerpoint/2010/main" val="608258086"/>
       </p:ext>
     </p:extLst>
   </p:cSld>
@@ -9977,7 +10174,7 @@
     </p:spTree>
     <p:extLst>
       <p:ext uri="{BB962C8B-B14F-4D97-AF65-F5344CB8AC3E}">
-        <p14:creationId xmlns:p14="http://schemas.microsoft.com/office/powerpoint/2010/main" xmlns="" val="711080358"/>
+        <p14:creationId xmlns="" xmlns:p14="http://schemas.microsoft.com/office/powerpoint/2010/main" val="711080358"/>
       </p:ext>
     </p:extLst>
   </p:cSld>
@@ -10301,7 +10498,31 @@
                   <a:schemeClr val="tx1"/>
                 </a:solidFill>
               </a:rPr>
-              <a:t> und .NET Core, </a:t>
+              <a:t> und .NET </a:t>
+            </a:r>
+            <a:r>
+              <a:rPr lang="en-US" dirty="0" smtClean="0">
+                <a:solidFill>
+                  <a:schemeClr val="tx1"/>
+                </a:solidFill>
+              </a:rPr>
+              <a:t>Core </a:t>
+            </a:r>
+            <a:r>
+              <a:rPr lang="en-US" dirty="0" err="1" smtClean="0">
+                <a:solidFill>
+                  <a:schemeClr val="tx1"/>
+                </a:solidFill>
+              </a:rPr>
+              <a:t>erforderlich</a:t>
+            </a:r>
+            <a:r>
+              <a:rPr lang="en-US" dirty="0" smtClean="0">
+                <a:solidFill>
+                  <a:schemeClr val="tx1"/>
+                </a:solidFill>
+              </a:rPr>
+              <a:t>, </a:t>
             </a:r>
             <a:r>
               <a:rPr lang="en-US" dirty="0" err="1">
@@ -10464,7 +10685,7 @@
     </p:spTree>
     <p:extLst>
       <p:ext uri="{BB962C8B-B14F-4D97-AF65-F5344CB8AC3E}">
-        <p14:creationId xmlns:p14="http://schemas.microsoft.com/office/powerpoint/2010/main" xmlns="" val="52862675"/>
+        <p14:creationId xmlns="" xmlns:p14="http://schemas.microsoft.com/office/powerpoint/2010/main" val="52862675"/>
       </p:ext>
     </p:extLst>
   </p:cSld>
@@ -10573,7 +10794,7 @@
           <a:blip r:embed="rId3" cstate="print">
             <a:extLst>
               <a:ext uri="{28A0092B-C50C-407E-A947-70E740481C1C}">
-                <a14:useLocalDpi xmlns:a14="http://schemas.microsoft.com/office/drawing/2010/main" xmlns="" val="0"/>
+                <a14:useLocalDpi xmlns="" xmlns:a14="http://schemas.microsoft.com/office/drawing/2010/main" val="0"/>
               </a:ext>
             </a:extLst>
           </a:blip>
@@ -10596,7 +10817,7 @@
     </p:spTree>
     <p:extLst>
       <p:ext uri="{BB962C8B-B14F-4D97-AF65-F5344CB8AC3E}">
-        <p14:creationId xmlns:p14="http://schemas.microsoft.com/office/powerpoint/2010/main" xmlns="" val="3742195399"/>
+        <p14:creationId xmlns="" xmlns:p14="http://schemas.microsoft.com/office/powerpoint/2010/main" val="3742195399"/>
       </p:ext>
     </p:extLst>
   </p:cSld>
@@ -10853,7 +11074,7 @@
     </p:spTree>
     <p:extLst>
       <p:ext uri="{BB962C8B-B14F-4D97-AF65-F5344CB8AC3E}">
-        <p14:creationId xmlns:p14="http://schemas.microsoft.com/office/powerpoint/2010/main" xmlns="" val="1372815145"/>
+        <p14:creationId xmlns="" xmlns:p14="http://schemas.microsoft.com/office/powerpoint/2010/main" val="1372815145"/>
       </p:ext>
     </p:extLst>
   </p:cSld>
@@ -11072,7 +11293,7 @@
           <a:blip r:embed="rId3" cstate="print">
             <a:extLst>
               <a:ext uri="{28A0092B-C50C-407E-A947-70E740481C1C}">
-                <a14:useLocalDpi xmlns:a14="http://schemas.microsoft.com/office/drawing/2010/main" xmlns="" val="0"/>
+                <a14:useLocalDpi xmlns="" xmlns:a14="http://schemas.microsoft.com/office/drawing/2010/main" val="0"/>
               </a:ext>
             </a:extLst>
           </a:blip>
@@ -11141,7 +11362,7 @@
     </p:spTree>
     <p:extLst>
       <p:ext uri="{BB962C8B-B14F-4D97-AF65-F5344CB8AC3E}">
-        <p14:creationId xmlns:p14="http://schemas.microsoft.com/office/powerpoint/2010/main" xmlns="" val="2912283461"/>
+        <p14:creationId xmlns="" xmlns:p14="http://schemas.microsoft.com/office/powerpoint/2010/main" val="2912283461"/>
       </p:ext>
     </p:extLst>
   </p:cSld>
@@ -11275,7 +11496,7 @@
           <a:blip r:embed="rId3" cstate="print">
             <a:extLst>
               <a:ext uri="{28A0092B-C50C-407E-A947-70E740481C1C}">
-                <a14:useLocalDpi xmlns:a14="http://schemas.microsoft.com/office/drawing/2010/main" xmlns="" val="0"/>
+                <a14:useLocalDpi xmlns="" xmlns:a14="http://schemas.microsoft.com/office/drawing/2010/main" val="0"/>
               </a:ext>
             </a:extLst>
           </a:blip>
@@ -11295,7 +11516,7 @@
           <a:noFill/>
           <a:extLst>
             <a:ext uri="{909E8E84-426E-40DD-AFC4-6F175D3DCCD1}">
-              <a14:hiddenFill xmlns:a14="http://schemas.microsoft.com/office/drawing/2010/main" xmlns="">
+              <a14:hiddenFill xmlns="" xmlns:a14="http://schemas.microsoft.com/office/drawing/2010/main">
                 <a:solidFill>
                   <a:srgbClr val="FFFFFF"/>
                 </a:solidFill>
@@ -11353,7 +11574,7 @@
     </p:spTree>
     <p:extLst>
       <p:ext uri="{BB962C8B-B14F-4D97-AF65-F5344CB8AC3E}">
-        <p14:creationId xmlns:p14="http://schemas.microsoft.com/office/powerpoint/2010/main" xmlns="" val="735082833"/>
+        <p14:creationId xmlns="" xmlns:p14="http://schemas.microsoft.com/office/powerpoint/2010/main" val="735082833"/>
       </p:ext>
     </p:extLst>
   </p:cSld>
@@ -11573,7 +11794,7 @@
     </p:spTree>
     <p:extLst>
       <p:ext uri="{BB962C8B-B14F-4D97-AF65-F5344CB8AC3E}">
-        <p14:creationId xmlns:p14="http://schemas.microsoft.com/office/powerpoint/2010/main" xmlns="" val="1069150620"/>
+        <p14:creationId xmlns="" xmlns:p14="http://schemas.microsoft.com/office/powerpoint/2010/main" val="1069150620"/>
       </p:ext>
     </p:extLst>
   </p:cSld>
@@ -11790,7 +12011,7 @@
     </p:spTree>
     <p:extLst>
       <p:ext uri="{BB962C8B-B14F-4D97-AF65-F5344CB8AC3E}">
-        <p14:creationId xmlns:p14="http://schemas.microsoft.com/office/powerpoint/2010/main" xmlns="" val="78371193"/>
+        <p14:creationId xmlns="" xmlns:p14="http://schemas.microsoft.com/office/powerpoint/2010/main" val="78371193"/>
       </p:ext>
     </p:extLst>
   </p:cSld>
@@ -11989,7 +12210,7 @@
           <a:blip r:embed="rId3" cstate="print">
             <a:extLst>
               <a:ext uri="{28A0092B-C50C-407E-A947-70E740481C1C}">
-                <a14:useLocalDpi xmlns:a14="http://schemas.microsoft.com/office/drawing/2010/main" xmlns="" val="0"/>
+                <a14:useLocalDpi xmlns="" xmlns:a14="http://schemas.microsoft.com/office/drawing/2010/main" val="0"/>
               </a:ext>
             </a:extLst>
           </a:blip>
@@ -12009,7 +12230,7 @@
           <a:noFill/>
           <a:extLst>
             <a:ext uri="{909E8E84-426E-40DD-AFC4-6F175D3DCCD1}">
-              <a14:hiddenFill xmlns:a14="http://schemas.microsoft.com/office/drawing/2010/main" xmlns="">
+              <a14:hiddenFill xmlns="" xmlns:a14="http://schemas.microsoft.com/office/drawing/2010/main">
                 <a:solidFill>
                   <a:srgbClr val="FFFFFF"/>
                 </a:solidFill>
@@ -12021,7 +12242,7 @@
     </p:spTree>
     <p:extLst>
       <p:ext uri="{BB962C8B-B14F-4D97-AF65-F5344CB8AC3E}">
-        <p14:creationId xmlns:p14="http://schemas.microsoft.com/office/powerpoint/2010/main" xmlns="" val="2107344923"/>
+        <p14:creationId xmlns="" xmlns:p14="http://schemas.microsoft.com/office/powerpoint/2010/main" val="2107344923"/>
       </p:ext>
     </p:extLst>
   </p:cSld>
@@ -12290,7 +12511,7 @@
           <a:blip r:embed="rId3" cstate="print">
             <a:extLst>
               <a:ext uri="{28A0092B-C50C-407E-A947-70E740481C1C}">
-                <a14:useLocalDpi xmlns:a14="http://schemas.microsoft.com/office/drawing/2010/main" xmlns="" val="0"/>
+                <a14:useLocalDpi xmlns="" xmlns:a14="http://schemas.microsoft.com/office/drawing/2010/main" val="0"/>
               </a:ext>
             </a:extLst>
           </a:blip>
@@ -12310,7 +12531,7 @@
           <a:noFill/>
           <a:extLst>
             <a:ext uri="{909E8E84-426E-40DD-AFC4-6F175D3DCCD1}">
-              <a14:hiddenFill xmlns:a14="http://schemas.microsoft.com/office/drawing/2010/main" xmlns="">
+              <a14:hiddenFill xmlns="" xmlns:a14="http://schemas.microsoft.com/office/drawing/2010/main">
                 <a:solidFill>
                   <a:srgbClr val="FFFFFF"/>
                 </a:solidFill>
@@ -12322,7 +12543,7 @@
     </p:spTree>
     <p:extLst>
       <p:ext uri="{BB962C8B-B14F-4D97-AF65-F5344CB8AC3E}">
-        <p14:creationId xmlns:p14="http://schemas.microsoft.com/office/powerpoint/2010/main" xmlns="" val="164256279"/>
+        <p14:creationId xmlns="" xmlns:p14="http://schemas.microsoft.com/office/powerpoint/2010/main" val="164256279"/>
       </p:ext>
     </p:extLst>
   </p:cSld>
@@ -12449,7 +12670,7 @@
           <a:blip r:embed="rId3" cstate="print">
             <a:extLst>
               <a:ext uri="{28A0092B-C50C-407E-A947-70E740481C1C}">
-                <a14:useLocalDpi xmlns:a14="http://schemas.microsoft.com/office/drawing/2010/main" xmlns="" val="0"/>
+                <a14:useLocalDpi xmlns="" xmlns:a14="http://schemas.microsoft.com/office/drawing/2010/main" val="0"/>
               </a:ext>
             </a:extLst>
           </a:blip>
@@ -12474,7 +12695,7 @@
           </a:ln>
           <a:extLst>
             <a:ext uri="{909E8E84-426E-40DD-AFC4-6F175D3DCCD1}">
-              <a14:hiddenFill xmlns:a14="http://schemas.microsoft.com/office/drawing/2010/main" xmlns="">
+              <a14:hiddenFill xmlns="" xmlns:a14="http://schemas.microsoft.com/office/drawing/2010/main">
                 <a:solidFill>
                   <a:srgbClr val="FFFFFF"/>
                 </a:solidFill>
@@ -12495,7 +12716,7 @@
           <a:blip r:embed="rId4" cstate="print">
             <a:extLst>
               <a:ext uri="{28A0092B-C50C-407E-A947-70E740481C1C}">
-                <a14:useLocalDpi xmlns:a14="http://schemas.microsoft.com/office/drawing/2010/main" xmlns="" val="0"/>
+                <a14:useLocalDpi xmlns="" xmlns:a14="http://schemas.microsoft.com/office/drawing/2010/main" val="0"/>
               </a:ext>
             </a:extLst>
           </a:blip>
@@ -12520,7 +12741,7 @@
           </a:ln>
           <a:extLst>
             <a:ext uri="{909E8E84-426E-40DD-AFC4-6F175D3DCCD1}">
-              <a14:hiddenFill xmlns:a14="http://schemas.microsoft.com/office/drawing/2010/main" xmlns="">
+              <a14:hiddenFill xmlns="" xmlns:a14="http://schemas.microsoft.com/office/drawing/2010/main">
                 <a:solidFill>
                   <a:srgbClr val="FFFFFF"/>
                 </a:solidFill>
@@ -12609,7 +12830,7 @@
     </p:spTree>
     <p:extLst>
       <p:ext uri="{BB962C8B-B14F-4D97-AF65-F5344CB8AC3E}">
-        <p14:creationId xmlns:p14="http://schemas.microsoft.com/office/powerpoint/2010/main" xmlns="" val="1898273005"/>
+        <p14:creationId xmlns="" xmlns:p14="http://schemas.microsoft.com/office/powerpoint/2010/main" val="1898273005"/>
       </p:ext>
     </p:extLst>
   </p:cSld>
@@ -12736,7 +12957,7 @@
     </p:spTree>
     <p:extLst>
       <p:ext uri="{BB962C8B-B14F-4D97-AF65-F5344CB8AC3E}">
-        <p14:creationId xmlns:p14="http://schemas.microsoft.com/office/powerpoint/2010/main" xmlns="" val="1345858624"/>
+        <p14:creationId xmlns="" xmlns:p14="http://schemas.microsoft.com/office/powerpoint/2010/main" val="1345858624"/>
       </p:ext>
     </p:extLst>
   </p:cSld>
@@ -13042,7 +13263,7 @@
     </p:spTree>
     <p:extLst>
       <p:ext uri="{BB962C8B-B14F-4D97-AF65-F5344CB8AC3E}">
-        <p14:creationId xmlns:p14="http://schemas.microsoft.com/office/powerpoint/2010/main" xmlns="" val="4210756027"/>
+        <p14:creationId xmlns="" xmlns:p14="http://schemas.microsoft.com/office/powerpoint/2010/main" val="4210756027"/>
       </p:ext>
     </p:extLst>
   </p:cSld>
@@ -13208,7 +13429,7 @@
     </p:spTree>
     <p:extLst>
       <p:ext uri="{BB962C8B-B14F-4D97-AF65-F5344CB8AC3E}">
-        <p14:creationId xmlns:p14="http://schemas.microsoft.com/office/powerpoint/2010/main" xmlns="" val="1556886400"/>
+        <p14:creationId xmlns="" xmlns:p14="http://schemas.microsoft.com/office/powerpoint/2010/main" val="1556886400"/>
       </p:ext>
     </p:extLst>
   </p:cSld>
@@ -13458,7 +13679,7 @@
     </p:spTree>
     <p:extLst>
       <p:ext uri="{BB962C8B-B14F-4D97-AF65-F5344CB8AC3E}">
-        <p14:creationId xmlns:p14="http://schemas.microsoft.com/office/powerpoint/2010/main" xmlns="" val="3941722786"/>
+        <p14:creationId xmlns="" xmlns:p14="http://schemas.microsoft.com/office/powerpoint/2010/main" val="3941722786"/>
       </p:ext>
     </p:extLst>
   </p:cSld>
@@ -13633,7 +13854,7 @@
     </p:spTree>
     <p:extLst>
       <p:ext uri="{BB962C8B-B14F-4D97-AF65-F5344CB8AC3E}">
-        <p14:creationId xmlns:p14="http://schemas.microsoft.com/office/powerpoint/2010/main" xmlns="" val="3709600876"/>
+        <p14:creationId xmlns="" xmlns:p14="http://schemas.microsoft.com/office/powerpoint/2010/main" val="3709600876"/>
       </p:ext>
     </p:extLst>
   </p:cSld>
@@ -13862,13 +14083,20 @@
     </p:spTree>
     <p:extLst>
       <p:ext uri="{BB962C8B-B14F-4D97-AF65-F5344CB8AC3E}">
-        <p14:creationId xmlns:p14="http://schemas.microsoft.com/office/powerpoint/2010/main" xmlns="" val="1283623021"/>
+        <p14:creationId xmlns="" xmlns:p14="http://schemas.microsoft.com/office/powerpoint/2010/main" val="1283623021"/>
       </p:ext>
     </p:extLst>
   </p:cSld>
   <p:clrMapOvr>
     <a:masterClrMapping/>
   </p:clrMapOvr>
+  <p:timing>
+    <p:tnLst>
+      <p:par>
+        <p:cTn id="1" dur="indefinite" restart="never" nodeType="tmRoot"/>
+      </p:par>
+    </p:tnLst>
+  </p:timing>
 </p:sld>
 </file>
 
@@ -13923,7 +14151,7 @@
           <a:blip r:embed="rId3" cstate="print">
             <a:extLst>
               <a:ext uri="{28A0092B-C50C-407E-A947-70E740481C1C}">
-                <a14:useLocalDpi xmlns:a14="http://schemas.microsoft.com/office/drawing/2010/main" xmlns="" val="0"/>
+                <a14:useLocalDpi xmlns="" xmlns:a14="http://schemas.microsoft.com/office/drawing/2010/main" val="0"/>
               </a:ext>
             </a:extLst>
           </a:blip>
@@ -13951,7 +14179,7 @@
           </a:ln>
           <a:extLst>
             <a:ext uri="{909E8E84-426E-40DD-AFC4-6F175D3DCCD1}">
-              <a14:hiddenFill xmlns:a14="http://schemas.microsoft.com/office/drawing/2010/main" xmlns="">
+              <a14:hiddenFill xmlns="" xmlns:a14="http://schemas.microsoft.com/office/drawing/2010/main">
                 <a:solidFill>
                   <a:srgbClr val="FFFFFF"/>
                 </a:solidFill>
@@ -14018,7 +14246,7 @@
           <a:blip r:embed="rId4" cstate="print">
             <a:extLst>
               <a:ext uri="{28A0092B-C50C-407E-A947-70E740481C1C}">
-                <a14:useLocalDpi xmlns:a14="http://schemas.microsoft.com/office/drawing/2010/main" xmlns="" val="0"/>
+                <a14:useLocalDpi xmlns="" xmlns:a14="http://schemas.microsoft.com/office/drawing/2010/main" val="0"/>
               </a:ext>
             </a:extLst>
           </a:blip>
@@ -14046,7 +14274,7 @@
           </a:ln>
           <a:extLst>
             <a:ext uri="{909E8E84-426E-40DD-AFC4-6F175D3DCCD1}">
-              <a14:hiddenFill xmlns:a14="http://schemas.microsoft.com/office/drawing/2010/main" xmlns="">
+              <a14:hiddenFill xmlns="" xmlns:a14="http://schemas.microsoft.com/office/drawing/2010/main">
                 <a:solidFill>
                   <a:srgbClr val="FFFFFF"/>
                 </a:solidFill>
@@ -14058,7 +14286,7 @@
     </p:spTree>
     <p:extLst>
       <p:ext uri="{BB962C8B-B14F-4D97-AF65-F5344CB8AC3E}">
-        <p14:creationId xmlns:p14="http://schemas.microsoft.com/office/powerpoint/2010/main" xmlns="" val="2902332026"/>
+        <p14:creationId xmlns="" xmlns:p14="http://schemas.microsoft.com/office/powerpoint/2010/main" val="2902332026"/>
       </p:ext>
     </p:extLst>
   </p:cSld>
@@ -14208,7 +14436,7 @@
     </p:spTree>
     <p:extLst>
       <p:ext uri="{BB962C8B-B14F-4D97-AF65-F5344CB8AC3E}">
-        <p14:creationId xmlns:p14="http://schemas.microsoft.com/office/powerpoint/2010/main" xmlns="" val="182176623"/>
+        <p14:creationId xmlns="" xmlns:p14="http://schemas.microsoft.com/office/powerpoint/2010/main" val="182176623"/>
       </p:ext>
     </p:extLst>
   </p:cSld>
@@ -14739,7 +14967,7 @@
     </p:spTree>
     <p:extLst>
       <p:ext uri="{BB962C8B-B14F-4D97-AF65-F5344CB8AC3E}">
-        <p14:creationId xmlns:p14="http://schemas.microsoft.com/office/powerpoint/2010/main" xmlns="" val="2047263359"/>
+        <p14:creationId xmlns="" xmlns:p14="http://schemas.microsoft.com/office/powerpoint/2010/main" val="2047263359"/>
       </p:ext>
     </p:extLst>
   </p:cSld>
@@ -15384,7 +15612,7 @@
           <a:blip r:embed="rId3" cstate="print">
             <a:extLst>
               <a:ext uri="{28A0092B-C50C-407E-A947-70E740481C1C}">
-                <a14:useLocalDpi xmlns:a14="http://schemas.microsoft.com/office/drawing/2010/main" xmlns="" val="0"/>
+                <a14:useLocalDpi xmlns="" xmlns:a14="http://schemas.microsoft.com/office/drawing/2010/main" val="0"/>
               </a:ext>
             </a:extLst>
           </a:blip>
@@ -15404,7 +15632,7 @@
           <a:noFill/>
           <a:extLst>
             <a:ext uri="{909E8E84-426E-40DD-AFC4-6F175D3DCCD1}">
-              <a14:hiddenFill xmlns:a14="http://schemas.microsoft.com/office/drawing/2010/main" xmlns="">
+              <a14:hiddenFill xmlns="" xmlns:a14="http://schemas.microsoft.com/office/drawing/2010/main">
                 <a:solidFill>
                   <a:srgbClr val="FFFFFF"/>
                 </a:solidFill>
@@ -15416,7 +15644,7 @@
     </p:spTree>
     <p:extLst>
       <p:ext uri="{BB962C8B-B14F-4D97-AF65-F5344CB8AC3E}">
-        <p14:creationId xmlns:p14="http://schemas.microsoft.com/office/powerpoint/2010/main" xmlns="" val="3924161228"/>
+        <p14:creationId xmlns="" xmlns:p14="http://schemas.microsoft.com/office/powerpoint/2010/main" val="3924161228"/>
       </p:ext>
     </p:extLst>
   </p:cSld>
@@ -15498,7 +15726,7 @@
           <a:blip r:embed="rId3" cstate="print">
             <a:extLst>
               <a:ext uri="{28A0092B-C50C-407E-A947-70E740481C1C}">
-                <a14:useLocalDpi xmlns:a14="http://schemas.microsoft.com/office/drawing/2010/main" xmlns="" val="0"/>
+                <a14:useLocalDpi xmlns="" xmlns:a14="http://schemas.microsoft.com/office/drawing/2010/main" val="0"/>
               </a:ext>
             </a:extLst>
           </a:blip>
@@ -15518,7 +15746,7 @@
           <a:noFill/>
           <a:extLst>
             <a:ext uri="{909E8E84-426E-40DD-AFC4-6F175D3DCCD1}">
-              <a14:hiddenFill xmlns:a14="http://schemas.microsoft.com/office/drawing/2010/main" xmlns="">
+              <a14:hiddenFill xmlns="" xmlns:a14="http://schemas.microsoft.com/office/drawing/2010/main">
                 <a:solidFill>
                   <a:srgbClr val="FFFFFF"/>
                 </a:solidFill>
@@ -15576,7 +15804,7 @@
     </p:spTree>
     <p:extLst>
       <p:ext uri="{BB962C8B-B14F-4D97-AF65-F5344CB8AC3E}">
-        <p14:creationId xmlns:p14="http://schemas.microsoft.com/office/powerpoint/2010/main" xmlns="" val="3509914077"/>
+        <p14:creationId xmlns="" xmlns:p14="http://schemas.microsoft.com/office/powerpoint/2010/main" val="3509914077"/>
       </p:ext>
     </p:extLst>
   </p:cSld>
@@ -15666,7 +15894,7 @@
           <a:blip r:embed="rId2" cstate="print">
             <a:extLst>
               <a:ext uri="{28A0092B-C50C-407E-A947-70E740481C1C}">
-                <a14:useLocalDpi xmlns:a14="http://schemas.microsoft.com/office/drawing/2010/main" xmlns="" val="0"/>
+                <a14:useLocalDpi xmlns="" xmlns:a14="http://schemas.microsoft.com/office/drawing/2010/main" val="0"/>
               </a:ext>
             </a:extLst>
           </a:blip>
@@ -15691,7 +15919,7 @@
           </a:effectLst>
           <a:extLst>
             <a:ext uri="{909E8E84-426E-40DD-AFC4-6F175D3DCCD1}">
-              <a14:hiddenFill xmlns:a14="http://schemas.microsoft.com/office/drawing/2010/main" xmlns="">
+              <a14:hiddenFill xmlns="" xmlns:a14="http://schemas.microsoft.com/office/drawing/2010/main">
                 <a:solidFill>
                   <a:srgbClr val="FFFFFF"/>
                 </a:solidFill>
@@ -15749,7 +15977,7 @@
     </p:spTree>
     <p:extLst>
       <p:ext uri="{BB962C8B-B14F-4D97-AF65-F5344CB8AC3E}">
-        <p14:creationId xmlns:p14="http://schemas.microsoft.com/office/powerpoint/2010/main" xmlns="" val="2576768422"/>
+        <p14:creationId xmlns="" xmlns:p14="http://schemas.microsoft.com/office/powerpoint/2010/main" val="2576768422"/>
       </p:ext>
     </p:extLst>
   </p:cSld>
@@ -16040,7 +16268,7 @@
     </p:spTree>
     <p:extLst>
       <p:ext uri="{BB962C8B-B14F-4D97-AF65-F5344CB8AC3E}">
-        <p14:creationId xmlns:p14="http://schemas.microsoft.com/office/powerpoint/2010/main" xmlns="" val="1365594880"/>
+        <p14:creationId xmlns="" xmlns:p14="http://schemas.microsoft.com/office/powerpoint/2010/main" val="1365594880"/>
       </p:ext>
     </p:extLst>
   </p:cSld>
@@ -16559,7 +16787,7 @@
     </p:spTree>
     <p:extLst>
       <p:ext uri="{BB962C8B-B14F-4D97-AF65-F5344CB8AC3E}">
-        <p14:creationId xmlns:p14="http://schemas.microsoft.com/office/powerpoint/2010/main" xmlns="" val="2187657507"/>
+        <p14:creationId xmlns="" xmlns:p14="http://schemas.microsoft.com/office/powerpoint/2010/main" val="2187657507"/>
       </p:ext>
     </p:extLst>
   </p:cSld>
@@ -16805,7 +17033,7 @@
     </p:spTree>
     <p:extLst>
       <p:ext uri="{BB962C8B-B14F-4D97-AF65-F5344CB8AC3E}">
-        <p14:creationId xmlns:p14="http://schemas.microsoft.com/office/powerpoint/2010/main" xmlns="" val="661856644"/>
+        <p14:creationId xmlns="" xmlns:p14="http://schemas.microsoft.com/office/powerpoint/2010/main" val="661856644"/>
       </p:ext>
     </p:extLst>
   </p:cSld>
@@ -16921,7 +17149,7 @@
           <a:blip r:embed="rId3" cstate="print">
             <a:extLst>
               <a:ext uri="{28A0092B-C50C-407E-A947-70E740481C1C}">
-                <a14:useLocalDpi xmlns:a14="http://schemas.microsoft.com/office/drawing/2010/main" xmlns="" val="0"/>
+                <a14:useLocalDpi xmlns="" xmlns:a14="http://schemas.microsoft.com/office/drawing/2010/main" val="0"/>
               </a:ext>
             </a:extLst>
           </a:blip>
@@ -16941,7 +17169,7 @@
           <a:noFill/>
           <a:extLst>
             <a:ext uri="{909E8E84-426E-40DD-AFC4-6F175D3DCCD1}">
-              <a14:hiddenFill xmlns:a14="http://schemas.microsoft.com/office/drawing/2010/main" xmlns="">
+              <a14:hiddenFill xmlns="" xmlns:a14="http://schemas.microsoft.com/office/drawing/2010/main">
                 <a:solidFill>
                   <a:srgbClr val="FFFFFF"/>
                 </a:solidFill>
@@ -16999,7 +17227,7 @@
     </p:spTree>
     <p:extLst>
       <p:ext uri="{BB962C8B-B14F-4D97-AF65-F5344CB8AC3E}">
-        <p14:creationId xmlns:p14="http://schemas.microsoft.com/office/powerpoint/2010/main" xmlns="" val="926776740"/>
+        <p14:creationId xmlns="" xmlns:p14="http://schemas.microsoft.com/office/powerpoint/2010/main" val="926776740"/>
       </p:ext>
     </p:extLst>
   </p:cSld>
@@ -17240,7 +17468,7 @@
   <a:extraClrSchemeLst/>
   <a:extLst>
     <a:ext uri="{05A4C25C-085E-4340-85A3-A5531E510DB2}">
-      <thm15:themeFamily xmlns:thm15="http://schemas.microsoft.com/office/thememl/2012/main" xmlns="" name="Basis" id="{5665723A-49BA-4B57-8411-A56F8F207965}" vid="{90E45F77-AEFC-46EF-A7C1-5B338C297B02}"/>
+      <thm15:themeFamily xmlns="" xmlns:thm15="http://schemas.microsoft.com/office/thememl/2012/main" name="Basis" id="{5665723A-49BA-4B57-8411-A56F8F207965}" vid="{90E45F77-AEFC-46EF-A7C1-5B338C297B02}"/>
     </a:ext>
   </a:extLst>
 </a:theme>
@@ -17535,7 +17763,7 @@
   <a:extraClrSchemeLst/>
   <a:extLst>
     <a:ext uri="{05A4C25C-085E-4340-85A3-A5531E510DB2}">
-      <thm15:themeFamily xmlns:thm15="http://schemas.microsoft.com/office/thememl/2012/main" xmlns="" name="Office Theme" id="{62F939B6-93AF-4DB8-9C6B-D6C7DFDC589F}" vid="{4A3C46E8-61CC-4603-A589-7422A47A8E4A}"/>
+      <thm15:themeFamily xmlns="" xmlns:thm15="http://schemas.microsoft.com/office/thememl/2012/main" name="Office Theme" id="{62F939B6-93AF-4DB8-9C6B-D6C7DFDC589F}" vid="{4A3C46E8-61CC-4603-A589-7422A47A8E4A}"/>
     </a:ext>
   </a:extLst>
 </a:theme>
